--- a/High-Quality Code/19. Software Quality Assurance/Software Quality Assurance.pptx
+++ b/High-Quality Code/19. Software Quality Assurance/Software Quality Assurance.pptx
@@ -6,10 +6,10 @@
     <p:sldMasterId id="2147483704" r:id="rId2"/>
   </p:sldMasterIdLst>
   <p:notesMasterIdLst>
-    <p:notesMasterId r:id="rId33"/>
+    <p:notesMasterId r:id="rId30"/>
   </p:notesMasterIdLst>
   <p:handoutMasterIdLst>
-    <p:handoutMasterId r:id="rId34"/>
+    <p:handoutMasterId r:id="rId31"/>
   </p:handoutMasterIdLst>
   <p:sldIdLst>
     <p:sldId id="320" r:id="rId3"/>
@@ -21,27 +21,24 @@
     <p:sldId id="328" r:id="rId9"/>
     <p:sldId id="332" r:id="rId10"/>
     <p:sldId id="327" r:id="rId11"/>
-    <p:sldId id="338" r:id="rId12"/>
-    <p:sldId id="365" r:id="rId13"/>
-    <p:sldId id="361" r:id="rId14"/>
-    <p:sldId id="362" r:id="rId15"/>
-    <p:sldId id="363" r:id="rId16"/>
-    <p:sldId id="364" r:id="rId17"/>
-    <p:sldId id="350" r:id="rId18"/>
-    <p:sldId id="369" r:id="rId19"/>
-    <p:sldId id="371" r:id="rId20"/>
-    <p:sldId id="341" r:id="rId21"/>
-    <p:sldId id="349" r:id="rId22"/>
-    <p:sldId id="372" r:id="rId23"/>
-    <p:sldId id="335" r:id="rId24"/>
-    <p:sldId id="336" r:id="rId25"/>
-    <p:sldId id="343" r:id="rId26"/>
-    <p:sldId id="324" r:id="rId27"/>
-    <p:sldId id="373" r:id="rId28"/>
-    <p:sldId id="325" r:id="rId29"/>
-    <p:sldId id="322" r:id="rId30"/>
-    <p:sldId id="323" r:id="rId31"/>
-    <p:sldId id="340" r:id="rId32"/>
+    <p:sldId id="365" r:id="rId12"/>
+    <p:sldId id="361" r:id="rId13"/>
+    <p:sldId id="362" r:id="rId14"/>
+    <p:sldId id="363" r:id="rId15"/>
+    <p:sldId id="364" r:id="rId16"/>
+    <p:sldId id="350" r:id="rId17"/>
+    <p:sldId id="369" r:id="rId18"/>
+    <p:sldId id="371" r:id="rId19"/>
+    <p:sldId id="341" r:id="rId20"/>
+    <p:sldId id="349" r:id="rId21"/>
+    <p:sldId id="372" r:id="rId22"/>
+    <p:sldId id="335" r:id="rId23"/>
+    <p:sldId id="324" r:id="rId24"/>
+    <p:sldId id="373" r:id="rId25"/>
+    <p:sldId id="325" r:id="rId26"/>
+    <p:sldId id="322" r:id="rId27"/>
+    <p:sldId id="340" r:id="rId28"/>
+    <p:sldId id="374" r:id="rId29"/>
   </p:sldIdLst>
   <p:sldSz cx="9144000" cy="6858000" type="screen4x3"/>
   <p:notesSz cx="6881813" cy="9296400"/>
@@ -1542,22 +1539,22 @@
     </dgm:pt>
   </dgm:ptLst>
   <dgm:cxnLst>
+    <dgm:cxn modelId="{D992D8E9-AE88-43A7-9C66-1C60FE3D28F1}" srcId="{3B85E437-3866-4771-A7F9-73D9FF6CCF0D}" destId="{8EDBD9B7-D98F-4B2B-A07C-66BF18DA2063}" srcOrd="4" destOrd="0" parTransId="{5CA34458-FE30-4770-8BEC-128C94056058}" sibTransId="{EB79FF85-7D59-4B1F-87E6-00D05932546A}"/>
+    <dgm:cxn modelId="{EE4A7057-0785-4453-A4BD-4BD749D89A83}" type="presOf" srcId="{71D942B6-EF16-4F97-B27E-6597126D316B}" destId="{D5E3C4B8-0F7F-4DCB-A25B-05D69AA22BFB}" srcOrd="0" destOrd="0" presId="urn:microsoft.com/office/officeart/2005/8/layout/cycle5"/>
+    <dgm:cxn modelId="{84F55526-848E-495C-B2F7-3FE45332DE52}" type="presOf" srcId="{86704A79-CCB9-4016-9010-D66979E30BB0}" destId="{494AC7A4-8733-4A51-879E-B0EC238A69BC}" srcOrd="0" destOrd="0" presId="urn:microsoft.com/office/officeart/2005/8/layout/cycle5"/>
+    <dgm:cxn modelId="{C7FFC852-9028-4B5B-90D7-D78962576A2C}" srcId="{3B85E437-3866-4771-A7F9-73D9FF6CCF0D}" destId="{4000C524-A04E-49D4-947A-A96689595E01}" srcOrd="1" destOrd="0" parTransId="{F47B1443-0C46-47BE-A27F-CE1B531A87FC}" sibTransId="{5D074E76-3E8F-41AC-B784-FCAC1277B7B7}"/>
+    <dgm:cxn modelId="{B3848DB9-66AC-4D61-BA94-E65CB6254E62}" type="presOf" srcId="{8EDBD9B7-D98F-4B2B-A07C-66BF18DA2063}" destId="{6D5A1005-8582-4DFD-B676-FB920191B697}" srcOrd="0" destOrd="0" presId="urn:microsoft.com/office/officeart/2005/8/layout/cycle5"/>
+    <dgm:cxn modelId="{652C14BE-07C5-41EF-84D4-B8E16C61E070}" type="presOf" srcId="{6255DD52-4343-4675-9902-2C4E3F14E1F6}" destId="{C1F3DA3E-7DAA-4A34-A615-80CCB274B948}" srcOrd="0" destOrd="0" presId="urn:microsoft.com/office/officeart/2005/8/layout/cycle5"/>
+    <dgm:cxn modelId="{A5F9795C-C5D5-4B59-92D0-552A9D98E507}" type="presOf" srcId="{5D074E76-3E8F-41AC-B784-FCAC1277B7B7}" destId="{C8D6943C-F18D-4DF7-8F02-90D436966C50}" srcOrd="0" destOrd="0" presId="urn:microsoft.com/office/officeart/2005/8/layout/cycle5"/>
+    <dgm:cxn modelId="{357EE588-D390-4493-871E-CC239A1DE541}" srcId="{3B85E437-3866-4771-A7F9-73D9FF6CCF0D}" destId="{71D942B6-EF16-4F97-B27E-6597126D316B}" srcOrd="2" destOrd="0" parTransId="{6635D518-43A4-4055-93ED-D41066212232}" sibTransId="{86704A79-CCB9-4016-9010-D66979E30BB0}"/>
+    <dgm:cxn modelId="{D6DF9BAF-2A8C-4462-803C-F4FFE414A35B}" srcId="{3B85E437-3866-4771-A7F9-73D9FF6CCF0D}" destId="{6255DD52-4343-4675-9902-2C4E3F14E1F6}" srcOrd="0" destOrd="0" parTransId="{41555880-B668-4E87-955E-EAD842982549}" sibTransId="{043489F6-537A-40EA-B0D3-8907B24C8EC0}"/>
+    <dgm:cxn modelId="{9F8BEEAF-FCF7-407F-8ABE-25D178F0D047}" srcId="{3B85E437-3866-4771-A7F9-73D9FF6CCF0D}" destId="{6B0B4888-9C75-462C-8FC4-2458149D42E8}" srcOrd="3" destOrd="0" parTransId="{E3F71CA8-DF16-4371-AE4C-3DF11D9D2E23}" sibTransId="{39F3BC49-C634-48C9-8B29-82CA699DD389}"/>
+    <dgm:cxn modelId="{63123CD0-1A6B-47F6-8B8F-057EDF41316B}" type="presOf" srcId="{6B0B4888-9C75-462C-8FC4-2458149D42E8}" destId="{9D38CCDB-8271-49BF-9EE6-5F7B843461E9}" srcOrd="0" destOrd="0" presId="urn:microsoft.com/office/officeart/2005/8/layout/cycle5"/>
     <dgm:cxn modelId="{D7BEB1F2-5964-4D3D-8365-B563B4021899}" type="presOf" srcId="{043489F6-537A-40EA-B0D3-8907B24C8EC0}" destId="{2A6289DB-51F9-46FB-B1D4-57D1ADBD7D1D}" srcOrd="0" destOrd="0" presId="urn:microsoft.com/office/officeart/2005/8/layout/cycle5"/>
+    <dgm:cxn modelId="{9FE90A7B-D144-40D5-8BE4-7B7B0C7C1ACA}" type="presOf" srcId="{3B85E437-3866-4771-A7F9-73D9FF6CCF0D}" destId="{D2271B4D-9613-4677-90C1-15285BCDF4DF}" srcOrd="0" destOrd="0" presId="urn:microsoft.com/office/officeart/2005/8/layout/cycle5"/>
+    <dgm:cxn modelId="{B39E01C1-43FE-4FFA-BC51-966D47B8D6E7}" type="presOf" srcId="{39F3BC49-C634-48C9-8B29-82CA699DD389}" destId="{37E0F233-C9FA-4E28-85E4-9229E3E807AB}" srcOrd="0" destOrd="0" presId="urn:microsoft.com/office/officeart/2005/8/layout/cycle5"/>
     <dgm:cxn modelId="{F8A3868E-7CED-4999-B4BE-543E58768D54}" type="presOf" srcId="{EB79FF85-7D59-4B1F-87E6-00D05932546A}" destId="{75E53215-9ABB-4204-9180-8A19F6C4AC20}" srcOrd="0" destOrd="0" presId="urn:microsoft.com/office/officeart/2005/8/layout/cycle5"/>
-    <dgm:cxn modelId="{84F55526-848E-495C-B2F7-3FE45332DE52}" type="presOf" srcId="{86704A79-CCB9-4016-9010-D66979E30BB0}" destId="{494AC7A4-8733-4A51-879E-B0EC238A69BC}" srcOrd="0" destOrd="0" presId="urn:microsoft.com/office/officeart/2005/8/layout/cycle5"/>
     <dgm:cxn modelId="{4395DB00-515D-4B5D-A907-766C16CD7B08}" type="presOf" srcId="{4000C524-A04E-49D4-947A-A96689595E01}" destId="{FC4ADEBA-A04E-408C-86EF-46FBEC9F37BD}" srcOrd="0" destOrd="0" presId="urn:microsoft.com/office/officeart/2005/8/layout/cycle5"/>
-    <dgm:cxn modelId="{C7FFC852-9028-4B5B-90D7-D78962576A2C}" srcId="{3B85E437-3866-4771-A7F9-73D9FF6CCF0D}" destId="{4000C524-A04E-49D4-947A-A96689595E01}" srcOrd="1" destOrd="0" parTransId="{F47B1443-0C46-47BE-A27F-CE1B531A87FC}" sibTransId="{5D074E76-3E8F-41AC-B784-FCAC1277B7B7}"/>
-    <dgm:cxn modelId="{63123CD0-1A6B-47F6-8B8F-057EDF41316B}" type="presOf" srcId="{6B0B4888-9C75-462C-8FC4-2458149D42E8}" destId="{9D38CCDB-8271-49BF-9EE6-5F7B843461E9}" srcOrd="0" destOrd="0" presId="urn:microsoft.com/office/officeart/2005/8/layout/cycle5"/>
-    <dgm:cxn modelId="{9F8BEEAF-FCF7-407F-8ABE-25D178F0D047}" srcId="{3B85E437-3866-4771-A7F9-73D9FF6CCF0D}" destId="{6B0B4888-9C75-462C-8FC4-2458149D42E8}" srcOrd="3" destOrd="0" parTransId="{E3F71CA8-DF16-4371-AE4C-3DF11D9D2E23}" sibTransId="{39F3BC49-C634-48C9-8B29-82CA699DD389}"/>
-    <dgm:cxn modelId="{357EE588-D390-4493-871E-CC239A1DE541}" srcId="{3B85E437-3866-4771-A7F9-73D9FF6CCF0D}" destId="{71D942B6-EF16-4F97-B27E-6597126D316B}" srcOrd="2" destOrd="0" parTransId="{6635D518-43A4-4055-93ED-D41066212232}" sibTransId="{86704A79-CCB9-4016-9010-D66979E30BB0}"/>
-    <dgm:cxn modelId="{EE4A7057-0785-4453-A4BD-4BD749D89A83}" type="presOf" srcId="{71D942B6-EF16-4F97-B27E-6597126D316B}" destId="{D5E3C4B8-0F7F-4DCB-A25B-05D69AA22BFB}" srcOrd="0" destOrd="0" presId="urn:microsoft.com/office/officeart/2005/8/layout/cycle5"/>
-    <dgm:cxn modelId="{9FE90A7B-D144-40D5-8BE4-7B7B0C7C1ACA}" type="presOf" srcId="{3B85E437-3866-4771-A7F9-73D9FF6CCF0D}" destId="{D2271B4D-9613-4677-90C1-15285BCDF4DF}" srcOrd="0" destOrd="0" presId="urn:microsoft.com/office/officeart/2005/8/layout/cycle5"/>
-    <dgm:cxn modelId="{D992D8E9-AE88-43A7-9C66-1C60FE3D28F1}" srcId="{3B85E437-3866-4771-A7F9-73D9FF6CCF0D}" destId="{8EDBD9B7-D98F-4B2B-A07C-66BF18DA2063}" srcOrd="4" destOrd="0" parTransId="{5CA34458-FE30-4770-8BEC-128C94056058}" sibTransId="{EB79FF85-7D59-4B1F-87E6-00D05932546A}"/>
-    <dgm:cxn modelId="{B3848DB9-66AC-4D61-BA94-E65CB6254E62}" type="presOf" srcId="{8EDBD9B7-D98F-4B2B-A07C-66BF18DA2063}" destId="{6D5A1005-8582-4DFD-B676-FB920191B697}" srcOrd="0" destOrd="0" presId="urn:microsoft.com/office/officeart/2005/8/layout/cycle5"/>
-    <dgm:cxn modelId="{D6DF9BAF-2A8C-4462-803C-F4FFE414A35B}" srcId="{3B85E437-3866-4771-A7F9-73D9FF6CCF0D}" destId="{6255DD52-4343-4675-9902-2C4E3F14E1F6}" srcOrd="0" destOrd="0" parTransId="{41555880-B668-4E87-955E-EAD842982549}" sibTransId="{043489F6-537A-40EA-B0D3-8907B24C8EC0}"/>
-    <dgm:cxn modelId="{652C14BE-07C5-41EF-84D4-B8E16C61E070}" type="presOf" srcId="{6255DD52-4343-4675-9902-2C4E3F14E1F6}" destId="{C1F3DA3E-7DAA-4A34-A615-80CCB274B948}" srcOrd="0" destOrd="0" presId="urn:microsoft.com/office/officeart/2005/8/layout/cycle5"/>
-    <dgm:cxn modelId="{B39E01C1-43FE-4FFA-BC51-966D47B8D6E7}" type="presOf" srcId="{39F3BC49-C634-48C9-8B29-82CA699DD389}" destId="{37E0F233-C9FA-4E28-85E4-9229E3E807AB}" srcOrd="0" destOrd="0" presId="urn:microsoft.com/office/officeart/2005/8/layout/cycle5"/>
-    <dgm:cxn modelId="{A5F9795C-C5D5-4B59-92D0-552A9D98E507}" type="presOf" srcId="{5D074E76-3E8F-41AC-B784-FCAC1277B7B7}" destId="{C8D6943C-F18D-4DF7-8F02-90D436966C50}" srcOrd="0" destOrd="0" presId="urn:microsoft.com/office/officeart/2005/8/layout/cycle5"/>
     <dgm:cxn modelId="{293601BE-DCEF-44B6-A587-F62C81927942}" type="presParOf" srcId="{D2271B4D-9613-4677-90C1-15285BCDF4DF}" destId="{C1F3DA3E-7DAA-4A34-A615-80CCB274B948}" srcOrd="0" destOrd="0" presId="urn:microsoft.com/office/officeart/2005/8/layout/cycle5"/>
     <dgm:cxn modelId="{8D077079-0DDE-4456-974C-82401372A289}" type="presParOf" srcId="{D2271B4D-9613-4677-90C1-15285BCDF4DF}" destId="{42A36D2C-D814-4DA2-B8A8-06FC7B560F4E}" srcOrd="1" destOrd="0" presId="urn:microsoft.com/office/officeart/2005/8/layout/cycle5"/>
     <dgm:cxn modelId="{266893F1-5847-42F8-A98E-0F61DBE266A1}" type="presParOf" srcId="{D2271B4D-9613-4677-90C1-15285BCDF4DF}" destId="{2A6289DB-51F9-46FB-B1D4-57D1ADBD7D1D}" srcOrd="2" destOrd="0" presId="urn:microsoft.com/office/officeart/2005/8/layout/cycle5"/>
@@ -3777,7 +3774,7 @@
             <a:fld id="{3BF7C7B5-275F-4D1F-9AB4-9255447DBC73}" type="datetimeFigureOut">
               <a:rPr lang="en-US"/>
               <a:pPr/>
-              <a:t>4/19/2011</a:t>
+              <a:t>7/22/2014</a:t>
             </a:fld>
             <a:endParaRPr lang="en-US" dirty="0"/>
           </a:p>
@@ -4008,7 +4005,7 @@
             <a:fld id="{9B46F231-FB2B-4655-A644-E2477325E686}" type="datetimeFigureOut">
               <a:rPr lang="en-US"/>
               <a:pPr/>
-              <a:t>4/19/2011</a:t>
+              <a:t>7/22/2014</a:t>
             </a:fld>
             <a:endParaRPr lang="en-US" dirty="0"/>
           </a:p>
@@ -4480,202 +4477,6 @@
           <a:bodyPr/>
           <a:lstStyle/>
           <a:p>
-            <a:r>
-              <a:rPr lang="en-US" dirty="0" smtClean="0"/>
-              <a:t>The most interesting facts that this data reveals is that the modal rates don't rise above 75 percent for any single technique and that the techniques average about 40 percent. Moreover, for the most common kinds of defect detection—unit testing and integration testing—the modal rates are only 30–35 percent. The typical organization uses a test-heavy defect-removal approach and achieves only about 85 percent defect removal efficiency. Leading organizations use a wider variety of techniques and achieve defect-removal efficiencies of 95 percent or higher (Jones 2000).</a:t>
-            </a:r>
-          </a:p>
-          <a:p>
-            <a:r>
-              <a:rPr lang="en-US" dirty="0" smtClean="0"/>
-              <a:t/>
-            </a:r>
-            <a:br>
-              <a:rPr lang="en-US" dirty="0" smtClean="0"/>
-            </a:br>
-            <a:endParaRPr lang="bg-BG" dirty="0"/>
-          </a:p>
-        </p:txBody>
-      </p:sp>
-      <p:sp>
-        <p:nvSpPr>
-          <p:cNvPr id="4" name="Slide Number Placeholder 3"/>
-          <p:cNvSpPr>
-            <a:spLocks noGrp="1"/>
-          </p:cNvSpPr>
-          <p:nvPr>
-            <p:ph type="sldNum" sz="quarter" idx="10"/>
-          </p:nvPr>
-        </p:nvSpPr>
-        <p:spPr/>
-        <p:txBody>
-          <a:bodyPr/>
-          <a:lstStyle/>
-          <a:p>
-            <a:fld id="{6FB4F6EA-423E-42DF-9292-215E7D886C4E}" type="slidenum">
-              <a:rPr lang="en-US" smtClean="0"/>
-              <a:pPr/>
-              <a:t>25</a:t>
-            </a:fld>
-            <a:endParaRPr lang="en-US" dirty="0"/>
-          </a:p>
-        </p:txBody>
-      </p:sp>
-    </p:spTree>
-    <p:extLst>
-      <p:ext uri="{BB962C8B-B14F-4D97-AF65-F5344CB8AC3E}">
-        <p14:creationId xmlns:p14="http://schemas.microsoft.com/office/powerpoint/2010/main" val="3899103791"/>
-      </p:ext>
-    </p:extLst>
-  </p:cSld>
-  <p:clrMapOvr>
-    <a:masterClrMapping/>
-  </p:clrMapOvr>
-</p:notes>
-</file>
-
-<file path=ppt/notesSlides/notesSlide11.xml><?xml version="1.0" encoding="utf-8"?>
-<p:notes xmlns:a="http://schemas.openxmlformats.org/drawingml/2006/main" xmlns:r="http://schemas.openxmlformats.org/officeDocument/2006/relationships" xmlns:p="http://schemas.openxmlformats.org/presentationml/2006/main">
-  <p:cSld>
-    <p:spTree>
-      <p:nvGrpSpPr>
-        <p:cNvPr id="1" name=""/>
-        <p:cNvGrpSpPr/>
-        <p:nvPr/>
-      </p:nvGrpSpPr>
-      <p:grpSpPr>
-        <a:xfrm>
-          <a:off x="0" y="0"/>
-          <a:ext cx="0" cy="0"/>
-          <a:chOff x="0" y="0"/>
-          <a:chExt cx="0" cy="0"/>
-        </a:xfrm>
-      </p:grpSpPr>
-      <p:sp>
-        <p:nvSpPr>
-          <p:cNvPr id="2" name="Slide Image Placeholder 1"/>
-          <p:cNvSpPr>
-            <a:spLocks noGrp="1" noRot="1" noChangeAspect="1"/>
-          </p:cNvSpPr>
-          <p:nvPr>
-            <p:ph type="sldImg"/>
-          </p:nvPr>
-        </p:nvSpPr>
-        <p:spPr/>
-      </p:sp>
-      <p:sp>
-        <p:nvSpPr>
-          <p:cNvPr id="3" name="Notes Placeholder 2"/>
-          <p:cNvSpPr>
-            <a:spLocks noGrp="1"/>
-          </p:cNvSpPr>
-          <p:nvPr>
-            <p:ph type="body" idx="1"/>
-          </p:nvPr>
-        </p:nvSpPr>
-        <p:spPr/>
-        <p:txBody>
-          <a:bodyPr/>
-          <a:lstStyle/>
-          <a:p>
-            <a:r>
-              <a:rPr lang="en-US" dirty="0" smtClean="0"/>
-              <a:t>The most interesting facts that this data reveals is that the modal rates don't rise above 75 percent for any single technique and that the techniques average about 40 percent. Moreover, for the most common kinds of defect detection—unit testing and integration testing—the modal rates are only 30–35 percent. The typical organization uses a test-heavy defect-removal approach and achieves only about 85 percent defect removal efficiency. Leading organizations use a wider variety of techniques and achieve defect-removal efficiencies of 95 percent or higher (Jones 2000).</a:t>
-            </a:r>
-          </a:p>
-          <a:p>
-            <a:r>
-              <a:rPr lang="en-US" dirty="0" smtClean="0"/>
-              <a:t/>
-            </a:r>
-            <a:br>
-              <a:rPr lang="en-US" dirty="0" smtClean="0"/>
-            </a:br>
-            <a:endParaRPr lang="bg-BG" dirty="0"/>
-          </a:p>
-        </p:txBody>
-      </p:sp>
-      <p:sp>
-        <p:nvSpPr>
-          <p:cNvPr id="4" name="Slide Number Placeholder 3"/>
-          <p:cNvSpPr>
-            <a:spLocks noGrp="1"/>
-          </p:cNvSpPr>
-          <p:nvPr>
-            <p:ph type="sldNum" sz="quarter" idx="10"/>
-          </p:nvPr>
-        </p:nvSpPr>
-        <p:spPr/>
-        <p:txBody>
-          <a:bodyPr/>
-          <a:lstStyle/>
-          <a:p>
-            <a:fld id="{6FB4F6EA-423E-42DF-9292-215E7D886C4E}" type="slidenum">
-              <a:rPr lang="en-US" smtClean="0"/>
-              <a:pPr/>
-              <a:t>26</a:t>
-            </a:fld>
-            <a:endParaRPr lang="en-US" dirty="0"/>
-          </a:p>
-        </p:txBody>
-      </p:sp>
-    </p:spTree>
-    <p:extLst>
-      <p:ext uri="{BB962C8B-B14F-4D97-AF65-F5344CB8AC3E}">
-        <p14:creationId xmlns:p14="http://schemas.microsoft.com/office/powerpoint/2010/main" val="3899103791"/>
-      </p:ext>
-    </p:extLst>
-  </p:cSld>
-  <p:clrMapOvr>
-    <a:masterClrMapping/>
-  </p:clrMapOvr>
-</p:notes>
-</file>
-
-<file path=ppt/notesSlides/notesSlide12.xml><?xml version="1.0" encoding="utf-8"?>
-<p:notes xmlns:a="http://schemas.openxmlformats.org/drawingml/2006/main" xmlns:r="http://schemas.openxmlformats.org/officeDocument/2006/relationships" xmlns:p="http://schemas.openxmlformats.org/presentationml/2006/main">
-  <p:cSld>
-    <p:spTree>
-      <p:nvGrpSpPr>
-        <p:cNvPr id="1" name=""/>
-        <p:cNvGrpSpPr/>
-        <p:nvPr/>
-      </p:nvGrpSpPr>
-      <p:grpSpPr>
-        <a:xfrm>
-          <a:off x="0" y="0"/>
-          <a:ext cx="0" cy="0"/>
-          <a:chOff x="0" y="0"/>
-          <a:chExt cx="0" cy="0"/>
-        </a:xfrm>
-      </p:grpSpPr>
-      <p:sp>
-        <p:nvSpPr>
-          <p:cNvPr id="2" name="Slide Image Placeholder 1"/>
-          <p:cNvSpPr>
-            <a:spLocks noGrp="1" noRot="1" noChangeAspect="1"/>
-          </p:cNvSpPr>
-          <p:nvPr>
-            <p:ph type="sldImg"/>
-          </p:nvPr>
-        </p:nvSpPr>
-        <p:spPr/>
-      </p:sp>
-      <p:sp>
-        <p:nvSpPr>
-          <p:cNvPr id="3" name="Notes Placeholder 2"/>
-          <p:cNvSpPr>
-            <a:spLocks noGrp="1"/>
-          </p:cNvSpPr>
-          <p:nvPr>
-            <p:ph type="body" idx="1"/>
-          </p:nvPr>
-        </p:nvSpPr>
-        <p:spPr/>
-        <p:txBody>
-          <a:bodyPr/>
-          <a:lstStyle/>
-          <a:p>
             <a:pPr marL="0" marR="0" indent="0" algn="l" defTabSz="914400" rtl="0" eaLnBrk="0" fontAlgn="base" latinLnBrk="0" hangingPunct="0">
               <a:lnSpc>
                 <a:spcPct val="100000"/>
@@ -4748,7 +4549,7 @@
             <a:fld id="{6FB4F6EA-423E-42DF-9292-215E7D886C4E}" type="slidenum">
               <a:rPr lang="en-US" smtClean="0"/>
               <a:pPr/>
-              <a:t>28</a:t>
+              <a:t>25</a:t>
             </a:fld>
             <a:endParaRPr lang="en-US" dirty="0"/>
           </a:p>
@@ -4758,184 +4559,6 @@
     <p:extLst>
       <p:ext uri="{BB962C8B-B14F-4D97-AF65-F5344CB8AC3E}">
         <p14:creationId xmlns:p14="http://schemas.microsoft.com/office/powerpoint/2010/main" val="311246407"/>
-      </p:ext>
-    </p:extLst>
-  </p:cSld>
-  <p:clrMapOvr>
-    <a:masterClrMapping/>
-  </p:clrMapOvr>
-</p:notes>
-</file>
-
-<file path=ppt/notesSlides/notesSlide13.xml><?xml version="1.0" encoding="utf-8"?>
-<p:notes xmlns:a="http://schemas.openxmlformats.org/drawingml/2006/main" xmlns:r="http://schemas.openxmlformats.org/officeDocument/2006/relationships" xmlns:p="http://schemas.openxmlformats.org/presentationml/2006/main">
-  <p:cSld>
-    <p:spTree>
-      <p:nvGrpSpPr>
-        <p:cNvPr id="1" name=""/>
-        <p:cNvGrpSpPr/>
-        <p:nvPr/>
-      </p:nvGrpSpPr>
-      <p:grpSpPr>
-        <a:xfrm>
-          <a:off x="0" y="0"/>
-          <a:ext cx="0" cy="0"/>
-          <a:chOff x="0" y="0"/>
-          <a:chExt cx="0" cy="0"/>
-        </a:xfrm>
-      </p:grpSpPr>
-      <p:sp>
-        <p:nvSpPr>
-          <p:cNvPr id="2" name="Slide Image Placeholder 1"/>
-          <p:cNvSpPr>
-            <a:spLocks noGrp="1" noRot="1" noChangeAspect="1"/>
-          </p:cNvSpPr>
-          <p:nvPr>
-            <p:ph type="sldImg"/>
-          </p:nvPr>
-        </p:nvSpPr>
-        <p:spPr/>
-      </p:sp>
-      <p:sp>
-        <p:nvSpPr>
-          <p:cNvPr id="3" name="Notes Placeholder 2"/>
-          <p:cNvSpPr>
-            <a:spLocks noGrp="1"/>
-          </p:cNvSpPr>
-          <p:nvPr>
-            <p:ph type="body" idx="1"/>
-          </p:nvPr>
-        </p:nvSpPr>
-        <p:spPr/>
-        <p:txBody>
-          <a:bodyPr/>
-          <a:lstStyle/>
-          <a:p>
-            <a:r>
-              <a:rPr lang="en-US" dirty="0" smtClean="0"/>
-              <a:t>Software projects with the lowest levels of defects had the shortest development schedules and the highest development productivity…. software defect removal is actually the most expensive and time-consuming form of work for software (Jones 2000).</a:t>
-            </a:r>
-          </a:p>
-          <a:p>
-            <a:r>
-              <a:rPr lang="en-US" dirty="0" smtClean="0"/>
-              <a:t>The same effect holds true at the small end of the scale. In a 1985 study, 166 professional programmers wrote programs from the same specification. The resulting programs averaged 220 lines of code and a little under five hours to write. The fascinating result was that programmers who took the median time to complete their programs produced programs with the greatest number of errors. The programmers who took more or less than the median time produced programs with significantly fewer errors (</a:t>
-            </a:r>
-            <a:r>
-              <a:rPr lang="en-US" dirty="0" err="1" smtClean="0"/>
-              <a:t>DeMarco</a:t>
-            </a:r>
-            <a:r>
-              <a:rPr lang="en-US" dirty="0" smtClean="0"/>
-              <a:t> and Lister 1985). </a:t>
-            </a:r>
-            <a:r>
-              <a:rPr lang="en-US" dirty="0" smtClean="0">
-                <a:hlinkClick r:id="rId3" action="ppaction://hlinkfile"/>
-              </a:rPr>
-              <a:t>Figure 20-2</a:t>
-            </a:r>
-            <a:r>
-              <a:rPr lang="en-US" dirty="0" smtClean="0"/>
-              <a:t> graphs the results.</a:t>
-            </a:r>
-          </a:p>
-          <a:p>
-            <a:r>
-              <a:rPr lang="en-US" dirty="0" smtClean="0"/>
-              <a:t/>
-            </a:r>
-            <a:br>
-              <a:rPr lang="en-US" dirty="0" smtClean="0"/>
-            </a:br>
-            <a:endParaRPr lang="en-US" dirty="0" smtClean="0"/>
-          </a:p>
-          <a:p>
-            <a:pPr marL="0" marR="0" indent="0" algn="l" defTabSz="914400" rtl="0" eaLnBrk="0" fontAlgn="base" latinLnBrk="0" hangingPunct="0">
-              <a:lnSpc>
-                <a:spcPct val="100000"/>
-              </a:lnSpc>
-              <a:spcBef>
-                <a:spcPct val="30000"/>
-              </a:spcBef>
-              <a:spcAft>
-                <a:spcPct val="0"/>
-              </a:spcAft>
-              <a:buClrTx/>
-              <a:buSzTx/>
-              <a:buFontTx/>
-              <a:buNone/>
-              <a:tabLst/>
-              <a:defRPr/>
-            </a:pPr>
-            <a:endParaRPr lang="en-US" dirty="0" smtClean="0"/>
-          </a:p>
-          <a:p>
-            <a:pPr marL="0" marR="0" indent="0" algn="l" defTabSz="914400" rtl="0" eaLnBrk="0" fontAlgn="base" latinLnBrk="0" hangingPunct="0">
-              <a:lnSpc>
-                <a:spcPct val="100000"/>
-              </a:lnSpc>
-              <a:spcBef>
-                <a:spcPct val="30000"/>
-              </a:spcBef>
-              <a:spcAft>
-                <a:spcPct val="0"/>
-              </a:spcAft>
-              <a:buClrTx/>
-              <a:buSzTx/>
-              <a:buFontTx/>
-              <a:buNone/>
-              <a:tabLst/>
-              <a:defRPr/>
-            </a:pPr>
-            <a:r>
-              <a:rPr lang="en-US" dirty="0" smtClean="0"/>
-              <a:t>The two slowest groups took about five times as long to achieve roughly the same defect rate as the fastest group. It's not necessarily the case that writing software without defects takes more time than writing software with defects. As the graph shows, it can take less.</a:t>
-            </a:r>
-          </a:p>
-          <a:p>
-            <a:endParaRPr lang="en-US" dirty="0" smtClean="0"/>
-          </a:p>
-          <a:p>
-            <a:endParaRPr lang="en-US" dirty="0" smtClean="0"/>
-          </a:p>
-          <a:p>
-            <a:r>
-              <a:rPr lang="en-US" dirty="0" smtClean="0"/>
-              <a:t>Compared to the traditional code-test-debug cycle, an enlightened software-quality program saves money. It redistributes resources away from debugging and refactoring into upstream quality-assurance activities. Upstream activities have more leverage on product quality than downstream activities, so the time you invest upstream saves more time downstream. The net effect is fewer defects, shorter development time, and lower costs.</a:t>
-            </a:r>
-            <a:endParaRPr lang="bg-BG" dirty="0"/>
-          </a:p>
-        </p:txBody>
-      </p:sp>
-      <p:sp>
-        <p:nvSpPr>
-          <p:cNvPr id="4" name="Slide Number Placeholder 3"/>
-          <p:cNvSpPr>
-            <a:spLocks noGrp="1"/>
-          </p:cNvSpPr>
-          <p:nvPr>
-            <p:ph type="sldNum" sz="quarter" idx="10"/>
-          </p:nvPr>
-        </p:nvSpPr>
-        <p:spPr/>
-        <p:txBody>
-          <a:bodyPr/>
-          <a:lstStyle/>
-          <a:p>
-            <a:fld id="{6FB4F6EA-423E-42DF-9292-215E7D886C4E}" type="slidenum">
-              <a:rPr lang="en-US" smtClean="0"/>
-              <a:pPr/>
-              <a:t>29</a:t>
-            </a:fld>
-            <a:endParaRPr lang="en-US" dirty="0"/>
-          </a:p>
-        </p:txBody>
-      </p:sp>
-    </p:spTree>
-    <p:extLst>
-      <p:ext uri="{BB962C8B-B14F-4D97-AF65-F5344CB8AC3E}">
-        <p14:creationId xmlns:p14="http://schemas.microsoft.com/office/powerpoint/2010/main" val="163342825"/>
       </p:ext>
     </p:extLst>
   </p:cSld>
@@ -6571,6 +6194,484 @@
           <a:bodyPr/>
           <a:lstStyle/>
           <a:p>
+            <a:r>
+              <a:rPr lang="bg-BG" dirty="0" smtClean="0"/>
+              <a:t>План</a:t>
+            </a:r>
+            <a:r>
+              <a:rPr lang="bg-BG" baseline="0" dirty="0" smtClean="0"/>
+              <a:t>ниран модел на всички действия за осигуряване на необходимата сигурност че продукта отговаря на зададените технически изисквания.</a:t>
+            </a:r>
+          </a:p>
+          <a:p>
+            <a:r>
+              <a:rPr lang="bg-BG" baseline="0" dirty="0" smtClean="0"/>
+              <a:t>Множество от действия оценяващи процеса по който продукта се разработва. Но това е различно от контрол на качеството.</a:t>
+            </a:r>
+          </a:p>
+          <a:p>
+            <a:endParaRPr lang="bg-BG" baseline="0" dirty="0" smtClean="0"/>
+          </a:p>
+          <a:p>
+            <a:r>
+              <a:rPr lang="en-US" sz="1200" b="0" i="0" kern="1200" dirty="0" smtClean="0">
+                <a:solidFill>
+                  <a:schemeClr val="tx1"/>
+                </a:solidFill>
+                <a:effectLst/>
+                <a:latin typeface="+mn-lt"/>
+                <a:ea typeface="+mn-ea"/>
+                <a:cs typeface="+mn-cs"/>
+              </a:rPr>
+              <a:t>SQA encompasses the entire </a:t>
+            </a:r>
+            <a:r>
+              <a:rPr lang="en-US" sz="1200" b="0" i="0" u="none" strike="noStrike" kern="1200" dirty="0" smtClean="0">
+                <a:solidFill>
+                  <a:schemeClr val="tx1"/>
+                </a:solidFill>
+                <a:effectLst/>
+                <a:latin typeface="+mn-lt"/>
+                <a:ea typeface="+mn-ea"/>
+                <a:cs typeface="+mn-cs"/>
+                <a:hlinkClick r:id="rId3"/>
+              </a:rPr>
+              <a:t>software development</a:t>
+            </a:r>
+            <a:r>
+              <a:rPr lang="en-US" sz="1200" b="0" i="0" kern="1200" dirty="0" smtClean="0">
+                <a:solidFill>
+                  <a:schemeClr val="tx1"/>
+                </a:solidFill>
+                <a:effectLst/>
+                <a:latin typeface="+mn-lt"/>
+                <a:ea typeface="+mn-ea"/>
+                <a:cs typeface="+mn-cs"/>
+              </a:rPr>
+              <a:t> process, which includes processes such as requirements definition, </a:t>
+            </a:r>
+            <a:r>
+              <a:rPr lang="en-US" sz="1200" b="0" i="0" u="none" strike="noStrike" kern="1200" dirty="0" smtClean="0">
+                <a:solidFill>
+                  <a:schemeClr val="tx1"/>
+                </a:solidFill>
+                <a:effectLst/>
+                <a:latin typeface="+mn-lt"/>
+                <a:ea typeface="+mn-ea"/>
+                <a:cs typeface="+mn-cs"/>
+                <a:hlinkClick r:id="rId4"/>
+              </a:rPr>
+              <a:t>software design</a:t>
+            </a:r>
+            <a:r>
+              <a:rPr lang="en-US" sz="1200" b="0" i="0" kern="1200" dirty="0" smtClean="0">
+                <a:solidFill>
+                  <a:schemeClr val="tx1"/>
+                </a:solidFill>
+                <a:effectLst/>
+                <a:latin typeface="+mn-lt"/>
+                <a:ea typeface="+mn-ea"/>
+                <a:cs typeface="+mn-cs"/>
+              </a:rPr>
+              <a:t>, </a:t>
+            </a:r>
+            <a:r>
+              <a:rPr lang="en-US" sz="1200" b="0" i="0" u="none" strike="noStrike" kern="1200" dirty="0" smtClean="0">
+                <a:solidFill>
+                  <a:schemeClr val="tx1"/>
+                </a:solidFill>
+                <a:effectLst/>
+                <a:latin typeface="+mn-lt"/>
+                <a:ea typeface="+mn-ea"/>
+                <a:cs typeface="+mn-cs"/>
+                <a:hlinkClick r:id="rId5"/>
+              </a:rPr>
+              <a:t>coding</a:t>
+            </a:r>
+            <a:r>
+              <a:rPr lang="en-US" sz="1200" b="0" i="0" kern="1200" dirty="0" smtClean="0">
+                <a:solidFill>
+                  <a:schemeClr val="tx1"/>
+                </a:solidFill>
+                <a:effectLst/>
+                <a:latin typeface="+mn-lt"/>
+                <a:ea typeface="+mn-ea"/>
+                <a:cs typeface="+mn-cs"/>
+              </a:rPr>
+              <a:t>, </a:t>
+            </a:r>
+            <a:r>
+              <a:rPr lang="en-US" sz="1200" b="0" i="0" u="none" strike="noStrike" kern="1200" dirty="0" smtClean="0">
+                <a:solidFill>
+                  <a:schemeClr val="tx1"/>
+                </a:solidFill>
+                <a:effectLst/>
+                <a:latin typeface="+mn-lt"/>
+                <a:ea typeface="+mn-ea"/>
+                <a:cs typeface="+mn-cs"/>
+                <a:hlinkClick r:id="rId6" tooltip="Revision control"/>
+              </a:rPr>
+              <a:t>source code control</a:t>
+            </a:r>
+            <a:r>
+              <a:rPr lang="en-US" sz="1200" b="0" i="0" kern="1200" dirty="0" smtClean="0">
+                <a:solidFill>
+                  <a:schemeClr val="tx1"/>
+                </a:solidFill>
+                <a:effectLst/>
+                <a:latin typeface="+mn-lt"/>
+                <a:ea typeface="+mn-ea"/>
+                <a:cs typeface="+mn-cs"/>
+              </a:rPr>
+              <a:t>, </a:t>
+            </a:r>
+            <a:r>
+              <a:rPr lang="en-US" sz="1200" b="0" i="0" u="none" strike="noStrike" kern="1200" dirty="0" smtClean="0">
+                <a:solidFill>
+                  <a:schemeClr val="tx1"/>
+                </a:solidFill>
+                <a:effectLst/>
+                <a:latin typeface="+mn-lt"/>
+                <a:ea typeface="+mn-ea"/>
+                <a:cs typeface="+mn-cs"/>
+                <a:hlinkClick r:id="rId7" tooltip="Code review"/>
+              </a:rPr>
+              <a:t>code reviews</a:t>
+            </a:r>
+            <a:r>
+              <a:rPr lang="en-US" sz="1200" b="0" i="0" kern="1200" dirty="0" smtClean="0">
+                <a:solidFill>
+                  <a:schemeClr val="tx1"/>
+                </a:solidFill>
+                <a:effectLst/>
+                <a:latin typeface="+mn-lt"/>
+                <a:ea typeface="+mn-ea"/>
+                <a:cs typeface="+mn-cs"/>
+              </a:rPr>
+              <a:t>, </a:t>
+            </a:r>
+            <a:r>
+              <a:rPr lang="en-US" sz="1200" b="0" i="0" u="none" strike="noStrike" kern="1200" dirty="0" smtClean="0">
+                <a:solidFill>
+                  <a:schemeClr val="tx1"/>
+                </a:solidFill>
+                <a:effectLst/>
+                <a:latin typeface="+mn-lt"/>
+                <a:ea typeface="+mn-ea"/>
+                <a:cs typeface="+mn-cs"/>
+                <a:hlinkClick r:id="rId8"/>
+              </a:rPr>
+              <a:t>change management</a:t>
+            </a:r>
+            <a:r>
+              <a:rPr lang="en-US" sz="1200" b="0" i="0" kern="1200" dirty="0" smtClean="0">
+                <a:solidFill>
+                  <a:schemeClr val="tx1"/>
+                </a:solidFill>
+                <a:effectLst/>
+                <a:latin typeface="+mn-lt"/>
+                <a:ea typeface="+mn-ea"/>
+                <a:cs typeface="+mn-cs"/>
+              </a:rPr>
+              <a:t>, </a:t>
+            </a:r>
+            <a:r>
+              <a:rPr lang="en-US" sz="1200" b="0" i="0" u="none" strike="noStrike" kern="1200" dirty="0" smtClean="0">
+                <a:solidFill>
+                  <a:schemeClr val="tx1"/>
+                </a:solidFill>
+                <a:effectLst/>
+                <a:latin typeface="+mn-lt"/>
+                <a:ea typeface="+mn-ea"/>
+                <a:cs typeface="+mn-cs"/>
+                <a:hlinkClick r:id="rId9"/>
+              </a:rPr>
+              <a:t>configuration management</a:t>
+            </a:r>
+            <a:r>
+              <a:rPr lang="en-US" sz="1200" b="0" i="0" kern="1200" dirty="0" smtClean="0">
+                <a:solidFill>
+                  <a:schemeClr val="tx1"/>
+                </a:solidFill>
+                <a:effectLst/>
+                <a:latin typeface="+mn-lt"/>
+                <a:ea typeface="+mn-ea"/>
+                <a:cs typeface="+mn-cs"/>
+              </a:rPr>
+              <a:t>, </a:t>
+            </a:r>
+            <a:r>
+              <a:rPr lang="en-US" sz="1200" b="0" i="0" u="none" strike="noStrike" kern="1200" dirty="0" smtClean="0">
+                <a:solidFill>
+                  <a:schemeClr val="tx1"/>
+                </a:solidFill>
+                <a:effectLst/>
+                <a:latin typeface="+mn-lt"/>
+                <a:ea typeface="+mn-ea"/>
+                <a:cs typeface="+mn-cs"/>
+                <a:hlinkClick r:id="rId10" tooltip="Software testing"/>
+              </a:rPr>
+              <a:t>testing</a:t>
+            </a:r>
+            <a:r>
+              <a:rPr lang="en-US" sz="1200" b="0" i="0" kern="1200" dirty="0" smtClean="0">
+                <a:solidFill>
+                  <a:schemeClr val="tx1"/>
+                </a:solidFill>
+                <a:effectLst/>
+                <a:latin typeface="+mn-lt"/>
+                <a:ea typeface="+mn-ea"/>
+                <a:cs typeface="+mn-cs"/>
+              </a:rPr>
+              <a:t>, </a:t>
+            </a:r>
+            <a:r>
+              <a:rPr lang="en-US" sz="1200" b="0" i="0" u="none" strike="noStrike" kern="1200" dirty="0" smtClean="0">
+                <a:solidFill>
+                  <a:schemeClr val="tx1"/>
+                </a:solidFill>
+                <a:effectLst/>
+                <a:latin typeface="+mn-lt"/>
+                <a:ea typeface="+mn-ea"/>
+                <a:cs typeface="+mn-cs"/>
+                <a:hlinkClick r:id="rId11" tooltip="Release Management"/>
+              </a:rPr>
+              <a:t>release management</a:t>
+            </a:r>
+            <a:r>
+              <a:rPr lang="en-US" sz="1200" b="0" i="0" kern="1200" dirty="0" smtClean="0">
+                <a:solidFill>
+                  <a:schemeClr val="tx1"/>
+                </a:solidFill>
+                <a:effectLst/>
+                <a:latin typeface="+mn-lt"/>
+                <a:ea typeface="+mn-ea"/>
+                <a:cs typeface="+mn-cs"/>
+              </a:rPr>
+              <a:t>, and product integration. SQA is organized into goals, commitments, abilities, activities, measurements, and verifications</a:t>
+            </a:r>
+            <a:r>
+              <a:rPr lang="en-US" sz="1200" b="0" i="0" u="sng" kern="1200" baseline="30000" dirty="0" smtClean="0">
+                <a:solidFill>
+                  <a:schemeClr val="tx1"/>
+                </a:solidFill>
+                <a:effectLst/>
+                <a:latin typeface="+mn-lt"/>
+                <a:ea typeface="+mn-ea"/>
+                <a:cs typeface="+mn-cs"/>
+                <a:hlinkClick r:id="rId12"/>
+              </a:rPr>
+              <a:t>[1]</a:t>
+            </a:r>
+            <a:r>
+              <a:rPr lang="en-US" sz="1200" b="0" i="0" kern="1200" dirty="0" smtClean="0">
+                <a:solidFill>
+                  <a:schemeClr val="tx1"/>
+                </a:solidFill>
+                <a:effectLst/>
+                <a:latin typeface="+mn-lt"/>
+                <a:ea typeface="+mn-ea"/>
+                <a:cs typeface="+mn-cs"/>
+              </a:rPr>
+              <a:t>.</a:t>
+            </a:r>
+            <a:endParaRPr lang="bg-BG" sz="1200" b="0" i="0" kern="1200" dirty="0" smtClean="0">
+              <a:solidFill>
+                <a:schemeClr val="tx1"/>
+              </a:solidFill>
+              <a:effectLst/>
+              <a:latin typeface="+mn-lt"/>
+              <a:ea typeface="+mn-ea"/>
+              <a:cs typeface="+mn-cs"/>
+            </a:endParaRPr>
+          </a:p>
+          <a:p>
+            <a:r>
+              <a:rPr lang="en-US" sz="1200" b="0" i="0" kern="1200" dirty="0" smtClean="0">
+                <a:solidFill>
+                  <a:schemeClr val="tx1"/>
+                </a:solidFill>
+                <a:effectLst/>
+                <a:latin typeface="+mn-lt"/>
+                <a:ea typeface="+mn-ea"/>
+                <a:cs typeface="+mn-cs"/>
+              </a:rPr>
+              <a:t>Another definition by </a:t>
+            </a:r>
+            <a:r>
+              <a:rPr lang="en-US" sz="1200" b="0" i="0" u="none" strike="noStrike" kern="1200" dirty="0" smtClean="0">
+                <a:solidFill>
+                  <a:schemeClr val="tx1"/>
+                </a:solidFill>
+                <a:effectLst/>
+                <a:latin typeface="+mn-lt"/>
+                <a:ea typeface="+mn-ea"/>
+                <a:cs typeface="+mn-cs"/>
+                <a:hlinkClick r:id="rId13" tooltip="Tom DeMarco"/>
+              </a:rPr>
+              <a:t>Dr. Tom </a:t>
+            </a:r>
+            <a:r>
+              <a:rPr lang="en-US" sz="1200" b="0" i="0" u="none" strike="noStrike" kern="1200" dirty="0" err="1" smtClean="0">
+                <a:solidFill>
+                  <a:schemeClr val="tx1"/>
+                </a:solidFill>
+                <a:effectLst/>
+                <a:latin typeface="+mn-lt"/>
+                <a:ea typeface="+mn-ea"/>
+                <a:cs typeface="+mn-cs"/>
+                <a:hlinkClick r:id="rId13" tooltip="Tom DeMarco"/>
+              </a:rPr>
+              <a:t>DeMarco</a:t>
+            </a:r>
+            <a:r>
+              <a:rPr lang="en-US" sz="1200" b="0" i="0" kern="1200" dirty="0" smtClean="0">
+                <a:solidFill>
+                  <a:schemeClr val="tx1"/>
+                </a:solidFill>
+                <a:effectLst/>
+                <a:latin typeface="+mn-lt"/>
+                <a:ea typeface="+mn-ea"/>
+                <a:cs typeface="+mn-cs"/>
+              </a:rPr>
+              <a:t> says "a product's quality is a function of how much it changes the world for the better."</a:t>
+            </a:r>
+            <a:r>
+              <a:rPr lang="en-US" sz="1200" b="0" i="0" u="none" strike="noStrike" kern="1200" baseline="30000" dirty="0" smtClean="0">
+                <a:solidFill>
+                  <a:schemeClr val="tx1"/>
+                </a:solidFill>
+                <a:effectLst/>
+                <a:latin typeface="+mn-lt"/>
+                <a:ea typeface="+mn-ea"/>
+                <a:cs typeface="+mn-cs"/>
+                <a:hlinkClick r:id="rId14"/>
+              </a:rPr>
+              <a:t>[5]</a:t>
+            </a:r>
+            <a:r>
+              <a:rPr lang="en-US" sz="1200" b="0" i="0" kern="1200" dirty="0" smtClean="0">
+                <a:solidFill>
+                  <a:schemeClr val="tx1"/>
+                </a:solidFill>
+                <a:effectLst/>
+                <a:latin typeface="+mn-lt"/>
+                <a:ea typeface="+mn-ea"/>
+                <a:cs typeface="+mn-cs"/>
+              </a:rPr>
+              <a:t> This can be interpreted as meaning that user satisfaction is more important than anything in determining software quality.</a:t>
+            </a:r>
+            <a:r>
+              <a:rPr lang="en-US" sz="1200" b="0" i="0" u="none" strike="noStrike" kern="1200" baseline="30000" dirty="0" smtClean="0">
+                <a:solidFill>
+                  <a:schemeClr val="tx1"/>
+                </a:solidFill>
+                <a:effectLst/>
+                <a:latin typeface="+mn-lt"/>
+                <a:ea typeface="+mn-ea"/>
+                <a:cs typeface="+mn-cs"/>
+                <a:hlinkClick r:id="rId15"/>
+              </a:rPr>
+              <a:t>[1]</a:t>
+            </a:r>
+            <a:endParaRPr lang="en-US" sz="1200" b="0" i="0" kern="1200" dirty="0" smtClean="0">
+              <a:solidFill>
+                <a:schemeClr val="tx1"/>
+              </a:solidFill>
+              <a:effectLst/>
+              <a:latin typeface="+mn-lt"/>
+              <a:ea typeface="+mn-ea"/>
+              <a:cs typeface="+mn-cs"/>
+            </a:endParaRPr>
+          </a:p>
+          <a:p>
+            <a:r>
+              <a:rPr lang="en-US" sz="1200" b="0" i="0" kern="1200" dirty="0" smtClean="0">
+                <a:solidFill>
+                  <a:schemeClr val="tx1"/>
+                </a:solidFill>
+                <a:effectLst/>
+                <a:latin typeface="+mn-lt"/>
+                <a:ea typeface="+mn-ea"/>
+                <a:cs typeface="+mn-cs"/>
+              </a:rPr>
+              <a:t>Another definition, coined by </a:t>
+            </a:r>
+            <a:r>
+              <a:rPr lang="en-US" sz="1200" b="0" i="0" u="none" strike="noStrike" kern="1200" dirty="0" smtClean="0">
+                <a:solidFill>
+                  <a:schemeClr val="tx1"/>
+                </a:solidFill>
+                <a:effectLst/>
+                <a:latin typeface="+mn-lt"/>
+                <a:ea typeface="+mn-ea"/>
+                <a:cs typeface="+mn-cs"/>
+                <a:hlinkClick r:id="rId16"/>
+              </a:rPr>
+              <a:t>Gerald Weinberg</a:t>
+            </a:r>
+            <a:r>
+              <a:rPr lang="en-US" sz="1200" b="0" i="0" kern="1200" dirty="0" smtClean="0">
+                <a:solidFill>
+                  <a:schemeClr val="tx1"/>
+                </a:solidFill>
+                <a:effectLst/>
+                <a:latin typeface="+mn-lt"/>
+                <a:ea typeface="+mn-ea"/>
+                <a:cs typeface="+mn-cs"/>
+              </a:rPr>
+              <a:t> in </a:t>
+            </a:r>
+            <a:r>
+              <a:rPr lang="en-US" sz="1200" b="0" i="1" kern="1200" dirty="0" smtClean="0">
+                <a:solidFill>
+                  <a:schemeClr val="tx1"/>
+                </a:solidFill>
+                <a:effectLst/>
+                <a:latin typeface="+mn-lt"/>
+                <a:ea typeface="+mn-ea"/>
+                <a:cs typeface="+mn-cs"/>
+              </a:rPr>
+              <a:t>Quality Software Management: Systems Thinking</a:t>
+            </a:r>
+            <a:r>
+              <a:rPr lang="en-US" sz="1200" b="0" i="0" kern="1200" dirty="0" smtClean="0">
+                <a:solidFill>
+                  <a:schemeClr val="tx1"/>
+                </a:solidFill>
+                <a:effectLst/>
+                <a:latin typeface="+mn-lt"/>
+                <a:ea typeface="+mn-ea"/>
+                <a:cs typeface="+mn-cs"/>
+              </a:rPr>
+              <a:t>, is "Quality is value to some person." This definition stresses that quality is inherently subjective - different people will experience the quality of the same software very differently. One strength of this definition is the questions it invites software teams to consider, such as "Who are the people we want to value our software?" and "What will be valuable to </a:t>
+            </a:r>
+            <a:r>
+              <a:rPr lang="en-US" sz="1200" b="0" i="1" kern="1200" dirty="0" smtClean="0">
+                <a:solidFill>
+                  <a:schemeClr val="tx1"/>
+                </a:solidFill>
+                <a:effectLst/>
+                <a:latin typeface="+mn-lt"/>
+                <a:ea typeface="+mn-ea"/>
+                <a:cs typeface="+mn-cs"/>
+              </a:rPr>
+              <a:t>them</a:t>
+            </a:r>
+            <a:r>
+              <a:rPr lang="en-US" sz="1200" b="0" i="0" kern="1200" dirty="0" smtClean="0">
+                <a:solidFill>
+                  <a:schemeClr val="tx1"/>
+                </a:solidFill>
+                <a:effectLst/>
+                <a:latin typeface="+mn-lt"/>
+                <a:ea typeface="+mn-ea"/>
+                <a:cs typeface="+mn-cs"/>
+              </a:rPr>
+              <a:t>?"</a:t>
+            </a:r>
+          </a:p>
+          <a:p>
             <a:endParaRPr lang="en-US" dirty="0"/>
           </a:p>
         </p:txBody>
@@ -6593,7 +6694,7 @@
             <a:fld id="{6FB4F6EA-423E-42DF-9292-215E7D886C4E}" type="slidenum">
               <a:rPr lang="en-US" smtClean="0"/>
               <a:pPr/>
-              <a:t>10</a:t>
+              <a:t>16</a:t>
             </a:fld>
             <a:endParaRPr lang="en-US" dirty="0"/>
           </a:p>
@@ -6602,7 +6703,7 @@
     </p:spTree>
     <p:extLst>
       <p:ext uri="{BB962C8B-B14F-4D97-AF65-F5344CB8AC3E}">
-        <p14:creationId xmlns:p14="http://schemas.microsoft.com/office/powerpoint/2010/main" val="3225466408"/>
+        <p14:creationId xmlns:p14="http://schemas.microsoft.com/office/powerpoint/2010/main" val="3738957611"/>
       </p:ext>
     </p:extLst>
   </p:cSld>
@@ -6657,484 +6758,19 @@
           <a:lstStyle/>
           <a:p>
             <a:r>
-              <a:rPr lang="bg-BG" dirty="0" smtClean="0"/>
-              <a:t>План</a:t>
-            </a:r>
-            <a:r>
-              <a:rPr lang="bg-BG" baseline="0" dirty="0" smtClean="0"/>
-              <a:t>ниран модел на всички действия за осигуряване на необходимата сигурност че продукта отговаря на зададените технически изисквания.</a:t>
-            </a:r>
-          </a:p>
-          <a:p>
-            <a:r>
-              <a:rPr lang="bg-BG" baseline="0" dirty="0" smtClean="0"/>
-              <a:t>Множество от действия оценяващи процеса по който продукта се разработва. Но това е различно от контрол на качеството.</a:t>
-            </a:r>
-          </a:p>
-          <a:p>
-            <a:endParaRPr lang="bg-BG" baseline="0" dirty="0" smtClean="0"/>
-          </a:p>
-          <a:p>
-            <a:r>
-              <a:rPr lang="en-US" sz="1200" b="0" i="0" kern="1200" dirty="0" smtClean="0">
-                <a:solidFill>
-                  <a:schemeClr val="tx1"/>
-                </a:solidFill>
-                <a:effectLst/>
-                <a:latin typeface="+mn-lt"/>
-                <a:ea typeface="+mn-ea"/>
-                <a:cs typeface="+mn-cs"/>
-              </a:rPr>
-              <a:t>SQA encompasses the entire </a:t>
-            </a:r>
-            <a:r>
-              <a:rPr lang="en-US" sz="1200" b="0" i="0" u="none" strike="noStrike" kern="1200" dirty="0" smtClean="0">
-                <a:solidFill>
-                  <a:schemeClr val="tx1"/>
-                </a:solidFill>
-                <a:effectLst/>
-                <a:latin typeface="+mn-lt"/>
-                <a:ea typeface="+mn-ea"/>
-                <a:cs typeface="+mn-cs"/>
-                <a:hlinkClick r:id="rId3"/>
-              </a:rPr>
-              <a:t>software development</a:t>
-            </a:r>
-            <a:r>
-              <a:rPr lang="en-US" sz="1200" b="0" i="0" kern="1200" dirty="0" smtClean="0">
-                <a:solidFill>
-                  <a:schemeClr val="tx1"/>
-                </a:solidFill>
-                <a:effectLst/>
-                <a:latin typeface="+mn-lt"/>
-                <a:ea typeface="+mn-ea"/>
-                <a:cs typeface="+mn-cs"/>
-              </a:rPr>
-              <a:t> process, which includes processes such as requirements definition, </a:t>
-            </a:r>
-            <a:r>
-              <a:rPr lang="en-US" sz="1200" b="0" i="0" u="none" strike="noStrike" kern="1200" dirty="0" smtClean="0">
-                <a:solidFill>
-                  <a:schemeClr val="tx1"/>
-                </a:solidFill>
-                <a:effectLst/>
-                <a:latin typeface="+mn-lt"/>
-                <a:ea typeface="+mn-ea"/>
-                <a:cs typeface="+mn-cs"/>
-                <a:hlinkClick r:id="rId4"/>
-              </a:rPr>
-              <a:t>software design</a:t>
-            </a:r>
-            <a:r>
-              <a:rPr lang="en-US" sz="1200" b="0" i="0" kern="1200" dirty="0" smtClean="0">
-                <a:solidFill>
-                  <a:schemeClr val="tx1"/>
-                </a:solidFill>
-                <a:effectLst/>
-                <a:latin typeface="+mn-lt"/>
-                <a:ea typeface="+mn-ea"/>
-                <a:cs typeface="+mn-cs"/>
-              </a:rPr>
-              <a:t>, </a:t>
-            </a:r>
-            <a:r>
-              <a:rPr lang="en-US" sz="1200" b="0" i="0" u="none" strike="noStrike" kern="1200" dirty="0" smtClean="0">
-                <a:solidFill>
-                  <a:schemeClr val="tx1"/>
-                </a:solidFill>
-                <a:effectLst/>
-                <a:latin typeface="+mn-lt"/>
-                <a:ea typeface="+mn-ea"/>
-                <a:cs typeface="+mn-cs"/>
-                <a:hlinkClick r:id="rId5"/>
-              </a:rPr>
-              <a:t>coding</a:t>
-            </a:r>
-            <a:r>
-              <a:rPr lang="en-US" sz="1200" b="0" i="0" kern="1200" dirty="0" smtClean="0">
-                <a:solidFill>
-                  <a:schemeClr val="tx1"/>
-                </a:solidFill>
-                <a:effectLst/>
-                <a:latin typeface="+mn-lt"/>
-                <a:ea typeface="+mn-ea"/>
-                <a:cs typeface="+mn-cs"/>
-              </a:rPr>
-              <a:t>, </a:t>
-            </a:r>
-            <a:r>
-              <a:rPr lang="en-US" sz="1200" b="0" i="0" u="none" strike="noStrike" kern="1200" dirty="0" smtClean="0">
-                <a:solidFill>
-                  <a:schemeClr val="tx1"/>
-                </a:solidFill>
-                <a:effectLst/>
-                <a:latin typeface="+mn-lt"/>
-                <a:ea typeface="+mn-ea"/>
-                <a:cs typeface="+mn-cs"/>
-                <a:hlinkClick r:id="rId6" tooltip="Revision control"/>
-              </a:rPr>
-              <a:t>source code control</a:t>
-            </a:r>
-            <a:r>
-              <a:rPr lang="en-US" sz="1200" b="0" i="0" kern="1200" dirty="0" smtClean="0">
-                <a:solidFill>
-                  <a:schemeClr val="tx1"/>
-                </a:solidFill>
-                <a:effectLst/>
-                <a:latin typeface="+mn-lt"/>
-                <a:ea typeface="+mn-ea"/>
-                <a:cs typeface="+mn-cs"/>
-              </a:rPr>
-              <a:t>, </a:t>
-            </a:r>
-            <a:r>
-              <a:rPr lang="en-US" sz="1200" b="0" i="0" u="none" strike="noStrike" kern="1200" dirty="0" smtClean="0">
-                <a:solidFill>
-                  <a:schemeClr val="tx1"/>
-                </a:solidFill>
-                <a:effectLst/>
-                <a:latin typeface="+mn-lt"/>
-                <a:ea typeface="+mn-ea"/>
-                <a:cs typeface="+mn-cs"/>
-                <a:hlinkClick r:id="rId7" tooltip="Code review"/>
-              </a:rPr>
-              <a:t>code reviews</a:t>
-            </a:r>
-            <a:r>
-              <a:rPr lang="en-US" sz="1200" b="0" i="0" kern="1200" dirty="0" smtClean="0">
-                <a:solidFill>
-                  <a:schemeClr val="tx1"/>
-                </a:solidFill>
-                <a:effectLst/>
-                <a:latin typeface="+mn-lt"/>
-                <a:ea typeface="+mn-ea"/>
-                <a:cs typeface="+mn-cs"/>
-              </a:rPr>
-              <a:t>, </a:t>
-            </a:r>
-            <a:r>
-              <a:rPr lang="en-US" sz="1200" b="0" i="0" u="none" strike="noStrike" kern="1200" dirty="0" smtClean="0">
-                <a:solidFill>
-                  <a:schemeClr val="tx1"/>
-                </a:solidFill>
-                <a:effectLst/>
-                <a:latin typeface="+mn-lt"/>
-                <a:ea typeface="+mn-ea"/>
-                <a:cs typeface="+mn-cs"/>
-                <a:hlinkClick r:id="rId8"/>
-              </a:rPr>
-              <a:t>change management</a:t>
-            </a:r>
-            <a:r>
-              <a:rPr lang="en-US" sz="1200" b="0" i="0" kern="1200" dirty="0" smtClean="0">
-                <a:solidFill>
-                  <a:schemeClr val="tx1"/>
-                </a:solidFill>
-                <a:effectLst/>
-                <a:latin typeface="+mn-lt"/>
-                <a:ea typeface="+mn-ea"/>
-                <a:cs typeface="+mn-cs"/>
-              </a:rPr>
-              <a:t>, </a:t>
-            </a:r>
-            <a:r>
-              <a:rPr lang="en-US" sz="1200" b="0" i="0" u="none" strike="noStrike" kern="1200" dirty="0" smtClean="0">
-                <a:solidFill>
-                  <a:schemeClr val="tx1"/>
-                </a:solidFill>
-                <a:effectLst/>
-                <a:latin typeface="+mn-lt"/>
-                <a:ea typeface="+mn-ea"/>
-                <a:cs typeface="+mn-cs"/>
-                <a:hlinkClick r:id="rId9"/>
-              </a:rPr>
-              <a:t>configuration management</a:t>
-            </a:r>
-            <a:r>
-              <a:rPr lang="en-US" sz="1200" b="0" i="0" kern="1200" dirty="0" smtClean="0">
-                <a:solidFill>
-                  <a:schemeClr val="tx1"/>
-                </a:solidFill>
-                <a:effectLst/>
-                <a:latin typeface="+mn-lt"/>
-                <a:ea typeface="+mn-ea"/>
-                <a:cs typeface="+mn-cs"/>
-              </a:rPr>
-              <a:t>, </a:t>
-            </a:r>
-            <a:r>
-              <a:rPr lang="en-US" sz="1200" b="0" i="0" u="none" strike="noStrike" kern="1200" dirty="0" smtClean="0">
-                <a:solidFill>
-                  <a:schemeClr val="tx1"/>
-                </a:solidFill>
-                <a:effectLst/>
-                <a:latin typeface="+mn-lt"/>
-                <a:ea typeface="+mn-ea"/>
-                <a:cs typeface="+mn-cs"/>
-                <a:hlinkClick r:id="rId10" tooltip="Software testing"/>
-              </a:rPr>
-              <a:t>testing</a:t>
-            </a:r>
-            <a:r>
-              <a:rPr lang="en-US" sz="1200" b="0" i="0" kern="1200" dirty="0" smtClean="0">
-                <a:solidFill>
-                  <a:schemeClr val="tx1"/>
-                </a:solidFill>
-                <a:effectLst/>
-                <a:latin typeface="+mn-lt"/>
-                <a:ea typeface="+mn-ea"/>
-                <a:cs typeface="+mn-cs"/>
-              </a:rPr>
-              <a:t>, </a:t>
-            </a:r>
-            <a:r>
-              <a:rPr lang="en-US" sz="1200" b="0" i="0" u="none" strike="noStrike" kern="1200" dirty="0" smtClean="0">
-                <a:solidFill>
-                  <a:schemeClr val="tx1"/>
-                </a:solidFill>
-                <a:effectLst/>
-                <a:latin typeface="+mn-lt"/>
-                <a:ea typeface="+mn-ea"/>
-                <a:cs typeface="+mn-cs"/>
-                <a:hlinkClick r:id="rId11" tooltip="Release Management"/>
-              </a:rPr>
-              <a:t>release management</a:t>
-            </a:r>
-            <a:r>
-              <a:rPr lang="en-US" sz="1200" b="0" i="0" kern="1200" dirty="0" smtClean="0">
-                <a:solidFill>
-                  <a:schemeClr val="tx1"/>
-                </a:solidFill>
-                <a:effectLst/>
-                <a:latin typeface="+mn-lt"/>
-                <a:ea typeface="+mn-ea"/>
-                <a:cs typeface="+mn-cs"/>
-              </a:rPr>
-              <a:t>, and product integration. SQA is organized into goals, commitments, abilities, activities, measurements, and verifications</a:t>
-            </a:r>
-            <a:r>
-              <a:rPr lang="en-US" sz="1200" b="0" i="0" u="sng" kern="1200" baseline="30000" dirty="0" smtClean="0">
-                <a:solidFill>
-                  <a:schemeClr val="tx1"/>
-                </a:solidFill>
-                <a:effectLst/>
-                <a:latin typeface="+mn-lt"/>
-                <a:ea typeface="+mn-ea"/>
-                <a:cs typeface="+mn-cs"/>
-                <a:hlinkClick r:id="rId12"/>
-              </a:rPr>
-              <a:t>[1]</a:t>
-            </a:r>
-            <a:r>
-              <a:rPr lang="en-US" sz="1200" b="0" i="0" kern="1200" dirty="0" smtClean="0">
-                <a:solidFill>
-                  <a:schemeClr val="tx1"/>
-                </a:solidFill>
-                <a:effectLst/>
-                <a:latin typeface="+mn-lt"/>
-                <a:ea typeface="+mn-ea"/>
-                <a:cs typeface="+mn-cs"/>
-              </a:rPr>
-              <a:t>.</a:t>
-            </a:r>
-            <a:endParaRPr lang="bg-BG" sz="1200" b="0" i="0" kern="1200" dirty="0" smtClean="0">
-              <a:solidFill>
-                <a:schemeClr val="tx1"/>
-              </a:solidFill>
-              <a:effectLst/>
-              <a:latin typeface="+mn-lt"/>
-              <a:ea typeface="+mn-ea"/>
-              <a:cs typeface="+mn-cs"/>
-            </a:endParaRPr>
-          </a:p>
-          <a:p>
-            <a:r>
-              <a:rPr lang="en-US" sz="1200" b="0" i="0" kern="1200" dirty="0" smtClean="0">
-                <a:solidFill>
-                  <a:schemeClr val="tx1"/>
-                </a:solidFill>
-                <a:effectLst/>
-                <a:latin typeface="+mn-lt"/>
-                <a:ea typeface="+mn-ea"/>
-                <a:cs typeface="+mn-cs"/>
-              </a:rPr>
-              <a:t>Another definition by </a:t>
-            </a:r>
-            <a:r>
-              <a:rPr lang="en-US" sz="1200" b="0" i="0" u="none" strike="noStrike" kern="1200" dirty="0" smtClean="0">
-                <a:solidFill>
-                  <a:schemeClr val="tx1"/>
-                </a:solidFill>
-                <a:effectLst/>
-                <a:latin typeface="+mn-lt"/>
-                <a:ea typeface="+mn-ea"/>
-                <a:cs typeface="+mn-cs"/>
-                <a:hlinkClick r:id="rId13" tooltip="Tom DeMarco"/>
-              </a:rPr>
-              <a:t>Dr. Tom </a:t>
-            </a:r>
-            <a:r>
-              <a:rPr lang="en-US" sz="1200" b="0" i="0" u="none" strike="noStrike" kern="1200" dirty="0" err="1" smtClean="0">
-                <a:solidFill>
-                  <a:schemeClr val="tx1"/>
-                </a:solidFill>
-                <a:effectLst/>
-                <a:latin typeface="+mn-lt"/>
-                <a:ea typeface="+mn-ea"/>
-                <a:cs typeface="+mn-cs"/>
-                <a:hlinkClick r:id="rId13" tooltip="Tom DeMarco"/>
-              </a:rPr>
-              <a:t>DeMarco</a:t>
-            </a:r>
-            <a:r>
-              <a:rPr lang="en-US" sz="1200" b="0" i="0" kern="1200" dirty="0" smtClean="0">
-                <a:solidFill>
-                  <a:schemeClr val="tx1"/>
-                </a:solidFill>
-                <a:effectLst/>
-                <a:latin typeface="+mn-lt"/>
-                <a:ea typeface="+mn-ea"/>
-                <a:cs typeface="+mn-cs"/>
-              </a:rPr>
-              <a:t> says "a product's quality is a function of how much it changes the world for the better."</a:t>
-            </a:r>
-            <a:r>
-              <a:rPr lang="en-US" sz="1200" b="0" i="0" u="none" strike="noStrike" kern="1200" baseline="30000" dirty="0" smtClean="0">
-                <a:solidFill>
-                  <a:schemeClr val="tx1"/>
-                </a:solidFill>
-                <a:effectLst/>
-                <a:latin typeface="+mn-lt"/>
-                <a:ea typeface="+mn-ea"/>
-                <a:cs typeface="+mn-cs"/>
-                <a:hlinkClick r:id="rId14"/>
-              </a:rPr>
-              <a:t>[5]</a:t>
-            </a:r>
-            <a:r>
-              <a:rPr lang="en-US" sz="1200" b="0" i="0" kern="1200" dirty="0" smtClean="0">
-                <a:solidFill>
-                  <a:schemeClr val="tx1"/>
-                </a:solidFill>
-                <a:effectLst/>
-                <a:latin typeface="+mn-lt"/>
-                <a:ea typeface="+mn-ea"/>
-                <a:cs typeface="+mn-cs"/>
-              </a:rPr>
-              <a:t> This can be interpreted as meaning that user satisfaction is more important than anything in determining software quality.</a:t>
-            </a:r>
-            <a:r>
-              <a:rPr lang="en-US" sz="1200" b="0" i="0" u="none" strike="noStrike" kern="1200" baseline="30000" dirty="0" smtClean="0">
-                <a:solidFill>
-                  <a:schemeClr val="tx1"/>
-                </a:solidFill>
-                <a:effectLst/>
-                <a:latin typeface="+mn-lt"/>
-                <a:ea typeface="+mn-ea"/>
-                <a:cs typeface="+mn-cs"/>
-                <a:hlinkClick r:id="rId15"/>
-              </a:rPr>
-              <a:t>[1]</a:t>
-            </a:r>
-            <a:endParaRPr lang="en-US" sz="1200" b="0" i="0" kern="1200" dirty="0" smtClean="0">
-              <a:solidFill>
-                <a:schemeClr val="tx1"/>
-              </a:solidFill>
-              <a:effectLst/>
-              <a:latin typeface="+mn-lt"/>
-              <a:ea typeface="+mn-ea"/>
-              <a:cs typeface="+mn-cs"/>
-            </a:endParaRPr>
-          </a:p>
-          <a:p>
-            <a:r>
-              <a:rPr lang="en-US" sz="1200" b="0" i="0" kern="1200" dirty="0" smtClean="0">
-                <a:solidFill>
-                  <a:schemeClr val="tx1"/>
-                </a:solidFill>
-                <a:effectLst/>
-                <a:latin typeface="+mn-lt"/>
-                <a:ea typeface="+mn-ea"/>
-                <a:cs typeface="+mn-cs"/>
-              </a:rPr>
-              <a:t>Another definition, coined by </a:t>
-            </a:r>
-            <a:r>
-              <a:rPr lang="en-US" sz="1200" b="0" i="0" u="none" strike="noStrike" kern="1200" dirty="0" smtClean="0">
-                <a:solidFill>
-                  <a:schemeClr val="tx1"/>
-                </a:solidFill>
-                <a:effectLst/>
-                <a:latin typeface="+mn-lt"/>
-                <a:ea typeface="+mn-ea"/>
-                <a:cs typeface="+mn-cs"/>
-                <a:hlinkClick r:id="rId16"/>
-              </a:rPr>
-              <a:t>Gerald Weinberg</a:t>
-            </a:r>
-            <a:r>
-              <a:rPr lang="en-US" sz="1200" b="0" i="0" kern="1200" dirty="0" smtClean="0">
-                <a:solidFill>
-                  <a:schemeClr val="tx1"/>
-                </a:solidFill>
-                <a:effectLst/>
-                <a:latin typeface="+mn-lt"/>
-                <a:ea typeface="+mn-ea"/>
-                <a:cs typeface="+mn-cs"/>
-              </a:rPr>
-              <a:t> in </a:t>
-            </a:r>
-            <a:r>
-              <a:rPr lang="en-US" sz="1200" b="0" i="1" kern="1200" dirty="0" smtClean="0">
-                <a:solidFill>
-                  <a:schemeClr val="tx1"/>
-                </a:solidFill>
-                <a:effectLst/>
-                <a:latin typeface="+mn-lt"/>
-                <a:ea typeface="+mn-ea"/>
-                <a:cs typeface="+mn-cs"/>
-              </a:rPr>
-              <a:t>Quality Software Management: Systems Thinking</a:t>
-            </a:r>
-            <a:r>
-              <a:rPr lang="en-US" sz="1200" b="0" i="0" kern="1200" dirty="0" smtClean="0">
-                <a:solidFill>
-                  <a:schemeClr val="tx1"/>
-                </a:solidFill>
-                <a:effectLst/>
-                <a:latin typeface="+mn-lt"/>
-                <a:ea typeface="+mn-ea"/>
-                <a:cs typeface="+mn-cs"/>
-              </a:rPr>
-              <a:t>, is "Quality is value to some person." This definition stresses that quality is inherently subjective - different people will experience the quality of the same software very differently. One strength of this definition is the questions it invites software teams to consider, such as "Who are the people we want to value our software?" and "What will be valuable to </a:t>
-            </a:r>
-            <a:r>
-              <a:rPr lang="en-US" sz="1200" b="0" i="1" kern="1200" dirty="0" smtClean="0">
-                <a:solidFill>
-                  <a:schemeClr val="tx1"/>
-                </a:solidFill>
-                <a:effectLst/>
-                <a:latin typeface="+mn-lt"/>
-                <a:ea typeface="+mn-ea"/>
-                <a:cs typeface="+mn-cs"/>
-              </a:rPr>
-              <a:t>them</a:t>
-            </a:r>
-            <a:r>
-              <a:rPr lang="en-US" sz="1200" b="0" i="0" kern="1200" dirty="0" smtClean="0">
-                <a:solidFill>
-                  <a:schemeClr val="tx1"/>
-                </a:solidFill>
-                <a:effectLst/>
-                <a:latin typeface="+mn-lt"/>
-                <a:ea typeface="+mn-ea"/>
-                <a:cs typeface="+mn-cs"/>
-              </a:rPr>
-              <a:t>?"</a:t>
-            </a:r>
-          </a:p>
-          <a:p>
-            <a:endParaRPr lang="en-US" dirty="0"/>
+              <a:rPr lang="en-US" dirty="0" smtClean="0"/>
+              <a:t>The most interesting facts that this data reveals is that the modal rates don't rise above 75 percent for any single technique and that the techniques average about 40 percent. Moreover, for the most common kinds of defect detection—unit testing and integration testing—the modal rates are only 30–35 percent. The typical organization uses a test-heavy defect-removal approach and achieves only about 85 percent defect removal efficiency. Leading organizations use a wider variety of techniques and achieve defect-removal efficiencies of 95 percent or higher (Jones 2000).</a:t>
+            </a:r>
+          </a:p>
+          <a:p>
+            <a:r>
+              <a:rPr lang="en-US" dirty="0" smtClean="0"/>
+              <a:t/>
+            </a:r>
+            <a:br>
+              <a:rPr lang="en-US" dirty="0" smtClean="0"/>
+            </a:br>
+            <a:endParaRPr lang="bg-BG" dirty="0"/>
           </a:p>
         </p:txBody>
       </p:sp>
@@ -7156,7 +6792,7 @@
             <a:fld id="{6FB4F6EA-423E-42DF-9292-215E7D886C4E}" type="slidenum">
               <a:rPr lang="en-US" smtClean="0"/>
               <a:pPr/>
-              <a:t>17</a:t>
+              <a:t>22</a:t>
             </a:fld>
             <a:endParaRPr lang="en-US" dirty="0"/>
           </a:p>
@@ -7165,7 +6801,7 @@
     </p:spTree>
     <p:extLst>
       <p:ext uri="{BB962C8B-B14F-4D97-AF65-F5344CB8AC3E}">
-        <p14:creationId xmlns:p14="http://schemas.microsoft.com/office/powerpoint/2010/main" val="3738957611"/>
+        <p14:creationId xmlns:p14="http://schemas.microsoft.com/office/powerpoint/2010/main" val="3899103791"/>
       </p:ext>
     </p:extLst>
   </p:cSld>
@@ -7219,7 +6855,20 @@
           <a:bodyPr/>
           <a:lstStyle/>
           <a:p>
-            <a:endParaRPr lang="en-US" dirty="0"/>
+            <a:r>
+              <a:rPr lang="en-US" dirty="0" smtClean="0"/>
+              <a:t>The most interesting facts that this data reveals is that the modal rates don't rise above 75 percent for any single technique and that the techniques average about 40 percent. Moreover, for the most common kinds of defect detection—unit testing and integration testing—the modal rates are only 30–35 percent. The typical organization uses a test-heavy defect-removal approach and achieves only about 85 percent defect removal efficiency. Leading organizations use a wider variety of techniques and achieve defect-removal efficiencies of 95 percent or higher (Jones 2000).</a:t>
+            </a:r>
+          </a:p>
+          <a:p>
+            <a:r>
+              <a:rPr lang="en-US" dirty="0" smtClean="0"/>
+              <a:t/>
+            </a:r>
+            <a:br>
+              <a:rPr lang="en-US" dirty="0" smtClean="0"/>
+            </a:br>
+            <a:endParaRPr lang="bg-BG" dirty="0"/>
           </a:p>
         </p:txBody>
       </p:sp>
@@ -7241,7 +6890,7 @@
             <a:fld id="{6FB4F6EA-423E-42DF-9292-215E7D886C4E}" type="slidenum">
               <a:rPr lang="en-US" smtClean="0"/>
               <a:pPr/>
-              <a:t>24</a:t>
+              <a:t>23</a:t>
             </a:fld>
             <a:endParaRPr lang="en-US" dirty="0"/>
           </a:p>
@@ -7250,7 +6899,7 @@
     </p:spTree>
     <p:extLst>
       <p:ext uri="{BB962C8B-B14F-4D97-AF65-F5344CB8AC3E}">
-        <p14:creationId xmlns:p14="http://schemas.microsoft.com/office/powerpoint/2010/main" val="1364805810"/>
+        <p14:creationId xmlns:p14="http://schemas.microsoft.com/office/powerpoint/2010/main" val="3899103791"/>
       </p:ext>
     </p:extLst>
   </p:cSld>
@@ -12988,97 +12637,6 @@
           </a:p>
         </p:txBody>
       </p:sp>
-      <p:sp>
-        <p:nvSpPr>
-          <p:cNvPr id="4" name="Text Placeholder 3"/>
-          <p:cNvSpPr>
-            <a:spLocks noGrp="1"/>
-          </p:cNvSpPr>
-          <p:nvPr>
-            <p:ph type="body" sz="quarter" idx="10"/>
-          </p:nvPr>
-        </p:nvSpPr>
-        <p:spPr>
-          <a:xfrm>
-            <a:off x="457200" y="5224046"/>
-            <a:ext cx="3352800" cy="954107"/>
-          </a:xfrm>
-        </p:spPr>
-        <p:txBody>
-          <a:bodyPr/>
-          <a:lstStyle/>
-          <a:p>
-            <a:r>
-              <a:rPr lang="en-US" dirty="0" smtClean="0"/>
-              <a:t>Yordan Dimitrov</a:t>
-            </a:r>
-            <a:endParaRPr lang="en-US" dirty="0"/>
-          </a:p>
-          <a:p>
-            <a:endParaRPr lang="en-US" dirty="0"/>
-          </a:p>
-        </p:txBody>
-      </p:sp>
-      <p:sp>
-        <p:nvSpPr>
-          <p:cNvPr id="5" name="Text Placeholder 4"/>
-          <p:cNvSpPr>
-            <a:spLocks noGrp="1"/>
-          </p:cNvSpPr>
-          <p:nvPr>
-            <p:ph type="body" sz="quarter" idx="11"/>
-          </p:nvPr>
-        </p:nvSpPr>
-        <p:spPr>
-          <a:xfrm>
-            <a:off x="457200" y="5757446"/>
-            <a:ext cx="2090957" cy="646331"/>
-          </a:xfrm>
-        </p:spPr>
-        <p:txBody>
-          <a:bodyPr/>
-          <a:lstStyle/>
-          <a:p>
-            <a:r>
-              <a:rPr lang="en-US" dirty="0"/>
-              <a:t>Telerik Corporation</a:t>
-            </a:r>
-          </a:p>
-          <a:p>
-            <a:endParaRPr lang="en-US" dirty="0"/>
-          </a:p>
-        </p:txBody>
-      </p:sp>
-      <p:sp>
-        <p:nvSpPr>
-          <p:cNvPr id="6" name="Text Placeholder 5"/>
-          <p:cNvSpPr>
-            <a:spLocks noGrp="1"/>
-          </p:cNvSpPr>
-          <p:nvPr>
-            <p:ph type="body" sz="quarter" idx="12"/>
-          </p:nvPr>
-        </p:nvSpPr>
-        <p:spPr>
-          <a:xfrm>
-            <a:off x="457200" y="6062246"/>
-            <a:ext cx="1707903" cy="338554"/>
-          </a:xfrm>
-        </p:spPr>
-        <p:txBody>
-          <a:bodyPr/>
-          <a:lstStyle/>
-          <a:p>
-            <a:r>
-              <a:rPr lang="en-US" dirty="0" smtClean="0">
-                <a:hlinkClick r:id="rId3"/>
-              </a:rPr>
-              <a:t>www.telerik.com</a:t>
-            </a:r>
-            <a:endParaRPr lang="en-US" dirty="0"/>
-          </a:p>
-        </p:txBody>
-      </p:sp>
       <p:pic>
         <p:nvPicPr>
           <p:cNvPr id="7" name="Picture 2" descr="C:\PROJECTS\QA-Academy\Oleg_IMAGES\IMAGES\qualityassurancecareer.jpg"/>
@@ -13088,7 +12646,7 @@
           <p:nvPr/>
         </p:nvPicPr>
         <p:blipFill>
-          <a:blip r:embed="rId4" cstate="screen">
+          <a:blip r:embed="rId3" cstate="screen">
             <a:extLst>
               <a:ext uri="{28A0092B-C50C-407E-A947-70E740481C1C}">
                 <a14:useLocalDpi xmlns:a14="http://schemas.microsoft.com/office/drawing/2010/main"/>
@@ -13139,7 +12697,7 @@
           <p:nvPr/>
         </p:nvPicPr>
         <p:blipFill>
-          <a:blip r:embed="rId5" cstate="screen">
+          <a:blip r:embed="rId4" cstate="screen">
             <a:extLst>
               <a:ext uri="{28A0092B-C50C-407E-A947-70E740481C1C}">
                 <a14:useLocalDpi xmlns:a14="http://schemas.microsoft.com/office/drawing/2010/main"/>
@@ -13197,6 +12755,70 @@
           </a:extLst>
         </p:spPr>
       </p:pic>
+      <p:pic>
+        <p:nvPicPr>
+          <p:cNvPr id="1026" name="Picture 2"/>
+          <p:cNvPicPr>
+            <a:picLocks noChangeAspect="1" noChangeArrowheads="1"/>
+          </p:cNvPicPr>
+          <p:nvPr/>
+        </p:nvPicPr>
+        <p:blipFill>
+          <a:blip r:embed="rId5">
+            <a:extLst>
+              <a:ext uri="{28A0092B-C50C-407E-A947-70E740481C1C}">
+                <a14:useLocalDpi xmlns:a14="http://schemas.microsoft.com/office/drawing/2010/main" val="0"/>
+              </a:ext>
+            </a:extLst>
+          </a:blip>
+          <a:srcRect/>
+          <a:stretch>
+            <a:fillRect/>
+          </a:stretch>
+        </p:blipFill>
+        <p:spPr bwMode="auto">
+          <a:xfrm>
+            <a:off x="381000" y="5257800"/>
+            <a:ext cx="4090987" cy="1219200"/>
+          </a:xfrm>
+          <a:prstGeom prst="rect">
+            <a:avLst/>
+          </a:prstGeom>
+          <a:noFill/>
+          <a:ln>
+            <a:noFill/>
+          </a:ln>
+          <a:effectLst/>
+          <a:extLst>
+            <a:ext uri="{909E8E84-426E-40DD-AFC4-6F175D3DCCD1}">
+              <a14:hiddenFill xmlns:a14="http://schemas.microsoft.com/office/drawing/2010/main">
+                <a:solidFill>
+                  <a:schemeClr val="accent1"/>
+                </a:solidFill>
+              </a14:hiddenFill>
+            </a:ext>
+            <a:ext uri="{91240B29-F687-4F45-9708-019B960494DF}">
+              <a14:hiddenLine xmlns:a14="http://schemas.microsoft.com/office/drawing/2010/main" w="9525">
+                <a:solidFill>
+                  <a:schemeClr val="tx1"/>
+                </a:solidFill>
+                <a:miter lim="800000"/>
+                <a:headEnd/>
+                <a:tailEnd/>
+              </a14:hiddenLine>
+            </a:ext>
+            <a:ext uri="{AF507438-7753-43E0-B8FC-AC1667EBCBE1}">
+              <a14:hiddenEffects xmlns:a14="http://schemas.microsoft.com/office/drawing/2010/main">
+                <a:effectLst>
+                  <a:outerShdw dist="35921" dir="2700000" algn="ctr" rotWithShape="0">
+                    <a:schemeClr val="bg2"/>
+                  </a:outerShdw>
+                </a:effectLst>
+              </a14:hiddenEffects>
+            </a:ext>
+          </a:extLst>
+        </p:spPr>
+      </p:pic>
     </p:spTree>
   </p:cSld>
   <p:clrMapOvr>
@@ -13221,387 +12843,6 @@
 </file>
 
 <file path=ppt/slides/slide10.xml><?xml version="1.0" encoding="utf-8"?>
-<p:sld xmlns:a="http://schemas.openxmlformats.org/drawingml/2006/main" xmlns:r="http://schemas.openxmlformats.org/officeDocument/2006/relationships" xmlns:p="http://schemas.openxmlformats.org/presentationml/2006/main" show="0">
-  <p:cSld>
-    <p:spTree>
-      <p:nvGrpSpPr>
-        <p:cNvPr id="1" name=""/>
-        <p:cNvGrpSpPr/>
-        <p:nvPr/>
-      </p:nvGrpSpPr>
-      <p:grpSpPr>
-        <a:xfrm>
-          <a:off x="0" y="0"/>
-          <a:ext cx="0" cy="0"/>
-          <a:chOff x="0" y="0"/>
-          <a:chExt cx="0" cy="0"/>
-        </a:xfrm>
-      </p:grpSpPr>
-      <p:sp>
-        <p:nvSpPr>
-          <p:cNvPr id="2" name="Title 1"/>
-          <p:cNvSpPr>
-            <a:spLocks noGrp="1"/>
-          </p:cNvSpPr>
-          <p:nvPr>
-            <p:ph type="title"/>
-          </p:nvPr>
-        </p:nvSpPr>
-        <p:spPr/>
-        <p:txBody>
-          <a:bodyPr/>
-          <a:lstStyle/>
-          <a:p>
-            <a:r>
-              <a:rPr lang="en-US" i="1" dirty="0">
-                <a:solidFill>
-                  <a:schemeClr val="accent2"/>
-                </a:solidFill>
-              </a:rPr>
-              <a:t>Reality Check</a:t>
-            </a:r>
-            <a:r>
-              <a:rPr lang="en-US" i="1" dirty="0" smtClean="0">
-                <a:solidFill>
-                  <a:schemeClr val="accent2"/>
-                </a:solidFill>
-              </a:rPr>
-              <a:t>…</a:t>
-            </a:r>
-            <a:endParaRPr lang="bg-BG" dirty="0"/>
-          </a:p>
-        </p:txBody>
-      </p:sp>
-      <p:sp>
-        <p:nvSpPr>
-          <p:cNvPr id="3" name="Content Placeholder 2"/>
-          <p:cNvSpPr>
-            <a:spLocks noGrp="1"/>
-          </p:cNvSpPr>
-          <p:nvPr>
-            <p:ph idx="1"/>
-          </p:nvPr>
-        </p:nvSpPr>
-        <p:spPr/>
-        <p:txBody>
-          <a:bodyPr/>
-          <a:lstStyle/>
-          <a:p>
-            <a:pPr marL="619125" indent="-619125" eaLnBrk="1" hangingPunct="1">
-              <a:spcBef>
-                <a:spcPts val="1800"/>
-              </a:spcBef>
-              <a:spcAft>
-                <a:spcPts val="1800"/>
-              </a:spcAft>
-              <a:buFont typeface="Wingdings" pitchFamily="2" charset="2"/>
-              <a:buNone/>
-            </a:pPr>
-            <a:r>
-              <a:rPr lang="en-US" dirty="0">
-                <a:solidFill>
-                  <a:schemeClr val="tx1">
-                    <a:lumMod val="20000"/>
-                    <a:lumOff val="80000"/>
-                  </a:schemeClr>
-                </a:solidFill>
-              </a:rPr>
-              <a:t>Q:	So, how does that </a:t>
-            </a:r>
-            <a:r>
-              <a:rPr lang="en-US" dirty="0" smtClean="0">
-                <a:solidFill>
-                  <a:schemeClr val="tx1">
-                    <a:lumMod val="20000"/>
-                    <a:lumOff val="80000"/>
-                  </a:schemeClr>
-                </a:solidFill>
-              </a:rPr>
-              <a:t>lists </a:t>
-            </a:r>
-            <a:r>
-              <a:rPr lang="en-US" dirty="0">
-                <a:solidFill>
-                  <a:schemeClr val="tx1">
-                    <a:lumMod val="20000"/>
-                    <a:lumOff val="80000"/>
-                  </a:schemeClr>
-                </a:solidFill>
-              </a:rPr>
-              <a:t>help us with SQA</a:t>
-            </a:r>
-            <a:r>
-              <a:rPr lang="en-US" dirty="0" smtClean="0">
-                <a:solidFill>
-                  <a:schemeClr val="tx1">
-                    <a:lumMod val="20000"/>
-                    <a:lumOff val="80000"/>
-                  </a:schemeClr>
-                </a:solidFill>
-              </a:rPr>
-              <a:t>?</a:t>
-            </a:r>
-            <a:endParaRPr lang="en-US" sz="1600" dirty="0">
-              <a:solidFill>
-                <a:schemeClr val="tx1">
-                  <a:lumMod val="20000"/>
-                  <a:lumOff val="80000"/>
-                </a:schemeClr>
-              </a:solidFill>
-            </a:endParaRPr>
-          </a:p>
-          <a:p>
-            <a:pPr marL="619125" indent="-619125" eaLnBrk="1" hangingPunct="1">
-              <a:spcBef>
-                <a:spcPts val="1800"/>
-              </a:spcBef>
-              <a:spcAft>
-                <a:spcPts val="1800"/>
-              </a:spcAft>
-              <a:buFont typeface="Wingdings" pitchFamily="2" charset="2"/>
-              <a:buNone/>
-            </a:pPr>
-            <a:r>
-              <a:rPr lang="en-US" dirty="0">
-                <a:solidFill>
-                  <a:schemeClr val="tx1">
-                    <a:lumMod val="20000"/>
-                    <a:lumOff val="80000"/>
-                  </a:schemeClr>
-                </a:solidFill>
-              </a:rPr>
-              <a:t>A:	Most, if not all, of those factors should be </a:t>
-            </a:r>
-            <a:r>
-              <a:rPr lang="en-US" dirty="0">
-                <a:solidFill>
-                  <a:schemeClr val="accent5">
-                    <a:lumMod val="20000"/>
-                    <a:lumOff val="80000"/>
-                  </a:schemeClr>
-                </a:solidFill>
-              </a:rPr>
-              <a:t>covered explicitly </a:t>
-            </a:r>
-            <a:r>
-              <a:rPr lang="en-US" dirty="0">
-                <a:solidFill>
-                  <a:schemeClr val="tx1">
-                    <a:lumMod val="20000"/>
-                    <a:lumOff val="80000"/>
-                  </a:schemeClr>
-                </a:solidFill>
-              </a:rPr>
-              <a:t>in the </a:t>
-            </a:r>
-            <a:r>
-              <a:rPr lang="en-US" dirty="0">
-                <a:solidFill>
-                  <a:schemeClr val="accent5">
-                    <a:lumMod val="20000"/>
-                    <a:lumOff val="80000"/>
-                  </a:schemeClr>
-                </a:solidFill>
-              </a:rPr>
-              <a:t>software requirements </a:t>
-            </a:r>
-            <a:r>
-              <a:rPr lang="en-US" dirty="0" smtClean="0">
-                <a:solidFill>
-                  <a:schemeClr val="accent5">
-                    <a:lumMod val="20000"/>
-                    <a:lumOff val="80000"/>
-                  </a:schemeClr>
-                </a:solidFill>
-              </a:rPr>
-              <a:t>document</a:t>
-            </a:r>
-            <a:endParaRPr lang="en-US" sz="1600" dirty="0">
-              <a:solidFill>
-                <a:schemeClr val="accent5">
-                  <a:lumMod val="20000"/>
-                  <a:lumOff val="80000"/>
-                </a:schemeClr>
-              </a:solidFill>
-            </a:endParaRPr>
-          </a:p>
-          <a:p>
-            <a:pPr marL="619125" indent="-619125" eaLnBrk="1" hangingPunct="1">
-              <a:spcBef>
-                <a:spcPts val="1800"/>
-              </a:spcBef>
-              <a:spcAft>
-                <a:spcPts val="1800"/>
-              </a:spcAft>
-              <a:buFont typeface="Wingdings" pitchFamily="2" charset="2"/>
-              <a:buNone/>
-            </a:pPr>
-            <a:r>
-              <a:rPr lang="en-US" dirty="0">
-                <a:solidFill>
-                  <a:schemeClr val="tx1">
-                    <a:lumMod val="20000"/>
-                    <a:lumOff val="80000"/>
-                  </a:schemeClr>
-                </a:solidFill>
-              </a:rPr>
-              <a:t>A:	Measuring those factors tell us </a:t>
-            </a:r>
-            <a:r>
-              <a:rPr lang="en-US" dirty="0">
-                <a:solidFill>
-                  <a:schemeClr val="accent5">
-                    <a:lumMod val="20000"/>
-                    <a:lumOff val="80000"/>
-                  </a:schemeClr>
-                </a:solidFill>
-              </a:rPr>
-              <a:t>where we need </a:t>
-            </a:r>
-            <a:r>
-              <a:rPr lang="en-US" dirty="0" smtClean="0">
-                <a:solidFill>
-                  <a:schemeClr val="accent5">
-                    <a:lumMod val="20000"/>
-                    <a:lumOff val="80000"/>
-                  </a:schemeClr>
-                </a:solidFill>
-              </a:rPr>
-              <a:t>improvement</a:t>
-            </a:r>
-            <a:endParaRPr lang="en-US" dirty="0">
-              <a:solidFill>
-                <a:schemeClr val="accent5">
-                  <a:lumMod val="20000"/>
-                  <a:lumOff val="80000"/>
-                </a:schemeClr>
-              </a:solidFill>
-            </a:endParaRPr>
-          </a:p>
-        </p:txBody>
-      </p:sp>
-      <p:sp>
-        <p:nvSpPr>
-          <p:cNvPr id="4" name="Slide Number Placeholder 3"/>
-          <p:cNvSpPr>
-            <a:spLocks noGrp="1"/>
-          </p:cNvSpPr>
-          <p:nvPr>
-            <p:ph type="sldNum" sz="quarter" idx="10"/>
-          </p:nvPr>
-        </p:nvSpPr>
-        <p:spPr/>
-        <p:txBody>
-          <a:bodyPr/>
-          <a:lstStyle/>
-          <a:p>
-            <a:pPr>
-              <a:defRPr/>
-            </a:pPr>
-            <a:fld id="{58452FF4-89E3-4D1B-9927-2DBDC00E58D7}" type="slidenum">
-              <a:rPr lang="en-US" smtClean="0"/>
-              <a:pPr>
-                <a:defRPr/>
-              </a:pPr>
-              <a:t>10</a:t>
-            </a:fld>
-            <a:endParaRPr lang="en-US" dirty="0"/>
-          </a:p>
-        </p:txBody>
-      </p:sp>
-      <p:pic>
-        <p:nvPicPr>
-          <p:cNvPr id="3075" name="Picture 3"/>
-          <p:cNvPicPr>
-            <a:picLocks noChangeAspect="1" noChangeArrowheads="1"/>
-          </p:cNvPicPr>
-          <p:nvPr/>
-        </p:nvPicPr>
-        <p:blipFill>
-          <a:blip r:embed="rId3" cstate="screen">
-            <a:extLst>
-              <a:ext uri="{28A0092B-C50C-407E-A947-70E740481C1C}">
-                <a14:useLocalDpi xmlns:a14="http://schemas.microsoft.com/office/drawing/2010/main"/>
-              </a:ext>
-            </a:extLst>
-          </a:blip>
-          <a:srcRect/>
-          <a:stretch>
-            <a:fillRect/>
-          </a:stretch>
-        </p:blipFill>
-        <p:spPr bwMode="auto">
-          <a:xfrm>
-            <a:off x="5943600" y="4674249"/>
-            <a:ext cx="2362200" cy="2183751"/>
-          </a:xfrm>
-          <a:prstGeom prst="rect">
-            <a:avLst/>
-          </a:prstGeom>
-          <a:noFill/>
-          <a:ln>
-            <a:noFill/>
-          </a:ln>
-          <a:effectLst/>
-          <a:extLst>
-            <a:ext uri="{909E8E84-426E-40DD-AFC4-6F175D3DCCD1}">
-              <a14:hiddenFill xmlns:a14="http://schemas.microsoft.com/office/drawing/2010/main">
-                <a:solidFill>
-                  <a:schemeClr val="accent1"/>
-                </a:solidFill>
-              </a14:hiddenFill>
-            </a:ext>
-            <a:ext uri="{91240B29-F687-4F45-9708-019B960494DF}">
-              <a14:hiddenLine xmlns:a14="http://schemas.microsoft.com/office/drawing/2010/main" w="9525">
-                <a:solidFill>
-                  <a:schemeClr val="tx1"/>
-                </a:solidFill>
-                <a:miter lim="800000"/>
-                <a:headEnd/>
-                <a:tailEnd/>
-              </a14:hiddenLine>
-            </a:ext>
-            <a:ext uri="{AF507438-7753-43E0-B8FC-AC1667EBCBE1}">
-              <a14:hiddenEffects xmlns:a14="http://schemas.microsoft.com/office/drawing/2010/main">
-                <a:effectLst>
-                  <a:outerShdw dist="35921" dir="2700000" algn="ctr" rotWithShape="0">
-                    <a:schemeClr val="bg2"/>
-                  </a:outerShdw>
-                </a:effectLst>
-              </a14:hiddenEffects>
-            </a:ext>
-          </a:extLst>
-        </p:spPr>
-      </p:pic>
-    </p:spTree>
-    <p:extLst>
-      <p:ext uri="{BB962C8B-B14F-4D97-AF65-F5344CB8AC3E}">
-        <p14:creationId xmlns:p14="http://schemas.microsoft.com/office/powerpoint/2010/main" val="2828725986"/>
-      </p:ext>
-    </p:extLst>
-  </p:cSld>
-  <p:clrMapOvr>
-    <a:masterClrMapping/>
-  </p:clrMapOvr>
-  <mc:AlternateContent xmlns:mc="http://schemas.openxmlformats.org/markup-compatibility/2006">
-    <mc:Choice xmlns:p14="http://schemas.microsoft.com/office/powerpoint/2010/main" Requires="p14">
-      <p:transition spd="slow" p14:dur="2000"/>
-    </mc:Choice>
-    <mc:Fallback>
-      <p:transition spd="slow"/>
-    </mc:Fallback>
-  </mc:AlternateContent>
-  <p:timing>
-    <p:tnLst>
-      <p:par>
-        <p:cTn id="1" dur="indefinite" restart="never" nodeType="tmRoot"/>
-      </p:par>
-    </p:tnLst>
-  </p:timing>
-</p:sld>
-</file>
-
-<file path=ppt/slides/slide11.xml><?xml version="1.0" encoding="utf-8"?>
 <p:sld xmlns:a="http://schemas.openxmlformats.org/drawingml/2006/main" xmlns:r="http://schemas.openxmlformats.org/officeDocument/2006/relationships" xmlns:p="http://schemas.openxmlformats.org/presentationml/2006/main">
   <p:cSld>
     <p:spTree>
@@ -13769,7 +13010,7 @@
 </p:sld>
 </file>
 
-<file path=ppt/slides/slide12.xml><?xml version="1.0" encoding="utf-8"?>
+<file path=ppt/slides/slide11.xml><?xml version="1.0" encoding="utf-8"?>
 <p:sld xmlns:a="http://schemas.openxmlformats.org/drawingml/2006/main" xmlns:r="http://schemas.openxmlformats.org/officeDocument/2006/relationships" xmlns:p="http://schemas.openxmlformats.org/presentationml/2006/main">
   <p:cSld>
     <p:spTree>
@@ -14028,7 +13269,7 @@
               <a:pPr>
                 <a:defRPr/>
               </a:pPr>
-              <a:t>12</a:t>
+              <a:t>11</a:t>
             </a:fld>
             <a:endParaRPr lang="en-US" dirty="0"/>
           </a:p>
@@ -14160,7 +13401,7 @@
 </p:sld>
 </file>
 
-<file path=ppt/slides/slide13.xml><?xml version="1.0" encoding="utf-8"?>
+<file path=ppt/slides/slide12.xml><?xml version="1.0" encoding="utf-8"?>
 <p:sld xmlns:a="http://schemas.openxmlformats.org/drawingml/2006/main" xmlns:r="http://schemas.openxmlformats.org/officeDocument/2006/relationships" xmlns:p="http://schemas.openxmlformats.org/presentationml/2006/main">
   <p:cSld>
     <p:spTree>
@@ -14418,7 +13659,7 @@
               <a:pPr>
                 <a:defRPr/>
               </a:pPr>
-              <a:t>13</a:t>
+              <a:t>12</a:t>
             </a:fld>
             <a:endParaRPr lang="en-US" dirty="0"/>
           </a:p>
@@ -14522,7 +13763,7 @@
 </p:sld>
 </file>
 
-<file path=ppt/slides/slide14.xml><?xml version="1.0" encoding="utf-8"?>
+<file path=ppt/slides/slide13.xml><?xml version="1.0" encoding="utf-8"?>
 <p:sld xmlns:a="http://schemas.openxmlformats.org/drawingml/2006/main" xmlns:r="http://schemas.openxmlformats.org/officeDocument/2006/relationships" xmlns:p="http://schemas.openxmlformats.org/presentationml/2006/main">
   <p:cSld>
     <p:spTree>
@@ -14712,7 +13953,7 @@
               <a:pPr>
                 <a:defRPr/>
               </a:pPr>
-              <a:t>14</a:t>
+              <a:t>13</a:t>
             </a:fld>
             <a:endParaRPr lang="en-US" dirty="0"/>
           </a:p>
@@ -14776,7 +14017,7 @@
 </p:sld>
 </file>
 
-<file path=ppt/slides/slide15.xml><?xml version="1.0" encoding="utf-8"?>
+<file path=ppt/slides/slide14.xml><?xml version="1.0" encoding="utf-8"?>
 <p:sld xmlns:a="http://schemas.openxmlformats.org/drawingml/2006/main" xmlns:r="http://schemas.openxmlformats.org/officeDocument/2006/relationships" xmlns:p="http://schemas.openxmlformats.org/presentationml/2006/main">
   <p:cSld>
     <p:spTree>
@@ -14933,7 +14174,7 @@
               <a:pPr>
                 <a:defRPr/>
               </a:pPr>
-              <a:t>15</a:t>
+              <a:t>14</a:t>
             </a:fld>
             <a:endParaRPr lang="en-US" dirty="0"/>
           </a:p>
@@ -15139,7 +14380,7 @@
 </p:sld>
 </file>
 
-<file path=ppt/slides/slide16.xml><?xml version="1.0" encoding="utf-8"?>
+<file path=ppt/slides/slide15.xml><?xml version="1.0" encoding="utf-8"?>
 <p:sld xmlns:a="http://schemas.openxmlformats.org/drawingml/2006/main" xmlns:r="http://schemas.openxmlformats.org/officeDocument/2006/relationships" xmlns:p="http://schemas.openxmlformats.org/presentationml/2006/main">
   <p:cSld>
     <p:spTree>
@@ -15251,7 +14492,7 @@
 </p:sld>
 </file>
 
-<file path=ppt/slides/slide17.xml><?xml version="1.0" encoding="utf-8"?>
+<file path=ppt/slides/slide16.xml><?xml version="1.0" encoding="utf-8"?>
 <p:sld xmlns:a="http://schemas.openxmlformats.org/drawingml/2006/main" xmlns:r="http://schemas.openxmlformats.org/officeDocument/2006/relationships" xmlns:p="http://schemas.openxmlformats.org/presentationml/2006/main">
   <p:cSld>
     <p:spTree>
@@ -15361,7 +14602,7 @@
               <a:pPr>
                 <a:defRPr/>
               </a:pPr>
-              <a:t>17</a:t>
+              <a:t>16</a:t>
             </a:fld>
             <a:endParaRPr lang="en-US" dirty="0"/>
           </a:p>
@@ -15806,7 +15047,7 @@
 </p:sld>
 </file>
 
-<file path=ppt/slides/slide18.xml><?xml version="1.0" encoding="utf-8"?>
+<file path=ppt/slides/slide17.xml><?xml version="1.0" encoding="utf-8"?>
 <p:sld xmlns:a="http://schemas.openxmlformats.org/drawingml/2006/main" xmlns:r="http://schemas.openxmlformats.org/officeDocument/2006/relationships" xmlns:p="http://schemas.openxmlformats.org/presentationml/2006/main">
   <p:cSld>
     <p:spTree>
@@ -15971,7 +15212,7 @@
               <a:pPr>
                 <a:defRPr/>
               </a:pPr>
-              <a:t>18</a:t>
+              <a:t>17</a:t>
             </a:fld>
             <a:endParaRPr lang="en-US" dirty="0"/>
           </a:p>
@@ -16141,7 +15382,7 @@
 </p:sld>
 </file>
 
-<file path=ppt/slides/slide19.xml><?xml version="1.0" encoding="utf-8"?>
+<file path=ppt/slides/slide18.xml><?xml version="1.0" encoding="utf-8"?>
 <p:sld xmlns:a="http://schemas.openxmlformats.org/drawingml/2006/main" xmlns:r="http://schemas.openxmlformats.org/officeDocument/2006/relationships" xmlns:p="http://schemas.openxmlformats.org/presentationml/2006/main">
   <p:cSld>
     <p:spTree>
@@ -16411,7 +15652,7 @@
               <a:pPr>
                 <a:defRPr/>
               </a:pPr>
-              <a:t>19</a:t>
+              <a:t>18</a:t>
             </a:fld>
             <a:endParaRPr lang="en-US" dirty="0"/>
           </a:p>
@@ -16475,193 +15716,7 @@
 </p:sld>
 </file>
 
-<file path=ppt/slides/slide2.xml><?xml version="1.0" encoding="utf-8"?>
-<p:sld xmlns:a="http://schemas.openxmlformats.org/drawingml/2006/main" xmlns:r="http://schemas.openxmlformats.org/officeDocument/2006/relationships" xmlns:p="http://schemas.openxmlformats.org/presentationml/2006/main">
-  <p:cSld>
-    <p:spTree>
-      <p:nvGrpSpPr>
-        <p:cNvPr id="1" name=""/>
-        <p:cNvGrpSpPr/>
-        <p:nvPr/>
-      </p:nvGrpSpPr>
-      <p:grpSpPr>
-        <a:xfrm>
-          <a:off x="0" y="0"/>
-          <a:ext cx="0" cy="0"/>
-          <a:chOff x="0" y="0"/>
-          <a:chExt cx="0" cy="0"/>
-        </a:xfrm>
-      </p:grpSpPr>
-      <p:sp>
-        <p:nvSpPr>
-          <p:cNvPr id="2" name="Title 1"/>
-          <p:cNvSpPr>
-            <a:spLocks noGrp="1"/>
-          </p:cNvSpPr>
-          <p:nvPr>
-            <p:ph type="title"/>
-          </p:nvPr>
-        </p:nvSpPr>
-        <p:spPr/>
-        <p:txBody>
-          <a:bodyPr/>
-          <a:lstStyle/>
-          <a:p>
-            <a:r>
-              <a:rPr lang="en-US" dirty="0"/>
-              <a:t>Table of Contents</a:t>
-            </a:r>
-          </a:p>
-        </p:txBody>
-      </p:sp>
-      <p:sp>
-        <p:nvSpPr>
-          <p:cNvPr id="3" name="Content Placeholder 2"/>
-          <p:cNvSpPr>
-            <a:spLocks noGrp="1"/>
-          </p:cNvSpPr>
-          <p:nvPr>
-            <p:ph idx="1"/>
-          </p:nvPr>
-        </p:nvSpPr>
-        <p:spPr/>
-        <p:txBody>
-          <a:bodyPr/>
-          <a:lstStyle/>
-          <a:p>
-            <a:r>
-              <a:rPr lang="en-US" dirty="0"/>
-              <a:t>What Is Software Quality</a:t>
-            </a:r>
-            <a:r>
-              <a:rPr lang="en-US" dirty="0" smtClean="0"/>
-              <a:t>?</a:t>
-            </a:r>
-          </a:p>
-          <a:p>
-            <a:r>
-              <a:rPr lang="en-US" dirty="0"/>
-              <a:t>Causes of Software Defects</a:t>
-            </a:r>
-          </a:p>
-          <a:p>
-            <a:r>
-              <a:rPr lang="en-US" dirty="0"/>
-              <a:t>What is Quality Assurance</a:t>
-            </a:r>
-            <a:r>
-              <a:rPr lang="en-US" dirty="0" smtClean="0"/>
-              <a:t>?</a:t>
-            </a:r>
-          </a:p>
-          <a:p>
-            <a:r>
-              <a:rPr lang="en-US" dirty="0"/>
-              <a:t>Improving the Software Quality</a:t>
-            </a:r>
-          </a:p>
-        </p:txBody>
-      </p:sp>
-      <p:sp>
-        <p:nvSpPr>
-          <p:cNvPr id="4" name="Slide Number Placeholder 3"/>
-          <p:cNvSpPr>
-            <a:spLocks noGrp="1"/>
-          </p:cNvSpPr>
-          <p:nvPr>
-            <p:ph type="sldNum" sz="quarter" idx="10"/>
-          </p:nvPr>
-        </p:nvSpPr>
-        <p:spPr/>
-        <p:txBody>
-          <a:bodyPr/>
-          <a:lstStyle/>
-          <a:p>
-            <a:pPr>
-              <a:defRPr/>
-            </a:pPr>
-            <a:fld id="{58452FF4-89E3-4D1B-9927-2DBDC00E58D7}" type="slidenum">
-              <a:rPr lang="en-US" smtClean="0"/>
-              <a:pPr>
-                <a:defRPr/>
-              </a:pPr>
-              <a:t>2</a:t>
-            </a:fld>
-            <a:endParaRPr lang="en-US" dirty="0"/>
-          </a:p>
-        </p:txBody>
-      </p:sp>
-      <p:pic>
-        <p:nvPicPr>
-          <p:cNvPr id="5122" name="Picture 2" descr="C:\PROJECTS\QA-Academy\LOCAL_FILES\Oleg_IMAGES_Archive\FREQUENTLY USED\CONTENT Slide\Transparent.gif"/>
-          <p:cNvPicPr>
-            <a:picLocks noChangeAspect="1" noChangeArrowheads="1"/>
-          </p:cNvPicPr>
-          <p:nvPr/>
-        </p:nvPicPr>
-        <p:blipFill>
-          <a:blip r:embed="rId2" cstate="screen">
-            <a:extLst>
-              <a:ext uri="{28A0092B-C50C-407E-A947-70E740481C1C}">
-                <a14:useLocalDpi xmlns:a14="http://schemas.microsoft.com/office/drawing/2010/main"/>
-              </a:ext>
-            </a:extLst>
-          </a:blip>
-          <a:srcRect/>
-          <a:stretch>
-            <a:fillRect/>
-          </a:stretch>
-        </p:blipFill>
-        <p:spPr bwMode="auto">
-          <a:xfrm>
-            <a:off x="6477000" y="2209800"/>
-            <a:ext cx="1913864" cy="3276600"/>
-          </a:xfrm>
-          <a:prstGeom prst="rect">
-            <a:avLst/>
-          </a:prstGeom>
-          <a:noFill/>
-          <a:effectLst>
-            <a:glow rad="63500">
-              <a:schemeClr val="accent5">
-                <a:satMod val="175000"/>
-                <a:alpha val="40000"/>
-              </a:schemeClr>
-            </a:glow>
-            <a:softEdge rad="31750"/>
-          </a:effectLst>
-          <a:extLst>
-            <a:ext uri="{909E8E84-426E-40DD-AFC4-6F175D3DCCD1}">
-              <a14:hiddenFill xmlns:a14="http://schemas.microsoft.com/office/drawing/2010/main">
-                <a:solidFill>
-                  <a:srgbClr val="FFFFFF"/>
-                </a:solidFill>
-              </a14:hiddenFill>
-            </a:ext>
-          </a:extLst>
-        </p:spPr>
-      </p:pic>
-    </p:spTree>
-    <p:extLst>
-      <p:ext uri="{BB962C8B-B14F-4D97-AF65-F5344CB8AC3E}">
-        <p14:creationId xmlns:p14="http://schemas.microsoft.com/office/powerpoint/2010/main" val="2173408619"/>
-      </p:ext>
-    </p:extLst>
-  </p:cSld>
-  <p:clrMapOvr>
-    <a:masterClrMapping/>
-  </p:clrMapOvr>
-  <p:timing>
-    <p:tnLst>
-      <p:par>
-        <p:cTn id="1" dur="indefinite" restart="never" nodeType="tmRoot"/>
-      </p:par>
-    </p:tnLst>
-  </p:timing>
-</p:sld>
-</file>
-
-<file path=ppt/slides/slide20.xml><?xml version="1.0" encoding="utf-8"?>
+<file path=ppt/slides/slide19.xml><?xml version="1.0" encoding="utf-8"?>
 <p:sld xmlns:a="http://schemas.openxmlformats.org/drawingml/2006/main" xmlns:r="http://schemas.openxmlformats.org/officeDocument/2006/relationships" xmlns:p="http://schemas.openxmlformats.org/presentationml/2006/main">
   <p:cSld>
     <p:spTree>
@@ -16996,7 +16051,7 @@
               <a:pPr>
                 <a:defRPr/>
               </a:pPr>
-              <a:t>20</a:t>
+              <a:t>19</a:t>
             </a:fld>
             <a:endParaRPr lang="en-US" dirty="0"/>
           </a:p>
@@ -17442,7 +16497,198 @@
 </p:sld>
 </file>
 
-<file path=ppt/slides/slide21.xml><?xml version="1.0" encoding="utf-8"?>
+<file path=ppt/slides/slide2.xml><?xml version="1.0" encoding="utf-8"?>
+<p:sld xmlns:a="http://schemas.openxmlformats.org/drawingml/2006/main" xmlns:r="http://schemas.openxmlformats.org/officeDocument/2006/relationships" xmlns:p="http://schemas.openxmlformats.org/presentationml/2006/main">
+  <p:cSld>
+    <p:spTree>
+      <p:nvGrpSpPr>
+        <p:cNvPr id="1" name=""/>
+        <p:cNvGrpSpPr/>
+        <p:nvPr/>
+      </p:nvGrpSpPr>
+      <p:grpSpPr>
+        <a:xfrm>
+          <a:off x="0" y="0"/>
+          <a:ext cx="0" cy="0"/>
+          <a:chOff x="0" y="0"/>
+          <a:chExt cx="0" cy="0"/>
+        </a:xfrm>
+      </p:grpSpPr>
+      <p:sp>
+        <p:nvSpPr>
+          <p:cNvPr id="2" name="Title 1"/>
+          <p:cNvSpPr>
+            <a:spLocks noGrp="1"/>
+          </p:cNvSpPr>
+          <p:nvPr>
+            <p:ph type="title"/>
+          </p:nvPr>
+        </p:nvSpPr>
+        <p:spPr/>
+        <p:txBody>
+          <a:bodyPr/>
+          <a:lstStyle/>
+          <a:p>
+            <a:r>
+              <a:rPr lang="en-US" dirty="0"/>
+              <a:t>Table of Contents</a:t>
+            </a:r>
+          </a:p>
+        </p:txBody>
+      </p:sp>
+      <p:sp>
+        <p:nvSpPr>
+          <p:cNvPr id="3" name="Content Placeholder 2"/>
+          <p:cNvSpPr>
+            <a:spLocks noGrp="1"/>
+          </p:cNvSpPr>
+          <p:nvPr>
+            <p:ph idx="1"/>
+          </p:nvPr>
+        </p:nvSpPr>
+        <p:spPr>
+          <a:xfrm>
+            <a:off x="457200" y="1905000"/>
+            <a:ext cx="8686800" cy="5638800"/>
+          </a:xfrm>
+        </p:spPr>
+        <p:txBody>
+          <a:bodyPr/>
+          <a:lstStyle/>
+          <a:p>
+            <a:r>
+              <a:rPr lang="en-US" dirty="0"/>
+              <a:t>What Is Software Quality</a:t>
+            </a:r>
+            <a:r>
+              <a:rPr lang="en-US" dirty="0" smtClean="0"/>
+              <a:t>?</a:t>
+            </a:r>
+          </a:p>
+          <a:p>
+            <a:r>
+              <a:rPr lang="en-US" dirty="0"/>
+              <a:t>Causes of Software Defects</a:t>
+            </a:r>
+          </a:p>
+          <a:p>
+            <a:r>
+              <a:rPr lang="en-US" dirty="0"/>
+              <a:t>What is Quality Assurance</a:t>
+            </a:r>
+            <a:r>
+              <a:rPr lang="en-US" dirty="0" smtClean="0"/>
+              <a:t>?</a:t>
+            </a:r>
+          </a:p>
+          <a:p>
+            <a:r>
+              <a:rPr lang="en-US" dirty="0"/>
+              <a:t>Improving the Software Quality</a:t>
+            </a:r>
+          </a:p>
+        </p:txBody>
+      </p:sp>
+      <p:sp>
+        <p:nvSpPr>
+          <p:cNvPr id="4" name="Slide Number Placeholder 3"/>
+          <p:cNvSpPr>
+            <a:spLocks noGrp="1"/>
+          </p:cNvSpPr>
+          <p:nvPr>
+            <p:ph type="sldNum" sz="quarter" idx="10"/>
+          </p:nvPr>
+        </p:nvSpPr>
+        <p:spPr/>
+        <p:txBody>
+          <a:bodyPr/>
+          <a:lstStyle/>
+          <a:p>
+            <a:pPr>
+              <a:defRPr/>
+            </a:pPr>
+            <a:fld id="{58452FF4-89E3-4D1B-9927-2DBDC00E58D7}" type="slidenum">
+              <a:rPr lang="en-US" smtClean="0"/>
+              <a:pPr>
+                <a:defRPr/>
+              </a:pPr>
+              <a:t>2</a:t>
+            </a:fld>
+            <a:endParaRPr lang="en-US" dirty="0"/>
+          </a:p>
+        </p:txBody>
+      </p:sp>
+      <p:pic>
+        <p:nvPicPr>
+          <p:cNvPr id="5122" name="Picture 2" descr="C:\PROJECTS\QA-Academy\LOCAL_FILES\Oleg_IMAGES_Archive\FREQUENTLY USED\CONTENT Slide\Transparent.gif"/>
+          <p:cNvPicPr>
+            <a:picLocks noChangeAspect="1" noChangeArrowheads="1"/>
+          </p:cNvPicPr>
+          <p:nvPr/>
+        </p:nvPicPr>
+        <p:blipFill>
+          <a:blip r:embed="rId2" cstate="screen">
+            <a:extLst>
+              <a:ext uri="{28A0092B-C50C-407E-A947-70E740481C1C}">
+                <a14:useLocalDpi xmlns:a14="http://schemas.microsoft.com/office/drawing/2010/main"/>
+              </a:ext>
+            </a:extLst>
+          </a:blip>
+          <a:srcRect/>
+          <a:stretch>
+            <a:fillRect/>
+          </a:stretch>
+        </p:blipFill>
+        <p:spPr bwMode="auto">
+          <a:xfrm>
+            <a:off x="6629400" y="2971800"/>
+            <a:ext cx="1913864" cy="3276600"/>
+          </a:xfrm>
+          <a:prstGeom prst="rect">
+            <a:avLst/>
+          </a:prstGeom>
+          <a:noFill/>
+          <a:effectLst>
+            <a:glow rad="63500">
+              <a:schemeClr val="accent5">
+                <a:satMod val="175000"/>
+                <a:alpha val="40000"/>
+              </a:schemeClr>
+            </a:glow>
+            <a:softEdge rad="31750"/>
+          </a:effectLst>
+          <a:extLst>
+            <a:ext uri="{909E8E84-426E-40DD-AFC4-6F175D3DCCD1}">
+              <a14:hiddenFill xmlns:a14="http://schemas.microsoft.com/office/drawing/2010/main">
+                <a:solidFill>
+                  <a:srgbClr val="FFFFFF"/>
+                </a:solidFill>
+              </a14:hiddenFill>
+            </a:ext>
+          </a:extLst>
+        </p:spPr>
+      </p:pic>
+    </p:spTree>
+    <p:extLst>
+      <p:ext uri="{BB962C8B-B14F-4D97-AF65-F5344CB8AC3E}">
+        <p14:creationId xmlns:p14="http://schemas.microsoft.com/office/powerpoint/2010/main" val="2173408619"/>
+      </p:ext>
+    </p:extLst>
+  </p:cSld>
+  <p:clrMapOvr>
+    <a:masterClrMapping/>
+  </p:clrMapOvr>
+  <p:timing>
+    <p:tnLst>
+      <p:par>
+        <p:cTn id="1" dur="indefinite" restart="never" nodeType="tmRoot"/>
+      </p:par>
+    </p:tnLst>
+  </p:timing>
+</p:sld>
+</file>
+
+<file path=ppt/slides/slide20.xml><?xml version="1.0" encoding="utf-8"?>
 <p:sld xmlns:a="http://schemas.openxmlformats.org/drawingml/2006/main" xmlns:r="http://schemas.openxmlformats.org/officeDocument/2006/relationships" xmlns:p="http://schemas.openxmlformats.org/presentationml/2006/main">
   <p:cSld>
     <p:spTree>
@@ -17574,7 +16820,7 @@
 </p:sld>
 </file>
 
-<file path=ppt/slides/slide22.xml><?xml version="1.0" encoding="utf-8"?>
+<file path=ppt/slides/slide21.xml><?xml version="1.0" encoding="utf-8"?>
 <p:sld xmlns:a="http://schemas.openxmlformats.org/drawingml/2006/main" xmlns:r="http://schemas.openxmlformats.org/officeDocument/2006/relationships" xmlns:p="http://schemas.openxmlformats.org/presentationml/2006/main">
   <p:cSld>
     <p:spTree>
@@ -17825,7 +17071,7 @@
               <a:pPr>
                 <a:defRPr/>
               </a:pPr>
-              <a:t>22</a:t>
+              <a:t>21</a:t>
             </a:fld>
             <a:endParaRPr lang="en-US" dirty="0"/>
           </a:p>
@@ -17961,4621 +17207,7 @@
 </p:sld>
 </file>
 
-<file path=ppt/slides/slide23.xml><?xml version="1.0" encoding="utf-8"?>
-<p:sld xmlns:a="http://schemas.openxmlformats.org/drawingml/2006/main" xmlns:r="http://schemas.openxmlformats.org/officeDocument/2006/relationships" xmlns:p="http://schemas.openxmlformats.org/presentationml/2006/main" show="0">
-  <p:cSld>
-    <p:spTree>
-      <p:nvGrpSpPr>
-        <p:cNvPr id="1" name=""/>
-        <p:cNvGrpSpPr/>
-        <p:nvPr/>
-      </p:nvGrpSpPr>
-      <p:grpSpPr>
-        <a:xfrm>
-          <a:off x="0" y="0"/>
-          <a:ext cx="0" cy="0"/>
-          <a:chOff x="0" y="0"/>
-          <a:chExt cx="0" cy="0"/>
-        </a:xfrm>
-      </p:grpSpPr>
-      <p:sp>
-        <p:nvSpPr>
-          <p:cNvPr id="2" name="Title 1"/>
-          <p:cNvSpPr>
-            <a:spLocks noGrp="1"/>
-          </p:cNvSpPr>
-          <p:nvPr>
-            <p:ph type="title"/>
-          </p:nvPr>
-        </p:nvSpPr>
-        <p:spPr/>
-        <p:txBody>
-          <a:bodyPr/>
-          <a:lstStyle/>
-          <a:p>
-            <a:r>
-              <a:rPr lang="en-US" dirty="0" smtClean="0"/>
-              <a:t>Improve Development </a:t>
-            </a:r>
-            <a:r>
-              <a:rPr lang="en-US" dirty="0"/>
-              <a:t>Process</a:t>
-            </a:r>
-            <a:endParaRPr lang="bg-BG" dirty="0"/>
-          </a:p>
-        </p:txBody>
-      </p:sp>
-      <p:sp>
-        <p:nvSpPr>
-          <p:cNvPr id="3" name="Content Placeholder 2"/>
-          <p:cNvSpPr>
-            <a:spLocks noGrp="1"/>
-          </p:cNvSpPr>
-          <p:nvPr>
-            <p:ph idx="1"/>
-          </p:nvPr>
-        </p:nvSpPr>
-        <p:spPr>
-          <a:xfrm>
-            <a:off x="228600" y="1676400"/>
-            <a:ext cx="8686800" cy="5029200"/>
-          </a:xfrm>
-        </p:spPr>
-        <p:txBody>
-          <a:bodyPr/>
-          <a:lstStyle/>
-          <a:p>
-            <a:pPr>
-              <a:lnSpc>
-                <a:spcPct val="100000"/>
-              </a:lnSpc>
-            </a:pPr>
-            <a:r>
-              <a:rPr lang="en-US" dirty="0"/>
-              <a:t>Change-control </a:t>
-            </a:r>
-            <a:r>
-              <a:rPr lang="en-US" dirty="0" smtClean="0"/>
-              <a:t>procedures</a:t>
-            </a:r>
-          </a:p>
-          <a:p>
-            <a:pPr>
-              <a:lnSpc>
-                <a:spcPct val="100000"/>
-              </a:lnSpc>
-            </a:pPr>
-            <a:r>
-              <a:rPr lang="en-US" dirty="0"/>
-              <a:t>Measurement of </a:t>
-            </a:r>
-            <a:r>
-              <a:rPr lang="en-US" dirty="0" smtClean="0"/>
-              <a:t>results</a:t>
-            </a:r>
-          </a:p>
-          <a:p>
-            <a:pPr>
-              <a:lnSpc>
-                <a:spcPct val="100000"/>
-              </a:lnSpc>
-            </a:pPr>
-            <a:r>
-              <a:rPr lang="en-US" dirty="0"/>
-              <a:t>Prototyping </a:t>
-            </a:r>
-            <a:endParaRPr lang="bg-BG" dirty="0"/>
-          </a:p>
-        </p:txBody>
-      </p:sp>
-      <p:sp>
-        <p:nvSpPr>
-          <p:cNvPr id="4" name="Slide Number Placeholder 3"/>
-          <p:cNvSpPr>
-            <a:spLocks noGrp="1"/>
-          </p:cNvSpPr>
-          <p:nvPr>
-            <p:ph type="sldNum" sz="quarter" idx="10"/>
-          </p:nvPr>
-        </p:nvSpPr>
-        <p:spPr/>
-        <p:txBody>
-          <a:bodyPr/>
-          <a:lstStyle/>
-          <a:p>
-            <a:pPr>
-              <a:defRPr/>
-            </a:pPr>
-            <a:fld id="{58452FF4-89E3-4D1B-9927-2DBDC00E58D7}" type="slidenum">
-              <a:rPr lang="en-US" smtClean="0"/>
-              <a:pPr>
-                <a:defRPr/>
-              </a:pPr>
-              <a:t>23</a:t>
-            </a:fld>
-            <a:endParaRPr lang="en-US" dirty="0"/>
-          </a:p>
-        </p:txBody>
-      </p:sp>
-      <p:pic>
-        <p:nvPicPr>
-          <p:cNvPr id="5" name="Picture 4" descr="j0433845"/>
-          <p:cNvPicPr>
-            <a:picLocks noChangeAspect="1" noChangeArrowheads="1"/>
-          </p:cNvPicPr>
-          <p:nvPr/>
-        </p:nvPicPr>
-        <p:blipFill>
-          <a:blip r:embed="rId2">
-            <a:extLst>
-              <a:ext uri="{28A0092B-C50C-407E-A947-70E740481C1C}">
-                <a14:useLocalDpi xmlns:a14="http://schemas.microsoft.com/office/drawing/2010/main"/>
-              </a:ext>
-            </a:extLst>
-          </a:blip>
-          <a:srcRect/>
-          <a:stretch>
-            <a:fillRect/>
-          </a:stretch>
-        </p:blipFill>
-        <p:spPr>
-          <a:xfrm>
-            <a:off x="6300788" y="2528888"/>
-            <a:ext cx="1828800" cy="1828800"/>
-          </a:xfrm>
-          <a:prstGeom prst="rect">
-            <a:avLst/>
-          </a:prstGeom>
-          <a:noFill/>
-          <a:ln/>
-          <a:extLst>
-            <a:ext uri="{909E8E84-426E-40DD-AFC4-6F175D3DCCD1}">
-              <a14:hiddenFill xmlns:a14="http://schemas.microsoft.com/office/drawing/2010/main">
-                <a:solidFill>
-                  <a:srgbClr val="FFFFFF"/>
-                </a:solidFill>
-              </a14:hiddenFill>
-            </a:ext>
-            <a:ext uri="{91240B29-F687-4F45-9708-019B960494DF}">
-              <a14:hiddenLine xmlns:a14="http://schemas.microsoft.com/office/drawing/2010/main" w="9525">
-                <a:solidFill>
-                  <a:srgbClr val="000000"/>
-                </a:solidFill>
-                <a:miter lim="800000"/>
-                <a:headEnd/>
-                <a:tailEnd/>
-              </a14:hiddenLine>
-            </a:ext>
-            <a:ext uri="{AF507438-7753-43E0-B8FC-AC1667EBCBE1}">
-              <a14:hiddenEffects xmlns:a14="http://schemas.microsoft.com/office/drawing/2010/main">
-                <a:effectLst>
-                  <a:outerShdw dist="35921" dir="2700000" algn="ctr" rotWithShape="0">
-                    <a:srgbClr val="808080"/>
-                  </a:outerShdw>
-                </a:effectLst>
-              </a14:hiddenEffects>
-            </a:ext>
-          </a:extLst>
-        </p:spPr>
-      </p:pic>
-    </p:spTree>
-    <p:extLst>
-      <p:ext uri="{BB962C8B-B14F-4D97-AF65-F5344CB8AC3E}">
-        <p14:creationId xmlns:p14="http://schemas.microsoft.com/office/powerpoint/2010/main" val="96596068"/>
-      </p:ext>
-    </p:extLst>
-  </p:cSld>
-  <p:clrMapOvr>
-    <a:masterClrMapping/>
-  </p:clrMapOvr>
-  <mc:AlternateContent xmlns:mc="http://schemas.openxmlformats.org/markup-compatibility/2006">
-    <mc:Choice xmlns:p14="http://schemas.microsoft.com/office/powerpoint/2010/main" Requires="p14">
-      <p:transition spd="slow" p14:dur="2000"/>
-    </mc:Choice>
-    <mc:Fallback>
-      <p:transition spd="slow"/>
-    </mc:Fallback>
-  </mc:AlternateContent>
-  <p:timing>
-    <p:tnLst>
-      <p:par>
-        <p:cTn id="1" dur="indefinite" restart="never" nodeType="tmRoot">
-          <p:childTnLst>
-            <p:seq concurrent="1" nextAc="seek">
-              <p:cTn id="2" dur="indefinite" nodeType="mainSeq">
-                <p:childTnLst>
-                  <p:par>
-                    <p:cTn id="3" fill="hold">
-                      <p:stCondLst>
-                        <p:cond delay="indefinite"/>
-                        <p:cond evt="onBegin" delay="0">
-                          <p:tn val="2"/>
-                        </p:cond>
-                      </p:stCondLst>
-                      <p:childTnLst>
-                        <p:par>
-                          <p:cTn id="4" fill="hold">
-                            <p:stCondLst>
-                              <p:cond delay="0"/>
-                            </p:stCondLst>
-                            <p:childTnLst>
-                              <p:par>
-                                <p:cTn id="5" presetID="55" presetClass="entr" presetSubtype="0" fill="hold" nodeType="afterEffect">
-                                  <p:stCondLst>
-                                    <p:cond delay="1000"/>
-                                  </p:stCondLst>
-                                  <p:childTnLst>
-                                    <p:set>
-                                      <p:cBhvr>
-                                        <p:cTn id="6" dur="1" fill="hold">
-                                          <p:stCondLst>
-                                            <p:cond delay="0"/>
-                                          </p:stCondLst>
-                                        </p:cTn>
-                                        <p:tgtEl>
-                                          <p:spTgt spid="5"/>
-                                        </p:tgtEl>
-                                        <p:attrNameLst>
-                                          <p:attrName>style.visibility</p:attrName>
-                                        </p:attrNameLst>
-                                      </p:cBhvr>
-                                      <p:to>
-                                        <p:strVal val="visible"/>
-                                      </p:to>
-                                    </p:set>
-                                    <p:anim calcmode="lin" valueType="num">
-                                      <p:cBhvr>
-                                        <p:cTn id="7" dur="2000" fill="hold"/>
-                                        <p:tgtEl>
-                                          <p:spTgt spid="5"/>
-                                        </p:tgtEl>
-                                        <p:attrNameLst>
-                                          <p:attrName>ppt_w</p:attrName>
-                                        </p:attrNameLst>
-                                      </p:cBhvr>
-                                      <p:tavLst>
-                                        <p:tav tm="0">
-                                          <p:val>
-                                            <p:strVal val="#ppt_w*0.70"/>
-                                          </p:val>
-                                        </p:tav>
-                                        <p:tav tm="100000">
-                                          <p:val>
-                                            <p:strVal val="#ppt_w"/>
-                                          </p:val>
-                                        </p:tav>
-                                      </p:tavLst>
-                                    </p:anim>
-                                    <p:anim calcmode="lin" valueType="num">
-                                      <p:cBhvr>
-                                        <p:cTn id="8" dur="2000" fill="hold"/>
-                                        <p:tgtEl>
-                                          <p:spTgt spid="5"/>
-                                        </p:tgtEl>
-                                        <p:attrNameLst>
-                                          <p:attrName>ppt_h</p:attrName>
-                                        </p:attrNameLst>
-                                      </p:cBhvr>
-                                      <p:tavLst>
-                                        <p:tav tm="0">
-                                          <p:val>
-                                            <p:strVal val="#ppt_h"/>
-                                          </p:val>
-                                        </p:tav>
-                                        <p:tav tm="100000">
-                                          <p:val>
-                                            <p:strVal val="#ppt_h"/>
-                                          </p:val>
-                                        </p:tav>
-                                      </p:tavLst>
-                                    </p:anim>
-                                    <p:animEffect transition="in" filter="fade">
-                                      <p:cBhvr>
-                                        <p:cTn id="9" dur="2000"/>
-                                        <p:tgtEl>
-                                          <p:spTgt spid="5"/>
-                                        </p:tgtEl>
-                                      </p:cBhvr>
-                                    </p:animEffect>
-                                  </p:childTnLst>
-                                </p:cTn>
-                              </p:par>
-                            </p:childTnLst>
-                          </p:cTn>
-                        </p:par>
-                      </p:childTnLst>
-                    </p:cTn>
-                  </p:par>
-                </p:childTnLst>
-              </p:cTn>
-              <p:prevCondLst>
-                <p:cond evt="onPrev" delay="0">
-                  <p:tgtEl>
-                    <p:sldTgt/>
-                  </p:tgtEl>
-                </p:cond>
-              </p:prevCondLst>
-              <p:nextCondLst>
-                <p:cond evt="onNext" delay="0">
-                  <p:tgtEl>
-                    <p:sldTgt/>
-                  </p:tgtEl>
-                </p:cond>
-              </p:nextCondLst>
-            </p:seq>
-          </p:childTnLst>
-        </p:cTn>
-      </p:par>
-    </p:tnLst>
-  </p:timing>
-</p:sld>
-</file>
-
-<file path=ppt/slides/slide24.xml><?xml version="1.0" encoding="utf-8"?>
-<p:sld xmlns:a="http://schemas.openxmlformats.org/drawingml/2006/main" xmlns:r="http://schemas.openxmlformats.org/officeDocument/2006/relationships" xmlns:p="http://schemas.openxmlformats.org/presentationml/2006/main" show="0">
-  <p:cSld>
-    <p:spTree>
-      <p:nvGrpSpPr>
-        <p:cNvPr id="1" name=""/>
-        <p:cNvGrpSpPr/>
-        <p:nvPr/>
-      </p:nvGrpSpPr>
-      <p:grpSpPr>
-        <a:xfrm>
-          <a:off x="0" y="0"/>
-          <a:ext cx="0" cy="0"/>
-          <a:chOff x="0" y="0"/>
-          <a:chExt cx="0" cy="0"/>
-        </a:xfrm>
-      </p:grpSpPr>
-      <p:sp>
-        <p:nvSpPr>
-          <p:cNvPr id="2" name="Title 1"/>
-          <p:cNvSpPr>
-            <a:spLocks noGrp="1"/>
-          </p:cNvSpPr>
-          <p:nvPr>
-            <p:ph type="title"/>
-          </p:nvPr>
-        </p:nvSpPr>
-        <p:spPr/>
-        <p:txBody>
-          <a:bodyPr/>
-          <a:lstStyle/>
-          <a:p>
-            <a:r>
-              <a:rPr lang="en-US" dirty="0"/>
-              <a:t>Setting Objectives</a:t>
-            </a:r>
-          </a:p>
-        </p:txBody>
-      </p:sp>
-      <p:sp>
-        <p:nvSpPr>
-          <p:cNvPr id="4" name="Slide Number Placeholder 3"/>
-          <p:cNvSpPr>
-            <a:spLocks noGrp="1"/>
-          </p:cNvSpPr>
-          <p:nvPr>
-            <p:ph type="sldNum" sz="quarter" idx="10"/>
-          </p:nvPr>
-        </p:nvSpPr>
-        <p:spPr/>
-        <p:txBody>
-          <a:bodyPr/>
-          <a:lstStyle/>
-          <a:p>
-            <a:pPr>
-              <a:defRPr/>
-            </a:pPr>
-            <a:fld id="{58452FF4-89E3-4D1B-9927-2DBDC00E58D7}" type="slidenum">
-              <a:rPr lang="en-US" smtClean="0"/>
-              <a:pPr>
-                <a:defRPr/>
-              </a:pPr>
-              <a:t>24</a:t>
-            </a:fld>
-            <a:endParaRPr lang="en-US" dirty="0"/>
-          </a:p>
-        </p:txBody>
-      </p:sp>
-      <p:graphicFrame>
-        <p:nvGraphicFramePr>
-          <p:cNvPr id="5" name="Group 134"/>
-          <p:cNvGraphicFramePr>
-            <a:graphicFrameLocks noGrp="1"/>
-          </p:cNvGraphicFramePr>
-          <p:nvPr>
-            <p:ph idx="1"/>
-            <p:extLst>
-              <p:ext uri="{D42A27DB-BD31-4B8C-83A1-F6EECF244321}">
-                <p14:modId xmlns:p14="http://schemas.microsoft.com/office/powerpoint/2010/main" val="503660242"/>
-              </p:ext>
-            </p:extLst>
-          </p:nvPr>
-        </p:nvGraphicFramePr>
-        <p:xfrm>
-          <a:off x="304800" y="914400"/>
-          <a:ext cx="8534400" cy="3454464"/>
-        </p:xfrm>
-        <a:graphic>
-          <a:graphicData uri="http://schemas.openxmlformats.org/drawingml/2006/table">
-            <a:tbl>
-              <a:tblPr/>
-              <a:tblGrid>
-                <a:gridCol w="2209800"/>
-                <a:gridCol w="1295400"/>
-                <a:gridCol w="1143000"/>
-                <a:gridCol w="1219200"/>
-                <a:gridCol w="990600"/>
-                <a:gridCol w="1676400"/>
-              </a:tblGrid>
-              <a:tr h="643128">
-                <a:tc>
-                  <a:txBody>
-                    <a:bodyPr/>
-                    <a:lstStyle/>
-                    <a:p>
-                      <a:pPr marL="0" marR="0" lvl="0" indent="63500" algn="ctr" defTabSz="914400" rtl="0" eaLnBrk="0" fontAlgn="base" latinLnBrk="0" hangingPunct="0">
-                        <a:lnSpc>
-                          <a:spcPct val="95000"/>
-                        </a:lnSpc>
-                        <a:spcBef>
-                          <a:spcPct val="40000"/>
-                        </a:spcBef>
-                        <a:spcAft>
-                          <a:spcPct val="0"/>
-                        </a:spcAft>
-                        <a:buClr>
-                          <a:schemeClr val="tx1"/>
-                        </a:buClr>
-                        <a:buSzTx/>
-                        <a:buFontTx/>
-                        <a:buNone/>
-                        <a:tabLst/>
-                        <a:defRPr/>
-                      </a:pPr>
-                      <a:r>
-                        <a:rPr lang="en-US" sz="1900" b="1" kern="1200" dirty="0" smtClean="0">
-                          <a:solidFill>
-                            <a:srgbClr val="EBFFD2"/>
-                          </a:solidFill>
-                          <a:effectLst>
-                            <a:outerShdw blurRad="38100" dist="38100" dir="2700000" algn="tl">
-                              <a:srgbClr val="000000">
-                                <a:alpha val="43137"/>
-                              </a:srgbClr>
-                            </a:outerShdw>
-                          </a:effectLst>
-                          <a:latin typeface="+mn-lt"/>
-                          <a:ea typeface="+mn-ea"/>
-                          <a:cs typeface="+mn-cs"/>
-                        </a:rPr>
-                        <a:t>Objectives Team Was Told to Optimize</a:t>
-                      </a:r>
-                    </a:p>
-                  </a:txBody>
-                  <a:tcPr marL="0" marR="0" marT="0" marB="0">
-                    <a:lnL w="28575" cap="flat" cmpd="sng" algn="ctr">
-                      <a:solidFill>
-                        <a:schemeClr val="accent5">
-                          <a:lumMod val="20000"/>
-                          <a:lumOff val="80000"/>
-                        </a:schemeClr>
-                      </a:solidFill>
-                      <a:prstDash val="solid"/>
-                      <a:round/>
-                      <a:headEnd type="none" w="med" len="med"/>
-                      <a:tailEnd type="none" w="med" len="med"/>
-                    </a:lnL>
-                    <a:lnR w="12700" cap="flat" cmpd="sng" algn="ctr">
-                      <a:solidFill>
-                        <a:schemeClr val="accent5">
-                          <a:lumMod val="20000"/>
-                          <a:lumOff val="80000"/>
-                        </a:schemeClr>
-                      </a:solidFill>
-                      <a:prstDash val="solid"/>
-                      <a:round/>
-                      <a:headEnd type="none" w="med" len="med"/>
-                      <a:tailEnd type="none" w="med" len="med"/>
-                    </a:lnR>
-                    <a:lnT w="28575" cap="flat" cmpd="sng" algn="ctr">
-                      <a:solidFill>
-                        <a:schemeClr val="accent5">
-                          <a:lumMod val="20000"/>
-                          <a:lumOff val="80000"/>
-                        </a:schemeClr>
-                      </a:solidFill>
-                      <a:prstDash val="solid"/>
-                      <a:round/>
-                      <a:headEnd type="none" w="med" len="med"/>
-                      <a:tailEnd type="none" w="med" len="med"/>
-                    </a:lnT>
-                    <a:lnB w="28575" cap="flat" cmpd="sng" algn="ctr">
-                      <a:solidFill>
-                        <a:schemeClr val="accent5">
-                          <a:lumMod val="20000"/>
-                          <a:lumOff val="80000"/>
-                        </a:schemeClr>
-                      </a:solidFill>
-                      <a:prstDash val="solid"/>
-                      <a:round/>
-                      <a:headEnd type="none" w="med" len="med"/>
-                      <a:tailEnd type="none" w="med" len="med"/>
-                    </a:lnB>
-                    <a:lnTlToBr>
-                      <a:noFill/>
-                    </a:lnTlToBr>
-                    <a:lnBlToTr>
-                      <a:noFill/>
-                    </a:lnBlToTr>
-                    <a:solidFill>
-                      <a:schemeClr val="accent5">
-                        <a:lumMod val="60000"/>
-                        <a:lumOff val="40000"/>
-                        <a:alpha val="50000"/>
-                      </a:schemeClr>
-                    </a:solidFill>
-                  </a:tcPr>
-                </a:tc>
-                <a:tc>
-                  <a:txBody>
-                    <a:bodyPr/>
-                    <a:lstStyle/>
-                    <a:p>
-                      <a:pPr marL="0" marR="0" lvl="0" indent="0" algn="ctr" defTabSz="914400" rtl="0" eaLnBrk="0" fontAlgn="base" latinLnBrk="0" hangingPunct="0">
-                        <a:lnSpc>
-                          <a:spcPct val="95000"/>
-                        </a:lnSpc>
-                        <a:spcBef>
-                          <a:spcPct val="40000"/>
-                        </a:spcBef>
-                        <a:spcAft>
-                          <a:spcPct val="0"/>
-                        </a:spcAft>
-                        <a:buClr>
-                          <a:schemeClr val="tx1"/>
-                        </a:buClr>
-                        <a:buSzTx/>
-                        <a:buFontTx/>
-                        <a:buNone/>
-                        <a:tabLst/>
-                      </a:pPr>
-                      <a:r>
-                        <a:rPr lang="en-US" sz="1900" b="1" kern="1200" dirty="0" smtClean="0">
-                          <a:solidFill>
-                            <a:srgbClr val="EBFFD2"/>
-                          </a:solidFill>
-                          <a:effectLst>
-                            <a:outerShdw blurRad="38100" dist="38100" dir="2700000" algn="tl">
-                              <a:srgbClr val="000000">
-                                <a:alpha val="43137"/>
-                              </a:srgbClr>
-                            </a:outerShdw>
-                          </a:effectLst>
-                          <a:latin typeface="+mn-lt"/>
-                          <a:ea typeface="+mn-ea"/>
-                          <a:cs typeface="+mn-cs"/>
-                        </a:rPr>
-                        <a:t>Minimum memory use</a:t>
-                      </a:r>
-                    </a:p>
-                  </a:txBody>
-                  <a:tcPr anchor="ctr" horzOverflow="overflow">
-                    <a:lnL w="12700" cap="flat" cmpd="sng" algn="ctr">
-                      <a:solidFill>
-                        <a:schemeClr val="accent5">
-                          <a:lumMod val="20000"/>
-                          <a:lumOff val="80000"/>
-                        </a:schemeClr>
-                      </a:solidFill>
-                      <a:prstDash val="solid"/>
-                      <a:round/>
-                      <a:headEnd type="none" w="med" len="med"/>
-                      <a:tailEnd type="none" w="med" len="med"/>
-                    </a:lnL>
-                    <a:lnR w="12700" cap="flat" cmpd="sng" algn="ctr">
-                      <a:solidFill>
-                        <a:schemeClr val="accent5">
-                          <a:lumMod val="20000"/>
-                          <a:lumOff val="80000"/>
-                        </a:schemeClr>
-                      </a:solidFill>
-                      <a:prstDash val="solid"/>
-                      <a:round/>
-                      <a:headEnd type="none" w="med" len="med"/>
-                      <a:tailEnd type="none" w="med" len="med"/>
-                    </a:lnR>
-                    <a:lnT w="28575" cap="flat" cmpd="sng" algn="ctr">
-                      <a:solidFill>
-                        <a:schemeClr val="accent5">
-                          <a:lumMod val="20000"/>
-                          <a:lumOff val="80000"/>
-                        </a:schemeClr>
-                      </a:solidFill>
-                      <a:prstDash val="solid"/>
-                      <a:round/>
-                      <a:headEnd type="none" w="med" len="med"/>
-                      <a:tailEnd type="none" w="med" len="med"/>
-                    </a:lnT>
-                    <a:lnB w="28575" cap="flat" cmpd="sng" algn="ctr">
-                      <a:solidFill>
-                        <a:schemeClr val="accent5">
-                          <a:lumMod val="20000"/>
-                          <a:lumOff val="80000"/>
-                        </a:schemeClr>
-                      </a:solidFill>
-                      <a:prstDash val="solid"/>
-                      <a:round/>
-                      <a:headEnd type="none" w="med" len="med"/>
-                      <a:tailEnd type="none" w="med" len="med"/>
-                    </a:lnB>
-                    <a:lnTlToBr>
-                      <a:noFill/>
-                    </a:lnTlToBr>
-                    <a:lnBlToTr>
-                      <a:noFill/>
-                    </a:lnBlToTr>
-                    <a:solidFill>
-                      <a:schemeClr val="accent5">
-                        <a:lumMod val="60000"/>
-                        <a:lumOff val="40000"/>
-                        <a:alpha val="50000"/>
-                      </a:schemeClr>
-                    </a:solidFill>
-                  </a:tcPr>
-                </a:tc>
-                <a:tc>
-                  <a:txBody>
-                    <a:bodyPr/>
-                    <a:lstStyle/>
-                    <a:p>
-                      <a:pPr marL="0" marR="0" lvl="0" indent="0" algn="ctr" defTabSz="914400" rtl="0" eaLnBrk="0" fontAlgn="base" latinLnBrk="0" hangingPunct="0">
-                        <a:lnSpc>
-                          <a:spcPct val="95000"/>
-                        </a:lnSpc>
-                        <a:spcBef>
-                          <a:spcPct val="40000"/>
-                        </a:spcBef>
-                        <a:spcAft>
-                          <a:spcPct val="0"/>
-                        </a:spcAft>
-                        <a:buClr>
-                          <a:schemeClr val="tx1"/>
-                        </a:buClr>
-                        <a:buSzTx/>
-                        <a:buFontTx/>
-                        <a:buNone/>
-                        <a:tabLst/>
-                      </a:pPr>
-                      <a:r>
-                        <a:rPr lang="en-US" sz="1900" b="1" kern="1200" dirty="0" smtClean="0">
-                          <a:solidFill>
-                            <a:srgbClr val="EBFFD2"/>
-                          </a:solidFill>
-                          <a:effectLst>
-                            <a:outerShdw blurRad="38100" dist="38100" dir="2700000" algn="tl">
-                              <a:srgbClr val="000000">
-                                <a:alpha val="43137"/>
-                              </a:srgbClr>
-                            </a:outerShdw>
-                          </a:effectLst>
-                          <a:latin typeface="+mn-lt"/>
-                          <a:ea typeface="+mn-ea"/>
-                          <a:cs typeface="+mn-cs"/>
-                        </a:rPr>
-                        <a:t>Most readable output</a:t>
-                      </a:r>
-                    </a:p>
-                  </a:txBody>
-                  <a:tcPr anchor="ctr" horzOverflow="overflow">
-                    <a:lnL w="12700" cap="flat" cmpd="sng" algn="ctr">
-                      <a:solidFill>
-                        <a:schemeClr val="accent5">
-                          <a:lumMod val="20000"/>
-                          <a:lumOff val="80000"/>
-                        </a:schemeClr>
-                      </a:solidFill>
-                      <a:prstDash val="solid"/>
-                      <a:round/>
-                      <a:headEnd type="none" w="med" len="med"/>
-                      <a:tailEnd type="none" w="med" len="med"/>
-                    </a:lnL>
-                    <a:lnR w="12700" cap="flat" cmpd="sng" algn="ctr">
-                      <a:solidFill>
-                        <a:schemeClr val="accent5">
-                          <a:lumMod val="20000"/>
-                          <a:lumOff val="80000"/>
-                        </a:schemeClr>
-                      </a:solidFill>
-                      <a:prstDash val="solid"/>
-                      <a:round/>
-                      <a:headEnd type="none" w="med" len="med"/>
-                      <a:tailEnd type="none" w="med" len="med"/>
-                    </a:lnR>
-                    <a:lnT w="28575" cap="flat" cmpd="sng" algn="ctr">
-                      <a:solidFill>
-                        <a:schemeClr val="accent5">
-                          <a:lumMod val="20000"/>
-                          <a:lumOff val="80000"/>
-                        </a:schemeClr>
-                      </a:solidFill>
-                      <a:prstDash val="solid"/>
-                      <a:round/>
-                      <a:headEnd type="none" w="med" len="med"/>
-                      <a:tailEnd type="none" w="med" len="med"/>
-                    </a:lnT>
-                    <a:lnB w="28575" cap="flat" cmpd="sng" algn="ctr">
-                      <a:solidFill>
-                        <a:schemeClr val="accent5">
-                          <a:lumMod val="20000"/>
-                          <a:lumOff val="80000"/>
-                        </a:schemeClr>
-                      </a:solidFill>
-                      <a:prstDash val="solid"/>
-                      <a:round/>
-                      <a:headEnd type="none" w="med" len="med"/>
-                      <a:tailEnd type="none" w="med" len="med"/>
-                    </a:lnB>
-                    <a:lnTlToBr>
-                      <a:noFill/>
-                    </a:lnTlToBr>
-                    <a:lnBlToTr>
-                      <a:noFill/>
-                    </a:lnBlToTr>
-                    <a:solidFill>
-                      <a:schemeClr val="accent5">
-                        <a:lumMod val="60000"/>
-                        <a:lumOff val="40000"/>
-                        <a:alpha val="50000"/>
-                      </a:schemeClr>
-                    </a:solidFill>
-                  </a:tcPr>
-                </a:tc>
-                <a:tc>
-                  <a:txBody>
-                    <a:bodyPr/>
-                    <a:lstStyle/>
-                    <a:p>
-                      <a:pPr marL="0" marR="0" lvl="0" indent="0" algn="ctr" defTabSz="914400" rtl="0" eaLnBrk="0" fontAlgn="base" latinLnBrk="0" hangingPunct="0">
-                        <a:lnSpc>
-                          <a:spcPct val="95000"/>
-                        </a:lnSpc>
-                        <a:spcBef>
-                          <a:spcPct val="40000"/>
-                        </a:spcBef>
-                        <a:spcAft>
-                          <a:spcPct val="0"/>
-                        </a:spcAft>
-                        <a:buClr>
-                          <a:schemeClr val="tx1"/>
-                        </a:buClr>
-                        <a:buSzTx/>
-                        <a:buFontTx/>
-                        <a:buNone/>
-                        <a:tabLst/>
-                      </a:pPr>
-                      <a:r>
-                        <a:rPr lang="en-US" sz="1900" b="1" kern="1200" dirty="0" smtClean="0">
-                          <a:solidFill>
-                            <a:srgbClr val="EBFFD2"/>
-                          </a:solidFill>
-                          <a:effectLst>
-                            <a:outerShdw blurRad="38100" dist="38100" dir="2700000" algn="tl">
-                              <a:srgbClr val="000000">
-                                <a:alpha val="43137"/>
-                              </a:srgbClr>
-                            </a:outerShdw>
-                          </a:effectLst>
-                          <a:latin typeface="+mn-lt"/>
-                          <a:ea typeface="+mn-ea"/>
-                          <a:cs typeface="+mn-cs"/>
-                        </a:rPr>
-                        <a:t>Most readable code</a:t>
-                      </a:r>
-                    </a:p>
-                  </a:txBody>
-                  <a:tcPr anchor="ctr" horzOverflow="overflow">
-                    <a:lnL w="12700" cap="flat" cmpd="sng" algn="ctr">
-                      <a:solidFill>
-                        <a:schemeClr val="accent5">
-                          <a:lumMod val="20000"/>
-                          <a:lumOff val="80000"/>
-                        </a:schemeClr>
-                      </a:solidFill>
-                      <a:prstDash val="solid"/>
-                      <a:round/>
-                      <a:headEnd type="none" w="med" len="med"/>
-                      <a:tailEnd type="none" w="med" len="med"/>
-                    </a:lnL>
-                    <a:lnR w="12700" cap="flat" cmpd="sng" algn="ctr">
-                      <a:solidFill>
-                        <a:schemeClr val="accent5">
-                          <a:lumMod val="20000"/>
-                          <a:lumOff val="80000"/>
-                        </a:schemeClr>
-                      </a:solidFill>
-                      <a:prstDash val="solid"/>
-                      <a:round/>
-                      <a:headEnd type="none" w="med" len="med"/>
-                      <a:tailEnd type="none" w="med" len="med"/>
-                    </a:lnR>
-                    <a:lnT w="28575" cap="flat" cmpd="sng" algn="ctr">
-                      <a:solidFill>
-                        <a:schemeClr val="accent5">
-                          <a:lumMod val="20000"/>
-                          <a:lumOff val="80000"/>
-                        </a:schemeClr>
-                      </a:solidFill>
-                      <a:prstDash val="solid"/>
-                      <a:round/>
-                      <a:headEnd type="none" w="med" len="med"/>
-                      <a:tailEnd type="none" w="med" len="med"/>
-                    </a:lnT>
-                    <a:lnB w="28575" cap="flat" cmpd="sng" algn="ctr">
-                      <a:solidFill>
-                        <a:schemeClr val="accent5">
-                          <a:lumMod val="20000"/>
-                          <a:lumOff val="80000"/>
-                        </a:schemeClr>
-                      </a:solidFill>
-                      <a:prstDash val="solid"/>
-                      <a:round/>
-                      <a:headEnd type="none" w="med" len="med"/>
-                      <a:tailEnd type="none" w="med" len="med"/>
-                    </a:lnB>
-                    <a:lnTlToBr>
-                      <a:noFill/>
-                    </a:lnTlToBr>
-                    <a:lnBlToTr>
-                      <a:noFill/>
-                    </a:lnBlToTr>
-                    <a:solidFill>
-                      <a:schemeClr val="accent5">
-                        <a:lumMod val="60000"/>
-                        <a:lumOff val="40000"/>
-                        <a:alpha val="50000"/>
-                      </a:schemeClr>
-                    </a:solidFill>
-                  </a:tcPr>
-                </a:tc>
-                <a:tc>
-                  <a:txBody>
-                    <a:bodyPr/>
-                    <a:lstStyle/>
-                    <a:p>
-                      <a:pPr marL="0" marR="0" lvl="0" indent="0" algn="ctr" defTabSz="914400" rtl="0" eaLnBrk="0" fontAlgn="base" latinLnBrk="0" hangingPunct="0">
-                        <a:lnSpc>
-                          <a:spcPct val="95000"/>
-                        </a:lnSpc>
-                        <a:spcBef>
-                          <a:spcPct val="40000"/>
-                        </a:spcBef>
-                        <a:spcAft>
-                          <a:spcPct val="0"/>
-                        </a:spcAft>
-                        <a:buClr>
-                          <a:schemeClr val="tx1"/>
-                        </a:buClr>
-                        <a:buSzTx/>
-                        <a:buFontTx/>
-                        <a:buNone/>
-                        <a:tabLst/>
-                      </a:pPr>
-                      <a:r>
-                        <a:rPr lang="en-US" sz="1900" b="1" kern="1200" dirty="0" smtClean="0">
-                          <a:solidFill>
-                            <a:srgbClr val="EBFFD2"/>
-                          </a:solidFill>
-                          <a:effectLst>
-                            <a:outerShdw blurRad="38100" dist="38100" dir="2700000" algn="tl">
-                              <a:srgbClr val="000000">
-                                <a:alpha val="43137"/>
-                              </a:srgbClr>
-                            </a:outerShdw>
-                          </a:effectLst>
-                          <a:latin typeface="+mn-lt"/>
-                          <a:ea typeface="+mn-ea"/>
-                          <a:cs typeface="+mn-cs"/>
-                        </a:rPr>
-                        <a:t>Least code</a:t>
-                      </a:r>
-                    </a:p>
-                  </a:txBody>
-                  <a:tcPr anchor="ctr" horzOverflow="overflow">
-                    <a:lnL w="12700" cap="flat" cmpd="sng" algn="ctr">
-                      <a:solidFill>
-                        <a:schemeClr val="accent5">
-                          <a:lumMod val="20000"/>
-                          <a:lumOff val="80000"/>
-                        </a:schemeClr>
-                      </a:solidFill>
-                      <a:prstDash val="solid"/>
-                      <a:round/>
-                      <a:headEnd type="none" w="med" len="med"/>
-                      <a:tailEnd type="none" w="med" len="med"/>
-                    </a:lnL>
-                    <a:lnR w="12700" cap="flat" cmpd="sng" algn="ctr">
-                      <a:solidFill>
-                        <a:schemeClr val="accent5">
-                          <a:lumMod val="20000"/>
-                          <a:lumOff val="80000"/>
-                        </a:schemeClr>
-                      </a:solidFill>
-                      <a:prstDash val="solid"/>
-                      <a:round/>
-                      <a:headEnd type="none" w="med" len="med"/>
-                      <a:tailEnd type="none" w="med" len="med"/>
-                    </a:lnR>
-                    <a:lnT w="28575" cap="flat" cmpd="sng" algn="ctr">
-                      <a:solidFill>
-                        <a:schemeClr val="accent5">
-                          <a:lumMod val="20000"/>
-                          <a:lumOff val="80000"/>
-                        </a:schemeClr>
-                      </a:solidFill>
-                      <a:prstDash val="solid"/>
-                      <a:round/>
-                      <a:headEnd type="none" w="med" len="med"/>
-                      <a:tailEnd type="none" w="med" len="med"/>
-                    </a:lnT>
-                    <a:lnB w="28575" cap="flat" cmpd="sng" algn="ctr">
-                      <a:solidFill>
-                        <a:schemeClr val="accent5">
-                          <a:lumMod val="20000"/>
-                          <a:lumOff val="80000"/>
-                        </a:schemeClr>
-                      </a:solidFill>
-                      <a:prstDash val="solid"/>
-                      <a:round/>
-                      <a:headEnd type="none" w="med" len="med"/>
-                      <a:tailEnd type="none" w="med" len="med"/>
-                    </a:lnB>
-                    <a:lnTlToBr>
-                      <a:noFill/>
-                    </a:lnTlToBr>
-                    <a:lnBlToTr>
-                      <a:noFill/>
-                    </a:lnBlToTr>
-                    <a:solidFill>
-                      <a:schemeClr val="accent5">
-                        <a:lumMod val="60000"/>
-                        <a:lumOff val="40000"/>
-                        <a:alpha val="50000"/>
-                      </a:schemeClr>
-                    </a:solidFill>
-                  </a:tcPr>
-                </a:tc>
-                <a:tc>
-                  <a:txBody>
-                    <a:bodyPr/>
-                    <a:lstStyle/>
-                    <a:p>
-                      <a:pPr marL="0" marR="0" lvl="0" indent="0" algn="ctr" defTabSz="914400" rtl="0" eaLnBrk="0" fontAlgn="base" latinLnBrk="0" hangingPunct="0">
-                        <a:lnSpc>
-                          <a:spcPct val="95000"/>
-                        </a:lnSpc>
-                        <a:spcBef>
-                          <a:spcPct val="40000"/>
-                        </a:spcBef>
-                        <a:spcAft>
-                          <a:spcPct val="0"/>
-                        </a:spcAft>
-                        <a:buClr>
-                          <a:schemeClr val="tx1"/>
-                        </a:buClr>
-                        <a:buSzTx/>
-                        <a:buFontTx/>
-                        <a:buNone/>
-                        <a:tabLst/>
-                      </a:pPr>
-                      <a:r>
-                        <a:rPr lang="en-US" sz="1900" b="1" kern="1200" dirty="0" smtClean="0">
-                          <a:solidFill>
-                            <a:srgbClr val="EBFFD2"/>
-                          </a:solidFill>
-                          <a:effectLst>
-                            <a:outerShdw blurRad="38100" dist="38100" dir="2700000" algn="tl">
-                              <a:srgbClr val="000000">
-                                <a:alpha val="43137"/>
-                              </a:srgbClr>
-                            </a:outerShdw>
-                          </a:effectLst>
-                          <a:latin typeface="+mn-lt"/>
-                          <a:ea typeface="+mn-ea"/>
-                          <a:cs typeface="+mn-cs"/>
-                        </a:rPr>
-                        <a:t>Minimum programming time</a:t>
-                      </a:r>
-                    </a:p>
-                  </a:txBody>
-                  <a:tcPr anchor="ctr" horzOverflow="overflow">
-                    <a:lnL w="12700" cap="flat" cmpd="sng" algn="ctr">
-                      <a:solidFill>
-                        <a:schemeClr val="accent5">
-                          <a:lumMod val="20000"/>
-                          <a:lumOff val="80000"/>
-                        </a:schemeClr>
-                      </a:solidFill>
-                      <a:prstDash val="solid"/>
-                      <a:round/>
-                      <a:headEnd type="none" w="med" len="med"/>
-                      <a:tailEnd type="none" w="med" len="med"/>
-                    </a:lnL>
-                    <a:lnR w="12700" cap="flat" cmpd="sng" algn="ctr">
-                      <a:solidFill>
-                        <a:schemeClr val="accent5">
-                          <a:lumMod val="20000"/>
-                          <a:lumOff val="80000"/>
-                        </a:schemeClr>
-                      </a:solidFill>
-                      <a:prstDash val="solid"/>
-                      <a:round/>
-                      <a:headEnd type="none" w="med" len="med"/>
-                      <a:tailEnd type="none" w="med" len="med"/>
-                    </a:lnR>
-                    <a:lnT w="28575" cap="flat" cmpd="sng" algn="ctr">
-                      <a:solidFill>
-                        <a:schemeClr val="accent5">
-                          <a:lumMod val="20000"/>
-                          <a:lumOff val="80000"/>
-                        </a:schemeClr>
-                      </a:solidFill>
-                      <a:prstDash val="solid"/>
-                      <a:round/>
-                      <a:headEnd type="none" w="med" len="med"/>
-                      <a:tailEnd type="none" w="med" len="med"/>
-                    </a:lnT>
-                    <a:lnB w="28575" cap="flat" cmpd="sng" algn="ctr">
-                      <a:solidFill>
-                        <a:schemeClr val="accent5">
-                          <a:lumMod val="20000"/>
-                          <a:lumOff val="80000"/>
-                        </a:schemeClr>
-                      </a:solidFill>
-                      <a:prstDash val="solid"/>
-                      <a:round/>
-                      <a:headEnd type="none" w="med" len="med"/>
-                      <a:tailEnd type="none" w="med" len="med"/>
-                    </a:lnB>
-                    <a:lnTlToBr>
-                      <a:noFill/>
-                    </a:lnTlToBr>
-                    <a:lnBlToTr>
-                      <a:noFill/>
-                    </a:lnBlToTr>
-                    <a:solidFill>
-                      <a:schemeClr val="accent5">
-                        <a:lumMod val="60000"/>
-                        <a:lumOff val="40000"/>
-                        <a:alpha val="50000"/>
-                      </a:schemeClr>
-                    </a:solidFill>
-                  </a:tcPr>
-                </a:tc>
-              </a:tr>
-              <a:tr h="368300">
-                <a:tc>
-                  <a:txBody>
-                    <a:bodyPr/>
-                    <a:lstStyle/>
-                    <a:p>
-                      <a:pPr marL="0" marR="0" lvl="0" indent="0" algn="l" defTabSz="914400" rtl="0" eaLnBrk="0" fontAlgn="base" latinLnBrk="0" hangingPunct="0">
-                        <a:lnSpc>
-                          <a:spcPct val="95000"/>
-                        </a:lnSpc>
-                        <a:spcBef>
-                          <a:spcPct val="40000"/>
-                        </a:spcBef>
-                        <a:spcAft>
-                          <a:spcPct val="0"/>
-                        </a:spcAft>
-                        <a:buClr>
-                          <a:schemeClr val="tx1"/>
-                        </a:buClr>
-                        <a:buSzTx/>
-                        <a:buFontTx/>
-                        <a:buNone/>
-                        <a:tabLst/>
-                        <a:defRPr/>
-                      </a:pPr>
-                      <a:r>
-                        <a:rPr kumimoji="0" lang="en-US" sz="2000" b="1" i="0" u="none" strike="noStrike" kern="1200" cap="none" spc="0" normalizeH="0" baseline="0" dirty="0">
-                          <a:ln>
-                            <a:noFill/>
-                          </a:ln>
-                          <a:solidFill>
-                            <a:srgbClr val="EBFFD2"/>
-                          </a:solidFill>
-                          <a:effectLst>
-                            <a:outerShdw blurRad="38100" dist="38100" dir="2700000" algn="tl">
-                              <a:srgbClr val="000000">
-                                <a:alpha val="43137"/>
-                              </a:srgbClr>
-                            </a:outerShdw>
-                          </a:effectLst>
-                          <a:uLnTx/>
-                          <a:uFillTx/>
-                          <a:latin typeface="+mn-lt"/>
-                          <a:ea typeface="+mn-ea"/>
-                          <a:cs typeface="+mn-cs"/>
-                        </a:rPr>
-                        <a:t>Minimum memory</a:t>
-                      </a:r>
-                    </a:p>
-                  </a:txBody>
-                  <a:tcPr marL="38100" marR="38100" marT="38100" marB="38100">
-                    <a:lnL w="28575" cap="flat" cmpd="sng" algn="ctr">
-                      <a:solidFill>
-                        <a:schemeClr val="accent5">
-                          <a:lumMod val="20000"/>
-                          <a:lumOff val="80000"/>
-                        </a:schemeClr>
-                      </a:solidFill>
-                      <a:prstDash val="solid"/>
-                      <a:round/>
-                      <a:headEnd type="none" w="med" len="med"/>
-                      <a:tailEnd type="none" w="med" len="med"/>
-                    </a:lnL>
-                    <a:lnR w="12700" cap="flat" cmpd="sng" algn="ctr">
-                      <a:solidFill>
-                        <a:schemeClr val="accent5">
-                          <a:lumMod val="20000"/>
-                          <a:lumOff val="80000"/>
-                        </a:schemeClr>
-                      </a:solidFill>
-                      <a:prstDash val="solid"/>
-                      <a:round/>
-                      <a:headEnd type="none" w="med" len="med"/>
-                      <a:tailEnd type="none" w="med" len="med"/>
-                    </a:lnR>
-                    <a:lnT w="28575" cap="flat" cmpd="sng" algn="ctr">
-                      <a:solidFill>
-                        <a:schemeClr val="accent5">
-                          <a:lumMod val="20000"/>
-                          <a:lumOff val="80000"/>
-                        </a:schemeClr>
-                      </a:solidFill>
-                      <a:prstDash val="solid"/>
-                      <a:round/>
-                      <a:headEnd type="none" w="med" len="med"/>
-                      <a:tailEnd type="none" w="med" len="med"/>
-                    </a:lnT>
-                    <a:lnB w="12700" cap="flat" cmpd="sng" algn="ctr">
-                      <a:solidFill>
-                        <a:schemeClr val="accent5">
-                          <a:lumMod val="20000"/>
-                          <a:lumOff val="80000"/>
-                        </a:schemeClr>
-                      </a:solidFill>
-                      <a:prstDash val="solid"/>
-                      <a:round/>
-                      <a:headEnd type="none" w="med" len="med"/>
-                      <a:tailEnd type="none" w="med" len="med"/>
-                    </a:lnB>
-                    <a:lnTlToBr>
-                      <a:noFill/>
-                    </a:lnTlToBr>
-                    <a:lnBlToTr>
-                      <a:noFill/>
-                    </a:lnBlToTr>
-                    <a:noFill/>
-                  </a:tcPr>
-                </a:tc>
-                <a:tc>
-                  <a:txBody>
-                    <a:bodyPr/>
-                    <a:lstStyle/>
-                    <a:p>
-                      <a:pPr marL="0" marR="0" lvl="0" indent="0" algn="ctr" defTabSz="914400" rtl="0" eaLnBrk="0" fontAlgn="base" latinLnBrk="0" hangingPunct="0">
-                        <a:lnSpc>
-                          <a:spcPct val="95000"/>
-                        </a:lnSpc>
-                        <a:spcBef>
-                          <a:spcPct val="40000"/>
-                        </a:spcBef>
-                        <a:spcAft>
-                          <a:spcPct val="0"/>
-                        </a:spcAft>
-                        <a:buClr>
-                          <a:schemeClr val="tx1"/>
-                        </a:buClr>
-                        <a:buSzTx/>
-                        <a:buFontTx/>
-                        <a:buNone/>
-                        <a:tabLst/>
-                        <a:defRPr/>
-                      </a:pPr>
-                      <a:r>
-                        <a:rPr kumimoji="0" lang="bg-BG" sz="2000" b="1" i="0" u="none" strike="noStrike" kern="1200" cap="none" spc="0" normalizeH="0" baseline="0" dirty="0">
-                          <a:ln>
-                            <a:noFill/>
-                          </a:ln>
-                          <a:solidFill>
-                            <a:srgbClr val="EBFFD2"/>
-                          </a:solidFill>
-                          <a:effectLst>
-                            <a:outerShdw blurRad="38100" dist="38100" dir="2700000" algn="tl">
-                              <a:srgbClr val="000000">
-                                <a:alpha val="43137"/>
-                              </a:srgbClr>
-                            </a:outerShdw>
-                          </a:effectLst>
-                          <a:uLnTx/>
-                          <a:uFillTx/>
-                          <a:latin typeface="+mn-lt"/>
-                          <a:ea typeface="+mn-ea"/>
-                          <a:cs typeface="+mn-cs"/>
-                        </a:rPr>
-                        <a:t>1</a:t>
-                      </a:r>
-                    </a:p>
-                  </a:txBody>
-                  <a:tcPr marL="38100" marR="38100" marT="38100" marB="38100" anchor="ctr">
-                    <a:lnL w="12700" cap="flat" cmpd="sng" algn="ctr">
-                      <a:solidFill>
-                        <a:schemeClr val="accent5">
-                          <a:lumMod val="20000"/>
-                          <a:lumOff val="80000"/>
-                        </a:schemeClr>
-                      </a:solidFill>
-                      <a:prstDash val="solid"/>
-                      <a:round/>
-                      <a:headEnd type="none" w="med" len="med"/>
-                      <a:tailEnd type="none" w="med" len="med"/>
-                    </a:lnL>
-                    <a:lnR w="12700" cap="flat" cmpd="sng" algn="ctr">
-                      <a:solidFill>
-                        <a:schemeClr val="accent5">
-                          <a:lumMod val="20000"/>
-                          <a:lumOff val="80000"/>
-                        </a:schemeClr>
-                      </a:solidFill>
-                      <a:prstDash val="solid"/>
-                      <a:round/>
-                      <a:headEnd type="none" w="med" len="med"/>
-                      <a:tailEnd type="none" w="med" len="med"/>
-                    </a:lnR>
-                    <a:lnT w="28575" cap="flat" cmpd="sng" algn="ctr">
-                      <a:solidFill>
-                        <a:schemeClr val="accent5">
-                          <a:lumMod val="20000"/>
-                          <a:lumOff val="80000"/>
-                        </a:schemeClr>
-                      </a:solidFill>
-                      <a:prstDash val="solid"/>
-                      <a:round/>
-                      <a:headEnd type="none" w="med" len="med"/>
-                      <a:tailEnd type="none" w="med" len="med"/>
-                    </a:lnT>
-                    <a:lnB w="12700" cap="flat" cmpd="sng" algn="ctr">
-                      <a:solidFill>
-                        <a:schemeClr val="accent5">
-                          <a:lumMod val="20000"/>
-                          <a:lumOff val="80000"/>
-                        </a:schemeClr>
-                      </a:solidFill>
-                      <a:prstDash val="solid"/>
-                      <a:round/>
-                      <a:headEnd type="none" w="med" len="med"/>
-                      <a:tailEnd type="none" w="med" len="med"/>
-                    </a:lnB>
-                    <a:lnTlToBr>
-                      <a:noFill/>
-                    </a:lnTlToBr>
-                    <a:lnBlToTr>
-                      <a:noFill/>
-                    </a:lnBlToTr>
-                    <a:noFill/>
-                  </a:tcPr>
-                </a:tc>
-                <a:tc>
-                  <a:txBody>
-                    <a:bodyPr/>
-                    <a:lstStyle/>
-                    <a:p>
-                      <a:pPr marL="0" marR="0" lvl="0" indent="0" algn="ctr" defTabSz="914400" rtl="0" eaLnBrk="0" fontAlgn="base" latinLnBrk="0" hangingPunct="0">
-                        <a:lnSpc>
-                          <a:spcPct val="95000"/>
-                        </a:lnSpc>
-                        <a:spcBef>
-                          <a:spcPct val="40000"/>
-                        </a:spcBef>
-                        <a:spcAft>
-                          <a:spcPct val="0"/>
-                        </a:spcAft>
-                        <a:buClr>
-                          <a:schemeClr val="tx1"/>
-                        </a:buClr>
-                        <a:buSzTx/>
-                        <a:buFontTx/>
-                        <a:buNone/>
-                        <a:tabLst/>
-                        <a:defRPr/>
-                      </a:pPr>
-                      <a:r>
-                        <a:rPr kumimoji="0" lang="bg-BG" sz="2000" b="1" i="0" u="none" strike="noStrike" kern="1200" cap="none" spc="0" normalizeH="0" baseline="0" dirty="0">
-                          <a:ln>
-                            <a:noFill/>
-                          </a:ln>
-                          <a:solidFill>
-                            <a:srgbClr val="EBFFD2"/>
-                          </a:solidFill>
-                          <a:effectLst>
-                            <a:outerShdw blurRad="38100" dist="38100" dir="2700000" algn="tl">
-                              <a:srgbClr val="000000">
-                                <a:alpha val="43137"/>
-                              </a:srgbClr>
-                            </a:outerShdw>
-                          </a:effectLst>
-                          <a:uLnTx/>
-                          <a:uFillTx/>
-                          <a:latin typeface="+mn-lt"/>
-                          <a:ea typeface="+mn-ea"/>
-                          <a:cs typeface="+mn-cs"/>
-                        </a:rPr>
-                        <a:t>4</a:t>
-                      </a:r>
-                    </a:p>
-                  </a:txBody>
-                  <a:tcPr marL="38100" marR="38100" marT="38100" marB="38100" anchor="ctr">
-                    <a:lnL w="12700" cap="flat" cmpd="sng" algn="ctr">
-                      <a:solidFill>
-                        <a:schemeClr val="accent5">
-                          <a:lumMod val="20000"/>
-                          <a:lumOff val="80000"/>
-                        </a:schemeClr>
-                      </a:solidFill>
-                      <a:prstDash val="solid"/>
-                      <a:round/>
-                      <a:headEnd type="none" w="med" len="med"/>
-                      <a:tailEnd type="none" w="med" len="med"/>
-                    </a:lnL>
-                    <a:lnR w="12700" cap="flat" cmpd="sng" algn="ctr">
-                      <a:solidFill>
-                        <a:schemeClr val="accent5">
-                          <a:lumMod val="20000"/>
-                          <a:lumOff val="80000"/>
-                        </a:schemeClr>
-                      </a:solidFill>
-                      <a:prstDash val="solid"/>
-                      <a:round/>
-                      <a:headEnd type="none" w="med" len="med"/>
-                      <a:tailEnd type="none" w="med" len="med"/>
-                    </a:lnR>
-                    <a:lnT w="28575" cap="flat" cmpd="sng" algn="ctr">
-                      <a:solidFill>
-                        <a:schemeClr val="accent5">
-                          <a:lumMod val="20000"/>
-                          <a:lumOff val="80000"/>
-                        </a:schemeClr>
-                      </a:solidFill>
-                      <a:prstDash val="solid"/>
-                      <a:round/>
-                      <a:headEnd type="none" w="med" len="med"/>
-                      <a:tailEnd type="none" w="med" len="med"/>
-                    </a:lnT>
-                    <a:lnB w="12700" cap="flat" cmpd="sng" algn="ctr">
-                      <a:solidFill>
-                        <a:schemeClr val="accent5">
-                          <a:lumMod val="20000"/>
-                          <a:lumOff val="80000"/>
-                        </a:schemeClr>
-                      </a:solidFill>
-                      <a:prstDash val="solid"/>
-                      <a:round/>
-                      <a:headEnd type="none" w="med" len="med"/>
-                      <a:tailEnd type="none" w="med" len="med"/>
-                    </a:lnB>
-                    <a:lnTlToBr>
-                      <a:noFill/>
-                    </a:lnTlToBr>
-                    <a:lnBlToTr>
-                      <a:noFill/>
-                    </a:lnBlToTr>
-                    <a:noFill/>
-                  </a:tcPr>
-                </a:tc>
-                <a:tc>
-                  <a:txBody>
-                    <a:bodyPr/>
-                    <a:lstStyle/>
-                    <a:p>
-                      <a:pPr marL="0" marR="0" lvl="0" indent="0" algn="ctr" defTabSz="914400" rtl="0" eaLnBrk="0" fontAlgn="base" latinLnBrk="0" hangingPunct="0">
-                        <a:lnSpc>
-                          <a:spcPct val="95000"/>
-                        </a:lnSpc>
-                        <a:spcBef>
-                          <a:spcPct val="40000"/>
-                        </a:spcBef>
-                        <a:spcAft>
-                          <a:spcPct val="0"/>
-                        </a:spcAft>
-                        <a:buClr>
-                          <a:schemeClr val="tx1"/>
-                        </a:buClr>
-                        <a:buSzTx/>
-                        <a:buFontTx/>
-                        <a:buNone/>
-                        <a:tabLst/>
-                        <a:defRPr/>
-                      </a:pPr>
-                      <a:r>
-                        <a:rPr kumimoji="0" lang="bg-BG" sz="2000" b="1" i="0" u="none" strike="noStrike" kern="1200" cap="none" spc="0" normalizeH="0" baseline="0">
-                          <a:ln>
-                            <a:noFill/>
-                          </a:ln>
-                          <a:solidFill>
-                            <a:srgbClr val="EBFFD2"/>
-                          </a:solidFill>
-                          <a:effectLst>
-                            <a:outerShdw blurRad="38100" dist="38100" dir="2700000" algn="tl">
-                              <a:srgbClr val="000000">
-                                <a:alpha val="43137"/>
-                              </a:srgbClr>
-                            </a:outerShdw>
-                          </a:effectLst>
-                          <a:uLnTx/>
-                          <a:uFillTx/>
-                          <a:latin typeface="+mn-lt"/>
-                          <a:ea typeface="+mn-ea"/>
-                          <a:cs typeface="+mn-cs"/>
-                        </a:rPr>
-                        <a:t>4</a:t>
-                      </a:r>
-                    </a:p>
-                  </a:txBody>
-                  <a:tcPr marL="38100" marR="38100" marT="38100" marB="38100" anchor="ctr">
-                    <a:lnL w="12700" cap="flat" cmpd="sng" algn="ctr">
-                      <a:solidFill>
-                        <a:schemeClr val="accent5">
-                          <a:lumMod val="20000"/>
-                          <a:lumOff val="80000"/>
-                        </a:schemeClr>
-                      </a:solidFill>
-                      <a:prstDash val="solid"/>
-                      <a:round/>
-                      <a:headEnd type="none" w="med" len="med"/>
-                      <a:tailEnd type="none" w="med" len="med"/>
-                    </a:lnL>
-                    <a:lnR w="12700" cap="flat" cmpd="sng" algn="ctr">
-                      <a:solidFill>
-                        <a:schemeClr val="accent5">
-                          <a:lumMod val="20000"/>
-                          <a:lumOff val="80000"/>
-                        </a:schemeClr>
-                      </a:solidFill>
-                      <a:prstDash val="solid"/>
-                      <a:round/>
-                      <a:headEnd type="none" w="med" len="med"/>
-                      <a:tailEnd type="none" w="med" len="med"/>
-                    </a:lnR>
-                    <a:lnT w="28575" cap="flat" cmpd="sng" algn="ctr">
-                      <a:solidFill>
-                        <a:schemeClr val="accent5">
-                          <a:lumMod val="20000"/>
-                          <a:lumOff val="80000"/>
-                        </a:schemeClr>
-                      </a:solidFill>
-                      <a:prstDash val="solid"/>
-                      <a:round/>
-                      <a:headEnd type="none" w="med" len="med"/>
-                      <a:tailEnd type="none" w="med" len="med"/>
-                    </a:lnT>
-                    <a:lnB w="12700" cap="flat" cmpd="sng" algn="ctr">
-                      <a:solidFill>
-                        <a:schemeClr val="accent5">
-                          <a:lumMod val="20000"/>
-                          <a:lumOff val="80000"/>
-                        </a:schemeClr>
-                      </a:solidFill>
-                      <a:prstDash val="solid"/>
-                      <a:round/>
-                      <a:headEnd type="none" w="med" len="med"/>
-                      <a:tailEnd type="none" w="med" len="med"/>
-                    </a:lnB>
-                    <a:lnTlToBr>
-                      <a:noFill/>
-                    </a:lnTlToBr>
-                    <a:lnBlToTr>
-                      <a:noFill/>
-                    </a:lnBlToTr>
-                    <a:noFill/>
-                  </a:tcPr>
-                </a:tc>
-                <a:tc>
-                  <a:txBody>
-                    <a:bodyPr/>
-                    <a:lstStyle/>
-                    <a:p>
-                      <a:pPr marL="0" marR="0" lvl="0" indent="0" algn="ctr" defTabSz="914400" rtl="0" eaLnBrk="0" fontAlgn="base" latinLnBrk="0" hangingPunct="0">
-                        <a:lnSpc>
-                          <a:spcPct val="95000"/>
-                        </a:lnSpc>
-                        <a:spcBef>
-                          <a:spcPct val="40000"/>
-                        </a:spcBef>
-                        <a:spcAft>
-                          <a:spcPct val="0"/>
-                        </a:spcAft>
-                        <a:buClr>
-                          <a:schemeClr val="tx1"/>
-                        </a:buClr>
-                        <a:buSzTx/>
-                        <a:buFontTx/>
-                        <a:buNone/>
-                        <a:tabLst/>
-                        <a:defRPr/>
-                      </a:pPr>
-                      <a:r>
-                        <a:rPr kumimoji="0" lang="bg-BG" sz="2000" b="1" i="0" u="none" strike="noStrike" kern="1200" cap="none" spc="0" normalizeH="0" baseline="0">
-                          <a:ln>
-                            <a:noFill/>
-                          </a:ln>
-                          <a:solidFill>
-                            <a:srgbClr val="EBFFD2"/>
-                          </a:solidFill>
-                          <a:effectLst>
-                            <a:outerShdw blurRad="38100" dist="38100" dir="2700000" algn="tl">
-                              <a:srgbClr val="000000">
-                                <a:alpha val="43137"/>
-                              </a:srgbClr>
-                            </a:outerShdw>
-                          </a:effectLst>
-                          <a:uLnTx/>
-                          <a:uFillTx/>
-                          <a:latin typeface="+mn-lt"/>
-                          <a:ea typeface="+mn-ea"/>
-                          <a:cs typeface="+mn-cs"/>
-                        </a:rPr>
-                        <a:t>2</a:t>
-                      </a:r>
-                    </a:p>
-                  </a:txBody>
-                  <a:tcPr marL="38100" marR="38100" marT="38100" marB="38100" anchor="ctr">
-                    <a:lnL w="12700" cap="flat" cmpd="sng" algn="ctr">
-                      <a:solidFill>
-                        <a:schemeClr val="accent5">
-                          <a:lumMod val="20000"/>
-                          <a:lumOff val="80000"/>
-                        </a:schemeClr>
-                      </a:solidFill>
-                      <a:prstDash val="solid"/>
-                      <a:round/>
-                      <a:headEnd type="none" w="med" len="med"/>
-                      <a:tailEnd type="none" w="med" len="med"/>
-                    </a:lnL>
-                    <a:lnR w="12700" cap="flat" cmpd="sng" algn="ctr">
-                      <a:solidFill>
-                        <a:schemeClr val="accent5">
-                          <a:lumMod val="20000"/>
-                          <a:lumOff val="80000"/>
-                        </a:schemeClr>
-                      </a:solidFill>
-                      <a:prstDash val="solid"/>
-                      <a:round/>
-                      <a:headEnd type="none" w="med" len="med"/>
-                      <a:tailEnd type="none" w="med" len="med"/>
-                    </a:lnR>
-                    <a:lnT w="28575" cap="flat" cmpd="sng" algn="ctr">
-                      <a:solidFill>
-                        <a:schemeClr val="accent5">
-                          <a:lumMod val="20000"/>
-                          <a:lumOff val="80000"/>
-                        </a:schemeClr>
-                      </a:solidFill>
-                      <a:prstDash val="solid"/>
-                      <a:round/>
-                      <a:headEnd type="none" w="med" len="med"/>
-                      <a:tailEnd type="none" w="med" len="med"/>
-                    </a:lnT>
-                    <a:lnB w="12700" cap="flat" cmpd="sng" algn="ctr">
-                      <a:solidFill>
-                        <a:schemeClr val="accent5">
-                          <a:lumMod val="20000"/>
-                          <a:lumOff val="80000"/>
-                        </a:schemeClr>
-                      </a:solidFill>
-                      <a:prstDash val="solid"/>
-                      <a:round/>
-                      <a:headEnd type="none" w="med" len="med"/>
-                      <a:tailEnd type="none" w="med" len="med"/>
-                    </a:lnB>
-                    <a:lnTlToBr>
-                      <a:noFill/>
-                    </a:lnTlToBr>
-                    <a:lnBlToTr>
-                      <a:noFill/>
-                    </a:lnBlToTr>
-                    <a:noFill/>
-                  </a:tcPr>
-                </a:tc>
-                <a:tc>
-                  <a:txBody>
-                    <a:bodyPr/>
-                    <a:lstStyle/>
-                    <a:p>
-                      <a:pPr marL="0" marR="0" lvl="0" indent="0" algn="ctr" defTabSz="914400" rtl="0" eaLnBrk="0" fontAlgn="base" latinLnBrk="0" hangingPunct="0">
-                        <a:lnSpc>
-                          <a:spcPct val="95000"/>
-                        </a:lnSpc>
-                        <a:spcBef>
-                          <a:spcPct val="40000"/>
-                        </a:spcBef>
-                        <a:spcAft>
-                          <a:spcPct val="0"/>
-                        </a:spcAft>
-                        <a:buClr>
-                          <a:schemeClr val="tx1"/>
-                        </a:buClr>
-                        <a:buSzTx/>
-                        <a:buFontTx/>
-                        <a:buNone/>
-                        <a:tabLst/>
-                        <a:defRPr/>
-                      </a:pPr>
-                      <a:r>
-                        <a:rPr kumimoji="0" lang="bg-BG" sz="2000" b="1" i="0" u="none" strike="noStrike" kern="1200" cap="none" spc="0" normalizeH="0" baseline="0">
-                          <a:ln>
-                            <a:noFill/>
-                          </a:ln>
-                          <a:solidFill>
-                            <a:srgbClr val="EBFFD2"/>
-                          </a:solidFill>
-                          <a:effectLst>
-                            <a:outerShdw blurRad="38100" dist="38100" dir="2700000" algn="tl">
-                              <a:srgbClr val="000000">
-                                <a:alpha val="43137"/>
-                              </a:srgbClr>
-                            </a:outerShdw>
-                          </a:effectLst>
-                          <a:uLnTx/>
-                          <a:uFillTx/>
-                          <a:latin typeface="+mn-lt"/>
-                          <a:ea typeface="+mn-ea"/>
-                          <a:cs typeface="+mn-cs"/>
-                        </a:rPr>
-                        <a:t>5</a:t>
-                      </a:r>
-                    </a:p>
-                  </a:txBody>
-                  <a:tcPr marL="38100" marR="38100" marT="38100" marB="38100" anchor="ctr">
-                    <a:lnL w="12700" cap="flat" cmpd="sng" algn="ctr">
-                      <a:solidFill>
-                        <a:schemeClr val="accent5">
-                          <a:lumMod val="20000"/>
-                          <a:lumOff val="80000"/>
-                        </a:schemeClr>
-                      </a:solidFill>
-                      <a:prstDash val="solid"/>
-                      <a:round/>
-                      <a:headEnd type="none" w="med" len="med"/>
-                      <a:tailEnd type="none" w="med" len="med"/>
-                    </a:lnL>
-                    <a:lnR w="12700" cap="flat" cmpd="sng" algn="ctr">
-                      <a:solidFill>
-                        <a:schemeClr val="accent5">
-                          <a:lumMod val="20000"/>
-                          <a:lumOff val="80000"/>
-                        </a:schemeClr>
-                      </a:solidFill>
-                      <a:prstDash val="solid"/>
-                      <a:round/>
-                      <a:headEnd type="none" w="med" len="med"/>
-                      <a:tailEnd type="none" w="med" len="med"/>
-                    </a:lnR>
-                    <a:lnT w="28575" cap="flat" cmpd="sng" algn="ctr">
-                      <a:solidFill>
-                        <a:schemeClr val="accent5">
-                          <a:lumMod val="20000"/>
-                          <a:lumOff val="80000"/>
-                        </a:schemeClr>
-                      </a:solidFill>
-                      <a:prstDash val="solid"/>
-                      <a:round/>
-                      <a:headEnd type="none" w="med" len="med"/>
-                      <a:tailEnd type="none" w="med" len="med"/>
-                    </a:lnT>
-                    <a:lnB w="12700" cap="flat" cmpd="sng" algn="ctr">
-                      <a:solidFill>
-                        <a:schemeClr val="accent5">
-                          <a:lumMod val="20000"/>
-                          <a:lumOff val="80000"/>
-                        </a:schemeClr>
-                      </a:solidFill>
-                      <a:prstDash val="solid"/>
-                      <a:round/>
-                      <a:headEnd type="none" w="med" len="med"/>
-                      <a:tailEnd type="none" w="med" len="med"/>
-                    </a:lnB>
-                    <a:lnTlToBr>
-                      <a:noFill/>
-                    </a:lnTlToBr>
-                    <a:lnBlToTr>
-                      <a:noFill/>
-                    </a:lnBlToTr>
-                    <a:noFill/>
-                  </a:tcPr>
-                </a:tc>
-              </a:tr>
-              <a:tr h="368300">
-                <a:tc>
-                  <a:txBody>
-                    <a:bodyPr/>
-                    <a:lstStyle/>
-                    <a:p>
-                      <a:pPr marL="0" marR="0" lvl="0" indent="0" algn="l" defTabSz="914400" rtl="0" eaLnBrk="0" fontAlgn="base" latinLnBrk="0" hangingPunct="0">
-                        <a:lnSpc>
-                          <a:spcPct val="95000"/>
-                        </a:lnSpc>
-                        <a:spcBef>
-                          <a:spcPct val="40000"/>
-                        </a:spcBef>
-                        <a:spcAft>
-                          <a:spcPct val="0"/>
-                        </a:spcAft>
-                        <a:buClr>
-                          <a:schemeClr val="tx1"/>
-                        </a:buClr>
-                        <a:buSzTx/>
-                        <a:buFontTx/>
-                        <a:buNone/>
-                        <a:tabLst/>
-                        <a:defRPr/>
-                      </a:pPr>
-                      <a:r>
-                        <a:rPr kumimoji="0" lang="en-US" sz="2000" b="1" i="0" u="none" strike="noStrike" kern="1200" cap="none" spc="0" normalizeH="0" baseline="0" dirty="0">
-                          <a:ln>
-                            <a:noFill/>
-                          </a:ln>
-                          <a:solidFill>
-                            <a:srgbClr val="EBFFD2"/>
-                          </a:solidFill>
-                          <a:effectLst>
-                            <a:outerShdw blurRad="38100" dist="38100" dir="2700000" algn="tl">
-                              <a:srgbClr val="000000">
-                                <a:alpha val="43137"/>
-                              </a:srgbClr>
-                            </a:outerShdw>
-                          </a:effectLst>
-                          <a:uLnTx/>
-                          <a:uFillTx/>
-                          <a:latin typeface="+mn-lt"/>
-                          <a:ea typeface="+mn-ea"/>
-                          <a:cs typeface="+mn-cs"/>
-                        </a:rPr>
-                        <a:t>Output readability</a:t>
-                      </a:r>
-                    </a:p>
-                  </a:txBody>
-                  <a:tcPr marL="38100" marR="38100" marT="38100" marB="38100">
-                    <a:lnL w="28575" cap="flat" cmpd="sng" algn="ctr">
-                      <a:solidFill>
-                        <a:schemeClr val="accent5">
-                          <a:lumMod val="20000"/>
-                          <a:lumOff val="80000"/>
-                        </a:schemeClr>
-                      </a:solidFill>
-                      <a:prstDash val="solid"/>
-                      <a:round/>
-                      <a:headEnd type="none" w="med" len="med"/>
-                      <a:tailEnd type="none" w="med" len="med"/>
-                    </a:lnL>
-                    <a:lnR w="12700" cap="flat" cmpd="sng" algn="ctr">
-                      <a:solidFill>
-                        <a:schemeClr val="accent5">
-                          <a:lumMod val="20000"/>
-                          <a:lumOff val="80000"/>
-                        </a:schemeClr>
-                      </a:solidFill>
-                      <a:prstDash val="solid"/>
-                      <a:round/>
-                      <a:headEnd type="none" w="med" len="med"/>
-                      <a:tailEnd type="none" w="med" len="med"/>
-                    </a:lnR>
-                    <a:lnT w="12700" cap="flat" cmpd="sng" algn="ctr">
-                      <a:solidFill>
-                        <a:schemeClr val="accent5">
-                          <a:lumMod val="20000"/>
-                          <a:lumOff val="80000"/>
-                        </a:schemeClr>
-                      </a:solidFill>
-                      <a:prstDash val="solid"/>
-                      <a:round/>
-                      <a:headEnd type="none" w="med" len="med"/>
-                      <a:tailEnd type="none" w="med" len="med"/>
-                    </a:lnT>
-                    <a:lnB w="12700" cap="flat" cmpd="sng" algn="ctr">
-                      <a:solidFill>
-                        <a:schemeClr val="accent5">
-                          <a:lumMod val="20000"/>
-                          <a:lumOff val="80000"/>
-                        </a:schemeClr>
-                      </a:solidFill>
-                      <a:prstDash val="solid"/>
-                      <a:round/>
-                      <a:headEnd type="none" w="med" len="med"/>
-                      <a:tailEnd type="none" w="med" len="med"/>
-                    </a:lnB>
-                    <a:lnTlToBr>
-                      <a:noFill/>
-                    </a:lnTlToBr>
-                    <a:lnBlToTr>
-                      <a:noFill/>
-                    </a:lnBlToTr>
-                    <a:solidFill>
-                      <a:schemeClr val="accent5">
-                        <a:alpha val="20000"/>
-                      </a:schemeClr>
-                    </a:solidFill>
-                  </a:tcPr>
-                </a:tc>
-                <a:tc>
-                  <a:txBody>
-                    <a:bodyPr/>
-                    <a:lstStyle/>
-                    <a:p>
-                      <a:pPr marL="0" marR="0" lvl="0" indent="0" algn="ctr" defTabSz="914400" rtl="0" eaLnBrk="0" fontAlgn="base" latinLnBrk="0" hangingPunct="0">
-                        <a:lnSpc>
-                          <a:spcPct val="95000"/>
-                        </a:lnSpc>
-                        <a:spcBef>
-                          <a:spcPct val="40000"/>
-                        </a:spcBef>
-                        <a:spcAft>
-                          <a:spcPct val="0"/>
-                        </a:spcAft>
-                        <a:buClr>
-                          <a:schemeClr val="tx1"/>
-                        </a:buClr>
-                        <a:buSzTx/>
-                        <a:buFontTx/>
-                        <a:buNone/>
-                        <a:tabLst/>
-                        <a:defRPr/>
-                      </a:pPr>
-                      <a:r>
-                        <a:rPr kumimoji="0" lang="bg-BG" sz="2000" b="1" i="0" u="none" strike="noStrike" kern="1200" cap="none" spc="0" normalizeH="0" baseline="0" dirty="0">
-                          <a:ln>
-                            <a:noFill/>
-                          </a:ln>
-                          <a:solidFill>
-                            <a:srgbClr val="EBFFD2"/>
-                          </a:solidFill>
-                          <a:effectLst>
-                            <a:outerShdw blurRad="38100" dist="38100" dir="2700000" algn="tl">
-                              <a:srgbClr val="000000">
-                                <a:alpha val="43137"/>
-                              </a:srgbClr>
-                            </a:outerShdw>
-                          </a:effectLst>
-                          <a:uLnTx/>
-                          <a:uFillTx/>
-                          <a:latin typeface="+mn-lt"/>
-                          <a:ea typeface="+mn-ea"/>
-                          <a:cs typeface="+mn-cs"/>
-                        </a:rPr>
-                        <a:t>5</a:t>
-                      </a:r>
-                    </a:p>
-                  </a:txBody>
-                  <a:tcPr marL="38100" marR="38100" marT="38100" marB="38100" anchor="ctr">
-                    <a:lnL w="12700" cap="flat" cmpd="sng" algn="ctr">
-                      <a:solidFill>
-                        <a:schemeClr val="accent5">
-                          <a:lumMod val="20000"/>
-                          <a:lumOff val="80000"/>
-                        </a:schemeClr>
-                      </a:solidFill>
-                      <a:prstDash val="solid"/>
-                      <a:round/>
-                      <a:headEnd type="none" w="med" len="med"/>
-                      <a:tailEnd type="none" w="med" len="med"/>
-                    </a:lnL>
-                    <a:lnR w="12700" cap="flat" cmpd="sng" algn="ctr">
-                      <a:solidFill>
-                        <a:schemeClr val="accent5">
-                          <a:lumMod val="20000"/>
-                          <a:lumOff val="80000"/>
-                        </a:schemeClr>
-                      </a:solidFill>
-                      <a:prstDash val="solid"/>
-                      <a:round/>
-                      <a:headEnd type="none" w="med" len="med"/>
-                      <a:tailEnd type="none" w="med" len="med"/>
-                    </a:lnR>
-                    <a:lnT w="12700" cap="flat" cmpd="sng" algn="ctr">
-                      <a:solidFill>
-                        <a:schemeClr val="accent5">
-                          <a:lumMod val="20000"/>
-                          <a:lumOff val="80000"/>
-                        </a:schemeClr>
-                      </a:solidFill>
-                      <a:prstDash val="solid"/>
-                      <a:round/>
-                      <a:headEnd type="none" w="med" len="med"/>
-                      <a:tailEnd type="none" w="med" len="med"/>
-                    </a:lnT>
-                    <a:lnB w="12700" cap="flat" cmpd="sng" algn="ctr">
-                      <a:solidFill>
-                        <a:schemeClr val="accent5">
-                          <a:lumMod val="20000"/>
-                          <a:lumOff val="80000"/>
-                        </a:schemeClr>
-                      </a:solidFill>
-                      <a:prstDash val="solid"/>
-                      <a:round/>
-                      <a:headEnd type="none" w="med" len="med"/>
-                      <a:tailEnd type="none" w="med" len="med"/>
-                    </a:lnB>
-                    <a:lnTlToBr>
-                      <a:noFill/>
-                    </a:lnTlToBr>
-                    <a:lnBlToTr>
-                      <a:noFill/>
-                    </a:lnBlToTr>
-                    <a:solidFill>
-                      <a:schemeClr val="accent5">
-                        <a:alpha val="20000"/>
-                      </a:schemeClr>
-                    </a:solidFill>
-                  </a:tcPr>
-                </a:tc>
-                <a:tc>
-                  <a:txBody>
-                    <a:bodyPr/>
-                    <a:lstStyle/>
-                    <a:p>
-                      <a:pPr marL="0" marR="0" lvl="0" indent="0" algn="ctr" defTabSz="914400" rtl="0" eaLnBrk="0" fontAlgn="base" latinLnBrk="0" hangingPunct="0">
-                        <a:lnSpc>
-                          <a:spcPct val="95000"/>
-                        </a:lnSpc>
-                        <a:spcBef>
-                          <a:spcPct val="40000"/>
-                        </a:spcBef>
-                        <a:spcAft>
-                          <a:spcPct val="0"/>
-                        </a:spcAft>
-                        <a:buClr>
-                          <a:schemeClr val="tx1"/>
-                        </a:buClr>
-                        <a:buSzTx/>
-                        <a:buFontTx/>
-                        <a:buNone/>
-                        <a:tabLst/>
-                        <a:defRPr/>
-                      </a:pPr>
-                      <a:r>
-                        <a:rPr kumimoji="0" lang="bg-BG" sz="2000" b="1" i="0" u="none" strike="noStrike" kern="1200" cap="none" spc="0" normalizeH="0" baseline="0" dirty="0">
-                          <a:ln>
-                            <a:noFill/>
-                          </a:ln>
-                          <a:solidFill>
-                            <a:srgbClr val="EBFFD2"/>
-                          </a:solidFill>
-                          <a:effectLst>
-                            <a:outerShdw blurRad="38100" dist="38100" dir="2700000" algn="tl">
-                              <a:srgbClr val="000000">
-                                <a:alpha val="43137"/>
-                              </a:srgbClr>
-                            </a:outerShdw>
-                          </a:effectLst>
-                          <a:uLnTx/>
-                          <a:uFillTx/>
-                          <a:latin typeface="+mn-lt"/>
-                          <a:ea typeface="+mn-ea"/>
-                          <a:cs typeface="+mn-cs"/>
-                        </a:rPr>
-                        <a:t>1</a:t>
-                      </a:r>
-                    </a:p>
-                  </a:txBody>
-                  <a:tcPr marL="38100" marR="38100" marT="38100" marB="38100" anchor="ctr">
-                    <a:lnL w="12700" cap="flat" cmpd="sng" algn="ctr">
-                      <a:solidFill>
-                        <a:schemeClr val="accent5">
-                          <a:lumMod val="20000"/>
-                          <a:lumOff val="80000"/>
-                        </a:schemeClr>
-                      </a:solidFill>
-                      <a:prstDash val="solid"/>
-                      <a:round/>
-                      <a:headEnd type="none" w="med" len="med"/>
-                      <a:tailEnd type="none" w="med" len="med"/>
-                    </a:lnL>
-                    <a:lnR w="12700" cap="flat" cmpd="sng" algn="ctr">
-                      <a:solidFill>
-                        <a:schemeClr val="accent5">
-                          <a:lumMod val="20000"/>
-                          <a:lumOff val="80000"/>
-                        </a:schemeClr>
-                      </a:solidFill>
-                      <a:prstDash val="solid"/>
-                      <a:round/>
-                      <a:headEnd type="none" w="med" len="med"/>
-                      <a:tailEnd type="none" w="med" len="med"/>
-                    </a:lnR>
-                    <a:lnT w="12700" cap="flat" cmpd="sng" algn="ctr">
-                      <a:solidFill>
-                        <a:schemeClr val="accent5">
-                          <a:lumMod val="20000"/>
-                          <a:lumOff val="80000"/>
-                        </a:schemeClr>
-                      </a:solidFill>
-                      <a:prstDash val="solid"/>
-                      <a:round/>
-                      <a:headEnd type="none" w="med" len="med"/>
-                      <a:tailEnd type="none" w="med" len="med"/>
-                    </a:lnT>
-                    <a:lnB w="12700" cap="flat" cmpd="sng" algn="ctr">
-                      <a:solidFill>
-                        <a:schemeClr val="accent5">
-                          <a:lumMod val="20000"/>
-                          <a:lumOff val="80000"/>
-                        </a:schemeClr>
-                      </a:solidFill>
-                      <a:prstDash val="solid"/>
-                      <a:round/>
-                      <a:headEnd type="none" w="med" len="med"/>
-                      <a:tailEnd type="none" w="med" len="med"/>
-                    </a:lnB>
-                    <a:lnTlToBr>
-                      <a:noFill/>
-                    </a:lnTlToBr>
-                    <a:lnBlToTr>
-                      <a:noFill/>
-                    </a:lnBlToTr>
-                    <a:solidFill>
-                      <a:schemeClr val="accent5">
-                        <a:alpha val="20000"/>
-                      </a:schemeClr>
-                    </a:solidFill>
-                  </a:tcPr>
-                </a:tc>
-                <a:tc>
-                  <a:txBody>
-                    <a:bodyPr/>
-                    <a:lstStyle/>
-                    <a:p>
-                      <a:pPr marL="0" marR="0" lvl="0" indent="0" algn="ctr" defTabSz="914400" rtl="0" eaLnBrk="0" fontAlgn="base" latinLnBrk="0" hangingPunct="0">
-                        <a:lnSpc>
-                          <a:spcPct val="95000"/>
-                        </a:lnSpc>
-                        <a:spcBef>
-                          <a:spcPct val="40000"/>
-                        </a:spcBef>
-                        <a:spcAft>
-                          <a:spcPct val="0"/>
-                        </a:spcAft>
-                        <a:buClr>
-                          <a:schemeClr val="tx1"/>
-                        </a:buClr>
-                        <a:buSzTx/>
-                        <a:buFontTx/>
-                        <a:buNone/>
-                        <a:tabLst/>
-                        <a:defRPr/>
-                      </a:pPr>
-                      <a:r>
-                        <a:rPr kumimoji="0" lang="bg-BG" sz="2000" b="1" i="0" u="none" strike="noStrike" kern="1200" cap="none" spc="0" normalizeH="0" baseline="0" dirty="0">
-                          <a:ln>
-                            <a:noFill/>
-                          </a:ln>
-                          <a:solidFill>
-                            <a:srgbClr val="EBFFD2"/>
-                          </a:solidFill>
-                          <a:effectLst>
-                            <a:outerShdw blurRad="38100" dist="38100" dir="2700000" algn="tl">
-                              <a:srgbClr val="000000">
-                                <a:alpha val="43137"/>
-                              </a:srgbClr>
-                            </a:outerShdw>
-                          </a:effectLst>
-                          <a:uLnTx/>
-                          <a:uFillTx/>
-                          <a:latin typeface="+mn-lt"/>
-                          <a:ea typeface="+mn-ea"/>
-                          <a:cs typeface="+mn-cs"/>
-                        </a:rPr>
-                        <a:t>1</a:t>
-                      </a:r>
-                    </a:p>
-                  </a:txBody>
-                  <a:tcPr marL="38100" marR="38100" marT="38100" marB="38100" anchor="ctr">
-                    <a:lnL w="12700" cap="flat" cmpd="sng" algn="ctr">
-                      <a:solidFill>
-                        <a:schemeClr val="accent5">
-                          <a:lumMod val="20000"/>
-                          <a:lumOff val="80000"/>
-                        </a:schemeClr>
-                      </a:solidFill>
-                      <a:prstDash val="solid"/>
-                      <a:round/>
-                      <a:headEnd type="none" w="med" len="med"/>
-                      <a:tailEnd type="none" w="med" len="med"/>
-                    </a:lnL>
-                    <a:lnR w="12700" cap="flat" cmpd="sng" algn="ctr">
-                      <a:solidFill>
-                        <a:schemeClr val="accent5">
-                          <a:lumMod val="20000"/>
-                          <a:lumOff val="80000"/>
-                        </a:schemeClr>
-                      </a:solidFill>
-                      <a:prstDash val="solid"/>
-                      <a:round/>
-                      <a:headEnd type="none" w="med" len="med"/>
-                      <a:tailEnd type="none" w="med" len="med"/>
-                    </a:lnR>
-                    <a:lnT w="12700" cap="flat" cmpd="sng" algn="ctr">
-                      <a:solidFill>
-                        <a:schemeClr val="accent5">
-                          <a:lumMod val="20000"/>
-                          <a:lumOff val="80000"/>
-                        </a:schemeClr>
-                      </a:solidFill>
-                      <a:prstDash val="solid"/>
-                      <a:round/>
-                      <a:headEnd type="none" w="med" len="med"/>
-                      <a:tailEnd type="none" w="med" len="med"/>
-                    </a:lnT>
-                    <a:lnB w="12700" cap="flat" cmpd="sng" algn="ctr">
-                      <a:solidFill>
-                        <a:schemeClr val="accent5">
-                          <a:lumMod val="20000"/>
-                          <a:lumOff val="80000"/>
-                        </a:schemeClr>
-                      </a:solidFill>
-                      <a:prstDash val="solid"/>
-                      <a:round/>
-                      <a:headEnd type="none" w="med" len="med"/>
-                      <a:tailEnd type="none" w="med" len="med"/>
-                    </a:lnB>
-                    <a:lnTlToBr>
-                      <a:noFill/>
-                    </a:lnTlToBr>
-                    <a:lnBlToTr>
-                      <a:noFill/>
-                    </a:lnBlToTr>
-                    <a:solidFill>
-                      <a:schemeClr val="accent5">
-                        <a:alpha val="20000"/>
-                      </a:schemeClr>
-                    </a:solidFill>
-                  </a:tcPr>
-                </a:tc>
-                <a:tc>
-                  <a:txBody>
-                    <a:bodyPr/>
-                    <a:lstStyle/>
-                    <a:p>
-                      <a:pPr marL="0" marR="0" lvl="0" indent="0" algn="ctr" defTabSz="914400" rtl="0" eaLnBrk="0" fontAlgn="base" latinLnBrk="0" hangingPunct="0">
-                        <a:lnSpc>
-                          <a:spcPct val="95000"/>
-                        </a:lnSpc>
-                        <a:spcBef>
-                          <a:spcPct val="40000"/>
-                        </a:spcBef>
-                        <a:spcAft>
-                          <a:spcPct val="0"/>
-                        </a:spcAft>
-                        <a:buClr>
-                          <a:schemeClr val="tx1"/>
-                        </a:buClr>
-                        <a:buSzTx/>
-                        <a:buFontTx/>
-                        <a:buNone/>
-                        <a:tabLst/>
-                        <a:defRPr/>
-                      </a:pPr>
-                      <a:r>
-                        <a:rPr kumimoji="0" lang="bg-BG" sz="2000" b="1" i="0" u="none" strike="noStrike" kern="1200" cap="none" spc="0" normalizeH="0" baseline="0" dirty="0">
-                          <a:ln>
-                            <a:noFill/>
-                          </a:ln>
-                          <a:solidFill>
-                            <a:srgbClr val="EBFFD2"/>
-                          </a:solidFill>
-                          <a:effectLst>
-                            <a:outerShdw blurRad="38100" dist="38100" dir="2700000" algn="tl">
-                              <a:srgbClr val="000000">
-                                <a:alpha val="43137"/>
-                              </a:srgbClr>
-                            </a:outerShdw>
-                          </a:effectLst>
-                          <a:uLnTx/>
-                          <a:uFillTx/>
-                          <a:latin typeface="+mn-lt"/>
-                          <a:ea typeface="+mn-ea"/>
-                          <a:cs typeface="+mn-cs"/>
-                        </a:rPr>
-                        <a:t>5</a:t>
-                      </a:r>
-                    </a:p>
-                  </a:txBody>
-                  <a:tcPr marL="38100" marR="38100" marT="38100" marB="38100" anchor="ctr">
-                    <a:lnL w="12700" cap="flat" cmpd="sng" algn="ctr">
-                      <a:solidFill>
-                        <a:schemeClr val="accent5">
-                          <a:lumMod val="20000"/>
-                          <a:lumOff val="80000"/>
-                        </a:schemeClr>
-                      </a:solidFill>
-                      <a:prstDash val="solid"/>
-                      <a:round/>
-                      <a:headEnd type="none" w="med" len="med"/>
-                      <a:tailEnd type="none" w="med" len="med"/>
-                    </a:lnL>
-                    <a:lnR w="12700" cap="flat" cmpd="sng" algn="ctr">
-                      <a:solidFill>
-                        <a:schemeClr val="accent5">
-                          <a:lumMod val="20000"/>
-                          <a:lumOff val="80000"/>
-                        </a:schemeClr>
-                      </a:solidFill>
-                      <a:prstDash val="solid"/>
-                      <a:round/>
-                      <a:headEnd type="none" w="med" len="med"/>
-                      <a:tailEnd type="none" w="med" len="med"/>
-                    </a:lnR>
-                    <a:lnT w="12700" cap="flat" cmpd="sng" algn="ctr">
-                      <a:solidFill>
-                        <a:schemeClr val="accent5">
-                          <a:lumMod val="20000"/>
-                          <a:lumOff val="80000"/>
-                        </a:schemeClr>
-                      </a:solidFill>
-                      <a:prstDash val="solid"/>
-                      <a:round/>
-                      <a:headEnd type="none" w="med" len="med"/>
-                      <a:tailEnd type="none" w="med" len="med"/>
-                    </a:lnT>
-                    <a:lnB w="12700" cap="flat" cmpd="sng" algn="ctr">
-                      <a:solidFill>
-                        <a:schemeClr val="accent5">
-                          <a:lumMod val="20000"/>
-                          <a:lumOff val="80000"/>
-                        </a:schemeClr>
-                      </a:solidFill>
-                      <a:prstDash val="solid"/>
-                      <a:round/>
-                      <a:headEnd type="none" w="med" len="med"/>
-                      <a:tailEnd type="none" w="med" len="med"/>
-                    </a:lnB>
-                    <a:lnTlToBr>
-                      <a:noFill/>
-                    </a:lnTlToBr>
-                    <a:lnBlToTr>
-                      <a:noFill/>
-                    </a:lnBlToTr>
-                    <a:solidFill>
-                      <a:schemeClr val="accent5">
-                        <a:alpha val="20000"/>
-                      </a:schemeClr>
-                    </a:solidFill>
-                  </a:tcPr>
-                </a:tc>
-                <a:tc>
-                  <a:txBody>
-                    <a:bodyPr/>
-                    <a:lstStyle/>
-                    <a:p>
-                      <a:pPr marL="0" marR="0" lvl="0" indent="0" algn="ctr" defTabSz="914400" rtl="0" eaLnBrk="0" fontAlgn="base" latinLnBrk="0" hangingPunct="0">
-                        <a:lnSpc>
-                          <a:spcPct val="95000"/>
-                        </a:lnSpc>
-                        <a:spcBef>
-                          <a:spcPct val="40000"/>
-                        </a:spcBef>
-                        <a:spcAft>
-                          <a:spcPct val="0"/>
-                        </a:spcAft>
-                        <a:buClr>
-                          <a:schemeClr val="tx1"/>
-                        </a:buClr>
-                        <a:buSzTx/>
-                        <a:buFontTx/>
-                        <a:buNone/>
-                        <a:tabLst/>
-                        <a:defRPr/>
-                      </a:pPr>
-                      <a:r>
-                        <a:rPr kumimoji="0" lang="bg-BG" sz="2000" b="1" i="0" u="none" strike="noStrike" kern="1200" cap="none" spc="0" normalizeH="0" baseline="0" dirty="0">
-                          <a:ln>
-                            <a:noFill/>
-                          </a:ln>
-                          <a:solidFill>
-                            <a:srgbClr val="EBFFD2"/>
-                          </a:solidFill>
-                          <a:effectLst>
-                            <a:outerShdw blurRad="38100" dist="38100" dir="2700000" algn="tl">
-                              <a:srgbClr val="000000">
-                                <a:alpha val="43137"/>
-                              </a:srgbClr>
-                            </a:outerShdw>
-                          </a:effectLst>
-                          <a:uLnTx/>
-                          <a:uFillTx/>
-                          <a:latin typeface="+mn-lt"/>
-                          <a:ea typeface="+mn-ea"/>
-                          <a:cs typeface="+mn-cs"/>
-                        </a:rPr>
-                        <a:t>3</a:t>
-                      </a:r>
-                    </a:p>
-                  </a:txBody>
-                  <a:tcPr marL="38100" marR="38100" marT="38100" marB="38100" anchor="ctr">
-                    <a:lnL w="12700" cap="flat" cmpd="sng" algn="ctr">
-                      <a:solidFill>
-                        <a:schemeClr val="accent5">
-                          <a:lumMod val="20000"/>
-                          <a:lumOff val="80000"/>
-                        </a:schemeClr>
-                      </a:solidFill>
-                      <a:prstDash val="solid"/>
-                      <a:round/>
-                      <a:headEnd type="none" w="med" len="med"/>
-                      <a:tailEnd type="none" w="med" len="med"/>
-                    </a:lnL>
-                    <a:lnR w="12700" cap="flat" cmpd="sng" algn="ctr">
-                      <a:solidFill>
-                        <a:schemeClr val="accent5">
-                          <a:lumMod val="20000"/>
-                          <a:lumOff val="80000"/>
-                        </a:schemeClr>
-                      </a:solidFill>
-                      <a:prstDash val="solid"/>
-                      <a:round/>
-                      <a:headEnd type="none" w="med" len="med"/>
-                      <a:tailEnd type="none" w="med" len="med"/>
-                    </a:lnR>
-                    <a:lnT w="12700" cap="flat" cmpd="sng" algn="ctr">
-                      <a:solidFill>
-                        <a:schemeClr val="accent5">
-                          <a:lumMod val="20000"/>
-                          <a:lumOff val="80000"/>
-                        </a:schemeClr>
-                      </a:solidFill>
-                      <a:prstDash val="solid"/>
-                      <a:round/>
-                      <a:headEnd type="none" w="med" len="med"/>
-                      <a:tailEnd type="none" w="med" len="med"/>
-                    </a:lnT>
-                    <a:lnB w="12700" cap="flat" cmpd="sng" algn="ctr">
-                      <a:solidFill>
-                        <a:schemeClr val="accent5">
-                          <a:lumMod val="20000"/>
-                          <a:lumOff val="80000"/>
-                        </a:schemeClr>
-                      </a:solidFill>
-                      <a:prstDash val="solid"/>
-                      <a:round/>
-                      <a:headEnd type="none" w="med" len="med"/>
-                      <a:tailEnd type="none" w="med" len="med"/>
-                    </a:lnB>
-                    <a:lnTlToBr>
-                      <a:noFill/>
-                    </a:lnTlToBr>
-                    <a:lnBlToTr>
-                      <a:noFill/>
-                    </a:lnBlToTr>
-                    <a:solidFill>
-                      <a:schemeClr val="accent5">
-                        <a:alpha val="20000"/>
-                      </a:schemeClr>
-                    </a:solidFill>
-                  </a:tcPr>
-                </a:tc>
-              </a:tr>
-              <a:tr h="490538">
-                <a:tc>
-                  <a:txBody>
-                    <a:bodyPr/>
-                    <a:lstStyle/>
-                    <a:p>
-                      <a:pPr marL="0" marR="0" lvl="0" indent="0" algn="l" defTabSz="914400" rtl="0" eaLnBrk="0" fontAlgn="base" latinLnBrk="0" hangingPunct="0">
-                        <a:lnSpc>
-                          <a:spcPct val="95000"/>
-                        </a:lnSpc>
-                        <a:spcBef>
-                          <a:spcPct val="40000"/>
-                        </a:spcBef>
-                        <a:spcAft>
-                          <a:spcPct val="0"/>
-                        </a:spcAft>
-                        <a:buClr>
-                          <a:schemeClr val="tx1"/>
-                        </a:buClr>
-                        <a:buSzTx/>
-                        <a:buFontTx/>
-                        <a:buNone/>
-                        <a:tabLst/>
-                        <a:defRPr/>
-                      </a:pPr>
-                      <a:r>
-                        <a:rPr kumimoji="0" lang="en-US" sz="2000" b="1" i="0" u="none" strike="noStrike" kern="1200" cap="none" spc="0" normalizeH="0" baseline="0" dirty="0">
-                          <a:ln>
-                            <a:noFill/>
-                          </a:ln>
-                          <a:solidFill>
-                            <a:srgbClr val="EBFFD2"/>
-                          </a:solidFill>
-                          <a:effectLst>
-                            <a:outerShdw blurRad="38100" dist="38100" dir="2700000" algn="tl">
-                              <a:srgbClr val="000000">
-                                <a:alpha val="43137"/>
-                              </a:srgbClr>
-                            </a:outerShdw>
-                          </a:effectLst>
-                          <a:uLnTx/>
-                          <a:uFillTx/>
-                          <a:latin typeface="+mn-lt"/>
-                          <a:ea typeface="+mn-ea"/>
-                          <a:cs typeface="+mn-cs"/>
-                        </a:rPr>
-                        <a:t>Program readability</a:t>
-                      </a:r>
-                    </a:p>
-                  </a:txBody>
-                  <a:tcPr marL="38100" marR="38100" marT="38100" marB="38100">
-                    <a:lnL w="28575" cap="flat" cmpd="sng" algn="ctr">
-                      <a:solidFill>
-                        <a:schemeClr val="accent5">
-                          <a:lumMod val="20000"/>
-                          <a:lumOff val="80000"/>
-                        </a:schemeClr>
-                      </a:solidFill>
-                      <a:prstDash val="solid"/>
-                      <a:round/>
-                      <a:headEnd type="none" w="med" len="med"/>
-                      <a:tailEnd type="none" w="med" len="med"/>
-                    </a:lnL>
-                    <a:lnR w="12700" cap="flat" cmpd="sng" algn="ctr">
-                      <a:solidFill>
-                        <a:schemeClr val="accent5">
-                          <a:lumMod val="20000"/>
-                          <a:lumOff val="80000"/>
-                        </a:schemeClr>
-                      </a:solidFill>
-                      <a:prstDash val="solid"/>
-                      <a:round/>
-                      <a:headEnd type="none" w="med" len="med"/>
-                      <a:tailEnd type="none" w="med" len="med"/>
-                    </a:lnR>
-                    <a:lnT w="12700" cap="flat" cmpd="sng" algn="ctr">
-                      <a:solidFill>
-                        <a:schemeClr val="accent5">
-                          <a:lumMod val="20000"/>
-                          <a:lumOff val="80000"/>
-                        </a:schemeClr>
-                      </a:solidFill>
-                      <a:prstDash val="solid"/>
-                      <a:round/>
-                      <a:headEnd type="none" w="med" len="med"/>
-                      <a:tailEnd type="none" w="med" len="med"/>
-                    </a:lnT>
-                    <a:lnB w="12700" cap="flat" cmpd="sng" algn="ctr">
-                      <a:solidFill>
-                        <a:schemeClr val="accent5">
-                          <a:lumMod val="20000"/>
-                          <a:lumOff val="80000"/>
-                        </a:schemeClr>
-                      </a:solidFill>
-                      <a:prstDash val="solid"/>
-                      <a:round/>
-                      <a:headEnd type="none" w="med" len="med"/>
-                      <a:tailEnd type="none" w="med" len="med"/>
-                    </a:lnB>
-                    <a:lnTlToBr>
-                      <a:noFill/>
-                    </a:lnTlToBr>
-                    <a:lnBlToTr>
-                      <a:noFill/>
-                    </a:lnBlToTr>
-                    <a:noFill/>
-                  </a:tcPr>
-                </a:tc>
-                <a:tc>
-                  <a:txBody>
-                    <a:bodyPr/>
-                    <a:lstStyle/>
-                    <a:p>
-                      <a:pPr marL="0" marR="0" lvl="0" indent="0" algn="ctr" defTabSz="914400" rtl="0" eaLnBrk="0" fontAlgn="base" latinLnBrk="0" hangingPunct="0">
-                        <a:lnSpc>
-                          <a:spcPct val="95000"/>
-                        </a:lnSpc>
-                        <a:spcBef>
-                          <a:spcPct val="40000"/>
-                        </a:spcBef>
-                        <a:spcAft>
-                          <a:spcPct val="0"/>
-                        </a:spcAft>
-                        <a:buClr>
-                          <a:schemeClr val="tx1"/>
-                        </a:buClr>
-                        <a:buSzTx/>
-                        <a:buFontTx/>
-                        <a:buNone/>
-                        <a:tabLst/>
-                        <a:defRPr/>
-                      </a:pPr>
-                      <a:r>
-                        <a:rPr kumimoji="0" lang="bg-BG" sz="2000" b="1" i="0" u="none" strike="noStrike" kern="1200" cap="none" spc="0" normalizeH="0" baseline="0" dirty="0">
-                          <a:ln>
-                            <a:noFill/>
-                          </a:ln>
-                          <a:solidFill>
-                            <a:srgbClr val="EBFFD2"/>
-                          </a:solidFill>
-                          <a:effectLst>
-                            <a:outerShdw blurRad="38100" dist="38100" dir="2700000" algn="tl">
-                              <a:srgbClr val="000000">
-                                <a:alpha val="43137"/>
-                              </a:srgbClr>
-                            </a:outerShdw>
-                          </a:effectLst>
-                          <a:uLnTx/>
-                          <a:uFillTx/>
-                          <a:latin typeface="+mn-lt"/>
-                          <a:ea typeface="+mn-ea"/>
-                          <a:cs typeface="+mn-cs"/>
-                        </a:rPr>
-                        <a:t>3</a:t>
-                      </a:r>
-                    </a:p>
-                  </a:txBody>
-                  <a:tcPr marL="38100" marR="38100" marT="38100" marB="38100" anchor="ctr">
-                    <a:lnL w="12700" cap="flat" cmpd="sng" algn="ctr">
-                      <a:solidFill>
-                        <a:schemeClr val="accent5">
-                          <a:lumMod val="20000"/>
-                          <a:lumOff val="80000"/>
-                        </a:schemeClr>
-                      </a:solidFill>
-                      <a:prstDash val="solid"/>
-                      <a:round/>
-                      <a:headEnd type="none" w="med" len="med"/>
-                      <a:tailEnd type="none" w="med" len="med"/>
-                    </a:lnL>
-                    <a:lnR w="12700" cap="flat" cmpd="sng" algn="ctr">
-                      <a:solidFill>
-                        <a:schemeClr val="accent5">
-                          <a:lumMod val="20000"/>
-                          <a:lumOff val="80000"/>
-                        </a:schemeClr>
-                      </a:solidFill>
-                      <a:prstDash val="solid"/>
-                      <a:round/>
-                      <a:headEnd type="none" w="med" len="med"/>
-                      <a:tailEnd type="none" w="med" len="med"/>
-                    </a:lnR>
-                    <a:lnT w="12700" cap="flat" cmpd="sng" algn="ctr">
-                      <a:solidFill>
-                        <a:schemeClr val="accent5">
-                          <a:lumMod val="20000"/>
-                          <a:lumOff val="80000"/>
-                        </a:schemeClr>
-                      </a:solidFill>
-                      <a:prstDash val="solid"/>
-                      <a:round/>
-                      <a:headEnd type="none" w="med" len="med"/>
-                      <a:tailEnd type="none" w="med" len="med"/>
-                    </a:lnT>
-                    <a:lnB w="12700" cap="flat" cmpd="sng" algn="ctr">
-                      <a:solidFill>
-                        <a:schemeClr val="accent5">
-                          <a:lumMod val="20000"/>
-                          <a:lumOff val="80000"/>
-                        </a:schemeClr>
-                      </a:solidFill>
-                      <a:prstDash val="solid"/>
-                      <a:round/>
-                      <a:headEnd type="none" w="med" len="med"/>
-                      <a:tailEnd type="none" w="med" len="med"/>
-                    </a:lnB>
-                    <a:lnTlToBr>
-                      <a:noFill/>
-                    </a:lnTlToBr>
-                    <a:lnBlToTr>
-                      <a:noFill/>
-                    </a:lnBlToTr>
-                    <a:noFill/>
-                  </a:tcPr>
-                </a:tc>
-                <a:tc>
-                  <a:txBody>
-                    <a:bodyPr/>
-                    <a:lstStyle/>
-                    <a:p>
-                      <a:pPr marL="0" marR="0" lvl="0" indent="0" algn="ctr" defTabSz="914400" rtl="0" eaLnBrk="0" fontAlgn="base" latinLnBrk="0" hangingPunct="0">
-                        <a:lnSpc>
-                          <a:spcPct val="95000"/>
-                        </a:lnSpc>
-                        <a:spcBef>
-                          <a:spcPct val="40000"/>
-                        </a:spcBef>
-                        <a:spcAft>
-                          <a:spcPct val="0"/>
-                        </a:spcAft>
-                        <a:buClr>
-                          <a:schemeClr val="tx1"/>
-                        </a:buClr>
-                        <a:buSzTx/>
-                        <a:buFontTx/>
-                        <a:buNone/>
-                        <a:tabLst/>
-                        <a:defRPr/>
-                      </a:pPr>
-                      <a:r>
-                        <a:rPr kumimoji="0" lang="bg-BG" sz="2000" b="1" i="0" u="none" strike="noStrike" kern="1200" cap="none" spc="0" normalizeH="0" baseline="0" dirty="0">
-                          <a:ln>
-                            <a:noFill/>
-                          </a:ln>
-                          <a:solidFill>
-                            <a:srgbClr val="EBFFD2"/>
-                          </a:solidFill>
-                          <a:effectLst>
-                            <a:outerShdw blurRad="38100" dist="38100" dir="2700000" algn="tl">
-                              <a:srgbClr val="000000">
-                                <a:alpha val="43137"/>
-                              </a:srgbClr>
-                            </a:outerShdw>
-                          </a:effectLst>
-                          <a:uLnTx/>
-                          <a:uFillTx/>
-                          <a:latin typeface="+mn-lt"/>
-                          <a:ea typeface="+mn-ea"/>
-                          <a:cs typeface="+mn-cs"/>
-                        </a:rPr>
-                        <a:t>2</a:t>
-                      </a:r>
-                    </a:p>
-                  </a:txBody>
-                  <a:tcPr marL="38100" marR="38100" marT="38100" marB="38100" anchor="ctr">
-                    <a:lnL w="12700" cap="flat" cmpd="sng" algn="ctr">
-                      <a:solidFill>
-                        <a:schemeClr val="accent5">
-                          <a:lumMod val="20000"/>
-                          <a:lumOff val="80000"/>
-                        </a:schemeClr>
-                      </a:solidFill>
-                      <a:prstDash val="solid"/>
-                      <a:round/>
-                      <a:headEnd type="none" w="med" len="med"/>
-                      <a:tailEnd type="none" w="med" len="med"/>
-                    </a:lnL>
-                    <a:lnR w="12700" cap="flat" cmpd="sng" algn="ctr">
-                      <a:solidFill>
-                        <a:schemeClr val="accent5">
-                          <a:lumMod val="20000"/>
-                          <a:lumOff val="80000"/>
-                        </a:schemeClr>
-                      </a:solidFill>
-                      <a:prstDash val="solid"/>
-                      <a:round/>
-                      <a:headEnd type="none" w="med" len="med"/>
-                      <a:tailEnd type="none" w="med" len="med"/>
-                    </a:lnR>
-                    <a:lnT w="12700" cap="flat" cmpd="sng" algn="ctr">
-                      <a:solidFill>
-                        <a:schemeClr val="accent5">
-                          <a:lumMod val="20000"/>
-                          <a:lumOff val="80000"/>
-                        </a:schemeClr>
-                      </a:solidFill>
-                      <a:prstDash val="solid"/>
-                      <a:round/>
-                      <a:headEnd type="none" w="med" len="med"/>
-                      <a:tailEnd type="none" w="med" len="med"/>
-                    </a:lnT>
-                    <a:lnB w="12700" cap="flat" cmpd="sng" algn="ctr">
-                      <a:solidFill>
-                        <a:schemeClr val="accent5">
-                          <a:lumMod val="20000"/>
-                          <a:lumOff val="80000"/>
-                        </a:schemeClr>
-                      </a:solidFill>
-                      <a:prstDash val="solid"/>
-                      <a:round/>
-                      <a:headEnd type="none" w="med" len="med"/>
-                      <a:tailEnd type="none" w="med" len="med"/>
-                    </a:lnB>
-                    <a:lnTlToBr>
-                      <a:noFill/>
-                    </a:lnTlToBr>
-                    <a:lnBlToTr>
-                      <a:noFill/>
-                    </a:lnBlToTr>
-                    <a:noFill/>
-                  </a:tcPr>
-                </a:tc>
-                <a:tc>
-                  <a:txBody>
-                    <a:bodyPr/>
-                    <a:lstStyle/>
-                    <a:p>
-                      <a:pPr marL="0" marR="0" lvl="0" indent="0" algn="ctr" defTabSz="914400" rtl="0" eaLnBrk="0" fontAlgn="base" latinLnBrk="0" hangingPunct="0">
-                        <a:lnSpc>
-                          <a:spcPct val="95000"/>
-                        </a:lnSpc>
-                        <a:spcBef>
-                          <a:spcPct val="40000"/>
-                        </a:spcBef>
-                        <a:spcAft>
-                          <a:spcPct val="0"/>
-                        </a:spcAft>
-                        <a:buClr>
-                          <a:schemeClr val="tx1"/>
-                        </a:buClr>
-                        <a:buSzTx/>
-                        <a:buFontTx/>
-                        <a:buNone/>
-                        <a:tabLst/>
-                        <a:defRPr/>
-                      </a:pPr>
-                      <a:r>
-                        <a:rPr kumimoji="0" lang="bg-BG" sz="2000" b="1" i="0" u="none" strike="noStrike" kern="1200" cap="none" spc="0" normalizeH="0" baseline="0" dirty="0">
-                          <a:ln>
-                            <a:noFill/>
-                          </a:ln>
-                          <a:solidFill>
-                            <a:srgbClr val="EBFFD2"/>
-                          </a:solidFill>
-                          <a:effectLst>
-                            <a:outerShdw blurRad="38100" dist="38100" dir="2700000" algn="tl">
-                              <a:srgbClr val="000000">
-                                <a:alpha val="43137"/>
-                              </a:srgbClr>
-                            </a:outerShdw>
-                          </a:effectLst>
-                          <a:uLnTx/>
-                          <a:uFillTx/>
-                          <a:latin typeface="+mn-lt"/>
-                          <a:ea typeface="+mn-ea"/>
-                          <a:cs typeface="+mn-cs"/>
-                        </a:rPr>
-                        <a:t>2</a:t>
-                      </a:r>
-                    </a:p>
-                  </a:txBody>
-                  <a:tcPr marL="38100" marR="38100" marT="38100" marB="38100" anchor="ctr">
-                    <a:lnL w="12700" cap="flat" cmpd="sng" algn="ctr">
-                      <a:solidFill>
-                        <a:schemeClr val="accent5">
-                          <a:lumMod val="20000"/>
-                          <a:lumOff val="80000"/>
-                        </a:schemeClr>
-                      </a:solidFill>
-                      <a:prstDash val="solid"/>
-                      <a:round/>
-                      <a:headEnd type="none" w="med" len="med"/>
-                      <a:tailEnd type="none" w="med" len="med"/>
-                    </a:lnL>
-                    <a:lnR w="12700" cap="flat" cmpd="sng" algn="ctr">
-                      <a:solidFill>
-                        <a:schemeClr val="accent5">
-                          <a:lumMod val="20000"/>
-                          <a:lumOff val="80000"/>
-                        </a:schemeClr>
-                      </a:solidFill>
-                      <a:prstDash val="solid"/>
-                      <a:round/>
-                      <a:headEnd type="none" w="med" len="med"/>
-                      <a:tailEnd type="none" w="med" len="med"/>
-                    </a:lnR>
-                    <a:lnT w="12700" cap="flat" cmpd="sng" algn="ctr">
-                      <a:solidFill>
-                        <a:schemeClr val="accent5">
-                          <a:lumMod val="20000"/>
-                          <a:lumOff val="80000"/>
-                        </a:schemeClr>
-                      </a:solidFill>
-                      <a:prstDash val="solid"/>
-                      <a:round/>
-                      <a:headEnd type="none" w="med" len="med"/>
-                      <a:tailEnd type="none" w="med" len="med"/>
-                    </a:lnT>
-                    <a:lnB w="12700" cap="flat" cmpd="sng" algn="ctr">
-                      <a:solidFill>
-                        <a:schemeClr val="accent5">
-                          <a:lumMod val="20000"/>
-                          <a:lumOff val="80000"/>
-                        </a:schemeClr>
-                      </a:solidFill>
-                      <a:prstDash val="solid"/>
-                      <a:round/>
-                      <a:headEnd type="none" w="med" len="med"/>
-                      <a:tailEnd type="none" w="med" len="med"/>
-                    </a:lnB>
-                    <a:lnTlToBr>
-                      <a:noFill/>
-                    </a:lnTlToBr>
-                    <a:lnBlToTr>
-                      <a:noFill/>
-                    </a:lnBlToTr>
-                    <a:noFill/>
-                  </a:tcPr>
-                </a:tc>
-                <a:tc>
-                  <a:txBody>
-                    <a:bodyPr/>
-                    <a:lstStyle/>
-                    <a:p>
-                      <a:pPr marL="0" marR="0" lvl="0" indent="0" algn="ctr" defTabSz="914400" rtl="0" eaLnBrk="0" fontAlgn="base" latinLnBrk="0" hangingPunct="0">
-                        <a:lnSpc>
-                          <a:spcPct val="95000"/>
-                        </a:lnSpc>
-                        <a:spcBef>
-                          <a:spcPct val="40000"/>
-                        </a:spcBef>
-                        <a:spcAft>
-                          <a:spcPct val="0"/>
-                        </a:spcAft>
-                        <a:buClr>
-                          <a:schemeClr val="tx1"/>
-                        </a:buClr>
-                        <a:buSzTx/>
-                        <a:buFontTx/>
-                        <a:buNone/>
-                        <a:tabLst/>
-                        <a:defRPr/>
-                      </a:pPr>
-                      <a:r>
-                        <a:rPr kumimoji="0" lang="bg-BG" sz="2000" b="1" i="0" u="none" strike="noStrike" kern="1200" cap="none" spc="0" normalizeH="0" baseline="0" dirty="0">
-                          <a:ln>
-                            <a:noFill/>
-                          </a:ln>
-                          <a:solidFill>
-                            <a:srgbClr val="EBFFD2"/>
-                          </a:solidFill>
-                          <a:effectLst>
-                            <a:outerShdw blurRad="38100" dist="38100" dir="2700000" algn="tl">
-                              <a:srgbClr val="000000">
-                                <a:alpha val="43137"/>
-                              </a:srgbClr>
-                            </a:outerShdw>
-                          </a:effectLst>
-                          <a:uLnTx/>
-                          <a:uFillTx/>
-                          <a:latin typeface="+mn-lt"/>
-                          <a:ea typeface="+mn-ea"/>
-                          <a:cs typeface="+mn-cs"/>
-                        </a:rPr>
-                        <a:t>3</a:t>
-                      </a:r>
-                    </a:p>
-                  </a:txBody>
-                  <a:tcPr marL="38100" marR="38100" marT="38100" marB="38100" anchor="ctr">
-                    <a:lnL w="12700" cap="flat" cmpd="sng" algn="ctr">
-                      <a:solidFill>
-                        <a:schemeClr val="accent5">
-                          <a:lumMod val="20000"/>
-                          <a:lumOff val="80000"/>
-                        </a:schemeClr>
-                      </a:solidFill>
-                      <a:prstDash val="solid"/>
-                      <a:round/>
-                      <a:headEnd type="none" w="med" len="med"/>
-                      <a:tailEnd type="none" w="med" len="med"/>
-                    </a:lnL>
-                    <a:lnR w="12700" cap="flat" cmpd="sng" algn="ctr">
-                      <a:solidFill>
-                        <a:schemeClr val="accent5">
-                          <a:lumMod val="20000"/>
-                          <a:lumOff val="80000"/>
-                        </a:schemeClr>
-                      </a:solidFill>
-                      <a:prstDash val="solid"/>
-                      <a:round/>
-                      <a:headEnd type="none" w="med" len="med"/>
-                      <a:tailEnd type="none" w="med" len="med"/>
-                    </a:lnR>
-                    <a:lnT w="12700" cap="flat" cmpd="sng" algn="ctr">
-                      <a:solidFill>
-                        <a:schemeClr val="accent5">
-                          <a:lumMod val="20000"/>
-                          <a:lumOff val="80000"/>
-                        </a:schemeClr>
-                      </a:solidFill>
-                      <a:prstDash val="solid"/>
-                      <a:round/>
-                      <a:headEnd type="none" w="med" len="med"/>
-                      <a:tailEnd type="none" w="med" len="med"/>
-                    </a:lnT>
-                    <a:lnB w="12700" cap="flat" cmpd="sng" algn="ctr">
-                      <a:solidFill>
-                        <a:schemeClr val="accent5">
-                          <a:lumMod val="20000"/>
-                          <a:lumOff val="80000"/>
-                        </a:schemeClr>
-                      </a:solidFill>
-                      <a:prstDash val="solid"/>
-                      <a:round/>
-                      <a:headEnd type="none" w="med" len="med"/>
-                      <a:tailEnd type="none" w="med" len="med"/>
-                    </a:lnB>
-                    <a:lnTlToBr>
-                      <a:noFill/>
-                    </a:lnTlToBr>
-                    <a:lnBlToTr>
-                      <a:noFill/>
-                    </a:lnBlToTr>
-                    <a:noFill/>
-                  </a:tcPr>
-                </a:tc>
-                <a:tc>
-                  <a:txBody>
-                    <a:bodyPr/>
-                    <a:lstStyle/>
-                    <a:p>
-                      <a:pPr marL="0" marR="0" lvl="0" indent="0" algn="ctr" defTabSz="914400" rtl="0" eaLnBrk="0" fontAlgn="base" latinLnBrk="0" hangingPunct="0">
-                        <a:lnSpc>
-                          <a:spcPct val="95000"/>
-                        </a:lnSpc>
-                        <a:spcBef>
-                          <a:spcPct val="40000"/>
-                        </a:spcBef>
-                        <a:spcAft>
-                          <a:spcPct val="0"/>
-                        </a:spcAft>
-                        <a:buClr>
-                          <a:schemeClr val="tx1"/>
-                        </a:buClr>
-                        <a:buSzTx/>
-                        <a:buFontTx/>
-                        <a:buNone/>
-                        <a:tabLst/>
-                        <a:defRPr/>
-                      </a:pPr>
-                      <a:r>
-                        <a:rPr kumimoji="0" lang="bg-BG" sz="2000" b="1" i="0" u="none" strike="noStrike" kern="1200" cap="none" spc="0" normalizeH="0" baseline="0" dirty="0">
-                          <a:ln>
-                            <a:noFill/>
-                          </a:ln>
-                          <a:solidFill>
-                            <a:srgbClr val="EBFFD2"/>
-                          </a:solidFill>
-                          <a:effectLst>
-                            <a:outerShdw blurRad="38100" dist="38100" dir="2700000" algn="tl">
-                              <a:srgbClr val="000000">
-                                <a:alpha val="43137"/>
-                              </a:srgbClr>
-                            </a:outerShdw>
-                          </a:effectLst>
-                          <a:uLnTx/>
-                          <a:uFillTx/>
-                          <a:latin typeface="+mn-lt"/>
-                          <a:ea typeface="+mn-ea"/>
-                          <a:cs typeface="+mn-cs"/>
-                        </a:rPr>
-                        <a:t>4</a:t>
-                      </a:r>
-                    </a:p>
-                  </a:txBody>
-                  <a:tcPr marL="38100" marR="38100" marT="38100" marB="38100" anchor="ctr">
-                    <a:lnL w="12700" cap="flat" cmpd="sng" algn="ctr">
-                      <a:solidFill>
-                        <a:schemeClr val="accent5">
-                          <a:lumMod val="20000"/>
-                          <a:lumOff val="80000"/>
-                        </a:schemeClr>
-                      </a:solidFill>
-                      <a:prstDash val="solid"/>
-                      <a:round/>
-                      <a:headEnd type="none" w="med" len="med"/>
-                      <a:tailEnd type="none" w="med" len="med"/>
-                    </a:lnL>
-                    <a:lnR w="12700" cap="flat" cmpd="sng" algn="ctr">
-                      <a:solidFill>
-                        <a:schemeClr val="accent5">
-                          <a:lumMod val="20000"/>
-                          <a:lumOff val="80000"/>
-                        </a:schemeClr>
-                      </a:solidFill>
-                      <a:prstDash val="solid"/>
-                      <a:round/>
-                      <a:headEnd type="none" w="med" len="med"/>
-                      <a:tailEnd type="none" w="med" len="med"/>
-                    </a:lnR>
-                    <a:lnT w="12700" cap="flat" cmpd="sng" algn="ctr">
-                      <a:solidFill>
-                        <a:schemeClr val="accent5">
-                          <a:lumMod val="20000"/>
-                          <a:lumOff val="80000"/>
-                        </a:schemeClr>
-                      </a:solidFill>
-                      <a:prstDash val="solid"/>
-                      <a:round/>
-                      <a:headEnd type="none" w="med" len="med"/>
-                      <a:tailEnd type="none" w="med" len="med"/>
-                    </a:lnT>
-                    <a:lnB w="12700" cap="flat" cmpd="sng" algn="ctr">
-                      <a:solidFill>
-                        <a:schemeClr val="accent5">
-                          <a:lumMod val="20000"/>
-                          <a:lumOff val="80000"/>
-                        </a:schemeClr>
-                      </a:solidFill>
-                      <a:prstDash val="solid"/>
-                      <a:round/>
-                      <a:headEnd type="none" w="med" len="med"/>
-                      <a:tailEnd type="none" w="med" len="med"/>
-                    </a:lnB>
-                    <a:lnTlToBr>
-                      <a:noFill/>
-                    </a:lnTlToBr>
-                    <a:lnBlToTr>
-                      <a:noFill/>
-                    </a:lnBlToTr>
-                    <a:noFill/>
-                  </a:tcPr>
-                </a:tc>
-              </a:tr>
-              <a:tr h="490538">
-                <a:tc>
-                  <a:txBody>
-                    <a:bodyPr/>
-                    <a:lstStyle/>
-                    <a:p>
-                      <a:pPr marL="0" marR="0" lvl="0" indent="0" algn="l" defTabSz="914400" rtl="0" eaLnBrk="0" fontAlgn="base" latinLnBrk="0" hangingPunct="0">
-                        <a:lnSpc>
-                          <a:spcPct val="95000"/>
-                        </a:lnSpc>
-                        <a:spcBef>
-                          <a:spcPct val="40000"/>
-                        </a:spcBef>
-                        <a:spcAft>
-                          <a:spcPct val="0"/>
-                        </a:spcAft>
-                        <a:buClr>
-                          <a:schemeClr val="tx1"/>
-                        </a:buClr>
-                        <a:buSzTx/>
-                        <a:buFontTx/>
-                        <a:buNone/>
-                        <a:tabLst/>
-                        <a:defRPr/>
-                      </a:pPr>
-                      <a:r>
-                        <a:rPr kumimoji="0" lang="en-US" sz="2000" b="1" i="0" u="none" strike="noStrike" kern="1200" cap="none" spc="0" normalizeH="0" baseline="0" dirty="0">
-                          <a:ln>
-                            <a:noFill/>
-                          </a:ln>
-                          <a:solidFill>
-                            <a:srgbClr val="EBFFD2"/>
-                          </a:solidFill>
-                          <a:effectLst>
-                            <a:outerShdw blurRad="38100" dist="38100" dir="2700000" algn="tl">
-                              <a:srgbClr val="000000">
-                                <a:alpha val="43137"/>
-                              </a:srgbClr>
-                            </a:outerShdw>
-                          </a:effectLst>
-                          <a:uLnTx/>
-                          <a:uFillTx/>
-                          <a:latin typeface="+mn-lt"/>
-                          <a:ea typeface="+mn-ea"/>
-                          <a:cs typeface="+mn-cs"/>
-                        </a:rPr>
-                        <a:t>Least code</a:t>
-                      </a:r>
-                    </a:p>
-                  </a:txBody>
-                  <a:tcPr marL="38100" marR="38100" marT="38100" marB="38100">
-                    <a:lnL w="28575" cap="flat" cmpd="sng" algn="ctr">
-                      <a:solidFill>
-                        <a:schemeClr val="accent5">
-                          <a:lumMod val="20000"/>
-                          <a:lumOff val="80000"/>
-                        </a:schemeClr>
-                      </a:solidFill>
-                      <a:prstDash val="solid"/>
-                      <a:round/>
-                      <a:headEnd type="none" w="med" len="med"/>
-                      <a:tailEnd type="none" w="med" len="med"/>
-                    </a:lnL>
-                    <a:lnR w="12700" cap="flat" cmpd="sng" algn="ctr">
-                      <a:solidFill>
-                        <a:schemeClr val="accent5">
-                          <a:lumMod val="20000"/>
-                          <a:lumOff val="80000"/>
-                        </a:schemeClr>
-                      </a:solidFill>
-                      <a:prstDash val="solid"/>
-                      <a:round/>
-                      <a:headEnd type="none" w="med" len="med"/>
-                      <a:tailEnd type="none" w="med" len="med"/>
-                    </a:lnR>
-                    <a:lnT w="12700" cap="flat" cmpd="sng" algn="ctr">
-                      <a:solidFill>
-                        <a:schemeClr val="accent5">
-                          <a:lumMod val="20000"/>
-                          <a:lumOff val="80000"/>
-                        </a:schemeClr>
-                      </a:solidFill>
-                      <a:prstDash val="solid"/>
-                      <a:round/>
-                      <a:headEnd type="none" w="med" len="med"/>
-                      <a:tailEnd type="none" w="med" len="med"/>
-                    </a:lnT>
-                    <a:lnB w="12700" cap="flat" cmpd="sng" algn="ctr">
-                      <a:solidFill>
-                        <a:schemeClr val="accent5">
-                          <a:lumMod val="20000"/>
-                          <a:lumOff val="80000"/>
-                        </a:schemeClr>
-                      </a:solidFill>
-                      <a:prstDash val="solid"/>
-                      <a:round/>
-                      <a:headEnd type="none" w="med" len="med"/>
-                      <a:tailEnd type="none" w="med" len="med"/>
-                    </a:lnB>
-                    <a:lnTlToBr>
-                      <a:noFill/>
-                    </a:lnTlToBr>
-                    <a:lnBlToTr>
-                      <a:noFill/>
-                    </a:lnBlToTr>
-                    <a:solidFill>
-                      <a:schemeClr val="accent5">
-                        <a:alpha val="20000"/>
-                      </a:schemeClr>
-                    </a:solidFill>
-                  </a:tcPr>
-                </a:tc>
-                <a:tc>
-                  <a:txBody>
-                    <a:bodyPr/>
-                    <a:lstStyle/>
-                    <a:p>
-                      <a:pPr marL="0" marR="0" lvl="0" indent="0" algn="ctr" defTabSz="914400" rtl="0" eaLnBrk="0" fontAlgn="base" latinLnBrk="0" hangingPunct="0">
-                        <a:lnSpc>
-                          <a:spcPct val="95000"/>
-                        </a:lnSpc>
-                        <a:spcBef>
-                          <a:spcPct val="40000"/>
-                        </a:spcBef>
-                        <a:spcAft>
-                          <a:spcPct val="0"/>
-                        </a:spcAft>
-                        <a:buClr>
-                          <a:schemeClr val="tx1"/>
-                        </a:buClr>
-                        <a:buSzTx/>
-                        <a:buFontTx/>
-                        <a:buNone/>
-                        <a:tabLst/>
-                        <a:defRPr/>
-                      </a:pPr>
-                      <a:r>
-                        <a:rPr kumimoji="0" lang="bg-BG" sz="2000" b="1" i="0" u="none" strike="noStrike" kern="1200" cap="none" spc="0" normalizeH="0" baseline="0" dirty="0">
-                          <a:ln>
-                            <a:noFill/>
-                          </a:ln>
-                          <a:solidFill>
-                            <a:srgbClr val="EBFFD2"/>
-                          </a:solidFill>
-                          <a:effectLst>
-                            <a:outerShdw blurRad="38100" dist="38100" dir="2700000" algn="tl">
-                              <a:srgbClr val="000000">
-                                <a:alpha val="43137"/>
-                              </a:srgbClr>
-                            </a:outerShdw>
-                          </a:effectLst>
-                          <a:uLnTx/>
-                          <a:uFillTx/>
-                          <a:latin typeface="+mn-lt"/>
-                          <a:ea typeface="+mn-ea"/>
-                          <a:cs typeface="+mn-cs"/>
-                        </a:rPr>
-                        <a:t>2</a:t>
-                      </a:r>
-                    </a:p>
-                  </a:txBody>
-                  <a:tcPr marL="38100" marR="38100" marT="38100" marB="38100" anchor="ctr">
-                    <a:lnL w="12700" cap="flat" cmpd="sng" algn="ctr">
-                      <a:solidFill>
-                        <a:schemeClr val="accent5">
-                          <a:lumMod val="20000"/>
-                          <a:lumOff val="80000"/>
-                        </a:schemeClr>
-                      </a:solidFill>
-                      <a:prstDash val="solid"/>
-                      <a:round/>
-                      <a:headEnd type="none" w="med" len="med"/>
-                      <a:tailEnd type="none" w="med" len="med"/>
-                    </a:lnL>
-                    <a:lnR w="12700" cap="flat" cmpd="sng" algn="ctr">
-                      <a:solidFill>
-                        <a:schemeClr val="accent5">
-                          <a:lumMod val="20000"/>
-                          <a:lumOff val="80000"/>
-                        </a:schemeClr>
-                      </a:solidFill>
-                      <a:prstDash val="solid"/>
-                      <a:round/>
-                      <a:headEnd type="none" w="med" len="med"/>
-                      <a:tailEnd type="none" w="med" len="med"/>
-                    </a:lnR>
-                    <a:lnT w="12700" cap="flat" cmpd="sng" algn="ctr">
-                      <a:solidFill>
-                        <a:schemeClr val="accent5">
-                          <a:lumMod val="20000"/>
-                          <a:lumOff val="80000"/>
-                        </a:schemeClr>
-                      </a:solidFill>
-                      <a:prstDash val="solid"/>
-                      <a:round/>
-                      <a:headEnd type="none" w="med" len="med"/>
-                      <a:tailEnd type="none" w="med" len="med"/>
-                    </a:lnT>
-                    <a:lnB w="12700" cap="flat" cmpd="sng" algn="ctr">
-                      <a:solidFill>
-                        <a:schemeClr val="accent5">
-                          <a:lumMod val="20000"/>
-                          <a:lumOff val="80000"/>
-                        </a:schemeClr>
-                      </a:solidFill>
-                      <a:prstDash val="solid"/>
-                      <a:round/>
-                      <a:headEnd type="none" w="med" len="med"/>
-                      <a:tailEnd type="none" w="med" len="med"/>
-                    </a:lnB>
-                    <a:lnTlToBr>
-                      <a:noFill/>
-                    </a:lnTlToBr>
-                    <a:lnBlToTr>
-                      <a:noFill/>
-                    </a:lnBlToTr>
-                    <a:solidFill>
-                      <a:schemeClr val="accent5">
-                        <a:alpha val="20000"/>
-                      </a:schemeClr>
-                    </a:solidFill>
-                  </a:tcPr>
-                </a:tc>
-                <a:tc>
-                  <a:txBody>
-                    <a:bodyPr/>
-                    <a:lstStyle/>
-                    <a:p>
-                      <a:pPr marL="0" marR="0" lvl="0" indent="0" algn="ctr" defTabSz="914400" rtl="0" eaLnBrk="0" fontAlgn="base" latinLnBrk="0" hangingPunct="0">
-                        <a:lnSpc>
-                          <a:spcPct val="95000"/>
-                        </a:lnSpc>
-                        <a:spcBef>
-                          <a:spcPct val="40000"/>
-                        </a:spcBef>
-                        <a:spcAft>
-                          <a:spcPct val="0"/>
-                        </a:spcAft>
-                        <a:buClr>
-                          <a:schemeClr val="tx1"/>
-                        </a:buClr>
-                        <a:buSzTx/>
-                        <a:buFontTx/>
-                        <a:buNone/>
-                        <a:tabLst/>
-                        <a:defRPr/>
-                      </a:pPr>
-                      <a:r>
-                        <a:rPr kumimoji="0" lang="bg-BG" sz="2000" b="1" i="0" u="none" strike="noStrike" kern="1200" cap="none" spc="0" normalizeH="0" baseline="0" dirty="0">
-                          <a:ln>
-                            <a:noFill/>
-                          </a:ln>
-                          <a:solidFill>
-                            <a:srgbClr val="EBFFD2"/>
-                          </a:solidFill>
-                          <a:effectLst>
-                            <a:outerShdw blurRad="38100" dist="38100" dir="2700000" algn="tl">
-                              <a:srgbClr val="000000">
-                                <a:alpha val="43137"/>
-                              </a:srgbClr>
-                            </a:outerShdw>
-                          </a:effectLst>
-                          <a:uLnTx/>
-                          <a:uFillTx/>
-                          <a:latin typeface="+mn-lt"/>
-                          <a:ea typeface="+mn-ea"/>
-                          <a:cs typeface="+mn-cs"/>
-                        </a:rPr>
-                        <a:t>5</a:t>
-                      </a:r>
-                    </a:p>
-                  </a:txBody>
-                  <a:tcPr marL="38100" marR="38100" marT="38100" marB="38100" anchor="ctr">
-                    <a:lnL w="12700" cap="flat" cmpd="sng" algn="ctr">
-                      <a:solidFill>
-                        <a:schemeClr val="accent5">
-                          <a:lumMod val="20000"/>
-                          <a:lumOff val="80000"/>
-                        </a:schemeClr>
-                      </a:solidFill>
-                      <a:prstDash val="solid"/>
-                      <a:round/>
-                      <a:headEnd type="none" w="med" len="med"/>
-                      <a:tailEnd type="none" w="med" len="med"/>
-                    </a:lnL>
-                    <a:lnR w="12700" cap="flat" cmpd="sng" algn="ctr">
-                      <a:solidFill>
-                        <a:schemeClr val="accent5">
-                          <a:lumMod val="20000"/>
-                          <a:lumOff val="80000"/>
-                        </a:schemeClr>
-                      </a:solidFill>
-                      <a:prstDash val="solid"/>
-                      <a:round/>
-                      <a:headEnd type="none" w="med" len="med"/>
-                      <a:tailEnd type="none" w="med" len="med"/>
-                    </a:lnR>
-                    <a:lnT w="12700" cap="flat" cmpd="sng" algn="ctr">
-                      <a:solidFill>
-                        <a:schemeClr val="accent5">
-                          <a:lumMod val="20000"/>
-                          <a:lumOff val="80000"/>
-                        </a:schemeClr>
-                      </a:solidFill>
-                      <a:prstDash val="solid"/>
-                      <a:round/>
-                      <a:headEnd type="none" w="med" len="med"/>
-                      <a:tailEnd type="none" w="med" len="med"/>
-                    </a:lnT>
-                    <a:lnB w="12700" cap="flat" cmpd="sng" algn="ctr">
-                      <a:solidFill>
-                        <a:schemeClr val="accent5">
-                          <a:lumMod val="20000"/>
-                          <a:lumOff val="80000"/>
-                        </a:schemeClr>
-                      </a:solidFill>
-                      <a:prstDash val="solid"/>
-                      <a:round/>
-                      <a:headEnd type="none" w="med" len="med"/>
-                      <a:tailEnd type="none" w="med" len="med"/>
-                    </a:lnB>
-                    <a:lnTlToBr>
-                      <a:noFill/>
-                    </a:lnTlToBr>
-                    <a:lnBlToTr>
-                      <a:noFill/>
-                    </a:lnBlToTr>
-                    <a:solidFill>
-                      <a:schemeClr val="accent5">
-                        <a:alpha val="20000"/>
-                      </a:schemeClr>
-                    </a:solidFill>
-                  </a:tcPr>
-                </a:tc>
-                <a:tc>
-                  <a:txBody>
-                    <a:bodyPr/>
-                    <a:lstStyle/>
-                    <a:p>
-                      <a:pPr marL="0" marR="0" lvl="0" indent="0" algn="ctr" defTabSz="914400" rtl="0" eaLnBrk="0" fontAlgn="base" latinLnBrk="0" hangingPunct="0">
-                        <a:lnSpc>
-                          <a:spcPct val="95000"/>
-                        </a:lnSpc>
-                        <a:spcBef>
-                          <a:spcPct val="40000"/>
-                        </a:spcBef>
-                        <a:spcAft>
-                          <a:spcPct val="0"/>
-                        </a:spcAft>
-                        <a:buClr>
-                          <a:schemeClr val="tx1"/>
-                        </a:buClr>
-                        <a:buSzTx/>
-                        <a:buFontTx/>
-                        <a:buNone/>
-                        <a:tabLst/>
-                        <a:defRPr/>
-                      </a:pPr>
-                      <a:r>
-                        <a:rPr kumimoji="0" lang="bg-BG" sz="2000" b="1" i="0" u="none" strike="noStrike" kern="1200" cap="none" spc="0" normalizeH="0" baseline="0" dirty="0">
-                          <a:ln>
-                            <a:noFill/>
-                          </a:ln>
-                          <a:solidFill>
-                            <a:srgbClr val="EBFFD2"/>
-                          </a:solidFill>
-                          <a:effectLst>
-                            <a:outerShdw blurRad="38100" dist="38100" dir="2700000" algn="tl">
-                              <a:srgbClr val="000000">
-                                <a:alpha val="43137"/>
-                              </a:srgbClr>
-                            </a:outerShdw>
-                          </a:effectLst>
-                          <a:uLnTx/>
-                          <a:uFillTx/>
-                          <a:latin typeface="+mn-lt"/>
-                          <a:ea typeface="+mn-ea"/>
-                          <a:cs typeface="+mn-cs"/>
-                        </a:rPr>
-                        <a:t>3</a:t>
-                      </a:r>
-                    </a:p>
-                  </a:txBody>
-                  <a:tcPr marL="38100" marR="38100" marT="38100" marB="38100" anchor="ctr">
-                    <a:lnL w="12700" cap="flat" cmpd="sng" algn="ctr">
-                      <a:solidFill>
-                        <a:schemeClr val="accent5">
-                          <a:lumMod val="20000"/>
-                          <a:lumOff val="80000"/>
-                        </a:schemeClr>
-                      </a:solidFill>
-                      <a:prstDash val="solid"/>
-                      <a:round/>
-                      <a:headEnd type="none" w="med" len="med"/>
-                      <a:tailEnd type="none" w="med" len="med"/>
-                    </a:lnL>
-                    <a:lnR w="12700" cap="flat" cmpd="sng" algn="ctr">
-                      <a:solidFill>
-                        <a:schemeClr val="accent5">
-                          <a:lumMod val="20000"/>
-                          <a:lumOff val="80000"/>
-                        </a:schemeClr>
-                      </a:solidFill>
-                      <a:prstDash val="solid"/>
-                      <a:round/>
-                      <a:headEnd type="none" w="med" len="med"/>
-                      <a:tailEnd type="none" w="med" len="med"/>
-                    </a:lnR>
-                    <a:lnT w="12700" cap="flat" cmpd="sng" algn="ctr">
-                      <a:solidFill>
-                        <a:schemeClr val="accent5">
-                          <a:lumMod val="20000"/>
-                          <a:lumOff val="80000"/>
-                        </a:schemeClr>
-                      </a:solidFill>
-                      <a:prstDash val="solid"/>
-                      <a:round/>
-                      <a:headEnd type="none" w="med" len="med"/>
-                      <a:tailEnd type="none" w="med" len="med"/>
-                    </a:lnT>
-                    <a:lnB w="12700" cap="flat" cmpd="sng" algn="ctr">
-                      <a:solidFill>
-                        <a:schemeClr val="accent5">
-                          <a:lumMod val="20000"/>
-                          <a:lumOff val="80000"/>
-                        </a:schemeClr>
-                      </a:solidFill>
-                      <a:prstDash val="solid"/>
-                      <a:round/>
-                      <a:headEnd type="none" w="med" len="med"/>
-                      <a:tailEnd type="none" w="med" len="med"/>
-                    </a:lnB>
-                    <a:lnTlToBr>
-                      <a:noFill/>
-                    </a:lnTlToBr>
-                    <a:lnBlToTr>
-                      <a:noFill/>
-                    </a:lnBlToTr>
-                    <a:solidFill>
-                      <a:schemeClr val="accent5">
-                        <a:alpha val="20000"/>
-                      </a:schemeClr>
-                    </a:solidFill>
-                  </a:tcPr>
-                </a:tc>
-                <a:tc>
-                  <a:txBody>
-                    <a:bodyPr/>
-                    <a:lstStyle/>
-                    <a:p>
-                      <a:pPr marL="0" marR="0" lvl="0" indent="0" algn="ctr" defTabSz="914400" rtl="0" eaLnBrk="0" fontAlgn="base" latinLnBrk="0" hangingPunct="0">
-                        <a:lnSpc>
-                          <a:spcPct val="95000"/>
-                        </a:lnSpc>
-                        <a:spcBef>
-                          <a:spcPct val="40000"/>
-                        </a:spcBef>
-                        <a:spcAft>
-                          <a:spcPct val="0"/>
-                        </a:spcAft>
-                        <a:buClr>
-                          <a:schemeClr val="tx1"/>
-                        </a:buClr>
-                        <a:buSzTx/>
-                        <a:buFontTx/>
-                        <a:buNone/>
-                        <a:tabLst/>
-                        <a:defRPr/>
-                      </a:pPr>
-                      <a:r>
-                        <a:rPr kumimoji="0" lang="bg-BG" sz="2000" b="1" i="0" u="none" strike="noStrike" kern="1200" cap="none" spc="0" normalizeH="0" baseline="0" dirty="0">
-                          <a:ln>
-                            <a:noFill/>
-                          </a:ln>
-                          <a:solidFill>
-                            <a:srgbClr val="EBFFD2"/>
-                          </a:solidFill>
-                          <a:effectLst>
-                            <a:outerShdw blurRad="38100" dist="38100" dir="2700000" algn="tl">
-                              <a:srgbClr val="000000">
-                                <a:alpha val="43137"/>
-                              </a:srgbClr>
-                            </a:outerShdw>
-                          </a:effectLst>
-                          <a:uLnTx/>
-                          <a:uFillTx/>
-                          <a:latin typeface="+mn-lt"/>
-                          <a:ea typeface="+mn-ea"/>
-                          <a:cs typeface="+mn-cs"/>
-                        </a:rPr>
-                        <a:t>1</a:t>
-                      </a:r>
-                    </a:p>
-                  </a:txBody>
-                  <a:tcPr marL="38100" marR="38100" marT="38100" marB="38100" anchor="ctr">
-                    <a:lnL w="12700" cap="flat" cmpd="sng" algn="ctr">
-                      <a:solidFill>
-                        <a:schemeClr val="accent5">
-                          <a:lumMod val="20000"/>
-                          <a:lumOff val="80000"/>
-                        </a:schemeClr>
-                      </a:solidFill>
-                      <a:prstDash val="solid"/>
-                      <a:round/>
-                      <a:headEnd type="none" w="med" len="med"/>
-                      <a:tailEnd type="none" w="med" len="med"/>
-                    </a:lnL>
-                    <a:lnR w="12700" cap="flat" cmpd="sng" algn="ctr">
-                      <a:solidFill>
-                        <a:schemeClr val="accent5">
-                          <a:lumMod val="20000"/>
-                          <a:lumOff val="80000"/>
-                        </a:schemeClr>
-                      </a:solidFill>
-                      <a:prstDash val="solid"/>
-                      <a:round/>
-                      <a:headEnd type="none" w="med" len="med"/>
-                      <a:tailEnd type="none" w="med" len="med"/>
-                    </a:lnR>
-                    <a:lnT w="12700" cap="flat" cmpd="sng" algn="ctr">
-                      <a:solidFill>
-                        <a:schemeClr val="accent5">
-                          <a:lumMod val="20000"/>
-                          <a:lumOff val="80000"/>
-                        </a:schemeClr>
-                      </a:solidFill>
-                      <a:prstDash val="solid"/>
-                      <a:round/>
-                      <a:headEnd type="none" w="med" len="med"/>
-                      <a:tailEnd type="none" w="med" len="med"/>
-                    </a:lnT>
-                    <a:lnB w="12700" cap="flat" cmpd="sng" algn="ctr">
-                      <a:solidFill>
-                        <a:schemeClr val="accent5">
-                          <a:lumMod val="20000"/>
-                          <a:lumOff val="80000"/>
-                        </a:schemeClr>
-                      </a:solidFill>
-                      <a:prstDash val="solid"/>
-                      <a:round/>
-                      <a:headEnd type="none" w="med" len="med"/>
-                      <a:tailEnd type="none" w="med" len="med"/>
-                    </a:lnB>
-                    <a:lnTlToBr>
-                      <a:noFill/>
-                    </a:lnTlToBr>
-                    <a:lnBlToTr>
-                      <a:noFill/>
-                    </a:lnBlToTr>
-                    <a:solidFill>
-                      <a:schemeClr val="accent5">
-                        <a:alpha val="20000"/>
-                      </a:schemeClr>
-                    </a:solidFill>
-                  </a:tcPr>
-                </a:tc>
-                <a:tc>
-                  <a:txBody>
-                    <a:bodyPr/>
-                    <a:lstStyle/>
-                    <a:p>
-                      <a:pPr marL="0" marR="0" lvl="0" indent="0" algn="ctr" defTabSz="914400" rtl="0" eaLnBrk="0" fontAlgn="base" latinLnBrk="0" hangingPunct="0">
-                        <a:lnSpc>
-                          <a:spcPct val="95000"/>
-                        </a:lnSpc>
-                        <a:spcBef>
-                          <a:spcPct val="40000"/>
-                        </a:spcBef>
-                        <a:spcAft>
-                          <a:spcPct val="0"/>
-                        </a:spcAft>
-                        <a:buClr>
-                          <a:schemeClr val="tx1"/>
-                        </a:buClr>
-                        <a:buSzTx/>
-                        <a:buFontTx/>
-                        <a:buNone/>
-                        <a:tabLst/>
-                        <a:defRPr/>
-                      </a:pPr>
-                      <a:r>
-                        <a:rPr kumimoji="0" lang="bg-BG" sz="2000" b="1" i="0" u="none" strike="noStrike" kern="1200" cap="none" spc="0" normalizeH="0" baseline="0" dirty="0">
-                          <a:ln>
-                            <a:noFill/>
-                          </a:ln>
-                          <a:solidFill>
-                            <a:srgbClr val="EBFFD2"/>
-                          </a:solidFill>
-                          <a:effectLst>
-                            <a:outerShdw blurRad="38100" dist="38100" dir="2700000" algn="tl">
-                              <a:srgbClr val="000000">
-                                <a:alpha val="43137"/>
-                              </a:srgbClr>
-                            </a:outerShdw>
-                          </a:effectLst>
-                          <a:uLnTx/>
-                          <a:uFillTx/>
-                          <a:latin typeface="+mn-lt"/>
-                          <a:ea typeface="+mn-ea"/>
-                          <a:cs typeface="+mn-cs"/>
-                        </a:rPr>
-                        <a:t>3</a:t>
-                      </a:r>
-                    </a:p>
-                  </a:txBody>
-                  <a:tcPr marL="38100" marR="38100" marT="38100" marB="38100" anchor="ctr">
-                    <a:lnL w="12700" cap="flat" cmpd="sng" algn="ctr">
-                      <a:solidFill>
-                        <a:schemeClr val="accent5">
-                          <a:lumMod val="20000"/>
-                          <a:lumOff val="80000"/>
-                        </a:schemeClr>
-                      </a:solidFill>
-                      <a:prstDash val="solid"/>
-                      <a:round/>
-                      <a:headEnd type="none" w="med" len="med"/>
-                      <a:tailEnd type="none" w="med" len="med"/>
-                    </a:lnL>
-                    <a:lnR w="12700" cap="flat" cmpd="sng" algn="ctr">
-                      <a:solidFill>
-                        <a:schemeClr val="accent5">
-                          <a:lumMod val="20000"/>
-                          <a:lumOff val="80000"/>
-                        </a:schemeClr>
-                      </a:solidFill>
-                      <a:prstDash val="solid"/>
-                      <a:round/>
-                      <a:headEnd type="none" w="med" len="med"/>
-                      <a:tailEnd type="none" w="med" len="med"/>
-                    </a:lnR>
-                    <a:lnT w="12700" cap="flat" cmpd="sng" algn="ctr">
-                      <a:solidFill>
-                        <a:schemeClr val="accent5">
-                          <a:lumMod val="20000"/>
-                          <a:lumOff val="80000"/>
-                        </a:schemeClr>
-                      </a:solidFill>
-                      <a:prstDash val="solid"/>
-                      <a:round/>
-                      <a:headEnd type="none" w="med" len="med"/>
-                      <a:tailEnd type="none" w="med" len="med"/>
-                    </a:lnT>
-                    <a:lnB w="12700" cap="flat" cmpd="sng" algn="ctr">
-                      <a:solidFill>
-                        <a:schemeClr val="accent5">
-                          <a:lumMod val="20000"/>
-                          <a:lumOff val="80000"/>
-                        </a:schemeClr>
-                      </a:solidFill>
-                      <a:prstDash val="solid"/>
-                      <a:round/>
-                      <a:headEnd type="none" w="med" len="med"/>
-                      <a:tailEnd type="none" w="med" len="med"/>
-                    </a:lnB>
-                    <a:lnTlToBr>
-                      <a:noFill/>
-                    </a:lnTlToBr>
-                    <a:lnBlToTr>
-                      <a:noFill/>
-                    </a:lnBlToTr>
-                    <a:solidFill>
-                      <a:schemeClr val="accent5">
-                        <a:alpha val="20000"/>
-                      </a:schemeClr>
-                    </a:solidFill>
-                  </a:tcPr>
-                </a:tc>
-              </a:tr>
-              <a:tr h="296863">
-                <a:tc>
-                  <a:txBody>
-                    <a:bodyPr/>
-                    <a:lstStyle/>
-                    <a:p>
-                      <a:pPr marL="0" marR="0" lvl="0" indent="0" algn="l" defTabSz="914400" rtl="0" eaLnBrk="0" fontAlgn="base" latinLnBrk="0" hangingPunct="0">
-                        <a:lnSpc>
-                          <a:spcPct val="95000"/>
-                        </a:lnSpc>
-                        <a:spcBef>
-                          <a:spcPct val="40000"/>
-                        </a:spcBef>
-                        <a:spcAft>
-                          <a:spcPct val="0"/>
-                        </a:spcAft>
-                        <a:buClr>
-                          <a:schemeClr val="tx1"/>
-                        </a:buClr>
-                        <a:buSzTx/>
-                        <a:buFontTx/>
-                        <a:buNone/>
-                        <a:tabLst/>
-                        <a:defRPr/>
-                      </a:pPr>
-                      <a:r>
-                        <a:rPr kumimoji="0" lang="en-US" sz="2000" b="1" i="0" u="none" strike="noStrike" kern="1200" cap="none" spc="0" normalizeH="0" baseline="0" dirty="0">
-                          <a:ln>
-                            <a:noFill/>
-                          </a:ln>
-                          <a:solidFill>
-                            <a:srgbClr val="EBFFD2"/>
-                          </a:solidFill>
-                          <a:effectLst>
-                            <a:outerShdw blurRad="38100" dist="38100" dir="2700000" algn="tl">
-                              <a:srgbClr val="000000">
-                                <a:alpha val="43137"/>
-                              </a:srgbClr>
-                            </a:outerShdw>
-                          </a:effectLst>
-                          <a:uLnTx/>
-                          <a:uFillTx/>
-                          <a:latin typeface="+mn-lt"/>
-                          <a:ea typeface="+mn-ea"/>
-                          <a:cs typeface="+mn-cs"/>
-                        </a:rPr>
-                        <a:t>Minimum programming time</a:t>
-                      </a:r>
-                    </a:p>
-                  </a:txBody>
-                  <a:tcPr marL="38100" marR="38100" marT="38100" marB="38100">
-                    <a:lnL w="28575" cap="flat" cmpd="sng" algn="ctr">
-                      <a:solidFill>
-                        <a:schemeClr val="accent5">
-                          <a:lumMod val="20000"/>
-                          <a:lumOff val="80000"/>
-                        </a:schemeClr>
-                      </a:solidFill>
-                      <a:prstDash val="solid"/>
-                      <a:round/>
-                      <a:headEnd type="none" w="med" len="med"/>
-                      <a:tailEnd type="none" w="med" len="med"/>
-                    </a:lnL>
-                    <a:lnR w="12700" cap="flat" cmpd="sng" algn="ctr">
-                      <a:solidFill>
-                        <a:schemeClr val="accent5">
-                          <a:lumMod val="20000"/>
-                          <a:lumOff val="80000"/>
-                        </a:schemeClr>
-                      </a:solidFill>
-                      <a:prstDash val="solid"/>
-                      <a:round/>
-                      <a:headEnd type="none" w="med" len="med"/>
-                      <a:tailEnd type="none" w="med" len="med"/>
-                    </a:lnR>
-                    <a:lnT w="12700" cap="flat" cmpd="sng" algn="ctr">
-                      <a:solidFill>
-                        <a:schemeClr val="accent5">
-                          <a:lumMod val="20000"/>
-                          <a:lumOff val="80000"/>
-                        </a:schemeClr>
-                      </a:solidFill>
-                      <a:prstDash val="solid"/>
-                      <a:round/>
-                      <a:headEnd type="none" w="med" len="med"/>
-                      <a:tailEnd type="none" w="med" len="med"/>
-                    </a:lnT>
-                    <a:lnB w="12700" cap="flat" cmpd="sng" algn="ctr">
-                      <a:solidFill>
-                        <a:schemeClr val="accent5">
-                          <a:lumMod val="20000"/>
-                          <a:lumOff val="80000"/>
-                        </a:schemeClr>
-                      </a:solidFill>
-                      <a:prstDash val="solid"/>
-                      <a:round/>
-                      <a:headEnd type="none" w="med" len="med"/>
-                      <a:tailEnd type="none" w="med" len="med"/>
-                    </a:lnB>
-                    <a:lnTlToBr>
-                      <a:noFill/>
-                    </a:lnTlToBr>
-                    <a:lnBlToTr>
-                      <a:noFill/>
-                    </a:lnBlToTr>
-                    <a:noFill/>
-                  </a:tcPr>
-                </a:tc>
-                <a:tc>
-                  <a:txBody>
-                    <a:bodyPr/>
-                    <a:lstStyle/>
-                    <a:p>
-                      <a:pPr marL="0" marR="0" lvl="0" indent="0" algn="ctr" defTabSz="914400" rtl="0" eaLnBrk="0" fontAlgn="base" latinLnBrk="0" hangingPunct="0">
-                        <a:lnSpc>
-                          <a:spcPct val="95000"/>
-                        </a:lnSpc>
-                        <a:spcBef>
-                          <a:spcPct val="40000"/>
-                        </a:spcBef>
-                        <a:spcAft>
-                          <a:spcPct val="0"/>
-                        </a:spcAft>
-                        <a:buClr>
-                          <a:schemeClr val="tx1"/>
-                        </a:buClr>
-                        <a:buSzTx/>
-                        <a:buFontTx/>
-                        <a:buNone/>
-                        <a:tabLst/>
-                        <a:defRPr/>
-                      </a:pPr>
-                      <a:r>
-                        <a:rPr kumimoji="0" lang="bg-BG" sz="2000" b="1" i="0" u="none" strike="noStrike" kern="1200" cap="none" spc="0" normalizeH="0" baseline="0">
-                          <a:ln>
-                            <a:noFill/>
-                          </a:ln>
-                          <a:solidFill>
-                            <a:srgbClr val="EBFFD2"/>
-                          </a:solidFill>
-                          <a:effectLst>
-                            <a:outerShdw blurRad="38100" dist="38100" dir="2700000" algn="tl">
-                              <a:srgbClr val="000000">
-                                <a:alpha val="43137"/>
-                              </a:srgbClr>
-                            </a:outerShdw>
-                          </a:effectLst>
-                          <a:uLnTx/>
-                          <a:uFillTx/>
-                          <a:latin typeface="+mn-lt"/>
-                          <a:ea typeface="+mn-ea"/>
-                          <a:cs typeface="+mn-cs"/>
-                        </a:rPr>
-                        <a:t>4</a:t>
-                      </a:r>
-                    </a:p>
-                  </a:txBody>
-                  <a:tcPr marL="38100" marR="38100" marT="38100" marB="38100" anchor="ctr">
-                    <a:lnL w="12700" cap="flat" cmpd="sng" algn="ctr">
-                      <a:solidFill>
-                        <a:schemeClr val="accent5">
-                          <a:lumMod val="20000"/>
-                          <a:lumOff val="80000"/>
-                        </a:schemeClr>
-                      </a:solidFill>
-                      <a:prstDash val="solid"/>
-                      <a:round/>
-                      <a:headEnd type="none" w="med" len="med"/>
-                      <a:tailEnd type="none" w="med" len="med"/>
-                    </a:lnL>
-                    <a:lnR w="12700" cap="flat" cmpd="sng" algn="ctr">
-                      <a:solidFill>
-                        <a:schemeClr val="accent5">
-                          <a:lumMod val="20000"/>
-                          <a:lumOff val="80000"/>
-                        </a:schemeClr>
-                      </a:solidFill>
-                      <a:prstDash val="solid"/>
-                      <a:round/>
-                      <a:headEnd type="none" w="med" len="med"/>
-                      <a:tailEnd type="none" w="med" len="med"/>
-                    </a:lnR>
-                    <a:lnT w="12700" cap="flat" cmpd="sng" algn="ctr">
-                      <a:solidFill>
-                        <a:schemeClr val="accent5">
-                          <a:lumMod val="20000"/>
-                          <a:lumOff val="80000"/>
-                        </a:schemeClr>
-                      </a:solidFill>
-                      <a:prstDash val="solid"/>
-                      <a:round/>
-                      <a:headEnd type="none" w="med" len="med"/>
-                      <a:tailEnd type="none" w="med" len="med"/>
-                    </a:lnT>
-                    <a:lnB w="12700" cap="flat" cmpd="sng" algn="ctr">
-                      <a:solidFill>
-                        <a:schemeClr val="accent5">
-                          <a:lumMod val="20000"/>
-                          <a:lumOff val="80000"/>
-                        </a:schemeClr>
-                      </a:solidFill>
-                      <a:prstDash val="solid"/>
-                      <a:round/>
-                      <a:headEnd type="none" w="med" len="med"/>
-                      <a:tailEnd type="none" w="med" len="med"/>
-                    </a:lnB>
-                    <a:lnTlToBr>
-                      <a:noFill/>
-                    </a:lnTlToBr>
-                    <a:lnBlToTr>
-                      <a:noFill/>
-                    </a:lnBlToTr>
-                    <a:noFill/>
-                  </a:tcPr>
-                </a:tc>
-                <a:tc>
-                  <a:txBody>
-                    <a:bodyPr/>
-                    <a:lstStyle/>
-                    <a:p>
-                      <a:pPr marL="0" marR="0" lvl="0" indent="0" algn="ctr" defTabSz="914400" rtl="0" eaLnBrk="0" fontAlgn="base" latinLnBrk="0" hangingPunct="0">
-                        <a:lnSpc>
-                          <a:spcPct val="95000"/>
-                        </a:lnSpc>
-                        <a:spcBef>
-                          <a:spcPct val="40000"/>
-                        </a:spcBef>
-                        <a:spcAft>
-                          <a:spcPct val="0"/>
-                        </a:spcAft>
-                        <a:buClr>
-                          <a:schemeClr val="tx1"/>
-                        </a:buClr>
-                        <a:buSzTx/>
-                        <a:buFontTx/>
-                        <a:buNone/>
-                        <a:tabLst/>
-                        <a:defRPr/>
-                      </a:pPr>
-                      <a:r>
-                        <a:rPr kumimoji="0" lang="bg-BG" sz="2000" b="1" i="0" u="none" strike="noStrike" kern="1200" cap="none" spc="0" normalizeH="0" baseline="0" dirty="0">
-                          <a:ln>
-                            <a:noFill/>
-                          </a:ln>
-                          <a:solidFill>
-                            <a:srgbClr val="EBFFD2"/>
-                          </a:solidFill>
-                          <a:effectLst>
-                            <a:outerShdw blurRad="38100" dist="38100" dir="2700000" algn="tl">
-                              <a:srgbClr val="000000">
-                                <a:alpha val="43137"/>
-                              </a:srgbClr>
-                            </a:outerShdw>
-                          </a:effectLst>
-                          <a:uLnTx/>
-                          <a:uFillTx/>
-                          <a:latin typeface="+mn-lt"/>
-                          <a:ea typeface="+mn-ea"/>
-                          <a:cs typeface="+mn-cs"/>
-                        </a:rPr>
-                        <a:t>3</a:t>
-                      </a:r>
-                    </a:p>
-                  </a:txBody>
-                  <a:tcPr marL="38100" marR="38100" marT="38100" marB="38100" anchor="ctr">
-                    <a:lnL w="12700" cap="flat" cmpd="sng" algn="ctr">
-                      <a:solidFill>
-                        <a:schemeClr val="accent5">
-                          <a:lumMod val="20000"/>
-                          <a:lumOff val="80000"/>
-                        </a:schemeClr>
-                      </a:solidFill>
-                      <a:prstDash val="solid"/>
-                      <a:round/>
-                      <a:headEnd type="none" w="med" len="med"/>
-                      <a:tailEnd type="none" w="med" len="med"/>
-                    </a:lnL>
-                    <a:lnR w="12700" cap="flat" cmpd="sng" algn="ctr">
-                      <a:solidFill>
-                        <a:schemeClr val="accent5">
-                          <a:lumMod val="20000"/>
-                          <a:lumOff val="80000"/>
-                        </a:schemeClr>
-                      </a:solidFill>
-                      <a:prstDash val="solid"/>
-                      <a:round/>
-                      <a:headEnd type="none" w="med" len="med"/>
-                      <a:tailEnd type="none" w="med" len="med"/>
-                    </a:lnR>
-                    <a:lnT w="12700" cap="flat" cmpd="sng" algn="ctr">
-                      <a:solidFill>
-                        <a:schemeClr val="accent5">
-                          <a:lumMod val="20000"/>
-                          <a:lumOff val="80000"/>
-                        </a:schemeClr>
-                      </a:solidFill>
-                      <a:prstDash val="solid"/>
-                      <a:round/>
-                      <a:headEnd type="none" w="med" len="med"/>
-                      <a:tailEnd type="none" w="med" len="med"/>
-                    </a:lnT>
-                    <a:lnB w="12700" cap="flat" cmpd="sng" algn="ctr">
-                      <a:solidFill>
-                        <a:schemeClr val="accent5">
-                          <a:lumMod val="20000"/>
-                          <a:lumOff val="80000"/>
-                        </a:schemeClr>
-                      </a:solidFill>
-                      <a:prstDash val="solid"/>
-                      <a:round/>
-                      <a:headEnd type="none" w="med" len="med"/>
-                      <a:tailEnd type="none" w="med" len="med"/>
-                    </a:lnB>
-                    <a:lnTlToBr>
-                      <a:noFill/>
-                    </a:lnTlToBr>
-                    <a:lnBlToTr>
-                      <a:noFill/>
-                    </a:lnBlToTr>
-                    <a:noFill/>
-                  </a:tcPr>
-                </a:tc>
-                <a:tc>
-                  <a:txBody>
-                    <a:bodyPr/>
-                    <a:lstStyle/>
-                    <a:p>
-                      <a:pPr marL="0" marR="0" lvl="0" indent="0" algn="ctr" defTabSz="914400" rtl="0" eaLnBrk="0" fontAlgn="base" latinLnBrk="0" hangingPunct="0">
-                        <a:lnSpc>
-                          <a:spcPct val="95000"/>
-                        </a:lnSpc>
-                        <a:spcBef>
-                          <a:spcPct val="40000"/>
-                        </a:spcBef>
-                        <a:spcAft>
-                          <a:spcPct val="0"/>
-                        </a:spcAft>
-                        <a:buClr>
-                          <a:schemeClr val="tx1"/>
-                        </a:buClr>
-                        <a:buSzTx/>
-                        <a:buFontTx/>
-                        <a:buNone/>
-                        <a:tabLst/>
-                        <a:defRPr/>
-                      </a:pPr>
-                      <a:r>
-                        <a:rPr kumimoji="0" lang="bg-BG" sz="2000" b="1" i="0" u="none" strike="noStrike" kern="1200" cap="none" spc="0" normalizeH="0" baseline="0">
-                          <a:ln>
-                            <a:noFill/>
-                          </a:ln>
-                          <a:solidFill>
-                            <a:srgbClr val="EBFFD2"/>
-                          </a:solidFill>
-                          <a:effectLst>
-                            <a:outerShdw blurRad="38100" dist="38100" dir="2700000" algn="tl">
-                              <a:srgbClr val="000000">
-                                <a:alpha val="43137"/>
-                              </a:srgbClr>
-                            </a:outerShdw>
-                          </a:effectLst>
-                          <a:uLnTx/>
-                          <a:uFillTx/>
-                          <a:latin typeface="+mn-lt"/>
-                          <a:ea typeface="+mn-ea"/>
-                          <a:cs typeface="+mn-cs"/>
-                        </a:rPr>
-                        <a:t>5</a:t>
-                      </a:r>
-                    </a:p>
-                  </a:txBody>
-                  <a:tcPr marL="38100" marR="38100" marT="38100" marB="38100" anchor="ctr">
-                    <a:lnL w="12700" cap="flat" cmpd="sng" algn="ctr">
-                      <a:solidFill>
-                        <a:schemeClr val="accent5">
-                          <a:lumMod val="20000"/>
-                          <a:lumOff val="80000"/>
-                        </a:schemeClr>
-                      </a:solidFill>
-                      <a:prstDash val="solid"/>
-                      <a:round/>
-                      <a:headEnd type="none" w="med" len="med"/>
-                      <a:tailEnd type="none" w="med" len="med"/>
-                    </a:lnL>
-                    <a:lnR w="12700" cap="flat" cmpd="sng" algn="ctr">
-                      <a:solidFill>
-                        <a:schemeClr val="accent5">
-                          <a:lumMod val="20000"/>
-                          <a:lumOff val="80000"/>
-                        </a:schemeClr>
-                      </a:solidFill>
-                      <a:prstDash val="solid"/>
-                      <a:round/>
-                      <a:headEnd type="none" w="med" len="med"/>
-                      <a:tailEnd type="none" w="med" len="med"/>
-                    </a:lnR>
-                    <a:lnT w="12700" cap="flat" cmpd="sng" algn="ctr">
-                      <a:solidFill>
-                        <a:schemeClr val="accent5">
-                          <a:lumMod val="20000"/>
-                          <a:lumOff val="80000"/>
-                        </a:schemeClr>
-                      </a:solidFill>
-                      <a:prstDash val="solid"/>
-                      <a:round/>
-                      <a:headEnd type="none" w="med" len="med"/>
-                      <a:tailEnd type="none" w="med" len="med"/>
-                    </a:lnT>
-                    <a:lnB w="12700" cap="flat" cmpd="sng" algn="ctr">
-                      <a:solidFill>
-                        <a:schemeClr val="accent5">
-                          <a:lumMod val="20000"/>
-                          <a:lumOff val="80000"/>
-                        </a:schemeClr>
-                      </a:solidFill>
-                      <a:prstDash val="solid"/>
-                      <a:round/>
-                      <a:headEnd type="none" w="med" len="med"/>
-                      <a:tailEnd type="none" w="med" len="med"/>
-                    </a:lnB>
-                    <a:lnTlToBr>
-                      <a:noFill/>
-                    </a:lnTlToBr>
-                    <a:lnBlToTr>
-                      <a:noFill/>
-                    </a:lnBlToTr>
-                    <a:noFill/>
-                  </a:tcPr>
-                </a:tc>
-                <a:tc>
-                  <a:txBody>
-                    <a:bodyPr/>
-                    <a:lstStyle/>
-                    <a:p>
-                      <a:pPr marL="0" marR="0" lvl="0" indent="0" algn="ctr" defTabSz="914400" rtl="0" eaLnBrk="0" fontAlgn="base" latinLnBrk="0" hangingPunct="0">
-                        <a:lnSpc>
-                          <a:spcPct val="95000"/>
-                        </a:lnSpc>
-                        <a:spcBef>
-                          <a:spcPct val="40000"/>
-                        </a:spcBef>
-                        <a:spcAft>
-                          <a:spcPct val="0"/>
-                        </a:spcAft>
-                        <a:buClr>
-                          <a:schemeClr val="tx1"/>
-                        </a:buClr>
-                        <a:buSzTx/>
-                        <a:buFontTx/>
-                        <a:buNone/>
-                        <a:tabLst/>
-                        <a:defRPr/>
-                      </a:pPr>
-                      <a:r>
-                        <a:rPr kumimoji="0" lang="bg-BG" sz="2000" b="1" i="0" u="none" strike="noStrike" kern="1200" cap="none" spc="0" normalizeH="0" baseline="0" dirty="0">
-                          <a:ln>
-                            <a:noFill/>
-                          </a:ln>
-                          <a:solidFill>
-                            <a:srgbClr val="EBFFD2"/>
-                          </a:solidFill>
-                          <a:effectLst>
-                            <a:outerShdw blurRad="38100" dist="38100" dir="2700000" algn="tl">
-                              <a:srgbClr val="000000">
-                                <a:alpha val="43137"/>
-                              </a:srgbClr>
-                            </a:outerShdw>
-                          </a:effectLst>
-                          <a:uLnTx/>
-                          <a:uFillTx/>
-                          <a:latin typeface="+mn-lt"/>
-                          <a:ea typeface="+mn-ea"/>
-                          <a:cs typeface="+mn-cs"/>
-                        </a:rPr>
-                        <a:t>4</a:t>
-                      </a:r>
-                    </a:p>
-                  </a:txBody>
-                  <a:tcPr marL="38100" marR="38100" marT="38100" marB="38100" anchor="ctr">
-                    <a:lnL w="12700" cap="flat" cmpd="sng" algn="ctr">
-                      <a:solidFill>
-                        <a:schemeClr val="accent5">
-                          <a:lumMod val="20000"/>
-                          <a:lumOff val="80000"/>
-                        </a:schemeClr>
-                      </a:solidFill>
-                      <a:prstDash val="solid"/>
-                      <a:round/>
-                      <a:headEnd type="none" w="med" len="med"/>
-                      <a:tailEnd type="none" w="med" len="med"/>
-                    </a:lnL>
-                    <a:lnR w="12700" cap="flat" cmpd="sng" algn="ctr">
-                      <a:solidFill>
-                        <a:schemeClr val="accent5">
-                          <a:lumMod val="20000"/>
-                          <a:lumOff val="80000"/>
-                        </a:schemeClr>
-                      </a:solidFill>
-                      <a:prstDash val="solid"/>
-                      <a:round/>
-                      <a:headEnd type="none" w="med" len="med"/>
-                      <a:tailEnd type="none" w="med" len="med"/>
-                    </a:lnR>
-                    <a:lnT w="12700" cap="flat" cmpd="sng" algn="ctr">
-                      <a:solidFill>
-                        <a:schemeClr val="accent5">
-                          <a:lumMod val="20000"/>
-                          <a:lumOff val="80000"/>
-                        </a:schemeClr>
-                      </a:solidFill>
-                      <a:prstDash val="solid"/>
-                      <a:round/>
-                      <a:headEnd type="none" w="med" len="med"/>
-                      <a:tailEnd type="none" w="med" len="med"/>
-                    </a:lnT>
-                    <a:lnB w="12700" cap="flat" cmpd="sng" algn="ctr">
-                      <a:solidFill>
-                        <a:schemeClr val="accent5">
-                          <a:lumMod val="20000"/>
-                          <a:lumOff val="80000"/>
-                        </a:schemeClr>
-                      </a:solidFill>
-                      <a:prstDash val="solid"/>
-                      <a:round/>
-                      <a:headEnd type="none" w="med" len="med"/>
-                      <a:tailEnd type="none" w="med" len="med"/>
-                    </a:lnB>
-                    <a:lnTlToBr>
-                      <a:noFill/>
-                    </a:lnTlToBr>
-                    <a:lnBlToTr>
-                      <a:noFill/>
-                    </a:lnBlToTr>
-                    <a:noFill/>
-                  </a:tcPr>
-                </a:tc>
-                <a:tc>
-                  <a:txBody>
-                    <a:bodyPr/>
-                    <a:lstStyle/>
-                    <a:p>
-                      <a:pPr marL="0" marR="0" lvl="0" indent="0" algn="ctr" defTabSz="914400" rtl="0" eaLnBrk="0" fontAlgn="base" latinLnBrk="0" hangingPunct="0">
-                        <a:lnSpc>
-                          <a:spcPct val="95000"/>
-                        </a:lnSpc>
-                        <a:spcBef>
-                          <a:spcPct val="40000"/>
-                        </a:spcBef>
-                        <a:spcAft>
-                          <a:spcPct val="0"/>
-                        </a:spcAft>
-                        <a:buClr>
-                          <a:schemeClr val="tx1"/>
-                        </a:buClr>
-                        <a:buSzTx/>
-                        <a:buFontTx/>
-                        <a:buNone/>
-                        <a:tabLst/>
-                        <a:defRPr/>
-                      </a:pPr>
-                      <a:r>
-                        <a:rPr kumimoji="0" lang="bg-BG" sz="2000" b="1" i="0" u="none" strike="noStrike" kern="1200" cap="none" spc="0" normalizeH="0" baseline="0" dirty="0">
-                          <a:ln>
-                            <a:noFill/>
-                          </a:ln>
-                          <a:solidFill>
-                            <a:srgbClr val="EBFFD2"/>
-                          </a:solidFill>
-                          <a:effectLst>
-                            <a:outerShdw blurRad="38100" dist="38100" dir="2700000" algn="tl">
-                              <a:srgbClr val="000000">
-                                <a:alpha val="43137"/>
-                              </a:srgbClr>
-                            </a:outerShdw>
-                          </a:effectLst>
-                          <a:uLnTx/>
-                          <a:uFillTx/>
-                          <a:latin typeface="+mn-lt"/>
-                          <a:ea typeface="+mn-ea"/>
-                          <a:cs typeface="+mn-cs"/>
-                        </a:rPr>
-                        <a:t>1</a:t>
-                      </a:r>
-                    </a:p>
-                  </a:txBody>
-                  <a:tcPr marL="38100" marR="38100" marT="38100" marB="38100" anchor="ctr">
-                    <a:lnL w="12700" cap="flat" cmpd="sng" algn="ctr">
-                      <a:solidFill>
-                        <a:schemeClr val="accent5">
-                          <a:lumMod val="20000"/>
-                          <a:lumOff val="80000"/>
-                        </a:schemeClr>
-                      </a:solidFill>
-                      <a:prstDash val="solid"/>
-                      <a:round/>
-                      <a:headEnd type="none" w="med" len="med"/>
-                      <a:tailEnd type="none" w="med" len="med"/>
-                    </a:lnL>
-                    <a:lnR w="12700" cap="flat" cmpd="sng" algn="ctr">
-                      <a:solidFill>
-                        <a:schemeClr val="accent5">
-                          <a:lumMod val="20000"/>
-                          <a:lumOff val="80000"/>
-                        </a:schemeClr>
-                      </a:solidFill>
-                      <a:prstDash val="solid"/>
-                      <a:round/>
-                      <a:headEnd type="none" w="med" len="med"/>
-                      <a:tailEnd type="none" w="med" len="med"/>
-                    </a:lnR>
-                    <a:lnT w="12700" cap="flat" cmpd="sng" algn="ctr">
-                      <a:solidFill>
-                        <a:schemeClr val="accent5">
-                          <a:lumMod val="20000"/>
-                          <a:lumOff val="80000"/>
-                        </a:schemeClr>
-                      </a:solidFill>
-                      <a:prstDash val="solid"/>
-                      <a:round/>
-                      <a:headEnd type="none" w="med" len="med"/>
-                      <a:tailEnd type="none" w="med" len="med"/>
-                    </a:lnT>
-                    <a:lnB w="12700" cap="flat" cmpd="sng" algn="ctr">
-                      <a:solidFill>
-                        <a:schemeClr val="accent5">
-                          <a:lumMod val="20000"/>
-                          <a:lumOff val="80000"/>
-                        </a:schemeClr>
-                      </a:solidFill>
-                      <a:prstDash val="solid"/>
-                      <a:round/>
-                      <a:headEnd type="none" w="med" len="med"/>
-                      <a:tailEnd type="none" w="med" len="med"/>
-                    </a:lnB>
-                    <a:lnTlToBr>
-                      <a:noFill/>
-                    </a:lnTlToBr>
-                    <a:lnBlToTr>
-                      <a:noFill/>
-                    </a:lnBlToTr>
-                    <a:noFill/>
-                  </a:tcPr>
-                </a:tc>
-              </a:tr>
-            </a:tbl>
-          </a:graphicData>
-        </a:graphic>
-      </p:graphicFrame>
-      <p:sp>
-        <p:nvSpPr>
-          <p:cNvPr id="6" name="TextBox 5"/>
-          <p:cNvSpPr txBox="1"/>
-          <p:nvPr/>
-        </p:nvSpPr>
-        <p:spPr>
-          <a:xfrm>
-            <a:off x="304800" y="4495800"/>
-            <a:ext cx="8229600" cy="2185214"/>
-          </a:xfrm>
-          <a:prstGeom prst="rect">
-            <a:avLst/>
-          </a:prstGeom>
-          <a:noFill/>
-        </p:spPr>
-        <p:txBody>
-          <a:bodyPr wrap="square" rtlCol="0">
-            <a:spAutoFit/>
-          </a:bodyPr>
-          <a:lstStyle/>
-          <a:p>
-            <a:pPr marL="339725" indent="-339725">
-              <a:buAutoNum type="arabicPeriod"/>
-            </a:pPr>
-            <a:r>
-              <a:rPr lang="en-US" sz="2600" b="1" dirty="0">
-                <a:solidFill>
-                  <a:srgbClr val="EBFFD2"/>
-                </a:solidFill>
-                <a:effectLst>
-                  <a:outerShdw blurRad="38100" dist="38100" dir="2700000" algn="tl">
-                    <a:srgbClr val="000000">
-                      <a:alpha val="43137"/>
-                    </a:srgbClr>
-                  </a:outerShdw>
-                </a:effectLst>
-                <a:latin typeface="+mn-lt"/>
-              </a:rPr>
-              <a:t>Programmers have </a:t>
-            </a:r>
-            <a:r>
-              <a:rPr lang="en-US" sz="2600" b="1" dirty="0">
-                <a:solidFill>
-                  <a:schemeClr val="accent5">
-                    <a:lumMod val="20000"/>
-                    <a:lumOff val="80000"/>
-                  </a:schemeClr>
-                </a:solidFill>
-                <a:effectLst>
-                  <a:outerShdw blurRad="38100" dist="38100" dir="2700000" algn="tl">
-                    <a:srgbClr val="000000">
-                      <a:alpha val="43137"/>
-                    </a:srgbClr>
-                  </a:outerShdw>
-                </a:effectLst>
-                <a:latin typeface="+mn-lt"/>
-              </a:rPr>
-              <a:t>high achievement </a:t>
-            </a:r>
-            <a:r>
-              <a:rPr lang="en-US" sz="2600" b="1" dirty="0" smtClean="0">
-                <a:solidFill>
-                  <a:schemeClr val="accent5">
-                    <a:lumMod val="20000"/>
-                    <a:lumOff val="80000"/>
-                  </a:schemeClr>
-                </a:solidFill>
-                <a:effectLst>
-                  <a:outerShdw blurRad="38100" dist="38100" dir="2700000" algn="tl">
-                    <a:srgbClr val="000000">
-                      <a:alpha val="43137"/>
-                    </a:srgbClr>
-                  </a:outerShdw>
-                </a:effectLst>
-                <a:latin typeface="+mn-lt"/>
-              </a:rPr>
-              <a:t>motivation</a:t>
-            </a:r>
-            <a:r>
-              <a:rPr lang="en-US" sz="2600" b="1" dirty="0" smtClean="0">
-                <a:solidFill>
-                  <a:srgbClr val="EBFFD2"/>
-                </a:solidFill>
-                <a:effectLst>
-                  <a:outerShdw blurRad="38100" dist="38100" dir="2700000" algn="tl">
-                    <a:srgbClr val="000000">
-                      <a:alpha val="43137"/>
-                    </a:srgbClr>
-                  </a:outerShdw>
-                </a:effectLst>
-                <a:latin typeface="+mn-lt"/>
-              </a:rPr>
-              <a:t>: </a:t>
-            </a:r>
-          </a:p>
-          <a:p>
-            <a:pPr marL="630238" lvl="1" indent="-273050" eaLnBrk="0" hangingPunct="0">
-              <a:spcBef>
-                <a:spcPts val="600"/>
-              </a:spcBef>
-              <a:spcAft>
-                <a:spcPts val="600"/>
-              </a:spcAft>
-              <a:buClr>
-                <a:srgbClr val="8FD600"/>
-              </a:buClr>
-              <a:buFont typeface="Wingdings 2" pitchFamily="18" charset="2"/>
-              <a:buChar char=""/>
-            </a:pPr>
-            <a:r>
-              <a:rPr lang="en-US" sz="2400" b="1" dirty="0">
-                <a:solidFill>
-                  <a:schemeClr val="tx1">
-                    <a:lumMod val="40000"/>
-                    <a:lumOff val="60000"/>
-                  </a:schemeClr>
-                </a:solidFill>
-                <a:effectLst>
-                  <a:outerShdw blurRad="38100" dist="38100" dir="2700000" algn="tl">
-                    <a:srgbClr val="000000">
-                      <a:alpha val="43137"/>
-                    </a:srgbClr>
-                  </a:outerShdw>
-                </a:effectLst>
-                <a:latin typeface="+mn-lt"/>
-              </a:rPr>
-              <a:t>They will work to the objectives specified, but they must be told </a:t>
-            </a:r>
-            <a:r>
-              <a:rPr lang="en-US" sz="2400" b="1" dirty="0">
-                <a:solidFill>
-                  <a:schemeClr val="accent5">
-                    <a:lumMod val="20000"/>
-                    <a:lumOff val="80000"/>
-                  </a:schemeClr>
-                </a:solidFill>
-                <a:effectLst>
-                  <a:outerShdw blurRad="38100" dist="38100" dir="2700000" algn="tl">
-                    <a:srgbClr val="000000">
-                      <a:alpha val="43137"/>
-                    </a:srgbClr>
-                  </a:outerShdw>
-                </a:effectLst>
-                <a:latin typeface="+mn-lt"/>
-              </a:rPr>
-              <a:t>what the objectives are</a:t>
-            </a:r>
-          </a:p>
-          <a:p>
-            <a:pPr marL="339725" indent="-339725">
-              <a:buAutoNum type="arabicPeriod"/>
-            </a:pPr>
-            <a:r>
-              <a:rPr lang="en-US" sz="2600" b="1" dirty="0">
-                <a:solidFill>
-                  <a:srgbClr val="EBFFD2"/>
-                </a:solidFill>
-                <a:effectLst>
-                  <a:outerShdw blurRad="38100" dist="38100" dir="2700000" algn="tl">
-                    <a:srgbClr val="000000">
-                      <a:alpha val="43137"/>
-                    </a:srgbClr>
-                  </a:outerShdw>
-                </a:effectLst>
-                <a:latin typeface="+mn-lt"/>
-              </a:rPr>
-              <a:t>Objectives </a:t>
-            </a:r>
-            <a:r>
-              <a:rPr lang="en-US" sz="2600" b="1" dirty="0">
-                <a:solidFill>
-                  <a:schemeClr val="accent5">
-                    <a:lumMod val="20000"/>
-                    <a:lumOff val="80000"/>
-                  </a:schemeClr>
-                </a:solidFill>
-                <a:effectLst>
-                  <a:outerShdw blurRad="38100" dist="38100" dir="2700000" algn="tl">
-                    <a:srgbClr val="000000">
-                      <a:alpha val="43137"/>
-                    </a:srgbClr>
-                  </a:outerShdw>
-                </a:effectLst>
-                <a:latin typeface="+mn-lt"/>
-              </a:rPr>
-              <a:t>conflict</a:t>
-            </a:r>
-            <a:r>
-              <a:rPr lang="en-US" sz="2600" b="1" dirty="0">
-                <a:solidFill>
-                  <a:srgbClr val="EBFFD2"/>
-                </a:solidFill>
-                <a:effectLst>
-                  <a:outerShdw blurRad="38100" dist="38100" dir="2700000" algn="tl">
-                    <a:srgbClr val="000000">
-                      <a:alpha val="43137"/>
-                    </a:srgbClr>
-                  </a:outerShdw>
-                </a:effectLst>
-                <a:latin typeface="+mn-lt"/>
-              </a:rPr>
-              <a:t> and it's generally not possible to do well on all of them</a:t>
-            </a:r>
-            <a:endParaRPr lang="bg-BG" sz="2600" b="1" dirty="0">
-              <a:solidFill>
-                <a:srgbClr val="EBFFD2"/>
-              </a:solidFill>
-              <a:effectLst>
-                <a:outerShdw blurRad="38100" dist="38100" dir="2700000" algn="tl">
-                  <a:srgbClr val="000000">
-                    <a:alpha val="43137"/>
-                  </a:srgbClr>
-                </a:outerShdw>
-              </a:effectLst>
-              <a:latin typeface="+mn-lt"/>
-            </a:endParaRPr>
-          </a:p>
-        </p:txBody>
-      </p:sp>
-    </p:spTree>
-    <p:extLst>
-      <p:ext uri="{BB962C8B-B14F-4D97-AF65-F5344CB8AC3E}">
-        <p14:creationId xmlns:p14="http://schemas.microsoft.com/office/powerpoint/2010/main" val="2810916430"/>
-      </p:ext>
-    </p:extLst>
-  </p:cSld>
-  <p:clrMapOvr>
-    <a:masterClrMapping/>
-  </p:clrMapOvr>
-  <mc:AlternateContent xmlns:mc="http://schemas.openxmlformats.org/markup-compatibility/2006">
-    <mc:Choice xmlns:p14="http://schemas.microsoft.com/office/powerpoint/2010/main" Requires="p14">
-      <p:transition spd="slow" p14:dur="2000"/>
-    </mc:Choice>
-    <mc:Fallback>
-      <p:transition spd="slow"/>
-    </mc:Fallback>
-  </mc:AlternateContent>
-  <p:timing>
-    <p:tnLst>
-      <p:par>
-        <p:cTn id="1" dur="indefinite" restart="never" nodeType="tmRoot"/>
-      </p:par>
-    </p:tnLst>
-  </p:timing>
-</p:sld>
-</file>
-
-<file path=ppt/slides/slide25.xml><?xml version="1.0" encoding="utf-8"?>
+<file path=ppt/slides/slide22.xml><?xml version="1.0" encoding="utf-8"?>
 <p:sld xmlns:a="http://schemas.openxmlformats.org/drawingml/2006/main" xmlns:r="http://schemas.openxmlformats.org/officeDocument/2006/relationships" xmlns:p="http://schemas.openxmlformats.org/presentationml/2006/main">
   <p:cSld>
     <p:spTree>
@@ -27187,7 +21819,7 @@
               <a:pPr>
                 <a:defRPr/>
               </a:pPr>
-              <a:t>25</a:t>
+              <a:t>22</a:t>
             </a:fld>
             <a:endParaRPr lang="en-US" dirty="0"/>
           </a:p>
@@ -27221,7 +21853,7 @@
 </p:sld>
 </file>
 
-<file path=ppt/slides/slide26.xml><?xml version="1.0" encoding="utf-8"?>
+<file path=ppt/slides/slide23.xml><?xml version="1.0" encoding="utf-8"?>
 <p:sld xmlns:a="http://schemas.openxmlformats.org/drawingml/2006/main" xmlns:r="http://schemas.openxmlformats.org/officeDocument/2006/relationships" xmlns:p="http://schemas.openxmlformats.org/presentationml/2006/main">
   <p:cSld>
     <p:spTree>
@@ -30181,7 +24813,7 @@
               <a:pPr>
                 <a:defRPr/>
               </a:pPr>
-              <a:t>26</a:t>
+              <a:t>23</a:t>
             </a:fld>
             <a:endParaRPr lang="en-US" dirty="0"/>
           </a:p>
@@ -30504,7 +25136,7 @@
 </p:sld>
 </file>
 
-<file path=ppt/slides/slide27.xml><?xml version="1.0" encoding="utf-8"?>
+<file path=ppt/slides/slide24.xml><?xml version="1.0" encoding="utf-8"?>
 <p:sld xmlns:a="http://schemas.openxmlformats.org/drawingml/2006/main" xmlns:r="http://schemas.openxmlformats.org/officeDocument/2006/relationships" xmlns:p="http://schemas.openxmlformats.org/presentationml/2006/main">
   <p:cSld>
     <p:spTree>
@@ -30614,7 +25246,7 @@
               <a:pPr>
                 <a:defRPr/>
               </a:pPr>
-              <a:t>27</a:t>
+              <a:t>24</a:t>
             </a:fld>
             <a:endParaRPr lang="en-US" dirty="0"/>
           </a:p>
@@ -30689,7 +25321,7 @@
 </p:sld>
 </file>
 
-<file path=ppt/slides/slide28.xml><?xml version="1.0" encoding="utf-8"?>
+<file path=ppt/slides/slide25.xml><?xml version="1.0" encoding="utf-8"?>
 <p:sld xmlns:a="http://schemas.openxmlformats.org/drawingml/2006/main" xmlns:r="http://schemas.openxmlformats.org/officeDocument/2006/relationships" xmlns:p="http://schemas.openxmlformats.org/presentationml/2006/main">
   <p:cSld>
     <p:spTree>
@@ -30904,7 +25536,7 @@
               <a:pPr>
                 <a:defRPr/>
               </a:pPr>
-              <a:t>28</a:t>
+              <a:t>25</a:t>
             </a:fld>
             <a:endParaRPr lang="en-US" dirty="0"/>
           </a:p>
@@ -30938,8 +25570,8 @@
 </p:sld>
 </file>
 
-<file path=ppt/slides/slide29.xml><?xml version="1.0" encoding="utf-8"?>
-<p:sld xmlns:a="http://schemas.openxmlformats.org/drawingml/2006/main" xmlns:r="http://schemas.openxmlformats.org/officeDocument/2006/relationships" xmlns:p="http://schemas.openxmlformats.org/presentationml/2006/main" show="0">
+<file path=ppt/slides/slide26.xml><?xml version="1.0" encoding="utf-8"?>
+<p:sld xmlns:a="http://schemas.openxmlformats.org/drawingml/2006/main" xmlns:r="http://schemas.openxmlformats.org/officeDocument/2006/relationships" xmlns:p="http://schemas.openxmlformats.org/presentationml/2006/main">
   <p:cSld>
     <p:spTree>
       <p:nvGrpSpPr>
@@ -30957,7 +25589,895 @@
       </p:grpSpPr>
       <p:sp>
         <p:nvSpPr>
-          <p:cNvPr id="2" name="Title 1"/>
+          <p:cNvPr id="601090" name="Rectangle 2"/>
+          <p:cNvSpPr>
+            <a:spLocks noGrp="1" noChangeArrowheads="1"/>
+          </p:cNvSpPr>
+          <p:nvPr>
+            <p:ph type="title"/>
+          </p:nvPr>
+        </p:nvSpPr>
+        <p:spPr>
+          <a:xfrm>
+            <a:off x="4191000" y="152400"/>
+            <a:ext cx="4724400" cy="1066800"/>
+          </a:xfrm>
+        </p:spPr>
+        <p:txBody>
+          <a:bodyPr/>
+          <a:lstStyle/>
+          <a:p>
+            <a:pPr>
+              <a:lnSpc>
+                <a:spcPts val="4200"/>
+              </a:lnSpc>
+            </a:pPr>
+            <a:r>
+              <a:rPr lang="en-US" dirty="0"/>
+              <a:t>Software Quality Assurance</a:t>
+            </a:r>
+            <a:endParaRPr lang="bg-BG" dirty="0"/>
+          </a:p>
+        </p:txBody>
+      </p:sp>
+      <p:sp>
+        <p:nvSpPr>
+          <p:cNvPr id="5" name="Content Placeholder 2"/>
+          <p:cNvSpPr>
+            <a:spLocks noGrp="1"/>
+          </p:cNvSpPr>
+          <p:nvPr>
+            <p:ph idx="1"/>
+          </p:nvPr>
+        </p:nvSpPr>
+        <p:spPr>
+          <a:xfrm>
+            <a:off x="1748416" y="2971799"/>
+            <a:ext cx="5642984" cy="1371601"/>
+          </a:xfrm>
+        </p:spPr>
+        <p:txBody>
+          <a:bodyPr wrap="none" lIns="0" tIns="0" rIns="0" bIns="0" anchor="ctr" anchorCtr="0">
+            <a:noAutofit/>
+          </a:bodyPr>
+          <a:lstStyle/>
+          <a:p>
+            <a:pPr marL="0" indent="0" algn="ctr">
+              <a:lnSpc>
+                <a:spcPct val="100000"/>
+              </a:lnSpc>
+              <a:spcBef>
+                <a:spcPts val="0"/>
+              </a:spcBef>
+              <a:spcAft>
+                <a:spcPts val="0"/>
+              </a:spcAft>
+              <a:buNone/>
+            </a:pPr>
+            <a:r>
+              <a:rPr lang="en-US" sz="7200" dirty="0" smtClean="0"/>
+              <a:t>Questions?</a:t>
+            </a:r>
+            <a:endParaRPr lang="en-US" sz="7200" dirty="0"/>
+          </a:p>
+        </p:txBody>
+      </p:sp>
+      <p:sp>
+        <p:nvSpPr>
+          <p:cNvPr id="6" name="TextBox 5"/>
+          <p:cNvSpPr txBox="1"/>
+          <p:nvPr/>
+        </p:nvSpPr>
+        <p:spPr>
+          <a:xfrm rot="12041701" flipH="1">
+            <a:off x="7527114" y="4715840"/>
+            <a:ext cx="949687" cy="1803953"/>
+          </a:xfrm>
+          <a:prstGeom prst="rect">
+            <a:avLst/>
+          </a:prstGeom>
+          <a:noFill/>
+        </p:spPr>
+        <p:txBody>
+          <a:bodyPr wrap="square" rtlCol="0">
+            <a:spAutoFit/>
+            <a:scene3d>
+              <a:camera prst="orthographicFront"/>
+              <a:lightRig rig="threePt" dir="t"/>
+            </a:scene3d>
+            <a:sp3d extrusionH="57150">
+              <a:bevelT w="38100" h="38100" prst="angle"/>
+            </a:sp3d>
+          </a:bodyPr>
+          <a:lstStyle/>
+          <a:p>
+            <a:r>
+              <a:rPr lang="en-US" sz="11500" b="1" dirty="0" smtClean="0">
+                <a:solidFill>
+                  <a:schemeClr val="tx1">
+                    <a:lumMod val="75000"/>
+                  </a:schemeClr>
+                </a:solidFill>
+                <a:effectLst>
+                  <a:reflection blurRad="6350" stA="55000" endA="300" endPos="45500" dir="5400000" sy="-100000" algn="bl" rotWithShape="0"/>
+                </a:effectLst>
+              </a:rPr>
+              <a:t>?</a:t>
+            </a:r>
+            <a:endParaRPr lang="en-US" sz="11500" b="1" dirty="0">
+              <a:solidFill>
+                <a:schemeClr val="tx1">
+                  <a:lumMod val="75000"/>
+                </a:schemeClr>
+              </a:solidFill>
+              <a:effectLst>
+                <a:reflection blurRad="6350" stA="55000" endA="300" endPos="45500" dir="5400000" sy="-100000" algn="bl" rotWithShape="0"/>
+              </a:effectLst>
+            </a:endParaRPr>
+          </a:p>
+        </p:txBody>
+      </p:sp>
+      <p:sp>
+        <p:nvSpPr>
+          <p:cNvPr id="7" name="TextBox 6"/>
+          <p:cNvSpPr txBox="1"/>
+          <p:nvPr/>
+        </p:nvSpPr>
+        <p:spPr>
+          <a:xfrm rot="3464797" flipH="1">
+            <a:off x="968763" y="4574331"/>
+            <a:ext cx="859648" cy="2404656"/>
+          </a:xfrm>
+          <a:prstGeom prst="rect">
+            <a:avLst/>
+          </a:prstGeom>
+          <a:noFill/>
+        </p:spPr>
+        <p:txBody>
+          <a:bodyPr wrap="square" rtlCol="0">
+            <a:spAutoFit/>
+            <a:scene3d>
+              <a:camera prst="orthographicFront"/>
+              <a:lightRig rig="threePt" dir="t"/>
+            </a:scene3d>
+            <a:sp3d extrusionH="57150">
+              <a:bevelT w="38100" h="38100"/>
+            </a:sp3d>
+          </a:bodyPr>
+          <a:lstStyle/>
+          <a:p>
+            <a:r>
+              <a:rPr lang="en-US" sz="14000" b="1" dirty="0" smtClean="0">
+                <a:solidFill>
+                  <a:srgbClr val="FFBF8B"/>
+                </a:solidFill>
+                <a:effectLst>
+                  <a:reflection blurRad="6350" stA="55000" endA="300" endPos="45500" dir="5400000" sy="-100000" algn="bl" rotWithShape="0"/>
+                </a:effectLst>
+                <a:latin typeface="Cambria" pitchFamily="18" charset="0"/>
+              </a:rPr>
+              <a:t>?</a:t>
+            </a:r>
+            <a:endParaRPr lang="en-US" sz="14000" b="1" dirty="0">
+              <a:solidFill>
+                <a:srgbClr val="FFBF8B"/>
+              </a:solidFill>
+              <a:effectLst>
+                <a:reflection blurRad="6350" stA="55000" endA="300" endPos="45500" dir="5400000" sy="-100000" algn="bl" rotWithShape="0"/>
+              </a:effectLst>
+              <a:latin typeface="Cambria" pitchFamily="18" charset="0"/>
+            </a:endParaRPr>
+          </a:p>
+        </p:txBody>
+      </p:sp>
+      <p:sp>
+        <p:nvSpPr>
+          <p:cNvPr id="8" name="TextBox 7"/>
+          <p:cNvSpPr txBox="1"/>
+          <p:nvPr/>
+        </p:nvSpPr>
+        <p:spPr>
+          <a:xfrm rot="9535351" flipH="1">
+            <a:off x="601227" y="2056094"/>
+            <a:ext cx="949687" cy="1401418"/>
+          </a:xfrm>
+          <a:prstGeom prst="rect">
+            <a:avLst/>
+          </a:prstGeom>
+          <a:noFill/>
+        </p:spPr>
+        <p:txBody>
+          <a:bodyPr wrap="square" rtlCol="0">
+            <a:spAutoFit/>
+            <a:scene3d>
+              <a:camera prst="isometricOffAxis1Right"/>
+              <a:lightRig rig="threePt" dir="t"/>
+            </a:scene3d>
+            <a:sp3d extrusionH="57150">
+              <a:bevelT w="38100" h="38100"/>
+            </a:sp3d>
+          </a:bodyPr>
+          <a:lstStyle/>
+          <a:p>
+            <a:r>
+              <a:rPr lang="en-US" sz="8800" dirty="0" smtClean="0">
+                <a:solidFill>
+                  <a:schemeClr val="accent5">
+                    <a:lumMod val="60000"/>
+                    <a:lumOff val="40000"/>
+                  </a:schemeClr>
+                </a:solidFill>
+                <a:effectLst>
+                  <a:reflection blurRad="6350" stA="55000" endA="300" endPos="45500" dir="5400000" sy="-100000" algn="bl" rotWithShape="0"/>
+                </a:effectLst>
+              </a:rPr>
+              <a:t>?</a:t>
+            </a:r>
+            <a:endParaRPr lang="en-US" sz="8800" dirty="0">
+              <a:solidFill>
+                <a:schemeClr val="accent5">
+                  <a:lumMod val="60000"/>
+                  <a:lumOff val="40000"/>
+                </a:schemeClr>
+              </a:solidFill>
+              <a:effectLst>
+                <a:reflection blurRad="6350" stA="55000" endA="300" endPos="45500" dir="5400000" sy="-100000" algn="bl" rotWithShape="0"/>
+              </a:effectLst>
+            </a:endParaRPr>
+          </a:p>
+        </p:txBody>
+      </p:sp>
+      <p:sp>
+        <p:nvSpPr>
+          <p:cNvPr id="9" name="TextBox 8"/>
+          <p:cNvSpPr txBox="1"/>
+          <p:nvPr/>
+        </p:nvSpPr>
+        <p:spPr>
+          <a:xfrm rot="16756950" flipH="1">
+            <a:off x="4765843" y="1417276"/>
+            <a:ext cx="859648" cy="1992899"/>
+          </a:xfrm>
+          <a:prstGeom prst="rect">
+            <a:avLst/>
+          </a:prstGeom>
+          <a:noFill/>
+        </p:spPr>
+        <p:txBody>
+          <a:bodyPr wrap="square" rtlCol="0">
+            <a:spAutoFit/>
+            <a:scene3d>
+              <a:camera prst="orthographicFront"/>
+              <a:lightRig rig="threePt" dir="t"/>
+            </a:scene3d>
+            <a:sp3d extrusionH="57150">
+              <a:bevelT w="38100" h="38100"/>
+            </a:sp3d>
+          </a:bodyPr>
+          <a:lstStyle/>
+          <a:p>
+            <a:r>
+              <a:rPr lang="en-US" sz="11500" b="1" dirty="0" smtClean="0">
+                <a:solidFill>
+                  <a:srgbClr val="FF831D"/>
+                </a:solidFill>
+                <a:effectLst>
+                  <a:reflection blurRad="6350" stA="55000" endA="300" endPos="45500" dir="5400000" sy="-100000" algn="bl" rotWithShape="0"/>
+                </a:effectLst>
+              </a:rPr>
+              <a:t>?</a:t>
+            </a:r>
+            <a:endParaRPr lang="en-US" sz="11500" b="1" dirty="0">
+              <a:solidFill>
+                <a:srgbClr val="FF831D"/>
+              </a:solidFill>
+              <a:effectLst>
+                <a:reflection blurRad="6350" stA="55000" endA="300" endPos="45500" dir="5400000" sy="-100000" algn="bl" rotWithShape="0"/>
+              </a:effectLst>
+            </a:endParaRPr>
+          </a:p>
+        </p:txBody>
+      </p:sp>
+      <p:sp>
+        <p:nvSpPr>
+          <p:cNvPr id="10" name="TextBox 9"/>
+          <p:cNvSpPr txBox="1"/>
+          <p:nvPr/>
+        </p:nvSpPr>
+        <p:spPr>
+          <a:xfrm rot="19836951" flipH="1">
+            <a:off x="7434275" y="1104110"/>
+            <a:ext cx="949687" cy="2492990"/>
+          </a:xfrm>
+          <a:prstGeom prst="rect">
+            <a:avLst/>
+          </a:prstGeom>
+          <a:noFill/>
+        </p:spPr>
+        <p:txBody>
+          <a:bodyPr wrap="square" rtlCol="0">
+            <a:spAutoFit/>
+            <a:scene3d>
+              <a:camera prst="orthographicFront"/>
+              <a:lightRig rig="glow" dir="tl">
+                <a:rot lat="0" lon="0" rev="5400000"/>
+              </a:lightRig>
+            </a:scene3d>
+            <a:sp3d contourW="12700">
+              <a:bevelT w="25400" h="25400"/>
+              <a:contourClr>
+                <a:schemeClr val="accent6">
+                  <a:shade val="73000"/>
+                </a:schemeClr>
+              </a:contourClr>
+            </a:sp3d>
+          </a:bodyPr>
+          <a:lstStyle/>
+          <a:p>
+            <a:r>
+              <a:rPr lang="en-US" sz="15600" b="1" dirty="0" smtClean="0">
+                <a:ln w="11430"/>
+                <a:gradFill>
+                  <a:gsLst>
+                    <a:gs pos="0">
+                      <a:schemeClr val="accent6">
+                        <a:tint val="90000"/>
+                        <a:satMod val="120000"/>
+                      </a:schemeClr>
+                    </a:gs>
+                    <a:gs pos="25000">
+                      <a:schemeClr val="accent6">
+                        <a:tint val="93000"/>
+                        <a:satMod val="120000"/>
+                      </a:schemeClr>
+                    </a:gs>
+                    <a:gs pos="50000">
+                      <a:schemeClr val="accent6">
+                        <a:shade val="89000"/>
+                        <a:satMod val="110000"/>
+                      </a:schemeClr>
+                    </a:gs>
+                    <a:gs pos="75000">
+                      <a:schemeClr val="accent6">
+                        <a:tint val="93000"/>
+                        <a:satMod val="120000"/>
+                      </a:schemeClr>
+                    </a:gs>
+                    <a:gs pos="100000">
+                      <a:schemeClr val="accent6">
+                        <a:tint val="90000"/>
+                        <a:satMod val="120000"/>
+                      </a:schemeClr>
+                    </a:gs>
+                  </a:gsLst>
+                  <a:lin ang="5400000"/>
+                </a:gradFill>
+                <a:effectLst>
+                  <a:innerShdw blurRad="63500" dist="50800" dir="8100000">
+                    <a:prstClr val="black">
+                      <a:alpha val="50000"/>
+                    </a:prstClr>
+                  </a:innerShdw>
+                  <a:reflection blurRad="6350" stA="55000" endA="300" endPos="45500" dir="5400000" sy="-100000" algn="bl" rotWithShape="0"/>
+                </a:effectLst>
+              </a:rPr>
+              <a:t>?</a:t>
+            </a:r>
+            <a:endParaRPr lang="en-US" sz="15600" b="1" dirty="0">
+              <a:ln w="11430"/>
+              <a:gradFill>
+                <a:gsLst>
+                  <a:gs pos="0">
+                    <a:schemeClr val="accent6">
+                      <a:tint val="90000"/>
+                      <a:satMod val="120000"/>
+                    </a:schemeClr>
+                  </a:gs>
+                  <a:gs pos="25000">
+                    <a:schemeClr val="accent6">
+                      <a:tint val="93000"/>
+                      <a:satMod val="120000"/>
+                    </a:schemeClr>
+                  </a:gs>
+                  <a:gs pos="50000">
+                    <a:schemeClr val="accent6">
+                      <a:shade val="89000"/>
+                      <a:satMod val="110000"/>
+                    </a:schemeClr>
+                  </a:gs>
+                  <a:gs pos="75000">
+                    <a:schemeClr val="accent6">
+                      <a:tint val="93000"/>
+                      <a:satMod val="120000"/>
+                    </a:schemeClr>
+                  </a:gs>
+                  <a:gs pos="100000">
+                    <a:schemeClr val="accent6">
+                      <a:tint val="90000"/>
+                      <a:satMod val="120000"/>
+                    </a:schemeClr>
+                  </a:gs>
+                </a:gsLst>
+                <a:lin ang="5400000"/>
+              </a:gradFill>
+              <a:effectLst>
+                <a:innerShdw blurRad="63500" dist="50800" dir="8100000">
+                  <a:prstClr val="black">
+                    <a:alpha val="50000"/>
+                  </a:prstClr>
+                </a:innerShdw>
+                <a:reflection blurRad="6350" stA="55000" endA="300" endPos="45500" dir="5400000" sy="-100000" algn="bl" rotWithShape="0"/>
+              </a:effectLst>
+            </a:endParaRPr>
+          </a:p>
+        </p:txBody>
+      </p:sp>
+      <p:sp>
+        <p:nvSpPr>
+          <p:cNvPr id="11" name="TextBox 10"/>
+          <p:cNvSpPr txBox="1"/>
+          <p:nvPr/>
+        </p:nvSpPr>
+        <p:spPr>
+          <a:xfrm rot="2605647" flipH="1">
+            <a:off x="2066563" y="982617"/>
+            <a:ext cx="584096" cy="924339"/>
+          </a:xfrm>
+          <a:prstGeom prst="rect">
+            <a:avLst/>
+          </a:prstGeom>
+          <a:noFill/>
+        </p:spPr>
+        <p:txBody>
+          <a:bodyPr wrap="square" rtlCol="0">
+            <a:spAutoFit/>
+            <a:scene3d>
+              <a:camera prst="perspectiveHeroicExtremeLeftFacing"/>
+              <a:lightRig rig="threePt" dir="t"/>
+            </a:scene3d>
+            <a:sp3d extrusionH="57150">
+              <a:bevelT w="38100" h="38100"/>
+            </a:sp3d>
+          </a:bodyPr>
+          <a:lstStyle/>
+          <a:p>
+            <a:r>
+              <a:rPr lang="en-US" sz="5600" dirty="0" smtClean="0">
+                <a:solidFill>
+                  <a:schemeClr val="tx2">
+                    <a:lumMod val="75000"/>
+                  </a:schemeClr>
+                </a:solidFill>
+                <a:effectLst>
+                  <a:reflection blurRad="6350" stA="55000" endA="300" endPos="45500" dir="5400000" sy="-100000" algn="bl" rotWithShape="0"/>
+                </a:effectLst>
+              </a:rPr>
+              <a:t>?</a:t>
+            </a:r>
+            <a:endParaRPr lang="en-US" sz="5600" dirty="0">
+              <a:solidFill>
+                <a:schemeClr val="tx2">
+                  <a:lumMod val="75000"/>
+                </a:schemeClr>
+              </a:solidFill>
+              <a:effectLst>
+                <a:reflection blurRad="6350" stA="55000" endA="300" endPos="45500" dir="5400000" sy="-100000" algn="bl" rotWithShape="0"/>
+              </a:effectLst>
+            </a:endParaRPr>
+          </a:p>
+        </p:txBody>
+      </p:sp>
+      <p:sp>
+        <p:nvSpPr>
+          <p:cNvPr id="12" name="TextBox 11"/>
+          <p:cNvSpPr txBox="1"/>
+          <p:nvPr/>
+        </p:nvSpPr>
+        <p:spPr>
+          <a:xfrm rot="8530737" flipH="1">
+            <a:off x="4871755" y="4985327"/>
+            <a:ext cx="643173" cy="1569660"/>
+          </a:xfrm>
+          <a:prstGeom prst="rect">
+            <a:avLst/>
+          </a:prstGeom>
+          <a:noFill/>
+        </p:spPr>
+        <p:txBody>
+          <a:bodyPr wrap="square" rtlCol="0">
+            <a:spAutoFit/>
+            <a:scene3d>
+              <a:camera prst="orthographicFront"/>
+              <a:lightRig rig="threePt" dir="t"/>
+            </a:scene3d>
+            <a:sp3d extrusionH="57150">
+              <a:bevelT w="38100" h="38100"/>
+            </a:sp3d>
+          </a:bodyPr>
+          <a:lstStyle/>
+          <a:p>
+            <a:r>
+              <a:rPr lang="en-US" sz="9600" dirty="0" smtClean="0">
+                <a:solidFill>
+                  <a:srgbClr val="FF4A37"/>
+                </a:solidFill>
+                <a:effectLst>
+                  <a:reflection blurRad="6350" stA="60000" endA="900" endPos="60000" dist="29997" dir="5400000" sy="-100000" algn="bl" rotWithShape="0"/>
+                </a:effectLst>
+              </a:rPr>
+              <a:t>?</a:t>
+            </a:r>
+            <a:endParaRPr lang="en-US" sz="9600" dirty="0">
+              <a:solidFill>
+                <a:srgbClr val="FF4A37"/>
+              </a:solidFill>
+              <a:effectLst>
+                <a:reflection blurRad="6350" stA="60000" endA="900" endPos="60000" dist="29997" dir="5400000" sy="-100000" algn="bl" rotWithShape="0"/>
+              </a:effectLst>
+            </a:endParaRPr>
+          </a:p>
+        </p:txBody>
+      </p:sp>
+      <p:sp>
+        <p:nvSpPr>
+          <p:cNvPr id="13" name="TextBox 12"/>
+          <p:cNvSpPr txBox="1"/>
+          <p:nvPr/>
+        </p:nvSpPr>
+        <p:spPr>
+          <a:xfrm rot="12627025" flipH="1">
+            <a:off x="2802718" y="4298210"/>
+            <a:ext cx="584096" cy="626166"/>
+          </a:xfrm>
+          <a:prstGeom prst="rect">
+            <a:avLst/>
+          </a:prstGeom>
+          <a:noFill/>
+        </p:spPr>
+        <p:txBody>
+          <a:bodyPr wrap="square" rtlCol="0">
+            <a:spAutoFit/>
+            <a:scene3d>
+              <a:camera prst="orthographicFront"/>
+              <a:lightRig rig="threePt" dir="t"/>
+            </a:scene3d>
+            <a:sp3d extrusionH="57150">
+              <a:bevelT w="38100" h="38100"/>
+            </a:sp3d>
+          </a:bodyPr>
+          <a:lstStyle/>
+          <a:p>
+            <a:r>
+              <a:rPr lang="en-US" sz="3600" dirty="0" smtClean="0">
+                <a:solidFill>
+                  <a:schemeClr val="tx2">
+                    <a:lumMod val="40000"/>
+                    <a:lumOff val="60000"/>
+                  </a:schemeClr>
+                </a:solidFill>
+                <a:effectLst>
+                  <a:reflection blurRad="6350" stA="55000" endA="300" endPos="45500" dir="5400000" sy="-100000" algn="bl" rotWithShape="0"/>
+                </a:effectLst>
+              </a:rPr>
+              <a:t>?</a:t>
+            </a:r>
+            <a:endParaRPr lang="en-US" sz="3600" dirty="0">
+              <a:solidFill>
+                <a:schemeClr val="tx2">
+                  <a:lumMod val="40000"/>
+                  <a:lumOff val="60000"/>
+                </a:schemeClr>
+              </a:solidFill>
+              <a:effectLst>
+                <a:reflection blurRad="6350" stA="55000" endA="300" endPos="45500" dir="5400000" sy="-100000" algn="bl" rotWithShape="0"/>
+              </a:effectLst>
+            </a:endParaRPr>
+          </a:p>
+        </p:txBody>
+      </p:sp>
+      <p:sp>
+        <p:nvSpPr>
+          <p:cNvPr id="15" name="TextBox 14"/>
+          <p:cNvSpPr txBox="1"/>
+          <p:nvPr/>
+        </p:nvSpPr>
+        <p:spPr>
+          <a:xfrm rot="1186146" flipH="1">
+            <a:off x="6185957" y="4402802"/>
+            <a:ext cx="499379" cy="1107996"/>
+          </a:xfrm>
+          <a:prstGeom prst="rect">
+            <a:avLst/>
+          </a:prstGeom>
+          <a:noFill/>
+        </p:spPr>
+        <p:txBody>
+          <a:bodyPr wrap="square" rtlCol="0">
+            <a:spAutoFit/>
+            <a:scene3d>
+              <a:camera prst="orthographicFront"/>
+              <a:lightRig rig="threePt" dir="t"/>
+            </a:scene3d>
+            <a:sp3d extrusionH="57150">
+              <a:bevelT w="69850" h="69850" prst="divot"/>
+            </a:sp3d>
+          </a:bodyPr>
+          <a:lstStyle/>
+          <a:p>
+            <a:r>
+              <a:rPr lang="en-US" sz="6600" dirty="0" smtClean="0">
+                <a:solidFill>
+                  <a:srgbClr val="9966FF"/>
+                </a:solidFill>
+                <a:effectLst>
+                  <a:reflection blurRad="6350" stA="55000" endA="300" endPos="45500" dir="5400000" sy="-100000" algn="bl" rotWithShape="0"/>
+                </a:effectLst>
+              </a:rPr>
+              <a:t>?</a:t>
+            </a:r>
+            <a:endParaRPr lang="en-US" sz="6600" dirty="0">
+              <a:solidFill>
+                <a:srgbClr val="9966FF"/>
+              </a:solidFill>
+              <a:effectLst>
+                <a:reflection blurRad="6350" stA="55000" endA="300" endPos="45500" dir="5400000" sy="-100000" algn="bl" rotWithShape="0"/>
+              </a:effectLst>
+            </a:endParaRPr>
+          </a:p>
+        </p:txBody>
+      </p:sp>
+      <p:sp>
+        <p:nvSpPr>
+          <p:cNvPr id="14" name="TextBox 13"/>
+          <p:cNvSpPr txBox="1"/>
+          <p:nvPr/>
+        </p:nvSpPr>
+        <p:spPr>
+          <a:xfrm rot="19460650" flipH="1">
+            <a:off x="2913797" y="2280258"/>
+            <a:ext cx="489197" cy="769441"/>
+          </a:xfrm>
+          <a:prstGeom prst="rect">
+            <a:avLst/>
+          </a:prstGeom>
+          <a:noFill/>
+        </p:spPr>
+        <p:txBody>
+          <a:bodyPr wrap="square" rtlCol="0">
+            <a:prstTxWarp prst="textInflate">
+              <a:avLst/>
+            </a:prstTxWarp>
+            <a:spAutoFit/>
+            <a:scene3d>
+              <a:camera prst="perspectiveRelaxedModerately"/>
+              <a:lightRig rig="threePt" dir="t"/>
+            </a:scene3d>
+            <a:sp3d extrusionH="57150">
+              <a:bevelT w="38100" h="38100"/>
+            </a:sp3d>
+          </a:bodyPr>
+          <a:lstStyle/>
+          <a:p>
+            <a:r>
+              <a:rPr lang="en-US" sz="4400" dirty="0" smtClean="0">
+                <a:solidFill>
+                  <a:srgbClr val="FF6699"/>
+                </a:solidFill>
+                <a:effectLst>
+                  <a:reflection blurRad="6350" stA="55000" endA="300" endPos="45500" dir="5400000" sy="-100000" algn="bl" rotWithShape="0"/>
+                </a:effectLst>
+              </a:rPr>
+              <a:t>?</a:t>
+            </a:r>
+            <a:endParaRPr lang="en-US" sz="4400" dirty="0">
+              <a:solidFill>
+                <a:srgbClr val="FF6699"/>
+              </a:solidFill>
+              <a:effectLst>
+                <a:reflection blurRad="6350" stA="55000" endA="300" endPos="45500" dir="5400000" sy="-100000" algn="bl" rotWithShape="0"/>
+              </a:effectLst>
+            </a:endParaRPr>
+          </a:p>
+        </p:txBody>
+      </p:sp>
+      <p:sp>
+        <p:nvSpPr>
+          <p:cNvPr id="16" name="TextBox 15"/>
+          <p:cNvSpPr txBox="1"/>
+          <p:nvPr/>
+        </p:nvSpPr>
+        <p:spPr>
+          <a:xfrm>
+            <a:off x="6158093" y="6412468"/>
+            <a:ext cx="2909707" cy="369332"/>
+          </a:xfrm>
+          <a:prstGeom prst="rect">
+            <a:avLst/>
+          </a:prstGeom>
+          <a:noFill/>
+        </p:spPr>
+        <p:txBody>
+          <a:bodyPr wrap="none" rtlCol="0">
+            <a:spAutoFit/>
+          </a:bodyPr>
+          <a:lstStyle>
+            <a:defPPr>
+              <a:defRPr lang="en-US"/>
+            </a:defPPr>
+            <a:lvl1pPr algn="l" rtl="0" fontAlgn="base">
+              <a:spcBef>
+                <a:spcPct val="0"/>
+              </a:spcBef>
+              <a:spcAft>
+                <a:spcPct val="0"/>
+              </a:spcAft>
+              <a:defRPr sz="2500" kern="1200">
+                <a:solidFill>
+                  <a:srgbClr val="EBFFC2"/>
+                </a:solidFill>
+                <a:latin typeface="Corbel" pitchFamily="34" charset="0"/>
+                <a:ea typeface="+mn-ea"/>
+                <a:cs typeface="+mn-cs"/>
+              </a:defRPr>
+            </a:lvl1pPr>
+            <a:lvl2pPr marL="457200" algn="l" rtl="0" fontAlgn="base">
+              <a:spcBef>
+                <a:spcPct val="0"/>
+              </a:spcBef>
+              <a:spcAft>
+                <a:spcPct val="0"/>
+              </a:spcAft>
+              <a:defRPr sz="2500" kern="1200">
+                <a:solidFill>
+                  <a:srgbClr val="EBFFC2"/>
+                </a:solidFill>
+                <a:latin typeface="Corbel" pitchFamily="34" charset="0"/>
+                <a:ea typeface="+mn-ea"/>
+                <a:cs typeface="+mn-cs"/>
+              </a:defRPr>
+            </a:lvl2pPr>
+            <a:lvl3pPr marL="914400" algn="l" rtl="0" fontAlgn="base">
+              <a:spcBef>
+                <a:spcPct val="0"/>
+              </a:spcBef>
+              <a:spcAft>
+                <a:spcPct val="0"/>
+              </a:spcAft>
+              <a:defRPr sz="2500" kern="1200">
+                <a:solidFill>
+                  <a:srgbClr val="EBFFC2"/>
+                </a:solidFill>
+                <a:latin typeface="Corbel" pitchFamily="34" charset="0"/>
+                <a:ea typeface="+mn-ea"/>
+                <a:cs typeface="+mn-cs"/>
+              </a:defRPr>
+            </a:lvl3pPr>
+            <a:lvl4pPr marL="1371600" algn="l" rtl="0" fontAlgn="base">
+              <a:spcBef>
+                <a:spcPct val="0"/>
+              </a:spcBef>
+              <a:spcAft>
+                <a:spcPct val="0"/>
+              </a:spcAft>
+              <a:defRPr sz="2500" kern="1200">
+                <a:solidFill>
+                  <a:srgbClr val="EBFFC2"/>
+                </a:solidFill>
+                <a:latin typeface="Corbel" pitchFamily="34" charset="0"/>
+                <a:ea typeface="+mn-ea"/>
+                <a:cs typeface="+mn-cs"/>
+              </a:defRPr>
+            </a:lvl4pPr>
+            <a:lvl5pPr marL="1828800" algn="l" rtl="0" fontAlgn="base">
+              <a:spcBef>
+                <a:spcPct val="0"/>
+              </a:spcBef>
+              <a:spcAft>
+                <a:spcPct val="0"/>
+              </a:spcAft>
+              <a:defRPr sz="2500" kern="1200">
+                <a:solidFill>
+                  <a:srgbClr val="EBFFC2"/>
+                </a:solidFill>
+                <a:latin typeface="Corbel" pitchFamily="34" charset="0"/>
+                <a:ea typeface="+mn-ea"/>
+                <a:cs typeface="+mn-cs"/>
+              </a:defRPr>
+            </a:lvl5pPr>
+            <a:lvl6pPr marL="2286000" algn="l" defTabSz="914400" rtl="0" eaLnBrk="1" latinLnBrk="0" hangingPunct="1">
+              <a:defRPr sz="2500" kern="1200">
+                <a:solidFill>
+                  <a:srgbClr val="EBFFC2"/>
+                </a:solidFill>
+                <a:latin typeface="Corbel" pitchFamily="34" charset="0"/>
+                <a:ea typeface="+mn-ea"/>
+                <a:cs typeface="+mn-cs"/>
+              </a:defRPr>
+            </a:lvl6pPr>
+            <a:lvl7pPr marL="2743200" algn="l" defTabSz="914400" rtl="0" eaLnBrk="1" latinLnBrk="0" hangingPunct="1">
+              <a:defRPr sz="2500" kern="1200">
+                <a:solidFill>
+                  <a:srgbClr val="EBFFC2"/>
+                </a:solidFill>
+                <a:latin typeface="Corbel" pitchFamily="34" charset="0"/>
+                <a:ea typeface="+mn-ea"/>
+                <a:cs typeface="+mn-cs"/>
+              </a:defRPr>
+            </a:lvl7pPr>
+            <a:lvl8pPr marL="3200400" algn="l" defTabSz="914400" rtl="0" eaLnBrk="1" latinLnBrk="0" hangingPunct="1">
+              <a:defRPr sz="2500" kern="1200">
+                <a:solidFill>
+                  <a:srgbClr val="EBFFC2"/>
+                </a:solidFill>
+                <a:latin typeface="Corbel" pitchFamily="34" charset="0"/>
+                <a:ea typeface="+mn-ea"/>
+                <a:cs typeface="+mn-cs"/>
+              </a:defRPr>
+            </a:lvl8pPr>
+            <a:lvl9pPr marL="3657600" algn="l" defTabSz="914400" rtl="0" eaLnBrk="1" latinLnBrk="0" hangingPunct="1">
+              <a:defRPr sz="2500" kern="1200">
+                <a:solidFill>
+                  <a:srgbClr val="EBFFC2"/>
+                </a:solidFill>
+                <a:latin typeface="Corbel" pitchFamily="34" charset="0"/>
+                <a:ea typeface="+mn-ea"/>
+                <a:cs typeface="+mn-cs"/>
+              </a:defRPr>
+            </a:lvl9pPr>
+          </a:lstStyle>
+          <a:p>
+            <a:pPr algn="r"/>
+            <a:r>
+              <a:rPr lang="en-US" sz="1800" b="1" dirty="0" smtClean="0">
+                <a:hlinkClick r:id="rId2"/>
+              </a:rPr>
+              <a:t>http://academy.telerik.com</a:t>
+            </a:r>
+            <a:endParaRPr lang="en-US" sz="1800" b="1" dirty="0"/>
+          </a:p>
+        </p:txBody>
+      </p:sp>
+    </p:spTree>
+    <p:extLst>
+      <p:ext uri="{BB962C8B-B14F-4D97-AF65-F5344CB8AC3E}">
+        <p14:creationId xmlns:p14="http://schemas.microsoft.com/office/powerpoint/2010/main" val="3603451774"/>
+      </p:ext>
+    </p:extLst>
+  </p:cSld>
+  <p:clrMapOvr>
+    <a:masterClrMapping/>
+  </p:clrMapOvr>
+  <p:transition/>
+  <p:timing>
+    <p:tnLst>
+      <p:par>
+        <p:cTn id="1" dur="indefinite" restart="never" nodeType="tmRoot"/>
+      </p:par>
+    </p:tnLst>
+  </p:timing>
+</p:sld>
+</file>
+
+<file path=ppt/slides/slide27.xml><?xml version="1.0" encoding="utf-8"?>
+<p:sld xmlns:a="http://schemas.openxmlformats.org/drawingml/2006/main" xmlns:r="http://schemas.openxmlformats.org/officeDocument/2006/relationships" xmlns:p="http://schemas.openxmlformats.org/presentationml/2006/main">
+  <p:cSld>
+    <p:spTree>
+      <p:nvGrpSpPr>
+        <p:cNvPr id="1" name=""/>
+        <p:cNvGrpSpPr/>
+        <p:nvPr/>
+      </p:nvGrpSpPr>
+      <p:grpSpPr>
+        <a:xfrm>
+          <a:off x="0" y="0"/>
+          <a:ext cx="0" cy="0"/>
+          <a:chOff x="0" y="0"/>
+          <a:chExt cx="0" cy="0"/>
+        </a:xfrm>
+      </p:grpSpPr>
+      <p:sp>
+        <p:nvSpPr>
+          <p:cNvPr id="3" name="Title 2"/>
           <p:cNvSpPr>
             <a:spLocks noGrp="1"/>
           </p:cNvSpPr>
@@ -30971,25 +26491,422 @@
           <a:lstStyle/>
           <a:p>
             <a:r>
+              <a:rPr lang="en-US" sz="3600" dirty="0" smtClean="0"/>
+              <a:t>Free Trainings @ Telerik Academy</a:t>
+            </a:r>
+            <a:endParaRPr lang="en-US" sz="3600" dirty="0"/>
+          </a:p>
+        </p:txBody>
+      </p:sp>
+      <p:sp>
+        <p:nvSpPr>
+          <p:cNvPr id="4" name="Content Placeholder 3"/>
+          <p:cNvSpPr>
+            <a:spLocks noGrp="1"/>
+          </p:cNvSpPr>
+          <p:nvPr>
+            <p:ph idx="1"/>
+          </p:nvPr>
+        </p:nvSpPr>
+        <p:spPr>
+          <a:xfrm>
+            <a:off x="228600" y="1066800"/>
+            <a:ext cx="8686800" cy="5638800"/>
+          </a:xfrm>
+        </p:spPr>
+        <p:txBody>
+          <a:bodyPr/>
+          <a:lstStyle/>
+          <a:p>
+            <a:r>
               <a:rPr lang="en-US" dirty="0" smtClean="0"/>
-              <a:t>What About the Time?</a:t>
-            </a:r>
-            <a:endParaRPr lang="bg-BG" dirty="0"/>
+              <a:t>C# Programming @ Telerik Academy</a:t>
+            </a:r>
+          </a:p>
+          <a:p>
+            <a:pPr marL="574675" lvl="2" indent="-282575">
+              <a:buClr>
+                <a:schemeClr val="accent5">
+                  <a:lumMod val="40000"/>
+                  <a:lumOff val="60000"/>
+                </a:schemeClr>
+              </a:buClr>
+              <a:buSzPct val="70000"/>
+              <a:buFont typeface="Wingdings 2" pitchFamily="18" charset="2"/>
+              <a:buChar char=""/>
+              <a:tabLst>
+                <a:tab pos="282575" algn="l"/>
+              </a:tabLst>
+            </a:pPr>
+            <a:r>
+              <a:rPr lang="en-US" noProof="1">
+                <a:hlinkClick r:id="rId2"/>
+              </a:rPr>
+              <a:t>csharpfundamentals.telerik.com</a:t>
+            </a:r>
+            <a:endParaRPr lang="en-US" noProof="1"/>
+          </a:p>
+          <a:p>
+            <a:pPr marL="282575" lvl="1" indent="-282575">
+              <a:spcBef>
+                <a:spcPts val="1800"/>
+              </a:spcBef>
+              <a:buClr>
+                <a:schemeClr val="accent5">
+                  <a:lumMod val="40000"/>
+                  <a:lumOff val="60000"/>
+                </a:schemeClr>
+              </a:buClr>
+              <a:buSzPct val="70000"/>
+              <a:buFont typeface="Wingdings 2" pitchFamily="18" charset="2"/>
+              <a:buChar char=""/>
+              <a:tabLst>
+                <a:tab pos="282575" algn="l"/>
+              </a:tabLst>
+            </a:pPr>
+            <a:r>
+              <a:rPr lang="en-US" dirty="0" smtClean="0"/>
+              <a:t>Telerik Software Academy</a:t>
+            </a:r>
+          </a:p>
+          <a:p>
+            <a:pPr marL="574675" lvl="2" indent="-282575">
+              <a:buClr>
+                <a:schemeClr val="accent5">
+                  <a:lumMod val="40000"/>
+                  <a:lumOff val="60000"/>
+                </a:schemeClr>
+              </a:buClr>
+              <a:buSzPct val="70000"/>
+              <a:buFont typeface="Wingdings 2" pitchFamily="18" charset="2"/>
+              <a:buChar char=""/>
+              <a:tabLst>
+                <a:tab pos="282575" algn="l"/>
+              </a:tabLst>
+            </a:pPr>
+            <a:r>
+              <a:rPr lang="en-US" noProof="1" smtClean="0">
+                <a:hlinkClick r:id="rId3" tooltip="Telerik Software Academy - Free Programming Courses"/>
+              </a:rPr>
+              <a:t>academy.telerik.com</a:t>
+            </a:r>
+            <a:endParaRPr lang="en-US" noProof="1" smtClean="0"/>
+          </a:p>
+          <a:p>
+            <a:pPr marL="282575" lvl="1" indent="-282575">
+              <a:spcBef>
+                <a:spcPts val="1800"/>
+              </a:spcBef>
+              <a:buClr>
+                <a:schemeClr val="accent5">
+                  <a:lumMod val="40000"/>
+                  <a:lumOff val="60000"/>
+                </a:schemeClr>
+              </a:buClr>
+              <a:buSzPct val="70000"/>
+              <a:buFont typeface="Wingdings 2" pitchFamily="18" charset="2"/>
+              <a:buChar char=""/>
+              <a:tabLst>
+                <a:tab pos="282575" algn="l"/>
+              </a:tabLst>
+            </a:pPr>
+            <a:r>
+              <a:rPr lang="en-US" dirty="0" smtClean="0"/>
+              <a:t>Telerik Academy @ Facebook</a:t>
+            </a:r>
+          </a:p>
+          <a:p>
+            <a:pPr marL="574675" lvl="2" indent="-282575">
+              <a:buClr>
+                <a:schemeClr val="accent5">
+                  <a:lumMod val="40000"/>
+                  <a:lumOff val="60000"/>
+                </a:schemeClr>
+              </a:buClr>
+              <a:buSzPct val="70000"/>
+              <a:buFont typeface="Wingdings 2" pitchFamily="18" charset="2"/>
+              <a:buChar char=""/>
+              <a:tabLst>
+                <a:tab pos="282575" algn="l"/>
+              </a:tabLst>
+            </a:pPr>
+            <a:r>
+              <a:rPr lang="en-US" noProof="1" smtClean="0">
+                <a:hlinkClick r:id="rId4" tooltip="Telerik Softyware Academy @ Facebook"/>
+              </a:rPr>
+              <a:t>facebook.com/TelerikAcademy</a:t>
+            </a:r>
+            <a:endParaRPr lang="en-US" noProof="1" smtClean="0"/>
+          </a:p>
+          <a:p>
+            <a:pPr marL="282575" lvl="1" indent="-282575">
+              <a:spcBef>
+                <a:spcPts val="1800"/>
+              </a:spcBef>
+              <a:buClr>
+                <a:schemeClr val="accent5">
+                  <a:lumMod val="40000"/>
+                  <a:lumOff val="60000"/>
+                </a:schemeClr>
+              </a:buClr>
+              <a:buSzPct val="70000"/>
+              <a:buFont typeface="Wingdings 2" pitchFamily="18" charset="2"/>
+              <a:buChar char=""/>
+              <a:tabLst>
+                <a:tab pos="282575" algn="l"/>
+              </a:tabLst>
+            </a:pPr>
+            <a:r>
+              <a:rPr lang="en-US" dirty="0" smtClean="0"/>
+              <a:t>Telerik Software Academy Forums</a:t>
+            </a:r>
+          </a:p>
+          <a:p>
+            <a:pPr marL="574675" lvl="2" indent="-282575">
+              <a:buClr>
+                <a:schemeClr val="accent5">
+                  <a:lumMod val="40000"/>
+                  <a:lumOff val="60000"/>
+                </a:schemeClr>
+              </a:buClr>
+              <a:buSzPct val="70000"/>
+              <a:buFont typeface="Wingdings 2" pitchFamily="18" charset="2"/>
+              <a:buChar char=""/>
+              <a:tabLst>
+                <a:tab pos="282575" algn="l"/>
+              </a:tabLst>
+            </a:pPr>
+            <a:r>
+              <a:rPr lang="en-US" noProof="1" smtClean="0">
+                <a:hlinkClick r:id="rId5" tooltip="Telerik Software Academy Forums - Community for Programmers"/>
+              </a:rPr>
+              <a:t>forums.academy.telerik.com</a:t>
+            </a:r>
+            <a:endParaRPr lang="en-US" noProof="1"/>
+          </a:p>
+        </p:txBody>
+      </p:sp>
+      <p:sp>
+        <p:nvSpPr>
+          <p:cNvPr id="6" name="Slide Number Placeholder 5"/>
+          <p:cNvSpPr>
+            <a:spLocks noGrp="1"/>
+          </p:cNvSpPr>
+          <p:nvPr>
+            <p:ph type="sldNum" sz="quarter" idx="10"/>
+          </p:nvPr>
+        </p:nvSpPr>
+        <p:spPr/>
+        <p:txBody>
+          <a:bodyPr/>
+          <a:lstStyle/>
+          <a:p>
+            <a:pPr>
+              <a:defRPr/>
+            </a:pPr>
+            <a:fld id="{58452FF4-89E3-4D1B-9927-2DBDC00E58D7}" type="slidenum">
+              <a:rPr lang="en-US" smtClean="0"/>
+              <a:pPr>
+                <a:defRPr/>
+              </a:pPr>
+              <a:t>27</a:t>
+            </a:fld>
+            <a:endParaRPr lang="en-US" dirty="0"/>
           </a:p>
         </p:txBody>
       </p:sp>
       <p:pic>
         <p:nvPicPr>
-          <p:cNvPr id="5" name="Content Placeholder 4"/>
+          <p:cNvPr id="5" name="Picture 5">
+            <a:hlinkClick r:id="rId5" tooltip="Telerik Software Academy Forums - Discussion Board for Developers"/>
+          </p:cNvPr>
           <p:cNvPicPr>
-            <a:picLocks noGrp="1" noChangeAspect="1"/>
+            <a:picLocks noChangeAspect="1" noChangeArrowheads="1"/>
           </p:cNvPicPr>
-          <p:nvPr>
-            <p:ph idx="1"/>
-          </p:nvPr>
+          <p:nvPr/>
         </p:nvPicPr>
         <p:blipFill>
-          <a:blip r:embed="rId3">
+          <a:blip r:embed="rId6" cstate="screen">
+            <a:extLst>
+              <a:ext uri="{28A0092B-C50C-407E-A947-70E740481C1C}">
+                <a14:useLocalDpi xmlns:a14="http://schemas.microsoft.com/office/drawing/2010/main"/>
+              </a:ext>
+            </a:extLst>
+          </a:blip>
+          <a:srcRect/>
+          <a:stretch>
+            <a:fillRect/>
+          </a:stretch>
+        </p:blipFill>
+        <p:spPr bwMode="auto">
+          <a:xfrm>
+            <a:off x="7523898" y="5218092"/>
+            <a:ext cx="1162902" cy="1268619"/>
+          </a:xfrm>
+          <a:prstGeom prst="rect">
+            <a:avLst/>
+          </a:prstGeom>
+          <a:noFill/>
+          <a:ln>
+            <a:noFill/>
+          </a:ln>
+          <a:effectLst/>
+          <a:extLst>
+            <a:ext uri="{909E8E84-426E-40DD-AFC4-6F175D3DCCD1}">
+              <a14:hiddenFill xmlns:a14="http://schemas.microsoft.com/office/drawing/2010/main">
+                <a:solidFill>
+                  <a:schemeClr val="accent1"/>
+                </a:solidFill>
+              </a14:hiddenFill>
+            </a:ext>
+            <a:ext uri="{91240B29-F687-4F45-9708-019B960494DF}">
+              <a14:hiddenLine xmlns:a14="http://schemas.microsoft.com/office/drawing/2010/main" w="9525">
+                <a:solidFill>
+                  <a:schemeClr val="tx1"/>
+                </a:solidFill>
+                <a:miter lim="800000"/>
+                <a:headEnd/>
+                <a:tailEnd/>
+              </a14:hiddenLine>
+            </a:ext>
+            <a:ext uri="{AF507438-7753-43E0-B8FC-AC1667EBCBE1}">
+              <a14:hiddenEffects xmlns:a14="http://schemas.microsoft.com/office/drawing/2010/main">
+                <a:effectLst>
+                  <a:outerShdw dist="35921" dir="2700000" algn="ctr" rotWithShape="0">
+                    <a:schemeClr val="bg2"/>
+                  </a:outerShdw>
+                </a:effectLst>
+              </a14:hiddenEffects>
+            </a:ext>
+          </a:extLst>
+        </p:spPr>
+      </p:pic>
+      <p:pic>
+        <p:nvPicPr>
+          <p:cNvPr id="1028" name="Picture 4">
+            <a:hlinkClick r:id="rId3" tooltip="Telerik Software Academy"/>
+          </p:cNvPr>
+          <p:cNvPicPr>
+            <a:picLocks noChangeAspect="1" noChangeArrowheads="1"/>
+          </p:cNvPicPr>
+          <p:nvPr/>
+        </p:nvPicPr>
+        <p:blipFill>
+          <a:blip r:embed="rId7">
+            <a:extLst>
+              <a:ext uri="{28A0092B-C50C-407E-A947-70E740481C1C}">
+                <a14:useLocalDpi xmlns:a14="http://schemas.microsoft.com/office/drawing/2010/main"/>
+              </a:ext>
+            </a:extLst>
+          </a:blip>
+          <a:srcRect/>
+          <a:stretch>
+            <a:fillRect/>
+          </a:stretch>
+        </p:blipFill>
+        <p:spPr bwMode="auto">
+          <a:xfrm>
+            <a:off x="5548941" y="2667000"/>
+            <a:ext cx="3137859" cy="918234"/>
+          </a:xfrm>
+          <a:prstGeom prst="rect">
+            <a:avLst/>
+          </a:prstGeom>
+          <a:noFill/>
+          <a:ln>
+            <a:solidFill>
+              <a:srgbClr val="9BCC00"/>
+            </a:solidFill>
+          </a:ln>
+          <a:extLst>
+            <a:ext uri="{909E8E84-426E-40DD-AFC4-6F175D3DCCD1}">
+              <a14:hiddenFill xmlns:a14="http://schemas.microsoft.com/office/drawing/2010/main">
+                <a:solidFill>
+                  <a:srgbClr val="FFFFFF"/>
+                </a:solidFill>
+              </a14:hiddenFill>
+            </a:ext>
+          </a:extLst>
+        </p:spPr>
+      </p:pic>
+      <p:pic>
+        <p:nvPicPr>
+          <p:cNvPr id="1037" name="Picture 13">
+            <a:hlinkClick r:id="rId8" tooltip="Telerik Academy @ Facebook"/>
+          </p:cNvPr>
+          <p:cNvPicPr>
+            <a:picLocks noChangeAspect="1" noChangeArrowheads="1"/>
+          </p:cNvPicPr>
+          <p:nvPr/>
+        </p:nvPicPr>
+        <p:blipFill>
+          <a:blip r:embed="rId9">
+            <a:extLst>
+              <a:ext uri="{28A0092B-C50C-407E-A947-70E740481C1C}">
+                <a14:useLocalDpi xmlns:a14="http://schemas.microsoft.com/office/drawing/2010/main"/>
+              </a:ext>
+            </a:extLst>
+          </a:blip>
+          <a:srcRect/>
+          <a:stretch>
+            <a:fillRect/>
+          </a:stretch>
+        </p:blipFill>
+        <p:spPr bwMode="auto">
+          <a:xfrm>
+            <a:off x="7748587" y="4003901"/>
+            <a:ext cx="938213" cy="938213"/>
+          </a:xfrm>
+          <a:prstGeom prst="rect">
+            <a:avLst/>
+          </a:prstGeom>
+          <a:noFill/>
+          <a:ln>
+            <a:noFill/>
+          </a:ln>
+          <a:effectLst/>
+          <a:extLst>
+            <a:ext uri="{909E8E84-426E-40DD-AFC4-6F175D3DCCD1}">
+              <a14:hiddenFill xmlns:a14="http://schemas.microsoft.com/office/drawing/2010/main">
+                <a:solidFill>
+                  <a:schemeClr val="accent1"/>
+                </a:solidFill>
+              </a14:hiddenFill>
+            </a:ext>
+            <a:ext uri="{91240B29-F687-4F45-9708-019B960494DF}">
+              <a14:hiddenLine xmlns:a14="http://schemas.microsoft.com/office/drawing/2010/main" w="9525">
+                <a:solidFill>
+                  <a:schemeClr val="tx1"/>
+                </a:solidFill>
+                <a:miter lim="800000"/>
+                <a:headEnd/>
+                <a:tailEnd/>
+              </a14:hiddenLine>
+            </a:ext>
+            <a:ext uri="{AF507438-7753-43E0-B8FC-AC1667EBCBE1}">
+              <a14:hiddenEffects xmlns:a14="http://schemas.microsoft.com/office/drawing/2010/main">
+                <a:effectLst>
+                  <a:outerShdw dist="35921" dir="2700000" algn="ctr" rotWithShape="0">
+                    <a:schemeClr val="bg2"/>
+                  </a:outerShdw>
+                </a:effectLst>
+              </a14:hiddenEffects>
+            </a:ext>
+          </a:extLst>
+        </p:spPr>
+      </p:pic>
+      <p:pic>
+        <p:nvPicPr>
+          <p:cNvPr id="2" name="Picture 1">
+            <a:hlinkClick r:id="rId2"/>
+          </p:cNvPr>
+          <p:cNvPicPr>
+            <a:picLocks noChangeAspect="1"/>
+          </p:cNvPicPr>
+          <p:nvPr/>
+        </p:nvPicPr>
+        <p:blipFill>
+          <a:blip r:embed="rId10" cstate="screen">
             <a:extLst>
               <a:ext uri="{28A0092B-C50C-407E-A947-70E740481C1C}">
                 <a14:useLocalDpi xmlns:a14="http://schemas.microsoft.com/office/drawing/2010/main"/>
@@ -31002,121 +26919,24 @@
         </p:blipFill>
         <p:spPr>
           <a:xfrm>
-            <a:off x="1143000" y="1142999"/>
-            <a:ext cx="6858000" cy="4582551"/>
-          </a:xfrm>
-        </p:spPr>
-      </p:pic>
-      <p:sp>
-        <p:nvSpPr>
-          <p:cNvPr id="4" name="Slide Number Placeholder 3"/>
-          <p:cNvSpPr>
-            <a:spLocks noGrp="1"/>
-          </p:cNvSpPr>
-          <p:nvPr>
-            <p:ph type="sldNum" sz="quarter" idx="10"/>
-          </p:nvPr>
-        </p:nvSpPr>
-        <p:spPr/>
-        <p:txBody>
-          <a:bodyPr/>
-          <a:lstStyle/>
-          <a:p>
-            <a:pPr>
-              <a:defRPr/>
-            </a:pPr>
-            <a:fld id="{58452FF4-89E3-4D1B-9927-2DBDC00E58D7}" type="slidenum">
-              <a:rPr lang="en-US" smtClean="0"/>
-              <a:pPr>
-                <a:defRPr/>
-              </a:pPr>
-              <a:t>29</a:t>
-            </a:fld>
-            <a:endParaRPr lang="en-US" dirty="0"/>
-          </a:p>
-        </p:txBody>
-      </p:sp>
-      <p:sp>
-        <p:nvSpPr>
-          <p:cNvPr id="6" name="TextBox 5"/>
-          <p:cNvSpPr txBox="1"/>
-          <p:nvPr/>
-        </p:nvSpPr>
-        <p:spPr>
-          <a:xfrm>
-            <a:off x="504825" y="5999946"/>
-            <a:ext cx="8134350" cy="477054"/>
+            <a:off x="7562025" y="1123558"/>
+            <a:ext cx="1124775" cy="1124775"/>
           </a:xfrm>
           <a:prstGeom prst="rect">
             <a:avLst/>
           </a:prstGeom>
-          <a:noFill/>
         </p:spPr>
-        <p:txBody>
-          <a:bodyPr wrap="square" rtlCol="0">
-            <a:spAutoFit/>
-          </a:bodyPr>
-          <a:lstStyle/>
-          <a:p>
-            <a:pPr algn="ctr"/>
-            <a:r>
-              <a:rPr lang="en-US" b="1" dirty="0" smtClean="0">
-                <a:effectLst>
-                  <a:outerShdw blurRad="38100" dist="38100" dir="2700000" algn="tl">
-                    <a:srgbClr val="000000">
-                      <a:alpha val="43137"/>
-                    </a:srgbClr>
-                  </a:outerShdw>
-                </a:effectLst>
-              </a:rPr>
-              <a:t>Writing </a:t>
-            </a:r>
-            <a:r>
-              <a:rPr lang="en-US" b="1" dirty="0">
-                <a:effectLst>
-                  <a:outerShdw blurRad="38100" dist="38100" dir="2700000" algn="tl">
-                    <a:srgbClr val="000000">
-                      <a:alpha val="43137"/>
-                    </a:srgbClr>
-                  </a:outerShdw>
-                </a:effectLst>
-              </a:rPr>
-              <a:t>software without defects takes </a:t>
-            </a:r>
-            <a:r>
-              <a:rPr lang="en-US" b="1" dirty="0" smtClean="0">
-                <a:effectLst>
-                  <a:outerShdw blurRad="38100" dist="38100" dir="2700000" algn="tl">
-                    <a:srgbClr val="000000">
-                      <a:alpha val="43137"/>
-                    </a:srgbClr>
-                  </a:outerShdw>
-                </a:effectLst>
-              </a:rPr>
-              <a:t>less time</a:t>
-            </a:r>
-            <a:endParaRPr lang="bg-BG" dirty="0"/>
-          </a:p>
-        </p:txBody>
-      </p:sp>
+      </p:pic>
     </p:spTree>
     <p:extLst>
       <p:ext uri="{BB962C8B-B14F-4D97-AF65-F5344CB8AC3E}">
-        <p14:creationId xmlns:p14="http://schemas.microsoft.com/office/powerpoint/2010/main" val="774172206"/>
+        <p14:creationId xmlns:p14="http://schemas.microsoft.com/office/powerpoint/2010/main" val="356123673"/>
       </p:ext>
     </p:extLst>
   </p:cSld>
   <p:clrMapOvr>
     <a:masterClrMapping/>
   </p:clrMapOvr>
-  <mc:AlternateContent xmlns:mc="http://schemas.openxmlformats.org/markup-compatibility/2006">
-    <mc:Choice xmlns:p14="http://schemas.microsoft.com/office/powerpoint/2010/main" Requires="p14">
-      <p:transition spd="slow" p14:dur="2000"/>
-    </mc:Choice>
-    <mc:Fallback>
-      <p:transition spd="slow"/>
-    </mc:Fallback>
-  </mc:AlternateContent>
   <p:timing>
     <p:tnLst>
       <p:par>
@@ -31291,894 +27111,6 @@
       <p:transition spd="slow"/>
     </mc:Fallback>
   </mc:AlternateContent>
-  <p:timing>
-    <p:tnLst>
-      <p:par>
-        <p:cTn id="1" dur="indefinite" restart="never" nodeType="tmRoot"/>
-      </p:par>
-    </p:tnLst>
-  </p:timing>
-</p:sld>
-</file>
-
-<file path=ppt/slides/slide30.xml><?xml version="1.0" encoding="utf-8"?>
-<p:sld xmlns:a="http://schemas.openxmlformats.org/drawingml/2006/main" xmlns:r="http://schemas.openxmlformats.org/officeDocument/2006/relationships" xmlns:p="http://schemas.openxmlformats.org/presentationml/2006/main">
-  <p:cSld>
-    <p:spTree>
-      <p:nvGrpSpPr>
-        <p:cNvPr id="1" name=""/>
-        <p:cNvGrpSpPr/>
-        <p:nvPr/>
-      </p:nvGrpSpPr>
-      <p:grpSpPr>
-        <a:xfrm>
-          <a:off x="0" y="0"/>
-          <a:ext cx="0" cy="0"/>
-          <a:chOff x="0" y="0"/>
-          <a:chExt cx="0" cy="0"/>
-        </a:xfrm>
-      </p:grpSpPr>
-      <p:sp>
-        <p:nvSpPr>
-          <p:cNvPr id="601090" name="Rectangle 2"/>
-          <p:cNvSpPr>
-            <a:spLocks noGrp="1" noChangeArrowheads="1"/>
-          </p:cNvSpPr>
-          <p:nvPr>
-            <p:ph type="title"/>
-          </p:nvPr>
-        </p:nvSpPr>
-        <p:spPr>
-          <a:xfrm>
-            <a:off x="4191000" y="152400"/>
-            <a:ext cx="4724400" cy="1066800"/>
-          </a:xfrm>
-        </p:spPr>
-        <p:txBody>
-          <a:bodyPr/>
-          <a:lstStyle/>
-          <a:p>
-            <a:pPr>
-              <a:lnSpc>
-                <a:spcPts val="4200"/>
-              </a:lnSpc>
-            </a:pPr>
-            <a:r>
-              <a:rPr lang="en-US" dirty="0"/>
-              <a:t>Software Quality Assurance</a:t>
-            </a:r>
-            <a:endParaRPr lang="bg-BG" dirty="0"/>
-          </a:p>
-        </p:txBody>
-      </p:sp>
-      <p:sp>
-        <p:nvSpPr>
-          <p:cNvPr id="5" name="Content Placeholder 2"/>
-          <p:cNvSpPr>
-            <a:spLocks noGrp="1"/>
-          </p:cNvSpPr>
-          <p:nvPr>
-            <p:ph idx="1"/>
-          </p:nvPr>
-        </p:nvSpPr>
-        <p:spPr>
-          <a:xfrm>
-            <a:off x="1748416" y="2971799"/>
-            <a:ext cx="5642984" cy="1371601"/>
-          </a:xfrm>
-        </p:spPr>
-        <p:txBody>
-          <a:bodyPr wrap="none" lIns="0" tIns="0" rIns="0" bIns="0" anchor="ctr" anchorCtr="0">
-            <a:noAutofit/>
-          </a:bodyPr>
-          <a:lstStyle/>
-          <a:p>
-            <a:pPr marL="0" indent="0" algn="ctr">
-              <a:lnSpc>
-                <a:spcPct val="100000"/>
-              </a:lnSpc>
-              <a:spcBef>
-                <a:spcPts val="0"/>
-              </a:spcBef>
-              <a:spcAft>
-                <a:spcPts val="0"/>
-              </a:spcAft>
-              <a:buNone/>
-            </a:pPr>
-            <a:r>
-              <a:rPr lang="en-US" sz="7200" dirty="0" smtClean="0"/>
-              <a:t>Questions?</a:t>
-            </a:r>
-            <a:endParaRPr lang="en-US" sz="7200" dirty="0"/>
-          </a:p>
-        </p:txBody>
-      </p:sp>
-      <p:sp>
-        <p:nvSpPr>
-          <p:cNvPr id="6" name="TextBox 5"/>
-          <p:cNvSpPr txBox="1"/>
-          <p:nvPr/>
-        </p:nvSpPr>
-        <p:spPr>
-          <a:xfrm rot="12041701" flipH="1">
-            <a:off x="7527114" y="4715840"/>
-            <a:ext cx="949687" cy="1803953"/>
-          </a:xfrm>
-          <a:prstGeom prst="rect">
-            <a:avLst/>
-          </a:prstGeom>
-          <a:noFill/>
-        </p:spPr>
-        <p:txBody>
-          <a:bodyPr wrap="square" rtlCol="0">
-            <a:spAutoFit/>
-            <a:scene3d>
-              <a:camera prst="orthographicFront"/>
-              <a:lightRig rig="threePt" dir="t"/>
-            </a:scene3d>
-            <a:sp3d extrusionH="57150">
-              <a:bevelT w="38100" h="38100" prst="angle"/>
-            </a:sp3d>
-          </a:bodyPr>
-          <a:lstStyle/>
-          <a:p>
-            <a:r>
-              <a:rPr lang="en-US" sz="11500" b="1" dirty="0" smtClean="0">
-                <a:solidFill>
-                  <a:schemeClr val="tx1">
-                    <a:lumMod val="75000"/>
-                  </a:schemeClr>
-                </a:solidFill>
-                <a:effectLst>
-                  <a:reflection blurRad="6350" stA="55000" endA="300" endPos="45500" dir="5400000" sy="-100000" algn="bl" rotWithShape="0"/>
-                </a:effectLst>
-              </a:rPr>
-              <a:t>?</a:t>
-            </a:r>
-            <a:endParaRPr lang="en-US" sz="11500" b="1" dirty="0">
-              <a:solidFill>
-                <a:schemeClr val="tx1">
-                  <a:lumMod val="75000"/>
-                </a:schemeClr>
-              </a:solidFill>
-              <a:effectLst>
-                <a:reflection blurRad="6350" stA="55000" endA="300" endPos="45500" dir="5400000" sy="-100000" algn="bl" rotWithShape="0"/>
-              </a:effectLst>
-            </a:endParaRPr>
-          </a:p>
-        </p:txBody>
-      </p:sp>
-      <p:sp>
-        <p:nvSpPr>
-          <p:cNvPr id="7" name="TextBox 6"/>
-          <p:cNvSpPr txBox="1"/>
-          <p:nvPr/>
-        </p:nvSpPr>
-        <p:spPr>
-          <a:xfrm rot="3464797" flipH="1">
-            <a:off x="968763" y="4574331"/>
-            <a:ext cx="859648" cy="2404656"/>
-          </a:xfrm>
-          <a:prstGeom prst="rect">
-            <a:avLst/>
-          </a:prstGeom>
-          <a:noFill/>
-        </p:spPr>
-        <p:txBody>
-          <a:bodyPr wrap="square" rtlCol="0">
-            <a:spAutoFit/>
-            <a:scene3d>
-              <a:camera prst="orthographicFront"/>
-              <a:lightRig rig="threePt" dir="t"/>
-            </a:scene3d>
-            <a:sp3d extrusionH="57150">
-              <a:bevelT w="38100" h="38100"/>
-            </a:sp3d>
-          </a:bodyPr>
-          <a:lstStyle/>
-          <a:p>
-            <a:r>
-              <a:rPr lang="en-US" sz="14000" b="1" dirty="0" smtClean="0">
-                <a:solidFill>
-                  <a:srgbClr val="FFBF8B"/>
-                </a:solidFill>
-                <a:effectLst>
-                  <a:reflection blurRad="6350" stA="55000" endA="300" endPos="45500" dir="5400000" sy="-100000" algn="bl" rotWithShape="0"/>
-                </a:effectLst>
-                <a:latin typeface="Cambria" pitchFamily="18" charset="0"/>
-              </a:rPr>
-              <a:t>?</a:t>
-            </a:r>
-            <a:endParaRPr lang="en-US" sz="14000" b="1" dirty="0">
-              <a:solidFill>
-                <a:srgbClr val="FFBF8B"/>
-              </a:solidFill>
-              <a:effectLst>
-                <a:reflection blurRad="6350" stA="55000" endA="300" endPos="45500" dir="5400000" sy="-100000" algn="bl" rotWithShape="0"/>
-              </a:effectLst>
-              <a:latin typeface="Cambria" pitchFamily="18" charset="0"/>
-            </a:endParaRPr>
-          </a:p>
-        </p:txBody>
-      </p:sp>
-      <p:sp>
-        <p:nvSpPr>
-          <p:cNvPr id="8" name="TextBox 7"/>
-          <p:cNvSpPr txBox="1"/>
-          <p:nvPr/>
-        </p:nvSpPr>
-        <p:spPr>
-          <a:xfrm rot="9535351" flipH="1">
-            <a:off x="601227" y="2056094"/>
-            <a:ext cx="949687" cy="1401418"/>
-          </a:xfrm>
-          <a:prstGeom prst="rect">
-            <a:avLst/>
-          </a:prstGeom>
-          <a:noFill/>
-        </p:spPr>
-        <p:txBody>
-          <a:bodyPr wrap="square" rtlCol="0">
-            <a:spAutoFit/>
-            <a:scene3d>
-              <a:camera prst="isometricOffAxis1Right"/>
-              <a:lightRig rig="threePt" dir="t"/>
-            </a:scene3d>
-            <a:sp3d extrusionH="57150">
-              <a:bevelT w="38100" h="38100"/>
-            </a:sp3d>
-          </a:bodyPr>
-          <a:lstStyle/>
-          <a:p>
-            <a:r>
-              <a:rPr lang="en-US" sz="8800" dirty="0" smtClean="0">
-                <a:solidFill>
-                  <a:schemeClr val="accent5">
-                    <a:lumMod val="60000"/>
-                    <a:lumOff val="40000"/>
-                  </a:schemeClr>
-                </a:solidFill>
-                <a:effectLst>
-                  <a:reflection blurRad="6350" stA="55000" endA="300" endPos="45500" dir="5400000" sy="-100000" algn="bl" rotWithShape="0"/>
-                </a:effectLst>
-              </a:rPr>
-              <a:t>?</a:t>
-            </a:r>
-            <a:endParaRPr lang="en-US" sz="8800" dirty="0">
-              <a:solidFill>
-                <a:schemeClr val="accent5">
-                  <a:lumMod val="60000"/>
-                  <a:lumOff val="40000"/>
-                </a:schemeClr>
-              </a:solidFill>
-              <a:effectLst>
-                <a:reflection blurRad="6350" stA="55000" endA="300" endPos="45500" dir="5400000" sy="-100000" algn="bl" rotWithShape="0"/>
-              </a:effectLst>
-            </a:endParaRPr>
-          </a:p>
-        </p:txBody>
-      </p:sp>
-      <p:sp>
-        <p:nvSpPr>
-          <p:cNvPr id="9" name="TextBox 8"/>
-          <p:cNvSpPr txBox="1"/>
-          <p:nvPr/>
-        </p:nvSpPr>
-        <p:spPr>
-          <a:xfrm rot="16756950" flipH="1">
-            <a:off x="4765843" y="1417276"/>
-            <a:ext cx="859648" cy="1992899"/>
-          </a:xfrm>
-          <a:prstGeom prst="rect">
-            <a:avLst/>
-          </a:prstGeom>
-          <a:noFill/>
-        </p:spPr>
-        <p:txBody>
-          <a:bodyPr wrap="square" rtlCol="0">
-            <a:spAutoFit/>
-            <a:scene3d>
-              <a:camera prst="orthographicFront"/>
-              <a:lightRig rig="threePt" dir="t"/>
-            </a:scene3d>
-            <a:sp3d extrusionH="57150">
-              <a:bevelT w="38100" h="38100"/>
-            </a:sp3d>
-          </a:bodyPr>
-          <a:lstStyle/>
-          <a:p>
-            <a:r>
-              <a:rPr lang="en-US" sz="11500" b="1" dirty="0" smtClean="0">
-                <a:solidFill>
-                  <a:srgbClr val="FF831D"/>
-                </a:solidFill>
-                <a:effectLst>
-                  <a:reflection blurRad="6350" stA="55000" endA="300" endPos="45500" dir="5400000" sy="-100000" algn="bl" rotWithShape="0"/>
-                </a:effectLst>
-              </a:rPr>
-              <a:t>?</a:t>
-            </a:r>
-            <a:endParaRPr lang="en-US" sz="11500" b="1" dirty="0">
-              <a:solidFill>
-                <a:srgbClr val="FF831D"/>
-              </a:solidFill>
-              <a:effectLst>
-                <a:reflection blurRad="6350" stA="55000" endA="300" endPos="45500" dir="5400000" sy="-100000" algn="bl" rotWithShape="0"/>
-              </a:effectLst>
-            </a:endParaRPr>
-          </a:p>
-        </p:txBody>
-      </p:sp>
-      <p:sp>
-        <p:nvSpPr>
-          <p:cNvPr id="10" name="TextBox 9"/>
-          <p:cNvSpPr txBox="1"/>
-          <p:nvPr/>
-        </p:nvSpPr>
-        <p:spPr>
-          <a:xfrm rot="19836951" flipH="1">
-            <a:off x="7434275" y="1104110"/>
-            <a:ext cx="949687" cy="2492990"/>
-          </a:xfrm>
-          <a:prstGeom prst="rect">
-            <a:avLst/>
-          </a:prstGeom>
-          <a:noFill/>
-        </p:spPr>
-        <p:txBody>
-          <a:bodyPr wrap="square" rtlCol="0">
-            <a:spAutoFit/>
-            <a:scene3d>
-              <a:camera prst="orthographicFront"/>
-              <a:lightRig rig="glow" dir="tl">
-                <a:rot lat="0" lon="0" rev="5400000"/>
-              </a:lightRig>
-            </a:scene3d>
-            <a:sp3d contourW="12700">
-              <a:bevelT w="25400" h="25400"/>
-              <a:contourClr>
-                <a:schemeClr val="accent6">
-                  <a:shade val="73000"/>
-                </a:schemeClr>
-              </a:contourClr>
-            </a:sp3d>
-          </a:bodyPr>
-          <a:lstStyle/>
-          <a:p>
-            <a:r>
-              <a:rPr lang="en-US" sz="15600" b="1" dirty="0" smtClean="0">
-                <a:ln w="11430"/>
-                <a:gradFill>
-                  <a:gsLst>
-                    <a:gs pos="0">
-                      <a:schemeClr val="accent6">
-                        <a:tint val="90000"/>
-                        <a:satMod val="120000"/>
-                      </a:schemeClr>
-                    </a:gs>
-                    <a:gs pos="25000">
-                      <a:schemeClr val="accent6">
-                        <a:tint val="93000"/>
-                        <a:satMod val="120000"/>
-                      </a:schemeClr>
-                    </a:gs>
-                    <a:gs pos="50000">
-                      <a:schemeClr val="accent6">
-                        <a:shade val="89000"/>
-                        <a:satMod val="110000"/>
-                      </a:schemeClr>
-                    </a:gs>
-                    <a:gs pos="75000">
-                      <a:schemeClr val="accent6">
-                        <a:tint val="93000"/>
-                        <a:satMod val="120000"/>
-                      </a:schemeClr>
-                    </a:gs>
-                    <a:gs pos="100000">
-                      <a:schemeClr val="accent6">
-                        <a:tint val="90000"/>
-                        <a:satMod val="120000"/>
-                      </a:schemeClr>
-                    </a:gs>
-                  </a:gsLst>
-                  <a:lin ang="5400000"/>
-                </a:gradFill>
-                <a:effectLst>
-                  <a:innerShdw blurRad="63500" dist="50800" dir="8100000">
-                    <a:prstClr val="black">
-                      <a:alpha val="50000"/>
-                    </a:prstClr>
-                  </a:innerShdw>
-                  <a:reflection blurRad="6350" stA="55000" endA="300" endPos="45500" dir="5400000" sy="-100000" algn="bl" rotWithShape="0"/>
-                </a:effectLst>
-              </a:rPr>
-              <a:t>?</a:t>
-            </a:r>
-            <a:endParaRPr lang="en-US" sz="15600" b="1" dirty="0">
-              <a:ln w="11430"/>
-              <a:gradFill>
-                <a:gsLst>
-                  <a:gs pos="0">
-                    <a:schemeClr val="accent6">
-                      <a:tint val="90000"/>
-                      <a:satMod val="120000"/>
-                    </a:schemeClr>
-                  </a:gs>
-                  <a:gs pos="25000">
-                    <a:schemeClr val="accent6">
-                      <a:tint val="93000"/>
-                      <a:satMod val="120000"/>
-                    </a:schemeClr>
-                  </a:gs>
-                  <a:gs pos="50000">
-                    <a:schemeClr val="accent6">
-                      <a:shade val="89000"/>
-                      <a:satMod val="110000"/>
-                    </a:schemeClr>
-                  </a:gs>
-                  <a:gs pos="75000">
-                    <a:schemeClr val="accent6">
-                      <a:tint val="93000"/>
-                      <a:satMod val="120000"/>
-                    </a:schemeClr>
-                  </a:gs>
-                  <a:gs pos="100000">
-                    <a:schemeClr val="accent6">
-                      <a:tint val="90000"/>
-                      <a:satMod val="120000"/>
-                    </a:schemeClr>
-                  </a:gs>
-                </a:gsLst>
-                <a:lin ang="5400000"/>
-              </a:gradFill>
-              <a:effectLst>
-                <a:innerShdw blurRad="63500" dist="50800" dir="8100000">
-                  <a:prstClr val="black">
-                    <a:alpha val="50000"/>
-                  </a:prstClr>
-                </a:innerShdw>
-                <a:reflection blurRad="6350" stA="55000" endA="300" endPos="45500" dir="5400000" sy="-100000" algn="bl" rotWithShape="0"/>
-              </a:effectLst>
-            </a:endParaRPr>
-          </a:p>
-        </p:txBody>
-      </p:sp>
-      <p:sp>
-        <p:nvSpPr>
-          <p:cNvPr id="11" name="TextBox 10"/>
-          <p:cNvSpPr txBox="1"/>
-          <p:nvPr/>
-        </p:nvSpPr>
-        <p:spPr>
-          <a:xfrm rot="2605647" flipH="1">
-            <a:off x="2066563" y="982617"/>
-            <a:ext cx="584096" cy="924339"/>
-          </a:xfrm>
-          <a:prstGeom prst="rect">
-            <a:avLst/>
-          </a:prstGeom>
-          <a:noFill/>
-        </p:spPr>
-        <p:txBody>
-          <a:bodyPr wrap="square" rtlCol="0">
-            <a:spAutoFit/>
-            <a:scene3d>
-              <a:camera prst="perspectiveHeroicExtremeLeftFacing"/>
-              <a:lightRig rig="threePt" dir="t"/>
-            </a:scene3d>
-            <a:sp3d extrusionH="57150">
-              <a:bevelT w="38100" h="38100"/>
-            </a:sp3d>
-          </a:bodyPr>
-          <a:lstStyle/>
-          <a:p>
-            <a:r>
-              <a:rPr lang="en-US" sz="5600" dirty="0" smtClean="0">
-                <a:solidFill>
-                  <a:schemeClr val="tx2">
-                    <a:lumMod val="75000"/>
-                  </a:schemeClr>
-                </a:solidFill>
-                <a:effectLst>
-                  <a:reflection blurRad="6350" stA="55000" endA="300" endPos="45500" dir="5400000" sy="-100000" algn="bl" rotWithShape="0"/>
-                </a:effectLst>
-              </a:rPr>
-              <a:t>?</a:t>
-            </a:r>
-            <a:endParaRPr lang="en-US" sz="5600" dirty="0">
-              <a:solidFill>
-                <a:schemeClr val="tx2">
-                  <a:lumMod val="75000"/>
-                </a:schemeClr>
-              </a:solidFill>
-              <a:effectLst>
-                <a:reflection blurRad="6350" stA="55000" endA="300" endPos="45500" dir="5400000" sy="-100000" algn="bl" rotWithShape="0"/>
-              </a:effectLst>
-            </a:endParaRPr>
-          </a:p>
-        </p:txBody>
-      </p:sp>
-      <p:sp>
-        <p:nvSpPr>
-          <p:cNvPr id="12" name="TextBox 11"/>
-          <p:cNvSpPr txBox="1"/>
-          <p:nvPr/>
-        </p:nvSpPr>
-        <p:spPr>
-          <a:xfrm rot="8530737" flipH="1">
-            <a:off x="4871755" y="4985327"/>
-            <a:ext cx="643173" cy="1569660"/>
-          </a:xfrm>
-          <a:prstGeom prst="rect">
-            <a:avLst/>
-          </a:prstGeom>
-          <a:noFill/>
-        </p:spPr>
-        <p:txBody>
-          <a:bodyPr wrap="square" rtlCol="0">
-            <a:spAutoFit/>
-            <a:scene3d>
-              <a:camera prst="orthographicFront"/>
-              <a:lightRig rig="threePt" dir="t"/>
-            </a:scene3d>
-            <a:sp3d extrusionH="57150">
-              <a:bevelT w="38100" h="38100"/>
-            </a:sp3d>
-          </a:bodyPr>
-          <a:lstStyle/>
-          <a:p>
-            <a:r>
-              <a:rPr lang="en-US" sz="9600" dirty="0" smtClean="0">
-                <a:solidFill>
-                  <a:srgbClr val="FF4A37"/>
-                </a:solidFill>
-                <a:effectLst>
-                  <a:reflection blurRad="6350" stA="60000" endA="900" endPos="60000" dist="29997" dir="5400000" sy="-100000" algn="bl" rotWithShape="0"/>
-                </a:effectLst>
-              </a:rPr>
-              <a:t>?</a:t>
-            </a:r>
-            <a:endParaRPr lang="en-US" sz="9600" dirty="0">
-              <a:solidFill>
-                <a:srgbClr val="FF4A37"/>
-              </a:solidFill>
-              <a:effectLst>
-                <a:reflection blurRad="6350" stA="60000" endA="900" endPos="60000" dist="29997" dir="5400000" sy="-100000" algn="bl" rotWithShape="0"/>
-              </a:effectLst>
-            </a:endParaRPr>
-          </a:p>
-        </p:txBody>
-      </p:sp>
-      <p:sp>
-        <p:nvSpPr>
-          <p:cNvPr id="13" name="TextBox 12"/>
-          <p:cNvSpPr txBox="1"/>
-          <p:nvPr/>
-        </p:nvSpPr>
-        <p:spPr>
-          <a:xfrm rot="12627025" flipH="1">
-            <a:off x="2802718" y="4298210"/>
-            <a:ext cx="584096" cy="626166"/>
-          </a:xfrm>
-          <a:prstGeom prst="rect">
-            <a:avLst/>
-          </a:prstGeom>
-          <a:noFill/>
-        </p:spPr>
-        <p:txBody>
-          <a:bodyPr wrap="square" rtlCol="0">
-            <a:spAutoFit/>
-            <a:scene3d>
-              <a:camera prst="orthographicFront"/>
-              <a:lightRig rig="threePt" dir="t"/>
-            </a:scene3d>
-            <a:sp3d extrusionH="57150">
-              <a:bevelT w="38100" h="38100"/>
-            </a:sp3d>
-          </a:bodyPr>
-          <a:lstStyle/>
-          <a:p>
-            <a:r>
-              <a:rPr lang="en-US" sz="3600" dirty="0" smtClean="0">
-                <a:solidFill>
-                  <a:schemeClr val="tx2">
-                    <a:lumMod val="40000"/>
-                    <a:lumOff val="60000"/>
-                  </a:schemeClr>
-                </a:solidFill>
-                <a:effectLst>
-                  <a:reflection blurRad="6350" stA="55000" endA="300" endPos="45500" dir="5400000" sy="-100000" algn="bl" rotWithShape="0"/>
-                </a:effectLst>
-              </a:rPr>
-              <a:t>?</a:t>
-            </a:r>
-            <a:endParaRPr lang="en-US" sz="3600" dirty="0">
-              <a:solidFill>
-                <a:schemeClr val="tx2">
-                  <a:lumMod val="40000"/>
-                  <a:lumOff val="60000"/>
-                </a:schemeClr>
-              </a:solidFill>
-              <a:effectLst>
-                <a:reflection blurRad="6350" stA="55000" endA="300" endPos="45500" dir="5400000" sy="-100000" algn="bl" rotWithShape="0"/>
-              </a:effectLst>
-            </a:endParaRPr>
-          </a:p>
-        </p:txBody>
-      </p:sp>
-      <p:sp>
-        <p:nvSpPr>
-          <p:cNvPr id="15" name="TextBox 14"/>
-          <p:cNvSpPr txBox="1"/>
-          <p:nvPr/>
-        </p:nvSpPr>
-        <p:spPr>
-          <a:xfrm rot="1186146" flipH="1">
-            <a:off x="6185957" y="4402802"/>
-            <a:ext cx="499379" cy="1107996"/>
-          </a:xfrm>
-          <a:prstGeom prst="rect">
-            <a:avLst/>
-          </a:prstGeom>
-          <a:noFill/>
-        </p:spPr>
-        <p:txBody>
-          <a:bodyPr wrap="square" rtlCol="0">
-            <a:spAutoFit/>
-            <a:scene3d>
-              <a:camera prst="orthographicFront"/>
-              <a:lightRig rig="threePt" dir="t"/>
-            </a:scene3d>
-            <a:sp3d extrusionH="57150">
-              <a:bevelT w="69850" h="69850" prst="divot"/>
-            </a:sp3d>
-          </a:bodyPr>
-          <a:lstStyle/>
-          <a:p>
-            <a:r>
-              <a:rPr lang="en-US" sz="6600" dirty="0" smtClean="0">
-                <a:solidFill>
-                  <a:srgbClr val="9966FF"/>
-                </a:solidFill>
-                <a:effectLst>
-                  <a:reflection blurRad="6350" stA="55000" endA="300" endPos="45500" dir="5400000" sy="-100000" algn="bl" rotWithShape="0"/>
-                </a:effectLst>
-              </a:rPr>
-              <a:t>?</a:t>
-            </a:r>
-            <a:endParaRPr lang="en-US" sz="6600" dirty="0">
-              <a:solidFill>
-                <a:srgbClr val="9966FF"/>
-              </a:solidFill>
-              <a:effectLst>
-                <a:reflection blurRad="6350" stA="55000" endA="300" endPos="45500" dir="5400000" sy="-100000" algn="bl" rotWithShape="0"/>
-              </a:effectLst>
-            </a:endParaRPr>
-          </a:p>
-        </p:txBody>
-      </p:sp>
-      <p:sp>
-        <p:nvSpPr>
-          <p:cNvPr id="14" name="TextBox 13"/>
-          <p:cNvSpPr txBox="1"/>
-          <p:nvPr/>
-        </p:nvSpPr>
-        <p:spPr>
-          <a:xfrm rot="19460650" flipH="1">
-            <a:off x="2913797" y="2280258"/>
-            <a:ext cx="489197" cy="769441"/>
-          </a:xfrm>
-          <a:prstGeom prst="rect">
-            <a:avLst/>
-          </a:prstGeom>
-          <a:noFill/>
-        </p:spPr>
-        <p:txBody>
-          <a:bodyPr wrap="square" rtlCol="0">
-            <a:prstTxWarp prst="textInflate">
-              <a:avLst/>
-            </a:prstTxWarp>
-            <a:spAutoFit/>
-            <a:scene3d>
-              <a:camera prst="perspectiveRelaxedModerately"/>
-              <a:lightRig rig="threePt" dir="t"/>
-            </a:scene3d>
-            <a:sp3d extrusionH="57150">
-              <a:bevelT w="38100" h="38100"/>
-            </a:sp3d>
-          </a:bodyPr>
-          <a:lstStyle/>
-          <a:p>
-            <a:r>
-              <a:rPr lang="en-US" sz="4400" dirty="0" smtClean="0">
-                <a:solidFill>
-                  <a:srgbClr val="FF6699"/>
-                </a:solidFill>
-                <a:effectLst>
-                  <a:reflection blurRad="6350" stA="55000" endA="300" endPos="45500" dir="5400000" sy="-100000" algn="bl" rotWithShape="0"/>
-                </a:effectLst>
-              </a:rPr>
-              <a:t>?</a:t>
-            </a:r>
-            <a:endParaRPr lang="en-US" sz="4400" dirty="0">
-              <a:solidFill>
-                <a:srgbClr val="FF6699"/>
-              </a:solidFill>
-              <a:effectLst>
-                <a:reflection blurRad="6350" stA="55000" endA="300" endPos="45500" dir="5400000" sy="-100000" algn="bl" rotWithShape="0"/>
-              </a:effectLst>
-            </a:endParaRPr>
-          </a:p>
-        </p:txBody>
-      </p:sp>
-      <p:sp>
-        <p:nvSpPr>
-          <p:cNvPr id="16" name="TextBox 15"/>
-          <p:cNvSpPr txBox="1"/>
-          <p:nvPr/>
-        </p:nvSpPr>
-        <p:spPr>
-          <a:xfrm>
-            <a:off x="6158093" y="6412468"/>
-            <a:ext cx="2909707" cy="369332"/>
-          </a:xfrm>
-          <a:prstGeom prst="rect">
-            <a:avLst/>
-          </a:prstGeom>
-          <a:noFill/>
-        </p:spPr>
-        <p:txBody>
-          <a:bodyPr wrap="none" rtlCol="0">
-            <a:spAutoFit/>
-          </a:bodyPr>
-          <a:lstStyle>
-            <a:defPPr>
-              <a:defRPr lang="en-US"/>
-            </a:defPPr>
-            <a:lvl1pPr algn="l" rtl="0" fontAlgn="base">
-              <a:spcBef>
-                <a:spcPct val="0"/>
-              </a:spcBef>
-              <a:spcAft>
-                <a:spcPct val="0"/>
-              </a:spcAft>
-              <a:defRPr sz="2500" kern="1200">
-                <a:solidFill>
-                  <a:srgbClr val="EBFFC2"/>
-                </a:solidFill>
-                <a:latin typeface="Corbel" pitchFamily="34" charset="0"/>
-                <a:ea typeface="+mn-ea"/>
-                <a:cs typeface="+mn-cs"/>
-              </a:defRPr>
-            </a:lvl1pPr>
-            <a:lvl2pPr marL="457200" algn="l" rtl="0" fontAlgn="base">
-              <a:spcBef>
-                <a:spcPct val="0"/>
-              </a:spcBef>
-              <a:spcAft>
-                <a:spcPct val="0"/>
-              </a:spcAft>
-              <a:defRPr sz="2500" kern="1200">
-                <a:solidFill>
-                  <a:srgbClr val="EBFFC2"/>
-                </a:solidFill>
-                <a:latin typeface="Corbel" pitchFamily="34" charset="0"/>
-                <a:ea typeface="+mn-ea"/>
-                <a:cs typeface="+mn-cs"/>
-              </a:defRPr>
-            </a:lvl2pPr>
-            <a:lvl3pPr marL="914400" algn="l" rtl="0" fontAlgn="base">
-              <a:spcBef>
-                <a:spcPct val="0"/>
-              </a:spcBef>
-              <a:spcAft>
-                <a:spcPct val="0"/>
-              </a:spcAft>
-              <a:defRPr sz="2500" kern="1200">
-                <a:solidFill>
-                  <a:srgbClr val="EBFFC2"/>
-                </a:solidFill>
-                <a:latin typeface="Corbel" pitchFamily="34" charset="0"/>
-                <a:ea typeface="+mn-ea"/>
-                <a:cs typeface="+mn-cs"/>
-              </a:defRPr>
-            </a:lvl3pPr>
-            <a:lvl4pPr marL="1371600" algn="l" rtl="0" fontAlgn="base">
-              <a:spcBef>
-                <a:spcPct val="0"/>
-              </a:spcBef>
-              <a:spcAft>
-                <a:spcPct val="0"/>
-              </a:spcAft>
-              <a:defRPr sz="2500" kern="1200">
-                <a:solidFill>
-                  <a:srgbClr val="EBFFC2"/>
-                </a:solidFill>
-                <a:latin typeface="Corbel" pitchFamily="34" charset="0"/>
-                <a:ea typeface="+mn-ea"/>
-                <a:cs typeface="+mn-cs"/>
-              </a:defRPr>
-            </a:lvl4pPr>
-            <a:lvl5pPr marL="1828800" algn="l" rtl="0" fontAlgn="base">
-              <a:spcBef>
-                <a:spcPct val="0"/>
-              </a:spcBef>
-              <a:spcAft>
-                <a:spcPct val="0"/>
-              </a:spcAft>
-              <a:defRPr sz="2500" kern="1200">
-                <a:solidFill>
-                  <a:srgbClr val="EBFFC2"/>
-                </a:solidFill>
-                <a:latin typeface="Corbel" pitchFamily="34" charset="0"/>
-                <a:ea typeface="+mn-ea"/>
-                <a:cs typeface="+mn-cs"/>
-              </a:defRPr>
-            </a:lvl5pPr>
-            <a:lvl6pPr marL="2286000" algn="l" defTabSz="914400" rtl="0" eaLnBrk="1" latinLnBrk="0" hangingPunct="1">
-              <a:defRPr sz="2500" kern="1200">
-                <a:solidFill>
-                  <a:srgbClr val="EBFFC2"/>
-                </a:solidFill>
-                <a:latin typeface="Corbel" pitchFamily="34" charset="0"/>
-                <a:ea typeface="+mn-ea"/>
-                <a:cs typeface="+mn-cs"/>
-              </a:defRPr>
-            </a:lvl6pPr>
-            <a:lvl7pPr marL="2743200" algn="l" defTabSz="914400" rtl="0" eaLnBrk="1" latinLnBrk="0" hangingPunct="1">
-              <a:defRPr sz="2500" kern="1200">
-                <a:solidFill>
-                  <a:srgbClr val="EBFFC2"/>
-                </a:solidFill>
-                <a:latin typeface="Corbel" pitchFamily="34" charset="0"/>
-                <a:ea typeface="+mn-ea"/>
-                <a:cs typeface="+mn-cs"/>
-              </a:defRPr>
-            </a:lvl7pPr>
-            <a:lvl8pPr marL="3200400" algn="l" defTabSz="914400" rtl="0" eaLnBrk="1" latinLnBrk="0" hangingPunct="1">
-              <a:defRPr sz="2500" kern="1200">
-                <a:solidFill>
-                  <a:srgbClr val="EBFFC2"/>
-                </a:solidFill>
-                <a:latin typeface="Corbel" pitchFamily="34" charset="0"/>
-                <a:ea typeface="+mn-ea"/>
-                <a:cs typeface="+mn-cs"/>
-              </a:defRPr>
-            </a:lvl8pPr>
-            <a:lvl9pPr marL="3657600" algn="l" defTabSz="914400" rtl="0" eaLnBrk="1" latinLnBrk="0" hangingPunct="1">
-              <a:defRPr sz="2500" kern="1200">
-                <a:solidFill>
-                  <a:srgbClr val="EBFFC2"/>
-                </a:solidFill>
-                <a:latin typeface="Corbel" pitchFamily="34" charset="0"/>
-                <a:ea typeface="+mn-ea"/>
-                <a:cs typeface="+mn-cs"/>
-              </a:defRPr>
-            </a:lvl9pPr>
-          </a:lstStyle>
-          <a:p>
-            <a:pPr algn="r"/>
-            <a:r>
-              <a:rPr lang="en-US" sz="1800" b="1" dirty="0" smtClean="0">
-                <a:hlinkClick r:id="rId2"/>
-              </a:rPr>
-              <a:t>http://academy.telerik.com</a:t>
-            </a:r>
-            <a:endParaRPr lang="en-US" sz="1800" b="1" dirty="0"/>
-          </a:p>
-        </p:txBody>
-      </p:sp>
-    </p:spTree>
-    <p:extLst>
-      <p:ext uri="{BB962C8B-B14F-4D97-AF65-F5344CB8AC3E}">
-        <p14:creationId xmlns:p14="http://schemas.microsoft.com/office/powerpoint/2010/main" val="3603451774"/>
-      </p:ext>
-    </p:extLst>
-  </p:cSld>
-  <p:clrMapOvr>
-    <a:masterClrMapping/>
-  </p:clrMapOvr>
-  <p:transition/>
   <p:timing>
     <p:tnLst>
       <p:par>
@@ -34578,7 +29510,7 @@
   <a:themeElements>
     <a:clrScheme name="Telerik Colors Theme">
       <a:dk1>
-        <a:sysClr val="windowText" lastClr="535353"/>
+        <a:sysClr val="windowText" lastClr="000000"/>
       </a:dk1>
       <a:lt1>
         <a:srgbClr val="CCFF66"/>
@@ -34895,7 +29827,7 @@
   <a:themeElements>
     <a:clrScheme name="Telerik Colors Theme">
       <a:dk1>
-        <a:sysClr val="windowText" lastClr="535353"/>
+        <a:sysClr val="windowText" lastClr="000000"/>
       </a:dk1>
       <a:lt1>
         <a:srgbClr val="CCFF66"/>
@@ -35212,7 +30144,7 @@
   <a:themeElements>
     <a:clrScheme name="Office">
       <a:dk1>
-        <a:sysClr val="windowText" lastClr="535353"/>
+        <a:sysClr val="windowText" lastClr="000000"/>
       </a:dk1>
       <a:lt1>
         <a:sysClr val="window" lastClr="FFFFFF"/>
@@ -35495,7 +30427,7 @@
   <a:themeElements>
     <a:clrScheme name="Office">
       <a:dk1>
-        <a:sysClr val="windowText" lastClr="535353"/>
+        <a:sysClr val="windowText" lastClr="000000"/>
       </a:dk1>
       <a:lt1>
         <a:sysClr val="window" lastClr="FFFFFF"/>
